--- a/docs/redis-01.pptx
+++ b/docs/redis-01.pptx
@@ -16,6 +16,15 @@
     <p:sldId id="264" r:id="rId10"/>
     <p:sldId id="265" r:id="rId11"/>
     <p:sldId id="266" r:id="rId12"/>
+    <p:sldId id="267" r:id="rId13"/>
+    <p:sldId id="268" r:id="rId14"/>
+    <p:sldId id="269" r:id="rId15"/>
+    <p:sldId id="270" r:id="rId16"/>
+    <p:sldId id="271" r:id="rId17"/>
+    <p:sldId id="274" r:id="rId18"/>
+    <p:sldId id="272" r:id="rId19"/>
+    <p:sldId id="273" r:id="rId20"/>
+    <p:sldId id="275" r:id="rId21"/>
   </p:sldIdLst>
   <p:sldSz cx="9144000" cy="6858000" type="screen4x3"/>
   <p:notesSz cx="6858000" cy="9144000"/>
@@ -291,7 +300,7 @@
             <a:fld id="{530820CF-B880-4189-942D-D702A7CBA730}" type="datetimeFigureOut">
               <a:rPr lang="zh-CN" altLang="en-US" smtClean="0"/>
               <a:pPr/>
-              <a:t>2018/3/8</a:t>
+              <a:t>2018-03-08</a:t>
             </a:fld>
             <a:endParaRPr lang="zh-CN" altLang="en-US"/>
           </a:p>
@@ -458,7 +467,7 @@
             <a:fld id="{530820CF-B880-4189-942D-D702A7CBA730}" type="datetimeFigureOut">
               <a:rPr lang="zh-CN" altLang="en-US" smtClean="0"/>
               <a:pPr/>
-              <a:t>2018/3/8</a:t>
+              <a:t>2018-03-08</a:t>
             </a:fld>
             <a:endParaRPr lang="zh-CN" altLang="en-US"/>
           </a:p>
@@ -635,7 +644,7 @@
             <a:fld id="{530820CF-B880-4189-942D-D702A7CBA730}" type="datetimeFigureOut">
               <a:rPr lang="zh-CN" altLang="en-US" smtClean="0"/>
               <a:pPr/>
-              <a:t>2018/3/8</a:t>
+              <a:t>2018-03-08</a:t>
             </a:fld>
             <a:endParaRPr lang="zh-CN" altLang="en-US"/>
           </a:p>
@@ -802,7 +811,7 @@
             <a:fld id="{530820CF-B880-4189-942D-D702A7CBA730}" type="datetimeFigureOut">
               <a:rPr lang="zh-CN" altLang="en-US" smtClean="0"/>
               <a:pPr/>
-              <a:t>2018/3/8</a:t>
+              <a:t>2018-03-08</a:t>
             </a:fld>
             <a:endParaRPr lang="zh-CN" altLang="en-US"/>
           </a:p>
@@ -1046,7 +1055,7 @@
             <a:fld id="{530820CF-B880-4189-942D-D702A7CBA730}" type="datetimeFigureOut">
               <a:rPr lang="zh-CN" altLang="en-US" smtClean="0"/>
               <a:pPr/>
-              <a:t>2018/3/8</a:t>
+              <a:t>2018-03-08</a:t>
             </a:fld>
             <a:endParaRPr lang="zh-CN" altLang="en-US"/>
           </a:p>
@@ -1312,7 +1321,7 @@
             <a:fld id="{530820CF-B880-4189-942D-D702A7CBA730}" type="datetimeFigureOut">
               <a:rPr lang="zh-CN" altLang="en-US" smtClean="0"/>
               <a:pPr/>
-              <a:t>2018/3/8</a:t>
+              <a:t>2018-03-08</a:t>
             </a:fld>
             <a:endParaRPr lang="zh-CN" altLang="en-US"/>
           </a:p>
@@ -1692,7 +1701,7 @@
             <a:fld id="{530820CF-B880-4189-942D-D702A7CBA730}" type="datetimeFigureOut">
               <a:rPr lang="zh-CN" altLang="en-US" smtClean="0"/>
               <a:pPr/>
-              <a:t>2018/3/8</a:t>
+              <a:t>2018-03-08</a:t>
             </a:fld>
             <a:endParaRPr lang="zh-CN" altLang="en-US"/>
           </a:p>
@@ -1844,7 +1853,7 @@
             <a:fld id="{530820CF-B880-4189-942D-D702A7CBA730}" type="datetimeFigureOut">
               <a:rPr lang="zh-CN" altLang="en-US" smtClean="0"/>
               <a:pPr/>
-              <a:t>2018/3/8</a:t>
+              <a:t>2018-03-08</a:t>
             </a:fld>
             <a:endParaRPr lang="zh-CN" altLang="en-US"/>
           </a:p>
@@ -1936,7 +1945,7 @@
             <a:fld id="{530820CF-B880-4189-942D-D702A7CBA730}" type="datetimeFigureOut">
               <a:rPr lang="zh-CN" altLang="en-US" smtClean="0"/>
               <a:pPr/>
-              <a:t>2018/3/8</a:t>
+              <a:t>2018-03-08</a:t>
             </a:fld>
             <a:endParaRPr lang="zh-CN" altLang="en-US"/>
           </a:p>
@@ -2199,7 +2208,7 @@
             <a:fld id="{530820CF-B880-4189-942D-D702A7CBA730}" type="datetimeFigureOut">
               <a:rPr lang="zh-CN" altLang="en-US" smtClean="0"/>
               <a:pPr/>
-              <a:t>2018/3/8</a:t>
+              <a:t>2018-03-08</a:t>
             </a:fld>
             <a:endParaRPr lang="zh-CN" altLang="en-US"/>
           </a:p>
@@ -2489,7 +2498,7 @@
             <a:fld id="{530820CF-B880-4189-942D-D702A7CBA730}" type="datetimeFigureOut">
               <a:rPr lang="zh-CN" altLang="en-US" smtClean="0"/>
               <a:pPr/>
-              <a:t>2018/3/8</a:t>
+              <a:t>2018-03-08</a:t>
             </a:fld>
             <a:endParaRPr lang="zh-CN" altLang="en-US"/>
           </a:p>
@@ -3262,7 +3271,7 @@
             <a:fld id="{530820CF-B880-4189-942D-D702A7CBA730}" type="datetimeFigureOut">
               <a:rPr lang="zh-CN" altLang="en-US" smtClean="0"/>
               <a:pPr/>
-              <a:t>2018/3/8</a:t>
+              <a:t>2018-03-08</a:t>
             </a:fld>
             <a:endParaRPr lang="zh-CN" altLang="en-US"/>
           </a:p>
@@ -4370,6 +4379,2669 @@
 </p:sld>
 </file>
 
+<file path=ppt/slides/slide12.xml><?xml version="1.0" encoding="utf-8"?>
+<p:sld xmlns:a="http://schemas.openxmlformats.org/drawingml/2006/main" xmlns:r="http://schemas.openxmlformats.org/officeDocument/2006/relationships" xmlns:p="http://schemas.openxmlformats.org/presentationml/2006/main">
+  <p:cSld>
+    <p:spTree>
+      <p:nvGrpSpPr>
+        <p:cNvPr id="1" name=""/>
+        <p:cNvGrpSpPr/>
+        <p:nvPr/>
+      </p:nvGrpSpPr>
+      <p:grpSpPr>
+        <a:xfrm>
+          <a:off x="0" y="0"/>
+          <a:ext cx="0" cy="0"/>
+          <a:chOff x="0" y="0"/>
+          <a:chExt cx="0" cy="0"/>
+        </a:xfrm>
+      </p:grpSpPr>
+      <p:sp>
+        <p:nvSpPr>
+          <p:cNvPr id="2" name="标题 1"/>
+          <p:cNvSpPr>
+            <a:spLocks noGrp="1"/>
+          </p:cNvSpPr>
+          <p:nvPr>
+            <p:ph type="ctrTitle"/>
+          </p:nvPr>
+        </p:nvSpPr>
+        <p:spPr>
+          <a:xfrm>
+            <a:off x="214282" y="857232"/>
+            <a:ext cx="8929718" cy="785818"/>
+          </a:xfrm>
+        </p:spPr>
+        <p:txBody>
+          <a:bodyPr anchor="ctr">
+            <a:noAutofit/>
+          </a:bodyPr>
+          <a:lstStyle/>
+          <a:p>
+            <a:pPr algn="just"/>
+            <a:r>
+              <a:rPr lang="en-US" altLang="zh-CN" sz="5400" spc="-150" dirty="0" err="1" smtClean="0">
+                <a:effectLst/>
+              </a:rPr>
+              <a:t>Redis</a:t>
+            </a:r>
+            <a:r>
+              <a:rPr lang="zh-CN" altLang="en-US" sz="5400" spc="-150" dirty="0" smtClean="0">
+                <a:effectLst/>
+              </a:rPr>
+              <a:t>的</a:t>
+            </a:r>
+            <a:r>
+              <a:rPr lang="zh-CN" altLang="en-US" sz="5400" spc="-150" dirty="0" smtClean="0">
+                <a:effectLst/>
+              </a:rPr>
+              <a:t>数</a:t>
+            </a:r>
+            <a:r>
+              <a:rPr lang="zh-CN" altLang="en-US" sz="5400" spc="-150" dirty="0" smtClean="0">
+                <a:effectLst/>
+              </a:rPr>
+              <a:t>据存储</a:t>
+            </a:r>
+            <a:endParaRPr lang="zh-CN" altLang="en-US" sz="5400" spc="-150" dirty="0">
+              <a:effectLst/>
+            </a:endParaRPr>
+          </a:p>
+        </p:txBody>
+      </p:sp>
+      <p:sp>
+        <p:nvSpPr>
+          <p:cNvPr id="4" name="TextBox 3"/>
+          <p:cNvSpPr txBox="1"/>
+          <p:nvPr/>
+        </p:nvSpPr>
+        <p:spPr>
+          <a:xfrm>
+            <a:off x="142844" y="1714488"/>
+            <a:ext cx="8786874" cy="3477875"/>
+          </a:xfrm>
+          <a:prstGeom prst="rect">
+            <a:avLst/>
+          </a:prstGeom>
+          <a:noFill/>
+        </p:spPr>
+        <p:txBody>
+          <a:bodyPr wrap="square" rtlCol="0">
+            <a:spAutoFit/>
+          </a:bodyPr>
+          <a:lstStyle/>
+          <a:p>
+            <a:r>
+              <a:rPr lang="en-US" altLang="zh-CN" sz="4400" dirty="0" err="1" smtClean="0">
+                <a:solidFill>
+                  <a:srgbClr val="FFFF00"/>
+                </a:solidFill>
+                <a:latin typeface="Calibri" pitchFamily="34" charset="0"/>
+                <a:ea typeface="隶书" pitchFamily="49" charset="-122"/>
+                <a:cs typeface="Calibri" pitchFamily="34" charset="0"/>
+              </a:rPr>
+              <a:t>redis</a:t>
+            </a:r>
+            <a:r>
+              <a:rPr lang="zh-CN" altLang="en-US" sz="4400" dirty="0" smtClean="0">
+                <a:solidFill>
+                  <a:srgbClr val="FFFF00"/>
+                </a:solidFill>
+                <a:latin typeface="Calibri" pitchFamily="34" charset="0"/>
+                <a:ea typeface="隶书" pitchFamily="49" charset="-122"/>
+                <a:cs typeface="Calibri" pitchFamily="34" charset="0"/>
+              </a:rPr>
+              <a:t>里的数据（</a:t>
+            </a:r>
+            <a:r>
+              <a:rPr lang="en-US" altLang="zh-CN" sz="4400" dirty="0" smtClean="0">
+                <a:solidFill>
+                  <a:srgbClr val="FFFF00"/>
+                </a:solidFill>
+                <a:latin typeface="Calibri" pitchFamily="34" charset="0"/>
+                <a:ea typeface="隶书" pitchFamily="49" charset="-122"/>
+                <a:cs typeface="Calibri" pitchFamily="34" charset="0"/>
+              </a:rPr>
+              <a:t>key/value</a:t>
+            </a:r>
+            <a:r>
+              <a:rPr lang="zh-CN" altLang="en-US" sz="4400" dirty="0" smtClean="0">
+                <a:solidFill>
+                  <a:srgbClr val="FFFF00"/>
+                </a:solidFill>
+                <a:latin typeface="Calibri" pitchFamily="34" charset="0"/>
+                <a:ea typeface="隶书" pitchFamily="49" charset="-122"/>
+                <a:cs typeface="Calibri" pitchFamily="34" charset="0"/>
+              </a:rPr>
+              <a:t>）都是以二进制（字节）的形式存储</a:t>
+            </a:r>
+            <a:endParaRPr lang="en-US" altLang="zh-CN" sz="4400" dirty="0" smtClean="0">
+              <a:solidFill>
+                <a:srgbClr val="FFFF00"/>
+              </a:solidFill>
+              <a:latin typeface="Calibri" pitchFamily="34" charset="0"/>
+              <a:ea typeface="隶书" pitchFamily="49" charset="-122"/>
+              <a:cs typeface="Calibri" pitchFamily="34" charset="0"/>
+            </a:endParaRPr>
+          </a:p>
+          <a:p>
+            <a:r>
+              <a:rPr lang="zh-CN" altLang="en-US" sz="4400" dirty="0" smtClean="0">
+                <a:solidFill>
+                  <a:srgbClr val="FFFF00"/>
+                </a:solidFill>
+                <a:latin typeface="Calibri" pitchFamily="34" charset="0"/>
+                <a:ea typeface="隶书" pitchFamily="49" charset="-122"/>
+                <a:cs typeface="Calibri" pitchFamily="34" charset="0"/>
+              </a:rPr>
+              <a:t>所</a:t>
+            </a:r>
+            <a:r>
+              <a:rPr lang="zh-CN" altLang="en-US" sz="4400" dirty="0" smtClean="0">
+                <a:solidFill>
+                  <a:srgbClr val="FFFF00"/>
+                </a:solidFill>
+                <a:latin typeface="Calibri" pitchFamily="34" charset="0"/>
+                <a:ea typeface="隶书" pitchFamily="49" charset="-122"/>
+                <a:cs typeface="Calibri" pitchFamily="34" charset="0"/>
+              </a:rPr>
+              <a:t>以字符串、对象、图片、音频、视频、文件等，对于</a:t>
+            </a:r>
+            <a:r>
+              <a:rPr lang="en-US" altLang="zh-CN" sz="4400" dirty="0" err="1" smtClean="0">
+                <a:solidFill>
+                  <a:srgbClr val="FFFF00"/>
+                </a:solidFill>
+                <a:latin typeface="Calibri" pitchFamily="34" charset="0"/>
+                <a:ea typeface="隶书" pitchFamily="49" charset="-122"/>
+                <a:cs typeface="Calibri" pitchFamily="34" charset="0"/>
+              </a:rPr>
+              <a:t>redis</a:t>
+            </a:r>
+            <a:r>
+              <a:rPr lang="zh-CN" altLang="en-US" sz="4400" dirty="0" smtClean="0">
+                <a:solidFill>
+                  <a:srgbClr val="FFFF00"/>
+                </a:solidFill>
+                <a:latin typeface="Calibri" pitchFamily="34" charset="0"/>
+                <a:ea typeface="隶书" pitchFamily="49" charset="-122"/>
+                <a:cs typeface="Calibri" pitchFamily="34" charset="0"/>
+              </a:rPr>
+              <a:t>来说没有任何区别</a:t>
+            </a:r>
+            <a:endParaRPr lang="en-US" altLang="zh-CN" sz="4400" dirty="0" smtClean="0">
+              <a:solidFill>
+                <a:srgbClr val="FFFF00"/>
+              </a:solidFill>
+              <a:latin typeface="Calibri" pitchFamily="34" charset="0"/>
+              <a:ea typeface="隶书" pitchFamily="49" charset="-122"/>
+              <a:cs typeface="Calibri" pitchFamily="34" charset="0"/>
+            </a:endParaRPr>
+          </a:p>
+        </p:txBody>
+      </p:sp>
+    </p:spTree>
+  </p:cSld>
+  <p:clrMapOvr>
+    <a:masterClrMapping/>
+  </p:clrMapOvr>
+  <p:timing>
+    <p:tnLst>
+      <p:par>
+        <p:cTn id="1" dur="indefinite" restart="never" nodeType="tmRoot"/>
+      </p:par>
+    </p:tnLst>
+  </p:timing>
+</p:sld>
+</file>
+
+<file path=ppt/slides/slide13.xml><?xml version="1.0" encoding="utf-8"?>
+<p:sld xmlns:a="http://schemas.openxmlformats.org/drawingml/2006/main" xmlns:r="http://schemas.openxmlformats.org/officeDocument/2006/relationships" xmlns:p="http://schemas.openxmlformats.org/presentationml/2006/main">
+  <p:cSld>
+    <p:spTree>
+      <p:nvGrpSpPr>
+        <p:cNvPr id="1" name=""/>
+        <p:cNvGrpSpPr/>
+        <p:nvPr/>
+      </p:nvGrpSpPr>
+      <p:grpSpPr>
+        <a:xfrm>
+          <a:off x="0" y="0"/>
+          <a:ext cx="0" cy="0"/>
+          <a:chOff x="0" y="0"/>
+          <a:chExt cx="0" cy="0"/>
+        </a:xfrm>
+      </p:grpSpPr>
+      <p:sp>
+        <p:nvSpPr>
+          <p:cNvPr id="2" name="标题 1"/>
+          <p:cNvSpPr>
+            <a:spLocks noGrp="1"/>
+          </p:cNvSpPr>
+          <p:nvPr>
+            <p:ph type="ctrTitle"/>
+          </p:nvPr>
+        </p:nvSpPr>
+        <p:spPr>
+          <a:xfrm>
+            <a:off x="214282" y="857232"/>
+            <a:ext cx="8929718" cy="785818"/>
+          </a:xfrm>
+        </p:spPr>
+        <p:txBody>
+          <a:bodyPr anchor="ctr">
+            <a:noAutofit/>
+          </a:bodyPr>
+          <a:lstStyle/>
+          <a:p>
+            <a:pPr algn="just"/>
+            <a:r>
+              <a:rPr lang="en-US" altLang="zh-CN" sz="5400" spc="-150" dirty="0" err="1" smtClean="0">
+                <a:effectLst/>
+              </a:rPr>
+              <a:t>Redis</a:t>
+            </a:r>
+            <a:r>
+              <a:rPr lang="zh-CN" altLang="en-US" sz="5400" spc="-150" dirty="0" smtClean="0">
+                <a:effectLst/>
+              </a:rPr>
+              <a:t>的</a:t>
+            </a:r>
+            <a:r>
+              <a:rPr lang="zh-CN" altLang="en-US" sz="5400" spc="-150" dirty="0" smtClean="0">
+                <a:effectLst/>
+              </a:rPr>
+              <a:t>数</a:t>
+            </a:r>
+            <a:r>
+              <a:rPr lang="zh-CN" altLang="en-US" sz="5400" spc="-150" dirty="0" smtClean="0">
+                <a:effectLst/>
+              </a:rPr>
+              <a:t>据类型</a:t>
+            </a:r>
+            <a:endParaRPr lang="zh-CN" altLang="en-US" sz="5400" spc="-150" dirty="0">
+              <a:effectLst/>
+            </a:endParaRPr>
+          </a:p>
+        </p:txBody>
+      </p:sp>
+      <p:sp>
+        <p:nvSpPr>
+          <p:cNvPr id="4" name="TextBox 3"/>
+          <p:cNvSpPr txBox="1"/>
+          <p:nvPr/>
+        </p:nvSpPr>
+        <p:spPr>
+          <a:xfrm>
+            <a:off x="142844" y="1714488"/>
+            <a:ext cx="8786874" cy="3477875"/>
+          </a:xfrm>
+          <a:prstGeom prst="rect">
+            <a:avLst/>
+          </a:prstGeom>
+          <a:noFill/>
+        </p:spPr>
+        <p:txBody>
+          <a:bodyPr wrap="square" rtlCol="0">
+            <a:spAutoFit/>
+          </a:bodyPr>
+          <a:lstStyle/>
+          <a:p>
+            <a:r>
+              <a:rPr lang="zh-CN" altLang="en-US" sz="4400" dirty="0" smtClean="0">
+                <a:solidFill>
+                  <a:srgbClr val="FFFF00"/>
+                </a:solidFill>
+                <a:latin typeface="Calibri" pitchFamily="34" charset="0"/>
+                <a:ea typeface="隶书" pitchFamily="49" charset="-122"/>
+                <a:cs typeface="Calibri" pitchFamily="34" charset="0"/>
+              </a:rPr>
+              <a:t>字符串（</a:t>
+            </a:r>
+            <a:r>
+              <a:rPr lang="en-US" altLang="zh-CN" sz="4400" dirty="0" smtClean="0">
+                <a:solidFill>
+                  <a:srgbClr val="FFFF00"/>
+                </a:solidFill>
+                <a:latin typeface="Calibri" pitchFamily="34" charset="0"/>
+                <a:ea typeface="隶书" pitchFamily="49" charset="-122"/>
+                <a:cs typeface="Calibri" pitchFamily="34" charset="0"/>
+              </a:rPr>
+              <a:t>String</a:t>
+            </a:r>
+            <a:r>
+              <a:rPr lang="zh-CN" altLang="en-US" sz="4400" dirty="0" smtClean="0">
+                <a:solidFill>
+                  <a:srgbClr val="FFFF00"/>
+                </a:solidFill>
+                <a:latin typeface="Calibri" pitchFamily="34" charset="0"/>
+                <a:ea typeface="隶书" pitchFamily="49" charset="-122"/>
+                <a:cs typeface="Calibri" pitchFamily="34" charset="0"/>
+              </a:rPr>
+              <a:t>）</a:t>
+            </a:r>
+            <a:endParaRPr lang="en-US" altLang="zh-CN" sz="4400" dirty="0" smtClean="0">
+              <a:solidFill>
+                <a:srgbClr val="FFFF00"/>
+              </a:solidFill>
+              <a:latin typeface="Calibri" pitchFamily="34" charset="0"/>
+              <a:ea typeface="隶书" pitchFamily="49" charset="-122"/>
+              <a:cs typeface="Calibri" pitchFamily="34" charset="0"/>
+            </a:endParaRPr>
+          </a:p>
+          <a:p>
+            <a:r>
+              <a:rPr lang="zh-CN" altLang="en-US" sz="4400" dirty="0" smtClean="0">
+                <a:solidFill>
+                  <a:srgbClr val="FFFF00"/>
+                </a:solidFill>
+                <a:latin typeface="Calibri" pitchFamily="34" charset="0"/>
+                <a:ea typeface="隶书" pitchFamily="49" charset="-122"/>
+                <a:cs typeface="Calibri" pitchFamily="34" charset="0"/>
+              </a:rPr>
+              <a:t>一</a:t>
+            </a:r>
+            <a:r>
+              <a:rPr lang="zh-CN" altLang="en-US" sz="4400" dirty="0" smtClean="0">
+                <a:solidFill>
+                  <a:srgbClr val="FFFF00"/>
+                </a:solidFill>
+                <a:latin typeface="Calibri" pitchFamily="34" charset="0"/>
+                <a:ea typeface="隶书" pitchFamily="49" charset="-122"/>
+                <a:cs typeface="Calibri" pitchFamily="34" charset="0"/>
+              </a:rPr>
+              <a:t>个</a:t>
+            </a:r>
+            <a:r>
+              <a:rPr lang="en-US" altLang="zh-CN" sz="4400" dirty="0" smtClean="0">
+                <a:solidFill>
+                  <a:srgbClr val="FFFF00"/>
+                </a:solidFill>
+                <a:latin typeface="Calibri" pitchFamily="34" charset="0"/>
+                <a:ea typeface="隶书" pitchFamily="49" charset="-122"/>
+                <a:cs typeface="Calibri" pitchFamily="34" charset="0"/>
+              </a:rPr>
+              <a:t>key</a:t>
+            </a:r>
+            <a:r>
+              <a:rPr lang="zh-CN" altLang="en-US" sz="4400" dirty="0" smtClean="0">
+                <a:solidFill>
+                  <a:srgbClr val="FFFF00"/>
+                </a:solidFill>
+                <a:latin typeface="Calibri" pitchFamily="34" charset="0"/>
+                <a:ea typeface="隶书" pitchFamily="49" charset="-122"/>
+                <a:cs typeface="Calibri" pitchFamily="34" charset="0"/>
+              </a:rPr>
+              <a:t>对应一个</a:t>
+            </a:r>
+            <a:r>
+              <a:rPr lang="en-US" altLang="zh-CN" sz="4400" dirty="0" smtClean="0">
+                <a:solidFill>
+                  <a:srgbClr val="FFFF00"/>
+                </a:solidFill>
+                <a:latin typeface="Calibri" pitchFamily="34" charset="0"/>
+                <a:ea typeface="隶书" pitchFamily="49" charset="-122"/>
+                <a:cs typeface="Calibri" pitchFamily="34" charset="0"/>
+              </a:rPr>
+              <a:t>value</a:t>
+            </a:r>
+            <a:endParaRPr lang="en-US" altLang="zh-CN" sz="4400" dirty="0" smtClean="0">
+              <a:solidFill>
+                <a:srgbClr val="FFFF00"/>
+              </a:solidFill>
+              <a:latin typeface="Calibri" pitchFamily="34" charset="0"/>
+              <a:ea typeface="隶书" pitchFamily="49" charset="-122"/>
+              <a:cs typeface="Calibri" pitchFamily="34" charset="0"/>
+            </a:endParaRPr>
+          </a:p>
+          <a:p>
+            <a:r>
+              <a:rPr lang="zh-CN" altLang="en-US" sz="4400" dirty="0" smtClean="0">
+                <a:solidFill>
+                  <a:srgbClr val="FFFF00"/>
+                </a:solidFill>
+                <a:latin typeface="Calibri" pitchFamily="34" charset="0"/>
+                <a:ea typeface="隶书" pitchFamily="49" charset="-122"/>
+                <a:cs typeface="Calibri" pitchFamily="34" charset="0"/>
+              </a:rPr>
+              <a:t>列表（</a:t>
+            </a:r>
+            <a:r>
+              <a:rPr lang="en-US" altLang="zh-CN" sz="4400" dirty="0" smtClean="0">
+                <a:solidFill>
+                  <a:srgbClr val="FFFF00"/>
+                </a:solidFill>
+                <a:latin typeface="Calibri" pitchFamily="34" charset="0"/>
+                <a:ea typeface="隶书" pitchFamily="49" charset="-122"/>
+                <a:cs typeface="Calibri" pitchFamily="34" charset="0"/>
+              </a:rPr>
+              <a:t>List</a:t>
+            </a:r>
+            <a:r>
+              <a:rPr lang="zh-CN" altLang="en-US" sz="4400" dirty="0" smtClean="0">
+                <a:solidFill>
+                  <a:srgbClr val="FFFF00"/>
+                </a:solidFill>
+                <a:latin typeface="Calibri" pitchFamily="34" charset="0"/>
+                <a:ea typeface="隶书" pitchFamily="49" charset="-122"/>
+                <a:cs typeface="Calibri" pitchFamily="34" charset="0"/>
+              </a:rPr>
+              <a:t>）</a:t>
+            </a:r>
+            <a:endParaRPr lang="en-US" altLang="zh-CN" sz="4400" dirty="0" smtClean="0">
+              <a:solidFill>
+                <a:srgbClr val="FFFF00"/>
+              </a:solidFill>
+              <a:latin typeface="Calibri" pitchFamily="34" charset="0"/>
+              <a:ea typeface="隶书" pitchFamily="49" charset="-122"/>
+              <a:cs typeface="Calibri" pitchFamily="34" charset="0"/>
+            </a:endParaRPr>
+          </a:p>
+          <a:p>
+            <a:r>
+              <a:rPr lang="zh-CN" altLang="en-US" sz="4400" dirty="0" smtClean="0">
+                <a:solidFill>
+                  <a:srgbClr val="FFFF00"/>
+                </a:solidFill>
+                <a:latin typeface="Calibri" pitchFamily="34" charset="0"/>
+                <a:ea typeface="隶书" pitchFamily="49" charset="-122"/>
+                <a:cs typeface="Calibri" pitchFamily="34" charset="0"/>
+              </a:rPr>
+              <a:t>一</a:t>
+            </a:r>
+            <a:r>
+              <a:rPr lang="zh-CN" altLang="en-US" sz="4400" dirty="0" smtClean="0">
+                <a:solidFill>
+                  <a:srgbClr val="FFFF00"/>
+                </a:solidFill>
+                <a:latin typeface="Calibri" pitchFamily="34" charset="0"/>
+                <a:ea typeface="隶书" pitchFamily="49" charset="-122"/>
+                <a:cs typeface="Calibri" pitchFamily="34" charset="0"/>
+              </a:rPr>
+              <a:t>个</a:t>
+            </a:r>
+            <a:r>
+              <a:rPr lang="en-US" altLang="zh-CN" sz="4400" dirty="0" smtClean="0">
+                <a:solidFill>
+                  <a:srgbClr val="FFFF00"/>
+                </a:solidFill>
+                <a:latin typeface="Calibri" pitchFamily="34" charset="0"/>
+                <a:ea typeface="隶书" pitchFamily="49" charset="-122"/>
+                <a:cs typeface="Calibri" pitchFamily="34" charset="0"/>
+              </a:rPr>
+              <a:t>key</a:t>
+            </a:r>
+            <a:r>
+              <a:rPr lang="zh-CN" altLang="en-US" sz="4400" dirty="0" smtClean="0">
+                <a:solidFill>
+                  <a:srgbClr val="FFFF00"/>
+                </a:solidFill>
+                <a:latin typeface="Calibri" pitchFamily="34" charset="0"/>
+                <a:ea typeface="隶书" pitchFamily="49" charset="-122"/>
+                <a:cs typeface="Calibri" pitchFamily="34" charset="0"/>
+              </a:rPr>
+              <a:t>对应多个</a:t>
+            </a:r>
+            <a:r>
+              <a:rPr lang="en-US" altLang="zh-CN" sz="4400" dirty="0" smtClean="0">
+                <a:solidFill>
+                  <a:srgbClr val="FFFF00"/>
+                </a:solidFill>
+                <a:latin typeface="Calibri" pitchFamily="34" charset="0"/>
+                <a:ea typeface="隶书" pitchFamily="49" charset="-122"/>
+                <a:cs typeface="Calibri" pitchFamily="34" charset="0"/>
+              </a:rPr>
+              <a:t>value</a:t>
+            </a:r>
+            <a:r>
+              <a:rPr lang="zh-CN" altLang="en-US" sz="4400" dirty="0" smtClean="0">
+                <a:solidFill>
+                  <a:srgbClr val="FFFF00"/>
+                </a:solidFill>
+                <a:latin typeface="Calibri" pitchFamily="34" charset="0"/>
+                <a:ea typeface="隶书" pitchFamily="49" charset="-122"/>
+                <a:cs typeface="Calibri" pitchFamily="34" charset="0"/>
+              </a:rPr>
+              <a:t>，</a:t>
+            </a:r>
+            <a:r>
+              <a:rPr lang="en-US" altLang="zh-CN" sz="4400" dirty="0" smtClean="0">
+                <a:solidFill>
+                  <a:srgbClr val="FFFF00"/>
+                </a:solidFill>
+                <a:latin typeface="Calibri" pitchFamily="34" charset="0"/>
+                <a:ea typeface="隶书" pitchFamily="49" charset="-122"/>
+                <a:cs typeface="Calibri" pitchFamily="34" charset="0"/>
+              </a:rPr>
+              <a:t>value</a:t>
+            </a:r>
+            <a:r>
+              <a:rPr lang="zh-CN" altLang="en-US" sz="4400" dirty="0" smtClean="0">
+                <a:solidFill>
+                  <a:srgbClr val="FFFF00"/>
+                </a:solidFill>
+                <a:latin typeface="Calibri" pitchFamily="34" charset="0"/>
+                <a:ea typeface="隶书" pitchFamily="49" charset="-122"/>
+                <a:cs typeface="Calibri" pitchFamily="34" charset="0"/>
+              </a:rPr>
+              <a:t>之间是有序的</a:t>
+            </a:r>
+            <a:r>
+              <a:rPr lang="zh-CN" altLang="en-US" sz="4400" dirty="0" smtClean="0">
+                <a:solidFill>
+                  <a:srgbClr val="FFFF00"/>
+                </a:solidFill>
+                <a:latin typeface="Calibri" pitchFamily="34" charset="0"/>
+                <a:ea typeface="隶书" pitchFamily="49" charset="-122"/>
+                <a:cs typeface="Calibri" pitchFamily="34" charset="0"/>
+              </a:rPr>
+              <a:t>，</a:t>
+            </a:r>
+            <a:r>
+              <a:rPr lang="en-US" altLang="zh-CN" sz="4400" dirty="0" smtClean="0">
+                <a:solidFill>
+                  <a:srgbClr val="FFFF00"/>
+                </a:solidFill>
+                <a:latin typeface="Calibri" pitchFamily="34" charset="0"/>
+                <a:ea typeface="隶书" pitchFamily="49" charset="-122"/>
+                <a:cs typeface="Calibri" pitchFamily="34" charset="0"/>
+              </a:rPr>
+              <a:t>value</a:t>
+            </a:r>
+            <a:r>
+              <a:rPr lang="zh-CN" altLang="en-US" sz="4400" dirty="0" smtClean="0">
+                <a:solidFill>
+                  <a:srgbClr val="FFFF00"/>
+                </a:solidFill>
+                <a:latin typeface="Calibri" pitchFamily="34" charset="0"/>
+                <a:ea typeface="隶书" pitchFamily="49" charset="-122"/>
+                <a:cs typeface="Calibri" pitchFamily="34" charset="0"/>
+              </a:rPr>
+              <a:t>可以重复</a:t>
+            </a:r>
+            <a:endParaRPr lang="en-US" altLang="zh-CN" sz="4400" dirty="0" smtClean="0">
+              <a:solidFill>
+                <a:srgbClr val="FFFF00"/>
+              </a:solidFill>
+              <a:latin typeface="Calibri" pitchFamily="34" charset="0"/>
+              <a:ea typeface="隶书" pitchFamily="49" charset="-122"/>
+              <a:cs typeface="Calibri" pitchFamily="34" charset="0"/>
+            </a:endParaRPr>
+          </a:p>
+        </p:txBody>
+      </p:sp>
+    </p:spTree>
+  </p:cSld>
+  <p:clrMapOvr>
+    <a:masterClrMapping/>
+  </p:clrMapOvr>
+  <p:timing>
+    <p:tnLst>
+      <p:par>
+        <p:cTn id="1" dur="indefinite" restart="never" nodeType="tmRoot"/>
+      </p:par>
+    </p:tnLst>
+  </p:timing>
+</p:sld>
+</file>
+
+<file path=ppt/slides/slide14.xml><?xml version="1.0" encoding="utf-8"?>
+<p:sld xmlns:a="http://schemas.openxmlformats.org/drawingml/2006/main" xmlns:r="http://schemas.openxmlformats.org/officeDocument/2006/relationships" xmlns:p="http://schemas.openxmlformats.org/presentationml/2006/main">
+  <p:cSld>
+    <p:spTree>
+      <p:nvGrpSpPr>
+        <p:cNvPr id="1" name=""/>
+        <p:cNvGrpSpPr/>
+        <p:nvPr/>
+      </p:nvGrpSpPr>
+      <p:grpSpPr>
+        <a:xfrm>
+          <a:off x="0" y="0"/>
+          <a:ext cx="0" cy="0"/>
+          <a:chOff x="0" y="0"/>
+          <a:chExt cx="0" cy="0"/>
+        </a:xfrm>
+      </p:grpSpPr>
+      <p:sp>
+        <p:nvSpPr>
+          <p:cNvPr id="2" name="标题 1"/>
+          <p:cNvSpPr>
+            <a:spLocks noGrp="1"/>
+          </p:cNvSpPr>
+          <p:nvPr>
+            <p:ph type="ctrTitle"/>
+          </p:nvPr>
+        </p:nvSpPr>
+        <p:spPr>
+          <a:xfrm>
+            <a:off x="214282" y="857232"/>
+            <a:ext cx="8929718" cy="785818"/>
+          </a:xfrm>
+        </p:spPr>
+        <p:txBody>
+          <a:bodyPr anchor="ctr">
+            <a:noAutofit/>
+          </a:bodyPr>
+          <a:lstStyle/>
+          <a:p>
+            <a:pPr algn="just"/>
+            <a:r>
+              <a:rPr lang="en-US" altLang="zh-CN" sz="5400" spc="-150" dirty="0" err="1" smtClean="0">
+                <a:effectLst/>
+              </a:rPr>
+              <a:t>Redis</a:t>
+            </a:r>
+            <a:r>
+              <a:rPr lang="zh-CN" altLang="en-US" sz="5400" spc="-150" dirty="0" smtClean="0">
+                <a:effectLst/>
+              </a:rPr>
+              <a:t>的</a:t>
+            </a:r>
+            <a:r>
+              <a:rPr lang="zh-CN" altLang="en-US" sz="5400" spc="-150" dirty="0" smtClean="0">
+                <a:effectLst/>
+              </a:rPr>
+              <a:t>数</a:t>
+            </a:r>
+            <a:r>
+              <a:rPr lang="zh-CN" altLang="en-US" sz="5400" spc="-150" dirty="0" smtClean="0">
+                <a:effectLst/>
+              </a:rPr>
+              <a:t>据类型</a:t>
+            </a:r>
+            <a:endParaRPr lang="zh-CN" altLang="en-US" sz="5400" spc="-150" dirty="0">
+              <a:effectLst/>
+            </a:endParaRPr>
+          </a:p>
+        </p:txBody>
+      </p:sp>
+      <p:sp>
+        <p:nvSpPr>
+          <p:cNvPr id="4" name="TextBox 3"/>
+          <p:cNvSpPr txBox="1"/>
+          <p:nvPr/>
+        </p:nvSpPr>
+        <p:spPr>
+          <a:xfrm>
+            <a:off x="142844" y="1714488"/>
+            <a:ext cx="8786874" cy="3477875"/>
+          </a:xfrm>
+          <a:prstGeom prst="rect">
+            <a:avLst/>
+          </a:prstGeom>
+          <a:noFill/>
+        </p:spPr>
+        <p:txBody>
+          <a:bodyPr wrap="square" rtlCol="0">
+            <a:spAutoFit/>
+          </a:bodyPr>
+          <a:lstStyle/>
+          <a:p>
+            <a:r>
+              <a:rPr lang="zh-CN" altLang="en-US" sz="4400" dirty="0" smtClean="0">
+                <a:solidFill>
+                  <a:srgbClr val="FFFF00"/>
+                </a:solidFill>
+                <a:latin typeface="Calibri" pitchFamily="34" charset="0"/>
+                <a:ea typeface="隶书" pitchFamily="49" charset="-122"/>
+                <a:cs typeface="Calibri" pitchFamily="34" charset="0"/>
+              </a:rPr>
+              <a:t>集合（</a:t>
+            </a:r>
+            <a:r>
+              <a:rPr lang="en-US" altLang="zh-CN" sz="4400" dirty="0" smtClean="0">
+                <a:solidFill>
+                  <a:srgbClr val="FFFF00"/>
+                </a:solidFill>
+                <a:latin typeface="Calibri" pitchFamily="34" charset="0"/>
+                <a:ea typeface="隶书" pitchFamily="49" charset="-122"/>
+                <a:cs typeface="Calibri" pitchFamily="34" charset="0"/>
+              </a:rPr>
+              <a:t>Set</a:t>
+            </a:r>
+            <a:r>
+              <a:rPr lang="zh-CN" altLang="en-US" sz="4400" dirty="0" smtClean="0">
+                <a:solidFill>
+                  <a:srgbClr val="FFFF00"/>
+                </a:solidFill>
+                <a:latin typeface="Calibri" pitchFamily="34" charset="0"/>
+                <a:ea typeface="隶书" pitchFamily="49" charset="-122"/>
+                <a:cs typeface="Calibri" pitchFamily="34" charset="0"/>
+              </a:rPr>
+              <a:t>）</a:t>
+            </a:r>
+            <a:endParaRPr lang="en-US" altLang="zh-CN" sz="4400" dirty="0" smtClean="0">
+              <a:solidFill>
+                <a:srgbClr val="FFFF00"/>
+              </a:solidFill>
+              <a:latin typeface="Calibri" pitchFamily="34" charset="0"/>
+              <a:ea typeface="隶书" pitchFamily="49" charset="-122"/>
+              <a:cs typeface="Calibri" pitchFamily="34" charset="0"/>
+            </a:endParaRPr>
+          </a:p>
+          <a:p>
+            <a:r>
+              <a:rPr lang="zh-CN" altLang="en-US" sz="4400" dirty="0" smtClean="0">
+                <a:solidFill>
+                  <a:srgbClr val="FFFF00"/>
+                </a:solidFill>
+                <a:latin typeface="Calibri" pitchFamily="34" charset="0"/>
+                <a:ea typeface="隶书" pitchFamily="49" charset="-122"/>
+                <a:cs typeface="Calibri" pitchFamily="34" charset="0"/>
+              </a:rPr>
+              <a:t>一个</a:t>
+            </a:r>
+            <a:r>
+              <a:rPr lang="en-US" altLang="zh-CN" sz="4400" dirty="0" smtClean="0">
+                <a:solidFill>
+                  <a:srgbClr val="FFFF00"/>
+                </a:solidFill>
+                <a:latin typeface="Calibri" pitchFamily="34" charset="0"/>
+                <a:ea typeface="隶书" pitchFamily="49" charset="-122"/>
+                <a:cs typeface="Calibri" pitchFamily="34" charset="0"/>
+              </a:rPr>
+              <a:t>key</a:t>
+            </a:r>
+            <a:r>
+              <a:rPr lang="zh-CN" altLang="en-US" sz="4400" dirty="0" smtClean="0">
+                <a:solidFill>
+                  <a:srgbClr val="FFFF00"/>
+                </a:solidFill>
+                <a:latin typeface="Calibri" pitchFamily="34" charset="0"/>
+                <a:ea typeface="隶书" pitchFamily="49" charset="-122"/>
+                <a:cs typeface="Calibri" pitchFamily="34" charset="0"/>
+              </a:rPr>
+              <a:t>对应多个</a:t>
+            </a:r>
+            <a:r>
+              <a:rPr lang="en-US" altLang="zh-CN" sz="4400" dirty="0" smtClean="0">
+                <a:solidFill>
+                  <a:srgbClr val="FFFF00"/>
+                </a:solidFill>
+                <a:latin typeface="Calibri" pitchFamily="34" charset="0"/>
+                <a:ea typeface="隶书" pitchFamily="49" charset="-122"/>
+                <a:cs typeface="Calibri" pitchFamily="34" charset="0"/>
+              </a:rPr>
+              <a:t>value</a:t>
+            </a:r>
+            <a:r>
+              <a:rPr lang="zh-CN" altLang="en-US" sz="4400" dirty="0" smtClean="0">
+                <a:solidFill>
+                  <a:srgbClr val="FFFF00"/>
+                </a:solidFill>
+                <a:latin typeface="Calibri" pitchFamily="34" charset="0"/>
+                <a:ea typeface="隶书" pitchFamily="49" charset="-122"/>
+                <a:cs typeface="Calibri" pitchFamily="34" charset="0"/>
+              </a:rPr>
+              <a:t>，</a:t>
+            </a:r>
+            <a:r>
+              <a:rPr lang="en-US" altLang="zh-CN" sz="4400" dirty="0" smtClean="0">
+                <a:solidFill>
+                  <a:srgbClr val="FFFF00"/>
+                </a:solidFill>
+                <a:latin typeface="Calibri" pitchFamily="34" charset="0"/>
+                <a:ea typeface="隶书" pitchFamily="49" charset="-122"/>
+                <a:cs typeface="Calibri" pitchFamily="34" charset="0"/>
+              </a:rPr>
+              <a:t>value</a:t>
+            </a:r>
+            <a:r>
+              <a:rPr lang="zh-CN" altLang="en-US" sz="4400" dirty="0" smtClean="0">
+                <a:solidFill>
+                  <a:srgbClr val="FFFF00"/>
+                </a:solidFill>
+                <a:latin typeface="Calibri" pitchFamily="34" charset="0"/>
+                <a:ea typeface="隶书" pitchFamily="49" charset="-122"/>
+                <a:cs typeface="Calibri" pitchFamily="34" charset="0"/>
+              </a:rPr>
+              <a:t>之间是无序的，</a:t>
+            </a:r>
+            <a:r>
+              <a:rPr lang="en-US" altLang="zh-CN" sz="4400" dirty="0" smtClean="0">
+                <a:solidFill>
+                  <a:srgbClr val="FFFF00"/>
+                </a:solidFill>
+                <a:latin typeface="Calibri" pitchFamily="34" charset="0"/>
+                <a:ea typeface="隶书" pitchFamily="49" charset="-122"/>
+                <a:cs typeface="Calibri" pitchFamily="34" charset="0"/>
+              </a:rPr>
+              <a:t>value</a:t>
+            </a:r>
+            <a:r>
+              <a:rPr lang="zh-CN" altLang="en-US" sz="4400" dirty="0" smtClean="0">
+                <a:solidFill>
+                  <a:srgbClr val="FFFF00"/>
+                </a:solidFill>
+                <a:latin typeface="Calibri" pitchFamily="34" charset="0"/>
+                <a:ea typeface="隶书" pitchFamily="49" charset="-122"/>
+                <a:cs typeface="Calibri" pitchFamily="34" charset="0"/>
+              </a:rPr>
+              <a:t>不可以重复</a:t>
+            </a:r>
+            <a:endParaRPr lang="en-US" altLang="zh-CN" sz="4400" dirty="0" smtClean="0">
+              <a:solidFill>
+                <a:srgbClr val="FFFF00"/>
+              </a:solidFill>
+              <a:latin typeface="Calibri" pitchFamily="34" charset="0"/>
+              <a:ea typeface="隶书" pitchFamily="49" charset="-122"/>
+              <a:cs typeface="Calibri" pitchFamily="34" charset="0"/>
+            </a:endParaRPr>
+          </a:p>
+          <a:p>
+            <a:r>
+              <a:rPr lang="zh-CN" altLang="en-US" sz="4400" dirty="0" smtClean="0">
+                <a:solidFill>
+                  <a:srgbClr val="FFFF00"/>
+                </a:solidFill>
+                <a:latin typeface="Calibri" pitchFamily="34" charset="0"/>
+                <a:ea typeface="隶书" pitchFamily="49" charset="-122"/>
+                <a:cs typeface="Calibri" pitchFamily="34" charset="0"/>
+              </a:rPr>
+              <a:t>哈</a:t>
+            </a:r>
+            <a:r>
+              <a:rPr lang="zh-CN" altLang="en-US" sz="4400" dirty="0" smtClean="0">
+                <a:solidFill>
+                  <a:srgbClr val="FFFF00"/>
+                </a:solidFill>
+                <a:latin typeface="Calibri" pitchFamily="34" charset="0"/>
+                <a:ea typeface="隶书" pitchFamily="49" charset="-122"/>
+                <a:cs typeface="Calibri" pitchFamily="34" charset="0"/>
+              </a:rPr>
+              <a:t>希（</a:t>
+            </a:r>
+            <a:r>
+              <a:rPr lang="en-US" altLang="zh-CN" sz="4400" dirty="0" smtClean="0">
+                <a:solidFill>
+                  <a:srgbClr val="FFFF00"/>
+                </a:solidFill>
+                <a:latin typeface="Calibri" pitchFamily="34" charset="0"/>
+                <a:ea typeface="隶书" pitchFamily="49" charset="-122"/>
+                <a:cs typeface="Calibri" pitchFamily="34" charset="0"/>
+              </a:rPr>
+              <a:t>Hash/Map</a:t>
+            </a:r>
+            <a:r>
+              <a:rPr lang="zh-CN" altLang="en-US" sz="4400" dirty="0" smtClean="0">
+                <a:solidFill>
+                  <a:srgbClr val="FFFF00"/>
+                </a:solidFill>
+                <a:latin typeface="Calibri" pitchFamily="34" charset="0"/>
+                <a:ea typeface="隶书" pitchFamily="49" charset="-122"/>
+                <a:cs typeface="Calibri" pitchFamily="34" charset="0"/>
+              </a:rPr>
+              <a:t>）</a:t>
+            </a:r>
+            <a:endParaRPr lang="en-US" altLang="zh-CN" sz="4400" dirty="0" smtClean="0">
+              <a:solidFill>
+                <a:srgbClr val="FFFF00"/>
+              </a:solidFill>
+              <a:latin typeface="Calibri" pitchFamily="34" charset="0"/>
+              <a:ea typeface="隶书" pitchFamily="49" charset="-122"/>
+              <a:cs typeface="Calibri" pitchFamily="34" charset="0"/>
+            </a:endParaRPr>
+          </a:p>
+          <a:p>
+            <a:r>
+              <a:rPr lang="zh-CN" altLang="en-US" sz="4400" dirty="0" smtClean="0">
+                <a:solidFill>
+                  <a:srgbClr val="FFFF00"/>
+                </a:solidFill>
+                <a:latin typeface="Calibri" pitchFamily="34" charset="0"/>
+                <a:ea typeface="隶书" pitchFamily="49" charset="-122"/>
+                <a:cs typeface="Calibri" pitchFamily="34" charset="0"/>
+              </a:rPr>
+              <a:t>一</a:t>
+            </a:r>
+            <a:r>
+              <a:rPr lang="zh-CN" altLang="en-US" sz="4400" dirty="0" smtClean="0">
+                <a:solidFill>
+                  <a:srgbClr val="FFFF00"/>
+                </a:solidFill>
+                <a:latin typeface="Calibri" pitchFamily="34" charset="0"/>
+                <a:ea typeface="隶书" pitchFamily="49" charset="-122"/>
+                <a:cs typeface="Calibri" pitchFamily="34" charset="0"/>
+              </a:rPr>
+              <a:t>个</a:t>
+            </a:r>
+            <a:r>
+              <a:rPr lang="en-US" altLang="zh-CN" sz="4400" dirty="0" smtClean="0">
+                <a:solidFill>
+                  <a:srgbClr val="FFFF00"/>
+                </a:solidFill>
+                <a:latin typeface="Calibri" pitchFamily="34" charset="0"/>
+                <a:ea typeface="隶书" pitchFamily="49" charset="-122"/>
+                <a:cs typeface="Calibri" pitchFamily="34" charset="0"/>
+              </a:rPr>
+              <a:t>key</a:t>
+            </a:r>
+            <a:r>
+              <a:rPr lang="zh-CN" altLang="en-US" sz="4400" dirty="0" smtClean="0">
+                <a:solidFill>
+                  <a:srgbClr val="FFFF00"/>
+                </a:solidFill>
+                <a:latin typeface="Calibri" pitchFamily="34" charset="0"/>
+                <a:ea typeface="隶书" pitchFamily="49" charset="-122"/>
+                <a:cs typeface="Calibri" pitchFamily="34" charset="0"/>
+              </a:rPr>
+              <a:t>对应多个</a:t>
+            </a:r>
+            <a:r>
+              <a:rPr lang="en-US" altLang="zh-CN" sz="4400" dirty="0" smtClean="0">
+                <a:solidFill>
+                  <a:srgbClr val="FFFF00"/>
+                </a:solidFill>
+                <a:latin typeface="Calibri" pitchFamily="34" charset="0"/>
+                <a:ea typeface="隶书" pitchFamily="49" charset="-122"/>
+                <a:cs typeface="Calibri" pitchFamily="34" charset="0"/>
+              </a:rPr>
+              <a:t>key-value</a:t>
+            </a:r>
+            <a:r>
+              <a:rPr lang="zh-CN" altLang="en-US" sz="4400" dirty="0" smtClean="0">
+                <a:solidFill>
+                  <a:srgbClr val="FFFF00"/>
+                </a:solidFill>
+                <a:latin typeface="Calibri" pitchFamily="34" charset="0"/>
+                <a:ea typeface="隶书" pitchFamily="49" charset="-122"/>
+                <a:cs typeface="Calibri" pitchFamily="34" charset="0"/>
+              </a:rPr>
+              <a:t>对</a:t>
+            </a:r>
+            <a:endParaRPr lang="en-US" altLang="zh-CN" sz="4400" dirty="0" smtClean="0">
+              <a:solidFill>
+                <a:srgbClr val="FFFF00"/>
+              </a:solidFill>
+              <a:latin typeface="Calibri" pitchFamily="34" charset="0"/>
+              <a:ea typeface="隶书" pitchFamily="49" charset="-122"/>
+              <a:cs typeface="Calibri" pitchFamily="34" charset="0"/>
+            </a:endParaRPr>
+          </a:p>
+        </p:txBody>
+      </p:sp>
+    </p:spTree>
+  </p:cSld>
+  <p:clrMapOvr>
+    <a:masterClrMapping/>
+  </p:clrMapOvr>
+  <p:timing>
+    <p:tnLst>
+      <p:par>
+        <p:cTn id="1" dur="indefinite" restart="never" nodeType="tmRoot"/>
+      </p:par>
+    </p:tnLst>
+  </p:timing>
+</p:sld>
+</file>
+
+<file path=ppt/slides/slide15.xml><?xml version="1.0" encoding="utf-8"?>
+<p:sld xmlns:a="http://schemas.openxmlformats.org/drawingml/2006/main" xmlns:r="http://schemas.openxmlformats.org/officeDocument/2006/relationships" xmlns:p="http://schemas.openxmlformats.org/presentationml/2006/main">
+  <p:cSld>
+    <p:spTree>
+      <p:nvGrpSpPr>
+        <p:cNvPr id="1" name=""/>
+        <p:cNvGrpSpPr/>
+        <p:nvPr/>
+      </p:nvGrpSpPr>
+      <p:grpSpPr>
+        <a:xfrm>
+          <a:off x="0" y="0"/>
+          <a:ext cx="0" cy="0"/>
+          <a:chOff x="0" y="0"/>
+          <a:chExt cx="0" cy="0"/>
+        </a:xfrm>
+      </p:grpSpPr>
+      <p:sp>
+        <p:nvSpPr>
+          <p:cNvPr id="2" name="标题 1"/>
+          <p:cNvSpPr>
+            <a:spLocks noGrp="1"/>
+          </p:cNvSpPr>
+          <p:nvPr>
+            <p:ph type="ctrTitle"/>
+          </p:nvPr>
+        </p:nvSpPr>
+        <p:spPr>
+          <a:xfrm>
+            <a:off x="214282" y="857232"/>
+            <a:ext cx="8929718" cy="785818"/>
+          </a:xfrm>
+        </p:spPr>
+        <p:txBody>
+          <a:bodyPr anchor="ctr">
+            <a:noAutofit/>
+          </a:bodyPr>
+          <a:lstStyle/>
+          <a:p>
+            <a:pPr algn="just"/>
+            <a:r>
+              <a:rPr lang="en-US" altLang="zh-CN" sz="5400" spc="-150" dirty="0" err="1" smtClean="0">
+                <a:effectLst/>
+              </a:rPr>
+              <a:t>Redis</a:t>
+            </a:r>
+            <a:r>
+              <a:rPr lang="zh-CN" altLang="en-US" sz="5400" spc="-150" dirty="0" smtClean="0">
+                <a:effectLst/>
+              </a:rPr>
+              <a:t>的</a:t>
+            </a:r>
+            <a:r>
+              <a:rPr lang="zh-CN" altLang="en-US" sz="5400" spc="-150" dirty="0" smtClean="0">
+                <a:effectLst/>
+              </a:rPr>
+              <a:t>数</a:t>
+            </a:r>
+            <a:r>
+              <a:rPr lang="zh-CN" altLang="en-US" sz="5400" spc="-150" dirty="0" smtClean="0">
+                <a:effectLst/>
+              </a:rPr>
+              <a:t>据类型</a:t>
+            </a:r>
+            <a:endParaRPr lang="zh-CN" altLang="en-US" sz="5400" spc="-150" dirty="0">
+              <a:effectLst/>
+            </a:endParaRPr>
+          </a:p>
+        </p:txBody>
+      </p:sp>
+      <p:sp>
+        <p:nvSpPr>
+          <p:cNvPr id="4" name="TextBox 3"/>
+          <p:cNvSpPr txBox="1"/>
+          <p:nvPr/>
+        </p:nvSpPr>
+        <p:spPr>
+          <a:xfrm>
+            <a:off x="142844" y="1714488"/>
+            <a:ext cx="8786874" cy="4154984"/>
+          </a:xfrm>
+          <a:prstGeom prst="rect">
+            <a:avLst/>
+          </a:prstGeom>
+          <a:noFill/>
+        </p:spPr>
+        <p:txBody>
+          <a:bodyPr wrap="square" rtlCol="0">
+            <a:spAutoFit/>
+          </a:bodyPr>
+          <a:lstStyle/>
+          <a:p>
+            <a:r>
+              <a:rPr lang="zh-CN" altLang="en-US" sz="4400" dirty="0" smtClean="0">
+                <a:solidFill>
+                  <a:srgbClr val="FFFF00"/>
+                </a:solidFill>
+                <a:latin typeface="Calibri" pitchFamily="34" charset="0"/>
+                <a:ea typeface="隶书" pitchFamily="49" charset="-122"/>
+                <a:cs typeface="Calibri" pitchFamily="34" charset="0"/>
+              </a:rPr>
+              <a:t>有序集合（</a:t>
+            </a:r>
+            <a:r>
+              <a:rPr lang="en-US" altLang="zh-CN" sz="4400" dirty="0" smtClean="0">
+                <a:solidFill>
+                  <a:srgbClr val="FFFF00"/>
+                </a:solidFill>
+                <a:latin typeface="Calibri" pitchFamily="34" charset="0"/>
+                <a:ea typeface="隶书" pitchFamily="49" charset="-122"/>
+                <a:cs typeface="Calibri" pitchFamily="34" charset="0"/>
+              </a:rPr>
+              <a:t>Sorted Set</a:t>
+            </a:r>
+            <a:r>
+              <a:rPr lang="zh-CN" altLang="en-US" sz="4400" dirty="0" smtClean="0">
+                <a:solidFill>
+                  <a:srgbClr val="FFFF00"/>
+                </a:solidFill>
+                <a:latin typeface="Calibri" pitchFamily="34" charset="0"/>
+                <a:ea typeface="隶书" pitchFamily="49" charset="-122"/>
+                <a:cs typeface="Calibri" pitchFamily="34" charset="0"/>
+              </a:rPr>
+              <a:t>）</a:t>
+            </a:r>
+            <a:endParaRPr lang="en-US" altLang="zh-CN" sz="4400" dirty="0" smtClean="0">
+              <a:solidFill>
+                <a:srgbClr val="FFFF00"/>
+              </a:solidFill>
+              <a:latin typeface="Calibri" pitchFamily="34" charset="0"/>
+              <a:ea typeface="隶书" pitchFamily="49" charset="-122"/>
+              <a:cs typeface="Calibri" pitchFamily="34" charset="0"/>
+            </a:endParaRPr>
+          </a:p>
+          <a:p>
+            <a:r>
+              <a:rPr lang="zh-CN" altLang="en-US" sz="4400" dirty="0" smtClean="0">
+                <a:solidFill>
+                  <a:srgbClr val="FFFF00"/>
+                </a:solidFill>
+                <a:latin typeface="Calibri" pitchFamily="34" charset="0"/>
+                <a:ea typeface="隶书" pitchFamily="49" charset="-122"/>
+                <a:cs typeface="Calibri" pitchFamily="34" charset="0"/>
+              </a:rPr>
+              <a:t>一个</a:t>
+            </a:r>
+            <a:r>
+              <a:rPr lang="en-US" altLang="zh-CN" sz="4400" dirty="0" smtClean="0">
+                <a:solidFill>
+                  <a:srgbClr val="FFFF00"/>
+                </a:solidFill>
+                <a:latin typeface="Calibri" pitchFamily="34" charset="0"/>
+                <a:ea typeface="隶书" pitchFamily="49" charset="-122"/>
+                <a:cs typeface="Calibri" pitchFamily="34" charset="0"/>
+              </a:rPr>
+              <a:t>key</a:t>
+            </a:r>
+            <a:r>
+              <a:rPr lang="zh-CN" altLang="en-US" sz="4400" dirty="0" smtClean="0">
+                <a:solidFill>
+                  <a:srgbClr val="FFFF00"/>
+                </a:solidFill>
+                <a:latin typeface="Calibri" pitchFamily="34" charset="0"/>
+                <a:ea typeface="隶书" pitchFamily="49" charset="-122"/>
+                <a:cs typeface="Calibri" pitchFamily="34" charset="0"/>
+              </a:rPr>
+              <a:t>对应多个</a:t>
+            </a:r>
+            <a:r>
+              <a:rPr lang="en-US" altLang="zh-CN" sz="4400" dirty="0" smtClean="0">
+                <a:solidFill>
+                  <a:srgbClr val="FFFF00"/>
+                </a:solidFill>
+                <a:latin typeface="Calibri" pitchFamily="34" charset="0"/>
+                <a:ea typeface="隶书" pitchFamily="49" charset="-122"/>
+                <a:cs typeface="Calibri" pitchFamily="34" charset="0"/>
+              </a:rPr>
+              <a:t>value</a:t>
+            </a:r>
+            <a:r>
+              <a:rPr lang="zh-CN" altLang="en-US" sz="4400" dirty="0" smtClean="0">
+                <a:solidFill>
+                  <a:srgbClr val="FFFF00"/>
+                </a:solidFill>
+                <a:latin typeface="Calibri" pitchFamily="34" charset="0"/>
+                <a:ea typeface="隶书" pitchFamily="49" charset="-122"/>
+                <a:cs typeface="Calibri" pitchFamily="34" charset="0"/>
+              </a:rPr>
+              <a:t>，</a:t>
+            </a:r>
+            <a:r>
+              <a:rPr lang="en-US" altLang="zh-CN" sz="4400" dirty="0" smtClean="0">
+                <a:solidFill>
+                  <a:srgbClr val="FFFF00"/>
+                </a:solidFill>
+                <a:latin typeface="Calibri" pitchFamily="34" charset="0"/>
+                <a:ea typeface="隶书" pitchFamily="49" charset="-122"/>
+                <a:cs typeface="Calibri" pitchFamily="34" charset="0"/>
+              </a:rPr>
+              <a:t>value</a:t>
+            </a:r>
+            <a:r>
+              <a:rPr lang="zh-CN" altLang="en-US" sz="4400" dirty="0" smtClean="0">
+                <a:solidFill>
+                  <a:srgbClr val="FFFF00"/>
+                </a:solidFill>
+                <a:latin typeface="Calibri" pitchFamily="34" charset="0"/>
+                <a:ea typeface="隶书" pitchFamily="49" charset="-122"/>
+                <a:cs typeface="Calibri" pitchFamily="34" charset="0"/>
+              </a:rPr>
+              <a:t>之间是有排序的，</a:t>
+            </a:r>
+            <a:r>
+              <a:rPr lang="en-US" altLang="zh-CN" sz="4400" dirty="0" smtClean="0">
+                <a:solidFill>
+                  <a:srgbClr val="FFFF00"/>
+                </a:solidFill>
+                <a:latin typeface="Calibri" pitchFamily="34" charset="0"/>
+                <a:ea typeface="隶书" pitchFamily="49" charset="-122"/>
+                <a:cs typeface="Calibri" pitchFamily="34" charset="0"/>
+              </a:rPr>
+              <a:t>value</a:t>
+            </a:r>
+            <a:r>
+              <a:rPr lang="zh-CN" altLang="en-US" sz="4400" dirty="0" smtClean="0">
+                <a:solidFill>
+                  <a:srgbClr val="FFFF00"/>
+                </a:solidFill>
+                <a:latin typeface="Calibri" pitchFamily="34" charset="0"/>
+                <a:ea typeface="隶书" pitchFamily="49" charset="-122"/>
+                <a:cs typeface="Calibri" pitchFamily="34" charset="0"/>
+              </a:rPr>
+              <a:t>不可以重复</a:t>
+            </a:r>
+            <a:endParaRPr lang="en-US" altLang="zh-CN" sz="4400" dirty="0" smtClean="0">
+              <a:solidFill>
+                <a:srgbClr val="FFFF00"/>
+              </a:solidFill>
+              <a:latin typeface="Calibri" pitchFamily="34" charset="0"/>
+              <a:ea typeface="隶书" pitchFamily="49" charset="-122"/>
+              <a:cs typeface="Calibri" pitchFamily="34" charset="0"/>
+            </a:endParaRPr>
+          </a:p>
+          <a:p>
+            <a:r>
+              <a:rPr lang="zh-CN" altLang="en-US" sz="4400" dirty="0" smtClean="0">
+                <a:solidFill>
+                  <a:srgbClr val="FFFF00"/>
+                </a:solidFill>
+                <a:latin typeface="Calibri" pitchFamily="34" charset="0"/>
+                <a:ea typeface="隶书" pitchFamily="49" charset="-122"/>
+                <a:cs typeface="Calibri" pitchFamily="34" charset="0"/>
+              </a:rPr>
+              <a:t>每个</a:t>
+            </a:r>
+            <a:r>
+              <a:rPr lang="en-US" altLang="zh-CN" sz="4400" dirty="0" smtClean="0">
+                <a:solidFill>
+                  <a:srgbClr val="FFFF00"/>
+                </a:solidFill>
+                <a:latin typeface="Calibri" pitchFamily="34" charset="0"/>
+                <a:ea typeface="隶书" pitchFamily="49" charset="-122"/>
+                <a:cs typeface="Calibri" pitchFamily="34" charset="0"/>
+              </a:rPr>
+              <a:t>value</a:t>
+            </a:r>
+            <a:r>
+              <a:rPr lang="zh-CN" altLang="en-US" sz="4400" dirty="0" smtClean="0">
+                <a:solidFill>
+                  <a:srgbClr val="FFFF00"/>
+                </a:solidFill>
+                <a:latin typeface="Calibri" pitchFamily="34" charset="0"/>
+                <a:ea typeface="隶书" pitchFamily="49" charset="-122"/>
+                <a:cs typeface="Calibri" pitchFamily="34" charset="0"/>
+              </a:rPr>
+              <a:t>都和一个浮点数相关联，该浮点数叫</a:t>
+            </a:r>
+            <a:r>
+              <a:rPr lang="en-US" altLang="zh-CN" sz="4400" dirty="0" smtClean="0">
+                <a:solidFill>
+                  <a:srgbClr val="FFFF00"/>
+                </a:solidFill>
+                <a:latin typeface="Calibri" pitchFamily="34" charset="0"/>
+                <a:ea typeface="隶书" pitchFamily="49" charset="-122"/>
+                <a:cs typeface="Calibri" pitchFamily="34" charset="0"/>
+              </a:rPr>
+              <a:t>score</a:t>
+            </a:r>
+          </a:p>
+          <a:p>
+            <a:r>
+              <a:rPr lang="zh-CN" altLang="en-US" sz="4400" dirty="0" smtClean="0">
+                <a:solidFill>
+                  <a:srgbClr val="FFFF00"/>
+                </a:solidFill>
+                <a:latin typeface="Calibri" pitchFamily="34" charset="0"/>
+                <a:ea typeface="隶书" pitchFamily="49" charset="-122"/>
+                <a:cs typeface="Calibri" pitchFamily="34" charset="0"/>
+              </a:rPr>
+              <a:t>先按</a:t>
+            </a:r>
+            <a:r>
+              <a:rPr lang="en-US" altLang="zh-CN" sz="4400" dirty="0" smtClean="0">
+                <a:solidFill>
+                  <a:srgbClr val="FFFF00"/>
+                </a:solidFill>
+                <a:latin typeface="Calibri" pitchFamily="34" charset="0"/>
+                <a:ea typeface="隶书" pitchFamily="49" charset="-122"/>
+                <a:cs typeface="Calibri" pitchFamily="34" charset="0"/>
+              </a:rPr>
+              <a:t>score</a:t>
+            </a:r>
+            <a:r>
+              <a:rPr lang="zh-CN" altLang="en-US" sz="4400" dirty="0" smtClean="0">
+                <a:solidFill>
+                  <a:srgbClr val="FFFF00"/>
+                </a:solidFill>
+                <a:latin typeface="Calibri" pitchFamily="34" charset="0"/>
+                <a:ea typeface="隶书" pitchFamily="49" charset="-122"/>
+                <a:cs typeface="Calibri" pitchFamily="34" charset="0"/>
+              </a:rPr>
+              <a:t>排序，再按</a:t>
+            </a:r>
+            <a:r>
+              <a:rPr lang="en-US" altLang="zh-CN" sz="4400" dirty="0" smtClean="0">
+                <a:solidFill>
+                  <a:srgbClr val="FFFF00"/>
+                </a:solidFill>
+                <a:latin typeface="Calibri" pitchFamily="34" charset="0"/>
+                <a:ea typeface="隶书" pitchFamily="49" charset="-122"/>
+                <a:cs typeface="Calibri" pitchFamily="34" charset="0"/>
+              </a:rPr>
+              <a:t>value</a:t>
+            </a:r>
+            <a:r>
+              <a:rPr lang="zh-CN" altLang="en-US" sz="4400" dirty="0" smtClean="0">
+                <a:solidFill>
+                  <a:srgbClr val="FFFF00"/>
+                </a:solidFill>
+                <a:latin typeface="Calibri" pitchFamily="34" charset="0"/>
+                <a:ea typeface="隶书" pitchFamily="49" charset="-122"/>
+                <a:cs typeface="Calibri" pitchFamily="34" charset="0"/>
+              </a:rPr>
+              <a:t>排序</a:t>
+            </a:r>
+            <a:endParaRPr lang="en-US" altLang="zh-CN" sz="4400" dirty="0" smtClean="0">
+              <a:solidFill>
+                <a:srgbClr val="FFFF00"/>
+              </a:solidFill>
+              <a:latin typeface="Calibri" pitchFamily="34" charset="0"/>
+              <a:ea typeface="隶书" pitchFamily="49" charset="-122"/>
+              <a:cs typeface="Calibri" pitchFamily="34" charset="0"/>
+            </a:endParaRPr>
+          </a:p>
+        </p:txBody>
+      </p:sp>
+    </p:spTree>
+  </p:cSld>
+  <p:clrMapOvr>
+    <a:masterClrMapping/>
+  </p:clrMapOvr>
+  <p:timing>
+    <p:tnLst>
+      <p:par>
+        <p:cTn id="1" dur="indefinite" restart="never" nodeType="tmRoot"/>
+      </p:par>
+    </p:tnLst>
+  </p:timing>
+</p:sld>
+</file>
+
+<file path=ppt/slides/slide16.xml><?xml version="1.0" encoding="utf-8"?>
+<p:sld xmlns:a="http://schemas.openxmlformats.org/drawingml/2006/main" xmlns:r="http://schemas.openxmlformats.org/officeDocument/2006/relationships" xmlns:p="http://schemas.openxmlformats.org/presentationml/2006/main">
+  <p:cSld>
+    <p:spTree>
+      <p:nvGrpSpPr>
+        <p:cNvPr id="1" name=""/>
+        <p:cNvGrpSpPr/>
+        <p:nvPr/>
+      </p:nvGrpSpPr>
+      <p:grpSpPr>
+        <a:xfrm>
+          <a:off x="0" y="0"/>
+          <a:ext cx="0" cy="0"/>
+          <a:chOff x="0" y="0"/>
+          <a:chExt cx="0" cy="0"/>
+        </a:xfrm>
+      </p:grpSpPr>
+      <p:sp>
+        <p:nvSpPr>
+          <p:cNvPr id="2" name="标题 1"/>
+          <p:cNvSpPr>
+            <a:spLocks noGrp="1"/>
+          </p:cNvSpPr>
+          <p:nvPr>
+            <p:ph type="ctrTitle"/>
+          </p:nvPr>
+        </p:nvSpPr>
+        <p:spPr>
+          <a:xfrm>
+            <a:off x="214282" y="857232"/>
+            <a:ext cx="8929718" cy="785818"/>
+          </a:xfrm>
+        </p:spPr>
+        <p:txBody>
+          <a:bodyPr anchor="ctr">
+            <a:noAutofit/>
+          </a:bodyPr>
+          <a:lstStyle/>
+          <a:p>
+            <a:pPr algn="just"/>
+            <a:r>
+              <a:rPr lang="en-US" altLang="zh-CN" sz="5400" spc="-150" dirty="0" err="1" smtClean="0">
+                <a:effectLst/>
+              </a:rPr>
+              <a:t>Redis</a:t>
+            </a:r>
+            <a:r>
+              <a:rPr lang="zh-CN" altLang="en-US" sz="5400" spc="-150" dirty="0" smtClean="0">
+                <a:effectLst/>
+              </a:rPr>
+              <a:t>的</a:t>
+            </a:r>
+            <a:r>
+              <a:rPr lang="zh-CN" altLang="en-US" sz="5400" spc="-150" dirty="0" smtClean="0">
+                <a:effectLst/>
+              </a:rPr>
+              <a:t>指令</a:t>
+            </a:r>
+            <a:endParaRPr lang="zh-CN" altLang="en-US" sz="5400" spc="-150" dirty="0">
+              <a:effectLst/>
+            </a:endParaRPr>
+          </a:p>
+        </p:txBody>
+      </p:sp>
+      <p:sp>
+        <p:nvSpPr>
+          <p:cNvPr id="4" name="TextBox 3"/>
+          <p:cNvSpPr txBox="1"/>
+          <p:nvPr/>
+        </p:nvSpPr>
+        <p:spPr>
+          <a:xfrm>
+            <a:off x="142844" y="1714488"/>
+            <a:ext cx="8786874" cy="4832092"/>
+          </a:xfrm>
+          <a:prstGeom prst="rect">
+            <a:avLst/>
+          </a:prstGeom>
+          <a:noFill/>
+        </p:spPr>
+        <p:txBody>
+          <a:bodyPr wrap="square" rtlCol="0">
+            <a:spAutoFit/>
+          </a:bodyPr>
+          <a:lstStyle/>
+          <a:p>
+            <a:r>
+              <a:rPr lang="zh-CN" altLang="en-US" sz="4400" dirty="0" smtClean="0">
+                <a:solidFill>
+                  <a:srgbClr val="FFFF00"/>
+                </a:solidFill>
+                <a:latin typeface="Calibri" pitchFamily="34" charset="0"/>
+                <a:ea typeface="隶书" pitchFamily="49" charset="-122"/>
+                <a:cs typeface="Calibri" pitchFamily="34" charset="0"/>
+              </a:rPr>
+              <a:t>字符串（</a:t>
+            </a:r>
+            <a:r>
+              <a:rPr lang="en-US" altLang="zh-CN" sz="4400" dirty="0" smtClean="0">
+                <a:solidFill>
+                  <a:srgbClr val="FFFF00"/>
+                </a:solidFill>
+                <a:latin typeface="Calibri" pitchFamily="34" charset="0"/>
+                <a:ea typeface="隶书" pitchFamily="49" charset="-122"/>
+                <a:cs typeface="Calibri" pitchFamily="34" charset="0"/>
+              </a:rPr>
+              <a:t>String</a:t>
+            </a:r>
+            <a:r>
+              <a:rPr lang="zh-CN" altLang="en-US" sz="4400" dirty="0" smtClean="0">
+                <a:solidFill>
+                  <a:srgbClr val="FFFF00"/>
+                </a:solidFill>
+                <a:latin typeface="Calibri" pitchFamily="34" charset="0"/>
+                <a:ea typeface="隶书" pitchFamily="49" charset="-122"/>
+                <a:cs typeface="Calibri" pitchFamily="34" charset="0"/>
+              </a:rPr>
+              <a:t>）</a:t>
+            </a:r>
+            <a:endParaRPr lang="en-US" altLang="zh-CN" sz="4400" dirty="0" smtClean="0">
+              <a:solidFill>
+                <a:srgbClr val="FFFF00"/>
+              </a:solidFill>
+              <a:latin typeface="Calibri" pitchFamily="34" charset="0"/>
+              <a:ea typeface="隶书" pitchFamily="49" charset="-122"/>
+              <a:cs typeface="Calibri" pitchFamily="34" charset="0"/>
+            </a:endParaRPr>
+          </a:p>
+          <a:p>
+            <a:r>
+              <a:rPr lang="en-US" altLang="zh-CN" sz="4400" dirty="0" smtClean="0">
+                <a:solidFill>
+                  <a:srgbClr val="FFFF00"/>
+                </a:solidFill>
+                <a:latin typeface="Calibri" pitchFamily="34" charset="0"/>
+                <a:ea typeface="隶书" pitchFamily="49" charset="-122"/>
+                <a:cs typeface="Calibri" pitchFamily="34" charset="0"/>
+              </a:rPr>
+              <a:t>append key value</a:t>
+            </a:r>
+            <a:r>
+              <a:rPr lang="zh-CN" altLang="en-US" sz="4400" dirty="0" smtClean="0">
+                <a:solidFill>
+                  <a:srgbClr val="FFFF00"/>
+                </a:solidFill>
+                <a:latin typeface="Calibri" pitchFamily="34" charset="0"/>
+                <a:ea typeface="隶书" pitchFamily="49" charset="-122"/>
+                <a:cs typeface="Calibri" pitchFamily="34" charset="0"/>
+              </a:rPr>
+              <a:t>：追加</a:t>
+            </a:r>
+            <a:endParaRPr lang="en-US" altLang="zh-CN" sz="4400" dirty="0" smtClean="0">
+              <a:solidFill>
+                <a:srgbClr val="FFFF00"/>
+              </a:solidFill>
+              <a:latin typeface="Calibri" pitchFamily="34" charset="0"/>
+              <a:ea typeface="隶书" pitchFamily="49" charset="-122"/>
+              <a:cs typeface="Calibri" pitchFamily="34" charset="0"/>
+            </a:endParaRPr>
+          </a:p>
+          <a:p>
+            <a:r>
+              <a:rPr lang="en-US" altLang="zh-CN" sz="4400" dirty="0" err="1" smtClean="0">
+                <a:solidFill>
+                  <a:srgbClr val="FFFF00"/>
+                </a:solidFill>
+                <a:latin typeface="Calibri" pitchFamily="34" charset="0"/>
+                <a:ea typeface="隶书" pitchFamily="49" charset="-122"/>
+                <a:cs typeface="Calibri" pitchFamily="34" charset="0"/>
+              </a:rPr>
+              <a:t>decr</a:t>
+            </a:r>
+            <a:r>
+              <a:rPr lang="en-US" altLang="zh-CN" sz="4400" dirty="0" smtClean="0">
+                <a:solidFill>
+                  <a:srgbClr val="FFFF00"/>
+                </a:solidFill>
+                <a:latin typeface="Calibri" pitchFamily="34" charset="0"/>
+                <a:ea typeface="隶书" pitchFamily="49" charset="-122"/>
+                <a:cs typeface="Calibri" pitchFamily="34" charset="0"/>
+              </a:rPr>
+              <a:t> key</a:t>
+            </a:r>
+            <a:r>
+              <a:rPr lang="zh-CN" altLang="en-US" sz="4400" dirty="0" smtClean="0">
+                <a:solidFill>
+                  <a:srgbClr val="FFFF00"/>
+                </a:solidFill>
+                <a:latin typeface="Calibri" pitchFamily="34" charset="0"/>
+                <a:ea typeface="隶书" pitchFamily="49" charset="-122"/>
+                <a:cs typeface="Calibri" pitchFamily="34" charset="0"/>
+              </a:rPr>
+              <a:t>：减</a:t>
+            </a:r>
+            <a:r>
+              <a:rPr lang="en-US" altLang="zh-CN" sz="4400" dirty="0" smtClean="0">
+                <a:solidFill>
+                  <a:srgbClr val="FFFF00"/>
+                </a:solidFill>
+                <a:latin typeface="Calibri" pitchFamily="34" charset="0"/>
+                <a:ea typeface="隶书" pitchFamily="49" charset="-122"/>
+                <a:cs typeface="Calibri" pitchFamily="34" charset="0"/>
+              </a:rPr>
+              <a:t>1</a:t>
+            </a:r>
+          </a:p>
+          <a:p>
+            <a:r>
+              <a:rPr lang="en-US" altLang="zh-CN" sz="4400" dirty="0" err="1" smtClean="0">
+                <a:solidFill>
+                  <a:srgbClr val="FFFF00"/>
+                </a:solidFill>
+                <a:latin typeface="Calibri" pitchFamily="34" charset="0"/>
+                <a:ea typeface="隶书" pitchFamily="49" charset="-122"/>
+                <a:cs typeface="Calibri" pitchFamily="34" charset="0"/>
+              </a:rPr>
+              <a:t>decrby</a:t>
+            </a:r>
+            <a:r>
+              <a:rPr lang="en-US" altLang="zh-CN" sz="4400" dirty="0" smtClean="0">
+                <a:solidFill>
+                  <a:srgbClr val="FFFF00"/>
+                </a:solidFill>
+                <a:latin typeface="Calibri" pitchFamily="34" charset="0"/>
+                <a:ea typeface="隶书" pitchFamily="49" charset="-122"/>
+                <a:cs typeface="Calibri" pitchFamily="34" charset="0"/>
+              </a:rPr>
+              <a:t> key num</a:t>
+            </a:r>
+            <a:r>
+              <a:rPr lang="zh-CN" altLang="en-US" sz="4400" dirty="0" smtClean="0">
+                <a:solidFill>
+                  <a:srgbClr val="FFFF00"/>
+                </a:solidFill>
+                <a:latin typeface="Calibri" pitchFamily="34" charset="0"/>
+                <a:ea typeface="隶书" pitchFamily="49" charset="-122"/>
+                <a:cs typeface="Calibri" pitchFamily="34" charset="0"/>
+              </a:rPr>
+              <a:t>：减指定整数值</a:t>
+            </a:r>
+            <a:endParaRPr lang="en-US" altLang="zh-CN" sz="4400" dirty="0" smtClean="0">
+              <a:solidFill>
+                <a:srgbClr val="FFFF00"/>
+              </a:solidFill>
+              <a:latin typeface="Calibri" pitchFamily="34" charset="0"/>
+              <a:ea typeface="隶书" pitchFamily="49" charset="-122"/>
+              <a:cs typeface="Calibri" pitchFamily="34" charset="0"/>
+            </a:endParaRPr>
+          </a:p>
+          <a:p>
+            <a:r>
+              <a:rPr lang="en-US" altLang="zh-CN" sz="4400" dirty="0" smtClean="0">
+                <a:solidFill>
+                  <a:srgbClr val="FFFF00"/>
+                </a:solidFill>
+                <a:latin typeface="Calibri" pitchFamily="34" charset="0"/>
+                <a:ea typeface="隶书" pitchFamily="49" charset="-122"/>
+                <a:cs typeface="Calibri" pitchFamily="34" charset="0"/>
+              </a:rPr>
+              <a:t>get key</a:t>
+            </a:r>
+            <a:r>
+              <a:rPr lang="zh-CN" altLang="en-US" sz="4400" dirty="0" smtClean="0">
+                <a:solidFill>
+                  <a:srgbClr val="FFFF00"/>
+                </a:solidFill>
+                <a:latin typeface="Calibri" pitchFamily="34" charset="0"/>
+                <a:ea typeface="隶书" pitchFamily="49" charset="-122"/>
+                <a:cs typeface="Calibri" pitchFamily="34" charset="0"/>
+              </a:rPr>
+              <a:t>：获取</a:t>
+            </a:r>
+            <a:endParaRPr lang="en-US" altLang="zh-CN" sz="4400" dirty="0" smtClean="0">
+              <a:solidFill>
+                <a:srgbClr val="FFFF00"/>
+              </a:solidFill>
+              <a:latin typeface="Calibri" pitchFamily="34" charset="0"/>
+              <a:ea typeface="隶书" pitchFamily="49" charset="-122"/>
+              <a:cs typeface="Calibri" pitchFamily="34" charset="0"/>
+            </a:endParaRPr>
+          </a:p>
+          <a:p>
+            <a:r>
+              <a:rPr lang="en-US" altLang="zh-CN" sz="4400" dirty="0" err="1" smtClean="0">
+                <a:solidFill>
+                  <a:srgbClr val="FFFF00"/>
+                </a:solidFill>
+                <a:latin typeface="Calibri" pitchFamily="34" charset="0"/>
+                <a:ea typeface="隶书" pitchFamily="49" charset="-122"/>
+                <a:cs typeface="Calibri" pitchFamily="34" charset="0"/>
+              </a:rPr>
+              <a:t>getrange</a:t>
+            </a:r>
+            <a:r>
+              <a:rPr lang="en-US" altLang="zh-CN" sz="4400" dirty="0" smtClean="0">
+                <a:solidFill>
+                  <a:srgbClr val="FFFF00"/>
+                </a:solidFill>
+                <a:latin typeface="Calibri" pitchFamily="34" charset="0"/>
+                <a:ea typeface="隶书" pitchFamily="49" charset="-122"/>
+                <a:cs typeface="Calibri" pitchFamily="34" charset="0"/>
+              </a:rPr>
+              <a:t> key start end</a:t>
+            </a:r>
+            <a:r>
+              <a:rPr lang="zh-CN" altLang="en-US" sz="4400" dirty="0" smtClean="0">
+                <a:solidFill>
+                  <a:srgbClr val="FFFF00"/>
+                </a:solidFill>
+                <a:latin typeface="Calibri" pitchFamily="34" charset="0"/>
+                <a:ea typeface="隶书" pitchFamily="49" charset="-122"/>
+                <a:cs typeface="Calibri" pitchFamily="34" charset="0"/>
+              </a:rPr>
+              <a:t>：获取指定范围，</a:t>
+            </a:r>
+            <a:r>
+              <a:rPr lang="en-US" altLang="zh-CN" sz="4400" dirty="0" smtClean="0">
+                <a:solidFill>
+                  <a:srgbClr val="FFFF00"/>
+                </a:solidFill>
+                <a:latin typeface="Calibri" pitchFamily="34" charset="0"/>
+                <a:ea typeface="隶书" pitchFamily="49" charset="-122"/>
+                <a:cs typeface="Calibri" pitchFamily="34" charset="0"/>
+              </a:rPr>
+              <a:t>start/end</a:t>
+            </a:r>
+            <a:r>
+              <a:rPr lang="zh-CN" altLang="en-US" sz="4400" dirty="0" smtClean="0">
+                <a:solidFill>
+                  <a:srgbClr val="FFFF00"/>
+                </a:solidFill>
+                <a:latin typeface="Calibri" pitchFamily="34" charset="0"/>
+                <a:ea typeface="隶书" pitchFamily="49" charset="-122"/>
+                <a:cs typeface="Calibri" pitchFamily="34" charset="0"/>
+              </a:rPr>
+              <a:t>按字节来算</a:t>
+            </a:r>
+            <a:endParaRPr lang="en-US" altLang="zh-CN" sz="4400" dirty="0" smtClean="0">
+              <a:solidFill>
+                <a:srgbClr val="FFFF00"/>
+              </a:solidFill>
+              <a:latin typeface="Calibri" pitchFamily="34" charset="0"/>
+              <a:ea typeface="隶书" pitchFamily="49" charset="-122"/>
+              <a:cs typeface="Calibri" pitchFamily="34" charset="0"/>
+            </a:endParaRPr>
+          </a:p>
+        </p:txBody>
+      </p:sp>
+    </p:spTree>
+  </p:cSld>
+  <p:clrMapOvr>
+    <a:masterClrMapping/>
+  </p:clrMapOvr>
+  <p:timing>
+    <p:tnLst>
+      <p:par>
+        <p:cTn id="1" dur="indefinite" restart="never" nodeType="tmRoot"/>
+      </p:par>
+    </p:tnLst>
+  </p:timing>
+</p:sld>
+</file>
+
+<file path=ppt/slides/slide17.xml><?xml version="1.0" encoding="utf-8"?>
+<p:sld xmlns:a="http://schemas.openxmlformats.org/drawingml/2006/main" xmlns:r="http://schemas.openxmlformats.org/officeDocument/2006/relationships" xmlns:p="http://schemas.openxmlformats.org/presentationml/2006/main">
+  <p:cSld>
+    <p:spTree>
+      <p:nvGrpSpPr>
+        <p:cNvPr id="1" name=""/>
+        <p:cNvGrpSpPr/>
+        <p:nvPr/>
+      </p:nvGrpSpPr>
+      <p:grpSpPr>
+        <a:xfrm>
+          <a:off x="0" y="0"/>
+          <a:ext cx="0" cy="0"/>
+          <a:chOff x="0" y="0"/>
+          <a:chExt cx="0" cy="0"/>
+        </a:xfrm>
+      </p:grpSpPr>
+      <p:sp>
+        <p:nvSpPr>
+          <p:cNvPr id="2" name="标题 1"/>
+          <p:cNvSpPr>
+            <a:spLocks noGrp="1"/>
+          </p:cNvSpPr>
+          <p:nvPr>
+            <p:ph type="ctrTitle"/>
+          </p:nvPr>
+        </p:nvSpPr>
+        <p:spPr>
+          <a:xfrm>
+            <a:off x="214282" y="857232"/>
+            <a:ext cx="8929718" cy="785818"/>
+          </a:xfrm>
+        </p:spPr>
+        <p:txBody>
+          <a:bodyPr anchor="ctr">
+            <a:noAutofit/>
+          </a:bodyPr>
+          <a:lstStyle/>
+          <a:p>
+            <a:pPr algn="just"/>
+            <a:r>
+              <a:rPr lang="en-US" altLang="zh-CN" sz="5400" spc="-150" dirty="0" err="1" smtClean="0">
+                <a:effectLst/>
+              </a:rPr>
+              <a:t>Redis</a:t>
+            </a:r>
+            <a:r>
+              <a:rPr lang="zh-CN" altLang="en-US" sz="5400" spc="-150" dirty="0" smtClean="0">
+                <a:effectLst/>
+              </a:rPr>
+              <a:t>的</a:t>
+            </a:r>
+            <a:r>
+              <a:rPr lang="zh-CN" altLang="en-US" sz="5400" spc="-150" dirty="0" smtClean="0">
+                <a:effectLst/>
+              </a:rPr>
+              <a:t>指令</a:t>
+            </a:r>
+            <a:endParaRPr lang="zh-CN" altLang="en-US" sz="5400" spc="-150" dirty="0">
+              <a:effectLst/>
+            </a:endParaRPr>
+          </a:p>
+        </p:txBody>
+      </p:sp>
+      <p:sp>
+        <p:nvSpPr>
+          <p:cNvPr id="4" name="TextBox 3"/>
+          <p:cNvSpPr txBox="1"/>
+          <p:nvPr/>
+        </p:nvSpPr>
+        <p:spPr>
+          <a:xfrm>
+            <a:off x="142844" y="1714488"/>
+            <a:ext cx="8786874" cy="4832092"/>
+          </a:xfrm>
+          <a:prstGeom prst="rect">
+            <a:avLst/>
+          </a:prstGeom>
+          <a:noFill/>
+        </p:spPr>
+        <p:txBody>
+          <a:bodyPr wrap="square" rtlCol="0">
+            <a:spAutoFit/>
+          </a:bodyPr>
+          <a:lstStyle/>
+          <a:p>
+            <a:r>
+              <a:rPr lang="zh-CN" altLang="en-US" sz="4400" dirty="0" smtClean="0">
+                <a:solidFill>
+                  <a:srgbClr val="FFFF00"/>
+                </a:solidFill>
+                <a:latin typeface="Calibri" pitchFamily="34" charset="0"/>
+                <a:ea typeface="隶书" pitchFamily="49" charset="-122"/>
+                <a:cs typeface="Calibri" pitchFamily="34" charset="0"/>
+              </a:rPr>
+              <a:t>字符串（</a:t>
+            </a:r>
+            <a:r>
+              <a:rPr lang="en-US" altLang="zh-CN" sz="4400" dirty="0" smtClean="0">
+                <a:solidFill>
+                  <a:srgbClr val="FFFF00"/>
+                </a:solidFill>
+                <a:latin typeface="Calibri" pitchFamily="34" charset="0"/>
+                <a:ea typeface="隶书" pitchFamily="49" charset="-122"/>
+                <a:cs typeface="Calibri" pitchFamily="34" charset="0"/>
+              </a:rPr>
+              <a:t>String</a:t>
+            </a:r>
+            <a:r>
+              <a:rPr lang="zh-CN" altLang="en-US" sz="4400" dirty="0" smtClean="0">
+                <a:solidFill>
+                  <a:srgbClr val="FFFF00"/>
+                </a:solidFill>
+                <a:latin typeface="Calibri" pitchFamily="34" charset="0"/>
+                <a:ea typeface="隶书" pitchFamily="49" charset="-122"/>
+                <a:cs typeface="Calibri" pitchFamily="34" charset="0"/>
+              </a:rPr>
+              <a:t>）</a:t>
+            </a:r>
+            <a:endParaRPr lang="en-US" altLang="zh-CN" sz="4400" dirty="0" smtClean="0">
+              <a:solidFill>
+                <a:srgbClr val="FFFF00"/>
+              </a:solidFill>
+              <a:latin typeface="Calibri" pitchFamily="34" charset="0"/>
+              <a:ea typeface="隶书" pitchFamily="49" charset="-122"/>
+              <a:cs typeface="Calibri" pitchFamily="34" charset="0"/>
+            </a:endParaRPr>
+          </a:p>
+          <a:p>
+            <a:r>
+              <a:rPr lang="en-US" altLang="zh-CN" sz="4400" dirty="0" err="1" smtClean="0">
+                <a:solidFill>
+                  <a:srgbClr val="FFFF00"/>
+                </a:solidFill>
+                <a:latin typeface="Calibri" pitchFamily="34" charset="0"/>
+                <a:ea typeface="隶书" pitchFamily="49" charset="-122"/>
+                <a:cs typeface="Calibri" pitchFamily="34" charset="0"/>
+              </a:rPr>
+              <a:t>getset</a:t>
+            </a:r>
+            <a:r>
+              <a:rPr lang="en-US" altLang="zh-CN" sz="4400" dirty="0" smtClean="0">
+                <a:solidFill>
+                  <a:srgbClr val="FFFF00"/>
+                </a:solidFill>
+                <a:latin typeface="Calibri" pitchFamily="34" charset="0"/>
+                <a:ea typeface="隶书" pitchFamily="49" charset="-122"/>
+                <a:cs typeface="Calibri" pitchFamily="34" charset="0"/>
+              </a:rPr>
+              <a:t> key value</a:t>
+            </a:r>
+            <a:r>
+              <a:rPr lang="zh-CN" altLang="en-US" sz="4400" dirty="0" smtClean="0">
+                <a:solidFill>
+                  <a:srgbClr val="FFFF00"/>
+                </a:solidFill>
+                <a:latin typeface="Calibri" pitchFamily="34" charset="0"/>
+                <a:ea typeface="隶书" pitchFamily="49" charset="-122"/>
+                <a:cs typeface="Calibri" pitchFamily="34" charset="0"/>
+              </a:rPr>
+              <a:t>：先获取再设置</a:t>
+            </a:r>
+            <a:endParaRPr lang="en-US" altLang="zh-CN" sz="4400" dirty="0" smtClean="0">
+              <a:solidFill>
+                <a:srgbClr val="FFFF00"/>
+              </a:solidFill>
+              <a:latin typeface="Calibri" pitchFamily="34" charset="0"/>
+              <a:ea typeface="隶书" pitchFamily="49" charset="-122"/>
+              <a:cs typeface="Calibri" pitchFamily="34" charset="0"/>
+            </a:endParaRPr>
+          </a:p>
+          <a:p>
+            <a:r>
+              <a:rPr lang="en-US" altLang="zh-CN" sz="4400" dirty="0" err="1" smtClean="0">
+                <a:solidFill>
+                  <a:srgbClr val="FFFF00"/>
+                </a:solidFill>
+                <a:latin typeface="Calibri" pitchFamily="34" charset="0"/>
+                <a:ea typeface="隶书" pitchFamily="49" charset="-122"/>
+                <a:cs typeface="Calibri" pitchFamily="34" charset="0"/>
+              </a:rPr>
+              <a:t>incr</a:t>
+            </a:r>
+            <a:r>
+              <a:rPr lang="en-US" altLang="zh-CN" sz="4400" dirty="0" smtClean="0">
+                <a:solidFill>
+                  <a:srgbClr val="FFFF00"/>
+                </a:solidFill>
+                <a:latin typeface="Calibri" pitchFamily="34" charset="0"/>
+                <a:ea typeface="隶书" pitchFamily="49" charset="-122"/>
+                <a:cs typeface="Calibri" pitchFamily="34" charset="0"/>
+              </a:rPr>
+              <a:t> key</a:t>
+            </a:r>
+            <a:r>
+              <a:rPr lang="zh-CN" altLang="en-US" sz="4400" dirty="0" smtClean="0">
+                <a:solidFill>
+                  <a:srgbClr val="FFFF00"/>
+                </a:solidFill>
+                <a:latin typeface="Calibri" pitchFamily="34" charset="0"/>
+                <a:ea typeface="隶书" pitchFamily="49" charset="-122"/>
+                <a:cs typeface="Calibri" pitchFamily="34" charset="0"/>
+              </a:rPr>
+              <a:t>：加</a:t>
+            </a:r>
+            <a:r>
+              <a:rPr lang="en-US" altLang="zh-CN" sz="4400" dirty="0" smtClean="0">
+                <a:solidFill>
+                  <a:srgbClr val="FFFF00"/>
+                </a:solidFill>
+                <a:latin typeface="Calibri" pitchFamily="34" charset="0"/>
+                <a:ea typeface="隶书" pitchFamily="49" charset="-122"/>
+                <a:cs typeface="Calibri" pitchFamily="34" charset="0"/>
+              </a:rPr>
+              <a:t>1</a:t>
+            </a:r>
+          </a:p>
+          <a:p>
+            <a:r>
+              <a:rPr lang="en-US" altLang="zh-CN" sz="4400" dirty="0" err="1" smtClean="0">
+                <a:solidFill>
+                  <a:srgbClr val="FFFF00"/>
+                </a:solidFill>
+                <a:latin typeface="Calibri" pitchFamily="34" charset="0"/>
+                <a:ea typeface="隶书" pitchFamily="49" charset="-122"/>
+                <a:cs typeface="Calibri" pitchFamily="34" charset="0"/>
+              </a:rPr>
+              <a:t>incrby</a:t>
+            </a:r>
+            <a:r>
+              <a:rPr lang="en-US" altLang="zh-CN" sz="4400" dirty="0" smtClean="0">
+                <a:solidFill>
+                  <a:srgbClr val="FFFF00"/>
+                </a:solidFill>
+                <a:latin typeface="Calibri" pitchFamily="34" charset="0"/>
+                <a:ea typeface="隶书" pitchFamily="49" charset="-122"/>
+                <a:cs typeface="Calibri" pitchFamily="34" charset="0"/>
+              </a:rPr>
+              <a:t> key num</a:t>
+            </a:r>
+            <a:r>
+              <a:rPr lang="zh-CN" altLang="en-US" sz="4400" dirty="0" smtClean="0">
+                <a:solidFill>
+                  <a:srgbClr val="FFFF00"/>
+                </a:solidFill>
+                <a:latin typeface="Calibri" pitchFamily="34" charset="0"/>
+                <a:ea typeface="隶书" pitchFamily="49" charset="-122"/>
+                <a:cs typeface="Calibri" pitchFamily="34" charset="0"/>
+              </a:rPr>
+              <a:t>：加指</a:t>
+            </a:r>
+            <a:r>
+              <a:rPr lang="zh-CN" altLang="en-US" sz="4400" dirty="0" smtClean="0">
+                <a:solidFill>
+                  <a:srgbClr val="FFFF00"/>
+                </a:solidFill>
+                <a:latin typeface="Calibri" pitchFamily="34" charset="0"/>
+                <a:ea typeface="隶书" pitchFamily="49" charset="-122"/>
+                <a:cs typeface="Calibri" pitchFamily="34" charset="0"/>
+              </a:rPr>
+              <a:t>定整数值</a:t>
+            </a:r>
+            <a:endParaRPr lang="en-US" altLang="zh-CN" sz="4400" dirty="0" smtClean="0">
+              <a:solidFill>
+                <a:srgbClr val="FFFF00"/>
+              </a:solidFill>
+              <a:latin typeface="Calibri" pitchFamily="34" charset="0"/>
+              <a:ea typeface="隶书" pitchFamily="49" charset="-122"/>
+              <a:cs typeface="Calibri" pitchFamily="34" charset="0"/>
+            </a:endParaRPr>
+          </a:p>
+          <a:p>
+            <a:r>
+              <a:rPr lang="en-US" altLang="zh-CN" sz="4400" dirty="0" err="1" smtClean="0">
+                <a:solidFill>
+                  <a:srgbClr val="FFFF00"/>
+                </a:solidFill>
+                <a:latin typeface="Calibri" pitchFamily="34" charset="0"/>
+                <a:ea typeface="隶书" pitchFamily="49" charset="-122"/>
+                <a:cs typeface="Calibri" pitchFamily="34" charset="0"/>
+              </a:rPr>
+              <a:t>incrbyfloat</a:t>
+            </a:r>
+            <a:r>
+              <a:rPr lang="en-US" altLang="zh-CN" sz="4400" dirty="0" smtClean="0">
+                <a:solidFill>
+                  <a:srgbClr val="FFFF00"/>
+                </a:solidFill>
+                <a:latin typeface="Calibri" pitchFamily="34" charset="0"/>
+                <a:ea typeface="隶书" pitchFamily="49" charset="-122"/>
+                <a:cs typeface="Calibri" pitchFamily="34" charset="0"/>
+              </a:rPr>
+              <a:t> key num</a:t>
+            </a:r>
+            <a:r>
+              <a:rPr lang="zh-CN" altLang="en-US" sz="4400" dirty="0" smtClean="0">
+                <a:solidFill>
+                  <a:srgbClr val="FFFF00"/>
+                </a:solidFill>
+                <a:latin typeface="Calibri" pitchFamily="34" charset="0"/>
+                <a:ea typeface="隶书" pitchFamily="49" charset="-122"/>
+                <a:cs typeface="Calibri" pitchFamily="34" charset="0"/>
+              </a:rPr>
+              <a:t>：加浮点数</a:t>
+            </a:r>
+            <a:endParaRPr lang="en-US" altLang="zh-CN" sz="4400" dirty="0" smtClean="0">
+              <a:solidFill>
+                <a:srgbClr val="FFFF00"/>
+              </a:solidFill>
+              <a:latin typeface="Calibri" pitchFamily="34" charset="0"/>
+              <a:ea typeface="隶书" pitchFamily="49" charset="-122"/>
+              <a:cs typeface="Calibri" pitchFamily="34" charset="0"/>
+            </a:endParaRPr>
+          </a:p>
+          <a:p>
+            <a:r>
+              <a:rPr lang="en-US" altLang="zh-CN" sz="4400" dirty="0" err="1" smtClean="0">
+                <a:solidFill>
+                  <a:srgbClr val="FFFF00"/>
+                </a:solidFill>
+                <a:latin typeface="Calibri" pitchFamily="34" charset="0"/>
+                <a:ea typeface="隶书" pitchFamily="49" charset="-122"/>
+                <a:cs typeface="Calibri" pitchFamily="34" charset="0"/>
+              </a:rPr>
+              <a:t>mget</a:t>
+            </a:r>
+            <a:r>
+              <a:rPr lang="en-US" altLang="zh-CN" sz="4400" dirty="0" smtClean="0">
+                <a:solidFill>
+                  <a:srgbClr val="FFFF00"/>
+                </a:solidFill>
+                <a:latin typeface="Calibri" pitchFamily="34" charset="0"/>
+                <a:ea typeface="隶书" pitchFamily="49" charset="-122"/>
+                <a:cs typeface="Calibri" pitchFamily="34" charset="0"/>
+              </a:rPr>
+              <a:t> key [key …]</a:t>
+            </a:r>
+            <a:r>
+              <a:rPr lang="zh-CN" altLang="en-US" sz="4400" dirty="0" smtClean="0">
+                <a:solidFill>
+                  <a:srgbClr val="FFFF00"/>
+                </a:solidFill>
+                <a:latin typeface="Calibri" pitchFamily="34" charset="0"/>
+                <a:ea typeface="隶书" pitchFamily="49" charset="-122"/>
+                <a:cs typeface="Calibri" pitchFamily="34" charset="0"/>
+              </a:rPr>
+              <a:t>：一次获</a:t>
+            </a:r>
+            <a:r>
+              <a:rPr lang="zh-CN" altLang="en-US" sz="4400" dirty="0" smtClean="0">
+                <a:solidFill>
+                  <a:srgbClr val="FFFF00"/>
+                </a:solidFill>
+                <a:latin typeface="Calibri" pitchFamily="34" charset="0"/>
+                <a:ea typeface="隶书" pitchFamily="49" charset="-122"/>
+                <a:cs typeface="Calibri" pitchFamily="34" charset="0"/>
+              </a:rPr>
+              <a:t>取多个</a:t>
+            </a:r>
+            <a:endParaRPr lang="en-US" altLang="zh-CN" sz="4400" dirty="0" smtClean="0">
+              <a:solidFill>
+                <a:srgbClr val="FFFF00"/>
+              </a:solidFill>
+              <a:latin typeface="Calibri" pitchFamily="34" charset="0"/>
+              <a:ea typeface="隶书" pitchFamily="49" charset="-122"/>
+              <a:cs typeface="Calibri" pitchFamily="34" charset="0"/>
+            </a:endParaRPr>
+          </a:p>
+          <a:p>
+            <a:endParaRPr lang="en-US" altLang="zh-CN" sz="4400" dirty="0" smtClean="0">
+              <a:solidFill>
+                <a:srgbClr val="FFFF00"/>
+              </a:solidFill>
+              <a:latin typeface="Calibri" pitchFamily="34" charset="0"/>
+              <a:ea typeface="隶书" pitchFamily="49" charset="-122"/>
+              <a:cs typeface="Calibri" pitchFamily="34" charset="0"/>
+            </a:endParaRPr>
+          </a:p>
+        </p:txBody>
+      </p:sp>
+    </p:spTree>
+  </p:cSld>
+  <p:clrMapOvr>
+    <a:masterClrMapping/>
+  </p:clrMapOvr>
+  <p:timing>
+    <p:tnLst>
+      <p:par>
+        <p:cTn id="1" dur="indefinite" restart="never" nodeType="tmRoot"/>
+      </p:par>
+    </p:tnLst>
+  </p:timing>
+</p:sld>
+</file>
+
+<file path=ppt/slides/slide18.xml><?xml version="1.0" encoding="utf-8"?>
+<p:sld xmlns:a="http://schemas.openxmlformats.org/drawingml/2006/main" xmlns:r="http://schemas.openxmlformats.org/officeDocument/2006/relationships" xmlns:p="http://schemas.openxmlformats.org/presentationml/2006/main">
+  <p:cSld>
+    <p:spTree>
+      <p:nvGrpSpPr>
+        <p:cNvPr id="1" name=""/>
+        <p:cNvGrpSpPr/>
+        <p:nvPr/>
+      </p:nvGrpSpPr>
+      <p:grpSpPr>
+        <a:xfrm>
+          <a:off x="0" y="0"/>
+          <a:ext cx="0" cy="0"/>
+          <a:chOff x="0" y="0"/>
+          <a:chExt cx="0" cy="0"/>
+        </a:xfrm>
+      </p:grpSpPr>
+      <p:sp>
+        <p:nvSpPr>
+          <p:cNvPr id="2" name="标题 1"/>
+          <p:cNvSpPr>
+            <a:spLocks noGrp="1"/>
+          </p:cNvSpPr>
+          <p:nvPr>
+            <p:ph type="ctrTitle"/>
+          </p:nvPr>
+        </p:nvSpPr>
+        <p:spPr>
+          <a:xfrm>
+            <a:off x="214282" y="857232"/>
+            <a:ext cx="8929718" cy="785818"/>
+          </a:xfrm>
+        </p:spPr>
+        <p:txBody>
+          <a:bodyPr anchor="ctr">
+            <a:noAutofit/>
+          </a:bodyPr>
+          <a:lstStyle/>
+          <a:p>
+            <a:pPr algn="just"/>
+            <a:r>
+              <a:rPr lang="en-US" altLang="zh-CN" sz="5400" spc="-150" dirty="0" err="1" smtClean="0">
+                <a:effectLst/>
+              </a:rPr>
+              <a:t>Redis</a:t>
+            </a:r>
+            <a:r>
+              <a:rPr lang="zh-CN" altLang="en-US" sz="5400" spc="-150" dirty="0" smtClean="0">
+                <a:effectLst/>
+              </a:rPr>
+              <a:t>的</a:t>
+            </a:r>
+            <a:r>
+              <a:rPr lang="zh-CN" altLang="en-US" sz="5400" spc="-150" dirty="0" smtClean="0">
+                <a:effectLst/>
+              </a:rPr>
+              <a:t>指令</a:t>
+            </a:r>
+            <a:endParaRPr lang="zh-CN" altLang="en-US" sz="5400" spc="-150" dirty="0">
+              <a:effectLst/>
+            </a:endParaRPr>
+          </a:p>
+        </p:txBody>
+      </p:sp>
+      <p:sp>
+        <p:nvSpPr>
+          <p:cNvPr id="4" name="TextBox 3"/>
+          <p:cNvSpPr txBox="1"/>
+          <p:nvPr/>
+        </p:nvSpPr>
+        <p:spPr>
+          <a:xfrm>
+            <a:off x="142844" y="1714488"/>
+            <a:ext cx="8786874" cy="4832092"/>
+          </a:xfrm>
+          <a:prstGeom prst="rect">
+            <a:avLst/>
+          </a:prstGeom>
+          <a:noFill/>
+        </p:spPr>
+        <p:txBody>
+          <a:bodyPr wrap="square" rtlCol="0">
+            <a:spAutoFit/>
+          </a:bodyPr>
+          <a:lstStyle/>
+          <a:p>
+            <a:r>
+              <a:rPr lang="zh-CN" altLang="en-US" sz="4400" dirty="0" smtClean="0">
+                <a:solidFill>
+                  <a:srgbClr val="FFFF00"/>
+                </a:solidFill>
+                <a:latin typeface="Calibri" pitchFamily="34" charset="0"/>
+                <a:ea typeface="隶书" pitchFamily="49" charset="-122"/>
+                <a:cs typeface="Calibri" pitchFamily="34" charset="0"/>
+              </a:rPr>
+              <a:t>字符串（</a:t>
+            </a:r>
+            <a:r>
+              <a:rPr lang="en-US" altLang="zh-CN" sz="4400" dirty="0" smtClean="0">
+                <a:solidFill>
+                  <a:srgbClr val="FFFF00"/>
+                </a:solidFill>
+                <a:latin typeface="Calibri" pitchFamily="34" charset="0"/>
+                <a:ea typeface="隶书" pitchFamily="49" charset="-122"/>
+                <a:cs typeface="Calibri" pitchFamily="34" charset="0"/>
+              </a:rPr>
+              <a:t>String</a:t>
+            </a:r>
+            <a:r>
+              <a:rPr lang="zh-CN" altLang="en-US" sz="4400" dirty="0" smtClean="0">
+                <a:solidFill>
+                  <a:srgbClr val="FFFF00"/>
+                </a:solidFill>
+                <a:latin typeface="Calibri" pitchFamily="34" charset="0"/>
+                <a:ea typeface="隶书" pitchFamily="49" charset="-122"/>
+                <a:cs typeface="Calibri" pitchFamily="34" charset="0"/>
+              </a:rPr>
+              <a:t>）</a:t>
+            </a:r>
+            <a:endParaRPr lang="en-US" altLang="zh-CN" sz="4400" dirty="0" smtClean="0">
+              <a:solidFill>
+                <a:srgbClr val="FFFF00"/>
+              </a:solidFill>
+              <a:latin typeface="Calibri" pitchFamily="34" charset="0"/>
+              <a:ea typeface="隶书" pitchFamily="49" charset="-122"/>
+              <a:cs typeface="Calibri" pitchFamily="34" charset="0"/>
+            </a:endParaRPr>
+          </a:p>
+          <a:p>
+            <a:r>
+              <a:rPr lang="en-US" altLang="zh-CN" sz="4400" dirty="0" err="1" smtClean="0">
+                <a:solidFill>
+                  <a:srgbClr val="FFFF00"/>
+                </a:solidFill>
+                <a:latin typeface="Calibri" pitchFamily="34" charset="0"/>
+                <a:ea typeface="隶书" pitchFamily="49" charset="-122"/>
+                <a:cs typeface="Calibri" pitchFamily="34" charset="0"/>
+              </a:rPr>
+              <a:t>mset</a:t>
+            </a:r>
+            <a:r>
+              <a:rPr lang="en-US" altLang="zh-CN" sz="4400" dirty="0" smtClean="0">
+                <a:solidFill>
+                  <a:srgbClr val="FFFF00"/>
+                </a:solidFill>
+                <a:latin typeface="Calibri" pitchFamily="34" charset="0"/>
+                <a:ea typeface="隶书" pitchFamily="49" charset="-122"/>
+                <a:cs typeface="Calibri" pitchFamily="34" charset="0"/>
+              </a:rPr>
+              <a:t> key value [key value …]</a:t>
+            </a:r>
+            <a:r>
+              <a:rPr lang="zh-CN" altLang="en-US" sz="4400" dirty="0" smtClean="0">
+                <a:solidFill>
+                  <a:srgbClr val="FFFF00"/>
+                </a:solidFill>
+                <a:latin typeface="Calibri" pitchFamily="34" charset="0"/>
+                <a:ea typeface="隶书" pitchFamily="49" charset="-122"/>
+                <a:cs typeface="Calibri" pitchFamily="34" charset="0"/>
+              </a:rPr>
+              <a:t>：一次设置多个</a:t>
+            </a:r>
+            <a:endParaRPr lang="en-US" altLang="zh-CN" sz="4400" dirty="0" smtClean="0">
+              <a:solidFill>
+                <a:srgbClr val="FFFF00"/>
+              </a:solidFill>
+              <a:latin typeface="Calibri" pitchFamily="34" charset="0"/>
+              <a:ea typeface="隶书" pitchFamily="49" charset="-122"/>
+              <a:cs typeface="Calibri" pitchFamily="34" charset="0"/>
+            </a:endParaRPr>
+          </a:p>
+          <a:p>
+            <a:r>
+              <a:rPr lang="en-US" altLang="zh-CN" sz="4400" dirty="0" err="1" smtClean="0">
+                <a:solidFill>
+                  <a:srgbClr val="FFFF00"/>
+                </a:solidFill>
+                <a:latin typeface="Calibri" pitchFamily="34" charset="0"/>
+                <a:ea typeface="隶书" pitchFamily="49" charset="-122"/>
+                <a:cs typeface="Calibri" pitchFamily="34" charset="0"/>
+              </a:rPr>
+              <a:t>msetnx</a:t>
+            </a:r>
+            <a:r>
+              <a:rPr lang="en-US" altLang="zh-CN" sz="4400" dirty="0" smtClean="0">
+                <a:solidFill>
+                  <a:srgbClr val="FFFF00"/>
+                </a:solidFill>
+                <a:latin typeface="Calibri" pitchFamily="34" charset="0"/>
+                <a:ea typeface="隶书" pitchFamily="49" charset="-122"/>
+                <a:cs typeface="Calibri" pitchFamily="34" charset="0"/>
+              </a:rPr>
+              <a:t> key value [key value…]</a:t>
+            </a:r>
+            <a:r>
+              <a:rPr lang="zh-CN" altLang="en-US" sz="4400" dirty="0" smtClean="0">
+                <a:solidFill>
+                  <a:srgbClr val="FFFF00"/>
+                </a:solidFill>
+                <a:latin typeface="Calibri" pitchFamily="34" charset="0"/>
+                <a:ea typeface="隶书" pitchFamily="49" charset="-122"/>
+                <a:cs typeface="Calibri" pitchFamily="34" charset="0"/>
+              </a:rPr>
+              <a:t>：一个设置多个，只有当这些</a:t>
+            </a:r>
+            <a:r>
+              <a:rPr lang="en-US" altLang="zh-CN" sz="4400" dirty="0" smtClean="0">
+                <a:solidFill>
+                  <a:srgbClr val="FFFF00"/>
+                </a:solidFill>
+                <a:latin typeface="Calibri" pitchFamily="34" charset="0"/>
+                <a:ea typeface="隶书" pitchFamily="49" charset="-122"/>
+                <a:cs typeface="Calibri" pitchFamily="34" charset="0"/>
+              </a:rPr>
+              <a:t>key</a:t>
+            </a:r>
+            <a:r>
+              <a:rPr lang="zh-CN" altLang="en-US" sz="4400" dirty="0" smtClean="0">
+                <a:solidFill>
+                  <a:srgbClr val="FFFF00"/>
+                </a:solidFill>
+                <a:latin typeface="Calibri" pitchFamily="34" charset="0"/>
+                <a:ea typeface="隶书" pitchFamily="49" charset="-122"/>
+                <a:cs typeface="Calibri" pitchFamily="34" charset="0"/>
+              </a:rPr>
+              <a:t>都不存在时才会成功，只要有一个</a:t>
+            </a:r>
+            <a:r>
+              <a:rPr lang="en-US" altLang="zh-CN" sz="4400" dirty="0" smtClean="0">
+                <a:solidFill>
+                  <a:srgbClr val="FFFF00"/>
+                </a:solidFill>
+                <a:latin typeface="Calibri" pitchFamily="34" charset="0"/>
+                <a:ea typeface="隶书" pitchFamily="49" charset="-122"/>
+                <a:cs typeface="Calibri" pitchFamily="34" charset="0"/>
+              </a:rPr>
+              <a:t>key</a:t>
+            </a:r>
+            <a:r>
+              <a:rPr lang="zh-CN" altLang="en-US" sz="4400" dirty="0" smtClean="0">
+                <a:solidFill>
+                  <a:srgbClr val="FFFF00"/>
+                </a:solidFill>
+                <a:latin typeface="Calibri" pitchFamily="34" charset="0"/>
+                <a:ea typeface="隶书" pitchFamily="49" charset="-122"/>
+                <a:cs typeface="Calibri" pitchFamily="34" charset="0"/>
+              </a:rPr>
+              <a:t>存在就都不成功</a:t>
+            </a:r>
+            <a:endParaRPr lang="en-US" altLang="zh-CN" sz="4400" dirty="0" smtClean="0">
+              <a:solidFill>
+                <a:srgbClr val="FFFF00"/>
+              </a:solidFill>
+              <a:latin typeface="Calibri" pitchFamily="34" charset="0"/>
+              <a:ea typeface="隶书" pitchFamily="49" charset="-122"/>
+              <a:cs typeface="Calibri" pitchFamily="34" charset="0"/>
+            </a:endParaRPr>
+          </a:p>
+        </p:txBody>
+      </p:sp>
+    </p:spTree>
+  </p:cSld>
+  <p:clrMapOvr>
+    <a:masterClrMapping/>
+  </p:clrMapOvr>
+  <p:timing>
+    <p:tnLst>
+      <p:par>
+        <p:cTn id="1" dur="indefinite" restart="never" nodeType="tmRoot"/>
+      </p:par>
+    </p:tnLst>
+  </p:timing>
+</p:sld>
+</file>
+
+<file path=ppt/slides/slide19.xml><?xml version="1.0" encoding="utf-8"?>
+<p:sld xmlns:a="http://schemas.openxmlformats.org/drawingml/2006/main" xmlns:r="http://schemas.openxmlformats.org/officeDocument/2006/relationships" xmlns:p="http://schemas.openxmlformats.org/presentationml/2006/main">
+  <p:cSld>
+    <p:spTree>
+      <p:nvGrpSpPr>
+        <p:cNvPr id="1" name=""/>
+        <p:cNvGrpSpPr/>
+        <p:nvPr/>
+      </p:nvGrpSpPr>
+      <p:grpSpPr>
+        <a:xfrm>
+          <a:off x="0" y="0"/>
+          <a:ext cx="0" cy="0"/>
+          <a:chOff x="0" y="0"/>
+          <a:chExt cx="0" cy="0"/>
+        </a:xfrm>
+      </p:grpSpPr>
+      <p:sp>
+        <p:nvSpPr>
+          <p:cNvPr id="2" name="标题 1"/>
+          <p:cNvSpPr>
+            <a:spLocks noGrp="1"/>
+          </p:cNvSpPr>
+          <p:nvPr>
+            <p:ph type="ctrTitle"/>
+          </p:nvPr>
+        </p:nvSpPr>
+        <p:spPr>
+          <a:xfrm>
+            <a:off x="214282" y="857232"/>
+            <a:ext cx="8929718" cy="785818"/>
+          </a:xfrm>
+        </p:spPr>
+        <p:txBody>
+          <a:bodyPr anchor="ctr">
+            <a:noAutofit/>
+          </a:bodyPr>
+          <a:lstStyle/>
+          <a:p>
+            <a:pPr algn="just"/>
+            <a:r>
+              <a:rPr lang="en-US" altLang="zh-CN" sz="5400" spc="-150" dirty="0" err="1" smtClean="0">
+                <a:effectLst/>
+              </a:rPr>
+              <a:t>Redis</a:t>
+            </a:r>
+            <a:r>
+              <a:rPr lang="zh-CN" altLang="en-US" sz="5400" spc="-150" dirty="0" smtClean="0">
+                <a:effectLst/>
+              </a:rPr>
+              <a:t>的</a:t>
+            </a:r>
+            <a:r>
+              <a:rPr lang="zh-CN" altLang="en-US" sz="5400" spc="-150" dirty="0" smtClean="0">
+                <a:effectLst/>
+              </a:rPr>
+              <a:t>指令</a:t>
+            </a:r>
+            <a:endParaRPr lang="zh-CN" altLang="en-US" sz="5400" spc="-150" dirty="0">
+              <a:effectLst/>
+            </a:endParaRPr>
+          </a:p>
+        </p:txBody>
+      </p:sp>
+      <p:sp>
+        <p:nvSpPr>
+          <p:cNvPr id="4" name="TextBox 3"/>
+          <p:cNvSpPr txBox="1"/>
+          <p:nvPr/>
+        </p:nvSpPr>
+        <p:spPr>
+          <a:xfrm>
+            <a:off x="142844" y="1714488"/>
+            <a:ext cx="8786874" cy="4154984"/>
+          </a:xfrm>
+          <a:prstGeom prst="rect">
+            <a:avLst/>
+          </a:prstGeom>
+          <a:noFill/>
+        </p:spPr>
+        <p:txBody>
+          <a:bodyPr wrap="square" rtlCol="0">
+            <a:spAutoFit/>
+          </a:bodyPr>
+          <a:lstStyle/>
+          <a:p>
+            <a:r>
+              <a:rPr lang="zh-CN" altLang="en-US" sz="4400" dirty="0" smtClean="0">
+                <a:solidFill>
+                  <a:srgbClr val="FFFF00"/>
+                </a:solidFill>
+                <a:latin typeface="Calibri" pitchFamily="34" charset="0"/>
+                <a:ea typeface="隶书" pitchFamily="49" charset="-122"/>
+                <a:cs typeface="Calibri" pitchFamily="34" charset="0"/>
+              </a:rPr>
+              <a:t>字符串（</a:t>
+            </a:r>
+            <a:r>
+              <a:rPr lang="en-US" altLang="zh-CN" sz="4400" dirty="0" smtClean="0">
+                <a:solidFill>
+                  <a:srgbClr val="FFFF00"/>
+                </a:solidFill>
+                <a:latin typeface="Calibri" pitchFamily="34" charset="0"/>
+                <a:ea typeface="隶书" pitchFamily="49" charset="-122"/>
+                <a:cs typeface="Calibri" pitchFamily="34" charset="0"/>
+              </a:rPr>
+              <a:t>String</a:t>
+            </a:r>
+            <a:r>
+              <a:rPr lang="zh-CN" altLang="en-US" sz="4400" dirty="0" smtClean="0">
+                <a:solidFill>
+                  <a:srgbClr val="FFFF00"/>
+                </a:solidFill>
+                <a:latin typeface="Calibri" pitchFamily="34" charset="0"/>
+                <a:ea typeface="隶书" pitchFamily="49" charset="-122"/>
+                <a:cs typeface="Calibri" pitchFamily="34" charset="0"/>
+              </a:rPr>
+              <a:t>）</a:t>
+            </a:r>
+            <a:endParaRPr lang="en-US" altLang="zh-CN" sz="4400" dirty="0" smtClean="0">
+              <a:solidFill>
+                <a:srgbClr val="FFFF00"/>
+              </a:solidFill>
+              <a:latin typeface="Calibri" pitchFamily="34" charset="0"/>
+              <a:ea typeface="隶书" pitchFamily="49" charset="-122"/>
+              <a:cs typeface="Calibri" pitchFamily="34" charset="0"/>
+            </a:endParaRPr>
+          </a:p>
+          <a:p>
+            <a:r>
+              <a:rPr lang="en-US" altLang="zh-CN" sz="4400" dirty="0" err="1" smtClean="0">
+                <a:solidFill>
+                  <a:srgbClr val="FFFF00"/>
+                </a:solidFill>
+                <a:latin typeface="Calibri" pitchFamily="34" charset="0"/>
+                <a:ea typeface="隶书" pitchFamily="49" charset="-122"/>
+                <a:cs typeface="Calibri" pitchFamily="34" charset="0"/>
+              </a:rPr>
+              <a:t>psetex</a:t>
+            </a:r>
+            <a:r>
+              <a:rPr lang="en-US" altLang="zh-CN" sz="4400" dirty="0" smtClean="0">
+                <a:solidFill>
+                  <a:srgbClr val="FFFF00"/>
+                </a:solidFill>
+                <a:latin typeface="Calibri" pitchFamily="34" charset="0"/>
+                <a:ea typeface="隶书" pitchFamily="49" charset="-122"/>
+                <a:cs typeface="Calibri" pitchFamily="34" charset="0"/>
+              </a:rPr>
+              <a:t> key ms value</a:t>
+            </a:r>
+            <a:r>
+              <a:rPr lang="zh-CN" altLang="en-US" sz="4400" dirty="0" smtClean="0">
+                <a:solidFill>
+                  <a:srgbClr val="FFFF00"/>
+                </a:solidFill>
+                <a:latin typeface="Calibri" pitchFamily="34" charset="0"/>
+                <a:ea typeface="隶书" pitchFamily="49" charset="-122"/>
+                <a:cs typeface="Calibri" pitchFamily="34" charset="0"/>
+              </a:rPr>
+              <a:t>：带有毫秒超时时间的设置</a:t>
+            </a:r>
+            <a:endParaRPr lang="en-US" altLang="zh-CN" sz="4400" dirty="0" smtClean="0">
+              <a:solidFill>
+                <a:srgbClr val="FFFF00"/>
+              </a:solidFill>
+              <a:latin typeface="Calibri" pitchFamily="34" charset="0"/>
+              <a:ea typeface="隶书" pitchFamily="49" charset="-122"/>
+              <a:cs typeface="Calibri" pitchFamily="34" charset="0"/>
+            </a:endParaRPr>
+          </a:p>
+          <a:p>
+            <a:r>
+              <a:rPr lang="en-US" altLang="zh-CN" sz="4400" dirty="0" smtClean="0">
+                <a:solidFill>
+                  <a:srgbClr val="FFFF00"/>
+                </a:solidFill>
+                <a:latin typeface="Calibri" pitchFamily="34" charset="0"/>
+                <a:ea typeface="隶书" pitchFamily="49" charset="-122"/>
+                <a:cs typeface="Calibri" pitchFamily="34" charset="0"/>
+              </a:rPr>
+              <a:t>set key value</a:t>
+            </a:r>
+            <a:r>
+              <a:rPr lang="zh-CN" altLang="en-US" sz="4400" dirty="0" smtClean="0">
+                <a:solidFill>
+                  <a:srgbClr val="FFFF00"/>
+                </a:solidFill>
+                <a:latin typeface="Calibri" pitchFamily="34" charset="0"/>
+                <a:ea typeface="隶书" pitchFamily="49" charset="-122"/>
+                <a:cs typeface="Calibri" pitchFamily="34" charset="0"/>
+              </a:rPr>
+              <a:t>：设置</a:t>
+            </a:r>
+            <a:endParaRPr lang="en-US" altLang="zh-CN" sz="4400" dirty="0" smtClean="0">
+              <a:solidFill>
+                <a:srgbClr val="FFFF00"/>
+              </a:solidFill>
+              <a:latin typeface="Calibri" pitchFamily="34" charset="0"/>
+              <a:ea typeface="隶书" pitchFamily="49" charset="-122"/>
+              <a:cs typeface="Calibri" pitchFamily="34" charset="0"/>
+            </a:endParaRPr>
+          </a:p>
+          <a:p>
+            <a:r>
+              <a:rPr lang="en-US" altLang="zh-CN" sz="4400" dirty="0" err="1" smtClean="0">
+                <a:solidFill>
+                  <a:srgbClr val="FFFF00"/>
+                </a:solidFill>
+                <a:latin typeface="Calibri" pitchFamily="34" charset="0"/>
+                <a:ea typeface="隶书" pitchFamily="49" charset="-122"/>
+                <a:cs typeface="Calibri" pitchFamily="34" charset="0"/>
+              </a:rPr>
+              <a:t>setex</a:t>
+            </a:r>
+            <a:r>
+              <a:rPr lang="en-US" altLang="zh-CN" sz="4400" dirty="0" smtClean="0">
+                <a:solidFill>
+                  <a:srgbClr val="FFFF00"/>
+                </a:solidFill>
+                <a:latin typeface="Calibri" pitchFamily="34" charset="0"/>
+                <a:ea typeface="隶书" pitchFamily="49" charset="-122"/>
+                <a:cs typeface="Calibri" pitchFamily="34" charset="0"/>
+              </a:rPr>
+              <a:t> key s value</a:t>
+            </a:r>
+            <a:r>
+              <a:rPr lang="zh-CN" altLang="en-US" sz="4400" dirty="0" smtClean="0">
+                <a:solidFill>
+                  <a:srgbClr val="FFFF00"/>
+                </a:solidFill>
+                <a:latin typeface="Calibri" pitchFamily="34" charset="0"/>
+                <a:ea typeface="隶书" pitchFamily="49" charset="-122"/>
+                <a:cs typeface="Calibri" pitchFamily="34" charset="0"/>
+              </a:rPr>
+              <a:t>：带有秒超时时间的设置</a:t>
+            </a:r>
+            <a:endParaRPr lang="en-US" altLang="zh-CN" sz="4400" dirty="0" smtClean="0">
+              <a:solidFill>
+                <a:srgbClr val="FFFF00"/>
+              </a:solidFill>
+              <a:latin typeface="Calibri" pitchFamily="34" charset="0"/>
+              <a:ea typeface="隶书" pitchFamily="49" charset="-122"/>
+              <a:cs typeface="Calibri" pitchFamily="34" charset="0"/>
+            </a:endParaRPr>
+          </a:p>
+        </p:txBody>
+      </p:sp>
+    </p:spTree>
+  </p:cSld>
+  <p:clrMapOvr>
+    <a:masterClrMapping/>
+  </p:clrMapOvr>
+  <p:timing>
+    <p:tnLst>
+      <p:par>
+        <p:cTn id="1" dur="indefinite" restart="never" nodeType="tmRoot"/>
+      </p:par>
+    </p:tnLst>
+  </p:timing>
+</p:sld>
+</file>
+
 <file path=ppt/slides/slide2.xml><?xml version="1.0" encoding="utf-8"?>
 <p:sld xmlns:a="http://schemas.openxmlformats.org/drawingml/2006/main" xmlns:r="http://schemas.openxmlformats.org/officeDocument/2006/relationships" xmlns:p="http://schemas.openxmlformats.org/presentationml/2006/main">
   <p:cSld>
@@ -4514,17 +7186,7 @@
                 <a:latin typeface="Calibri" pitchFamily="34" charset="0"/>
                 <a:cs typeface="Calibri" pitchFamily="34" charset="0"/>
               </a:rPr>
-              <a:t>Dictionary</a:t>
-            </a:r>
-            <a:r>
-              <a:rPr lang="en-US" altLang="zh-CN" sz="4400" dirty="0" smtClean="0">
-                <a:solidFill>
-                  <a:srgbClr val="FFFF00"/>
-                </a:solidFill>
-                <a:latin typeface="Calibri" pitchFamily="34" charset="0"/>
-                <a:cs typeface="Calibri" pitchFamily="34" charset="0"/>
-              </a:rPr>
-              <a:t>==Map</a:t>
+              <a:t>Dictionary==Map</a:t>
             </a:r>
             <a:r>
               <a:rPr lang="en-US" altLang="zh-CN" sz="4400" dirty="0" smtClean="0">
@@ -4612,6 +7274,302 @@
               </a:solidFill>
               <a:latin typeface="隶书" pitchFamily="49" charset="-122"/>
               <a:ea typeface="隶书" pitchFamily="49" charset="-122"/>
+            </a:endParaRPr>
+          </a:p>
+        </p:txBody>
+      </p:sp>
+    </p:spTree>
+  </p:cSld>
+  <p:clrMapOvr>
+    <a:masterClrMapping/>
+  </p:clrMapOvr>
+  <p:timing>
+    <p:tnLst>
+      <p:par>
+        <p:cTn id="1" dur="indefinite" restart="never" nodeType="tmRoot"/>
+      </p:par>
+    </p:tnLst>
+  </p:timing>
+</p:sld>
+</file>
+
+<file path=ppt/slides/slide20.xml><?xml version="1.0" encoding="utf-8"?>
+<p:sld xmlns:a="http://schemas.openxmlformats.org/drawingml/2006/main" xmlns:r="http://schemas.openxmlformats.org/officeDocument/2006/relationships" xmlns:p="http://schemas.openxmlformats.org/presentationml/2006/main">
+  <p:cSld>
+    <p:spTree>
+      <p:nvGrpSpPr>
+        <p:cNvPr id="1" name=""/>
+        <p:cNvGrpSpPr/>
+        <p:nvPr/>
+      </p:nvGrpSpPr>
+      <p:grpSpPr>
+        <a:xfrm>
+          <a:off x="0" y="0"/>
+          <a:ext cx="0" cy="0"/>
+          <a:chOff x="0" y="0"/>
+          <a:chExt cx="0" cy="0"/>
+        </a:xfrm>
+      </p:grpSpPr>
+      <p:sp>
+        <p:nvSpPr>
+          <p:cNvPr id="2" name="标题 1"/>
+          <p:cNvSpPr>
+            <a:spLocks noGrp="1"/>
+          </p:cNvSpPr>
+          <p:nvPr>
+            <p:ph type="ctrTitle"/>
+          </p:nvPr>
+        </p:nvSpPr>
+        <p:spPr>
+          <a:xfrm>
+            <a:off x="214282" y="857232"/>
+            <a:ext cx="8929718" cy="785818"/>
+          </a:xfrm>
+        </p:spPr>
+        <p:txBody>
+          <a:bodyPr anchor="ctr">
+            <a:noAutofit/>
+          </a:bodyPr>
+          <a:lstStyle/>
+          <a:p>
+            <a:pPr algn="just"/>
+            <a:r>
+              <a:rPr lang="en-US" altLang="zh-CN" sz="5400" spc="-150" dirty="0" err="1" smtClean="0">
+                <a:effectLst/>
+              </a:rPr>
+              <a:t>Redis</a:t>
+            </a:r>
+            <a:r>
+              <a:rPr lang="zh-CN" altLang="en-US" sz="5400" spc="-150" dirty="0" smtClean="0">
+                <a:effectLst/>
+              </a:rPr>
+              <a:t>的</a:t>
+            </a:r>
+            <a:r>
+              <a:rPr lang="zh-CN" altLang="en-US" sz="5400" spc="-150" dirty="0" smtClean="0">
+                <a:effectLst/>
+              </a:rPr>
+              <a:t>指令</a:t>
+            </a:r>
+            <a:endParaRPr lang="zh-CN" altLang="en-US" sz="5400" spc="-150" dirty="0">
+              <a:effectLst/>
+            </a:endParaRPr>
+          </a:p>
+        </p:txBody>
+      </p:sp>
+      <p:sp>
+        <p:nvSpPr>
+          <p:cNvPr id="4" name="TextBox 3"/>
+          <p:cNvSpPr txBox="1"/>
+          <p:nvPr/>
+        </p:nvSpPr>
+        <p:spPr>
+          <a:xfrm>
+            <a:off x="142844" y="1714488"/>
+            <a:ext cx="8786874" cy="4154984"/>
+          </a:xfrm>
+          <a:prstGeom prst="rect">
+            <a:avLst/>
+          </a:prstGeom>
+          <a:noFill/>
+        </p:spPr>
+        <p:txBody>
+          <a:bodyPr wrap="square" rtlCol="0">
+            <a:spAutoFit/>
+          </a:bodyPr>
+          <a:lstStyle/>
+          <a:p>
+            <a:r>
+              <a:rPr lang="zh-CN" altLang="en-US" sz="4400" dirty="0" smtClean="0">
+                <a:solidFill>
+                  <a:srgbClr val="FFFF00"/>
+                </a:solidFill>
+                <a:latin typeface="Calibri" pitchFamily="34" charset="0"/>
+                <a:ea typeface="隶书" pitchFamily="49" charset="-122"/>
+                <a:cs typeface="Calibri" pitchFamily="34" charset="0"/>
+              </a:rPr>
+              <a:t>字符串（</a:t>
+            </a:r>
+            <a:r>
+              <a:rPr lang="en-US" altLang="zh-CN" sz="4400" dirty="0" smtClean="0">
+                <a:solidFill>
+                  <a:srgbClr val="FFFF00"/>
+                </a:solidFill>
+                <a:latin typeface="Calibri" pitchFamily="34" charset="0"/>
+                <a:ea typeface="隶书" pitchFamily="49" charset="-122"/>
+                <a:cs typeface="Calibri" pitchFamily="34" charset="0"/>
+              </a:rPr>
+              <a:t>String</a:t>
+            </a:r>
+            <a:r>
+              <a:rPr lang="zh-CN" altLang="en-US" sz="4400" dirty="0" smtClean="0">
+                <a:solidFill>
+                  <a:srgbClr val="FFFF00"/>
+                </a:solidFill>
+                <a:latin typeface="Calibri" pitchFamily="34" charset="0"/>
+                <a:ea typeface="隶书" pitchFamily="49" charset="-122"/>
+                <a:cs typeface="Calibri" pitchFamily="34" charset="0"/>
+              </a:rPr>
+              <a:t>）</a:t>
+            </a:r>
+            <a:endParaRPr lang="en-US" altLang="zh-CN" sz="4400" dirty="0" smtClean="0">
+              <a:solidFill>
+                <a:srgbClr val="FFFF00"/>
+              </a:solidFill>
+              <a:latin typeface="Calibri" pitchFamily="34" charset="0"/>
+              <a:ea typeface="隶书" pitchFamily="49" charset="-122"/>
+              <a:cs typeface="Calibri" pitchFamily="34" charset="0"/>
+            </a:endParaRPr>
+          </a:p>
+          <a:p>
+            <a:r>
+              <a:rPr lang="en-US" altLang="zh-CN" sz="4400" dirty="0" err="1" smtClean="0">
+                <a:solidFill>
+                  <a:srgbClr val="FFFF00"/>
+                </a:solidFill>
+                <a:latin typeface="Calibri" pitchFamily="34" charset="0"/>
+                <a:ea typeface="隶书" pitchFamily="49" charset="-122"/>
+                <a:cs typeface="Calibri" pitchFamily="34" charset="0"/>
+              </a:rPr>
+              <a:t>setnx</a:t>
+            </a:r>
+            <a:r>
+              <a:rPr lang="en-US" altLang="zh-CN" sz="4400" dirty="0" smtClean="0">
+                <a:solidFill>
+                  <a:srgbClr val="FFFF00"/>
+                </a:solidFill>
+                <a:latin typeface="Calibri" pitchFamily="34" charset="0"/>
+                <a:ea typeface="隶书" pitchFamily="49" charset="-122"/>
+                <a:cs typeface="Calibri" pitchFamily="34" charset="0"/>
+              </a:rPr>
+              <a:t> key value</a:t>
+            </a:r>
+            <a:r>
+              <a:rPr lang="zh-CN" altLang="en-US" sz="4400" dirty="0" smtClean="0">
+                <a:solidFill>
+                  <a:srgbClr val="FFFF00"/>
+                </a:solidFill>
+                <a:latin typeface="Calibri" pitchFamily="34" charset="0"/>
+                <a:ea typeface="隶书" pitchFamily="49" charset="-122"/>
+                <a:cs typeface="Calibri" pitchFamily="34" charset="0"/>
+              </a:rPr>
+              <a:t>：不存在时才设置</a:t>
+            </a:r>
+            <a:endParaRPr lang="en-US" altLang="zh-CN" sz="4400" dirty="0" smtClean="0">
+              <a:solidFill>
+                <a:srgbClr val="FFFF00"/>
+              </a:solidFill>
+              <a:latin typeface="Calibri" pitchFamily="34" charset="0"/>
+              <a:ea typeface="隶书" pitchFamily="49" charset="-122"/>
+              <a:cs typeface="Calibri" pitchFamily="34" charset="0"/>
+            </a:endParaRPr>
+          </a:p>
+          <a:p>
+            <a:r>
+              <a:rPr lang="en-US" altLang="zh-CN" sz="4400" dirty="0" err="1" smtClean="0">
+                <a:solidFill>
+                  <a:srgbClr val="FFFF00"/>
+                </a:solidFill>
+                <a:latin typeface="Calibri" pitchFamily="34" charset="0"/>
+                <a:ea typeface="隶书" pitchFamily="49" charset="-122"/>
+                <a:cs typeface="Calibri" pitchFamily="34" charset="0"/>
+              </a:rPr>
+              <a:t>setrange</a:t>
+            </a:r>
+            <a:r>
+              <a:rPr lang="en-US" altLang="zh-CN" sz="4400" dirty="0" smtClean="0">
+                <a:solidFill>
+                  <a:srgbClr val="FFFF00"/>
+                </a:solidFill>
+                <a:latin typeface="Calibri" pitchFamily="34" charset="0"/>
+                <a:ea typeface="隶书" pitchFamily="49" charset="-122"/>
+                <a:cs typeface="Calibri" pitchFamily="34" charset="0"/>
+              </a:rPr>
+              <a:t> key offset value</a:t>
+            </a:r>
+            <a:r>
+              <a:rPr lang="zh-CN" altLang="en-US" sz="4400" dirty="0" smtClean="0">
+                <a:solidFill>
+                  <a:srgbClr val="FFFF00"/>
+                </a:solidFill>
+                <a:latin typeface="Calibri" pitchFamily="34" charset="0"/>
+                <a:ea typeface="隶书" pitchFamily="49" charset="-122"/>
+                <a:cs typeface="Calibri" pitchFamily="34" charset="0"/>
+              </a:rPr>
+              <a:t>：用指定值覆盖指定偏移量后面的部分，</a:t>
+            </a:r>
+            <a:r>
+              <a:rPr lang="en-US" altLang="zh-CN" sz="4400" dirty="0" smtClean="0">
+                <a:solidFill>
+                  <a:srgbClr val="FFFF00"/>
+                </a:solidFill>
+                <a:latin typeface="Calibri" pitchFamily="34" charset="0"/>
+                <a:ea typeface="隶书" pitchFamily="49" charset="-122"/>
+                <a:cs typeface="Calibri" pitchFamily="34" charset="0"/>
+              </a:rPr>
+              <a:t>offset</a:t>
+            </a:r>
+            <a:r>
+              <a:rPr lang="zh-CN" altLang="en-US" sz="4400" dirty="0" smtClean="0">
+                <a:solidFill>
+                  <a:srgbClr val="FFFF00"/>
+                </a:solidFill>
+                <a:latin typeface="Calibri" pitchFamily="34" charset="0"/>
+                <a:ea typeface="隶书" pitchFamily="49" charset="-122"/>
+                <a:cs typeface="Calibri" pitchFamily="34" charset="0"/>
+              </a:rPr>
+              <a:t>按字节来算</a:t>
+            </a:r>
+            <a:endParaRPr lang="en-US" altLang="zh-CN" sz="4400" dirty="0" smtClean="0">
+              <a:solidFill>
+                <a:srgbClr val="FFFF00"/>
+              </a:solidFill>
+              <a:latin typeface="Calibri" pitchFamily="34" charset="0"/>
+              <a:ea typeface="隶书" pitchFamily="49" charset="-122"/>
+              <a:cs typeface="Calibri" pitchFamily="34" charset="0"/>
+            </a:endParaRPr>
+          </a:p>
+          <a:p>
+            <a:r>
+              <a:rPr lang="en-US" altLang="zh-CN" sz="4400" dirty="0" err="1" smtClean="0">
+                <a:solidFill>
+                  <a:srgbClr val="FFFF00"/>
+                </a:solidFill>
+                <a:latin typeface="Calibri" pitchFamily="34" charset="0"/>
+                <a:ea typeface="隶书" pitchFamily="49" charset="-122"/>
+                <a:cs typeface="Calibri" pitchFamily="34" charset="0"/>
+              </a:rPr>
+              <a:t>strlen</a:t>
+            </a:r>
+            <a:r>
+              <a:rPr lang="en-US" altLang="zh-CN" sz="4400" dirty="0" smtClean="0">
+                <a:solidFill>
+                  <a:srgbClr val="FFFF00"/>
+                </a:solidFill>
+                <a:latin typeface="Calibri" pitchFamily="34" charset="0"/>
+                <a:ea typeface="隶书" pitchFamily="49" charset="-122"/>
+                <a:cs typeface="Calibri" pitchFamily="34" charset="0"/>
+              </a:rPr>
+              <a:t> key</a:t>
+            </a:r>
+            <a:r>
+              <a:rPr lang="zh-CN" altLang="en-US" sz="4400" dirty="0" smtClean="0">
+                <a:solidFill>
+                  <a:srgbClr val="FFFF00"/>
+                </a:solidFill>
+                <a:latin typeface="Calibri" pitchFamily="34" charset="0"/>
+                <a:ea typeface="隶书" pitchFamily="49" charset="-122"/>
+                <a:cs typeface="Calibri" pitchFamily="34" charset="0"/>
+              </a:rPr>
+              <a:t>：获取值的长度</a:t>
+            </a:r>
+            <a:endParaRPr lang="en-US" altLang="zh-CN" sz="4400" dirty="0" smtClean="0">
+              <a:solidFill>
+                <a:srgbClr val="FFFF00"/>
+              </a:solidFill>
+              <a:latin typeface="Calibri" pitchFamily="34" charset="0"/>
+              <a:ea typeface="隶书" pitchFamily="49" charset="-122"/>
+              <a:cs typeface="Calibri" pitchFamily="34" charset="0"/>
             </a:endParaRPr>
           </a:p>
         </p:txBody>
@@ -4851,13 +7809,7 @@
               <a:rPr lang="zh-CN" altLang="en-US" sz="5400" spc="-150" dirty="0" smtClean="0">
                 <a:effectLst/>
               </a:rPr>
-              <a:t>单节点</a:t>
-            </a:r>
-            <a:r>
-              <a:rPr lang="zh-CN" altLang="en-US" sz="5400" spc="-150" dirty="0" smtClean="0">
-                <a:effectLst/>
-              </a:rPr>
-              <a:t>工作模式</a:t>
+              <a:t>单节点工作模式</a:t>
             </a:r>
             <a:endParaRPr lang="zh-CN" altLang="en-US" sz="5400" spc="-150" dirty="0">
               <a:effectLst/>
@@ -5085,17 +8037,7 @@
                 <a:latin typeface="隶书" pitchFamily="49" charset="-122"/>
                 <a:ea typeface="隶书" pitchFamily="49" charset="-122"/>
               </a:rPr>
-              <a:t>一</a:t>
-            </a:r>
-            <a:r>
-              <a:rPr lang="zh-CN" altLang="en-US" sz="4400" dirty="0" smtClean="0">
-                <a:solidFill>
-                  <a:srgbClr val="FFFF00"/>
-                </a:solidFill>
-                <a:latin typeface="隶书" pitchFamily="49" charset="-122"/>
-                <a:ea typeface="隶书" pitchFamily="49" charset="-122"/>
-              </a:rPr>
-              <a:t>个</a:t>
+              <a:t>一个</a:t>
             </a:r>
             <a:r>
               <a:rPr lang="en-US" altLang="zh-CN" sz="4400" dirty="0" err="1" smtClean="0">
@@ -5252,13 +8194,7 @@
               <a:rPr lang="zh-CN" altLang="en-US" sz="5400" spc="-150" dirty="0" smtClean="0">
                 <a:effectLst/>
               </a:rPr>
-              <a:t>集群</a:t>
-            </a:r>
-            <a:r>
-              <a:rPr lang="zh-CN" altLang="en-US" sz="5400" spc="-150" dirty="0" smtClean="0">
-                <a:effectLst/>
-              </a:rPr>
-              <a:t>工作模式</a:t>
+              <a:t>集群工作模式</a:t>
             </a:r>
             <a:endParaRPr lang="zh-CN" altLang="en-US" sz="5400" spc="-150" dirty="0">
               <a:effectLst/>
@@ -5801,29 +8737,7 @@
                 <a:ea typeface="隶书" pitchFamily="49" charset="-122"/>
                 <a:cs typeface="Calibri" pitchFamily="34" charset="0"/>
               </a:rPr>
-              <a:t>数据移动：集群扩容，新增加节点时，该节点上的数据从何处来</a:t>
-            </a:r>
-            <a:r>
-              <a:rPr lang="zh-CN" altLang="en-US" sz="4400" dirty="0" smtClean="0">
-                <a:solidFill>
-                  <a:srgbClr val="FFFF00"/>
-                </a:solidFill>
-                <a:latin typeface="Calibri" pitchFamily="34" charset="0"/>
-                <a:ea typeface="隶书" pitchFamily="49" charset="-122"/>
-                <a:cs typeface="Calibri" pitchFamily="34" charset="0"/>
-              </a:rPr>
-              <a:t>；</a:t>
-            </a:r>
-            <a:r>
-              <a:rPr lang="zh-CN" altLang="en-US" sz="4400" dirty="0" smtClean="0">
-                <a:solidFill>
-                  <a:srgbClr val="FFFF00"/>
-                </a:solidFill>
-                <a:latin typeface="Calibri" pitchFamily="34" charset="0"/>
-                <a:ea typeface="隶书" pitchFamily="49" charset="-122"/>
-                <a:cs typeface="Calibri" pitchFamily="34" charset="0"/>
-              </a:rPr>
-              <a:t>集群缩容，要剔除节点时，该节点上的数据往何处去</a:t>
+              <a:t>数据移动：集群扩容，新增加节点时，该节点上的数据从何处来；集群缩容，要剔除节点时，该节点上的数据往何处去</a:t>
             </a:r>
             <a:endParaRPr lang="en-US" altLang="zh-CN" sz="4400" dirty="0" smtClean="0">
               <a:solidFill>
@@ -6121,18 +9035,7 @@
                 <a:ea typeface="隶书" pitchFamily="49" charset="-122"/>
                 <a:cs typeface="Calibri" pitchFamily="34" charset="0"/>
               </a:rPr>
-              <a:t>可以把槽理解为一个</a:t>
-            </a:r>
-            <a:r>
-              <a:rPr lang="zh-CN" altLang="en-US" sz="4400" dirty="0" smtClean="0">
-                <a:solidFill>
-                  <a:srgbClr val="FFFF00"/>
-                </a:solidFill>
-                <a:latin typeface="Calibri" pitchFamily="34" charset="0"/>
-                <a:ea typeface="隶书" pitchFamily="49" charset="-122"/>
-                <a:cs typeface="Calibri" pitchFamily="34" charset="0"/>
-              </a:rPr>
-              <a:t>容器，里面放置的是数据（</a:t>
+              <a:t>可以把槽理解为一个容器，里面放置的是数据（</a:t>
             </a:r>
             <a:r>
               <a:rPr lang="en-US" altLang="zh-CN" sz="4400" dirty="0" smtClean="0">

--- a/docs/redis-01.pptx
+++ b/docs/redis-01.pptx
@@ -7,24 +7,34 @@
   <p:sldIdLst>
     <p:sldId id="256" r:id="rId2"/>
     <p:sldId id="257" r:id="rId3"/>
-    <p:sldId id="258" r:id="rId4"/>
-    <p:sldId id="259" r:id="rId5"/>
-    <p:sldId id="260" r:id="rId6"/>
-    <p:sldId id="261" r:id="rId7"/>
-    <p:sldId id="262" r:id="rId8"/>
-    <p:sldId id="263" r:id="rId9"/>
-    <p:sldId id="264" r:id="rId10"/>
-    <p:sldId id="265" r:id="rId11"/>
-    <p:sldId id="266" r:id="rId12"/>
-    <p:sldId id="267" r:id="rId13"/>
-    <p:sldId id="268" r:id="rId14"/>
-    <p:sldId id="269" r:id="rId15"/>
-    <p:sldId id="270" r:id="rId16"/>
-    <p:sldId id="271" r:id="rId17"/>
-    <p:sldId id="274" r:id="rId18"/>
-    <p:sldId id="272" r:id="rId19"/>
-    <p:sldId id="273" r:id="rId20"/>
-    <p:sldId id="275" r:id="rId21"/>
+    <p:sldId id="281" r:id="rId4"/>
+    <p:sldId id="258" r:id="rId5"/>
+    <p:sldId id="259" r:id="rId6"/>
+    <p:sldId id="260" r:id="rId7"/>
+    <p:sldId id="261" r:id="rId8"/>
+    <p:sldId id="262" r:id="rId9"/>
+    <p:sldId id="263" r:id="rId10"/>
+    <p:sldId id="264" r:id="rId11"/>
+    <p:sldId id="265" r:id="rId12"/>
+    <p:sldId id="266" r:id="rId13"/>
+    <p:sldId id="267" r:id="rId14"/>
+    <p:sldId id="268" r:id="rId15"/>
+    <p:sldId id="269" r:id="rId16"/>
+    <p:sldId id="270" r:id="rId17"/>
+    <p:sldId id="271" r:id="rId18"/>
+    <p:sldId id="274" r:id="rId19"/>
+    <p:sldId id="272" r:id="rId20"/>
+    <p:sldId id="273" r:id="rId21"/>
+    <p:sldId id="275" r:id="rId22"/>
+    <p:sldId id="280" r:id="rId23"/>
+    <p:sldId id="276" r:id="rId24"/>
+    <p:sldId id="277" r:id="rId25"/>
+    <p:sldId id="278" r:id="rId26"/>
+    <p:sldId id="279" r:id="rId27"/>
+    <p:sldId id="282" r:id="rId28"/>
+    <p:sldId id="283" r:id="rId29"/>
+    <p:sldId id="284" r:id="rId30"/>
+    <p:sldId id="285" r:id="rId31"/>
   </p:sldIdLst>
   <p:sldSz cx="9144000" cy="6858000" type="screen4x3"/>
   <p:notesSz cx="6858000" cy="9144000"/>
@@ -300,7 +310,7 @@
             <a:fld id="{530820CF-B880-4189-942D-D702A7CBA730}" type="datetimeFigureOut">
               <a:rPr lang="zh-CN" altLang="en-US" smtClean="0"/>
               <a:pPr/>
-              <a:t>2018-03-08</a:t>
+              <a:t>2018/3/9</a:t>
             </a:fld>
             <a:endParaRPr lang="zh-CN" altLang="en-US"/>
           </a:p>
@@ -467,7 +477,7 @@
             <a:fld id="{530820CF-B880-4189-942D-D702A7CBA730}" type="datetimeFigureOut">
               <a:rPr lang="zh-CN" altLang="en-US" smtClean="0"/>
               <a:pPr/>
-              <a:t>2018-03-08</a:t>
+              <a:t>2018/3/9</a:t>
             </a:fld>
             <a:endParaRPr lang="zh-CN" altLang="en-US"/>
           </a:p>
@@ -644,7 +654,7 @@
             <a:fld id="{530820CF-B880-4189-942D-D702A7CBA730}" type="datetimeFigureOut">
               <a:rPr lang="zh-CN" altLang="en-US" smtClean="0"/>
               <a:pPr/>
-              <a:t>2018-03-08</a:t>
+              <a:t>2018/3/9</a:t>
             </a:fld>
             <a:endParaRPr lang="zh-CN" altLang="en-US"/>
           </a:p>
@@ -811,7 +821,7 @@
             <a:fld id="{530820CF-B880-4189-942D-D702A7CBA730}" type="datetimeFigureOut">
               <a:rPr lang="zh-CN" altLang="en-US" smtClean="0"/>
               <a:pPr/>
-              <a:t>2018-03-08</a:t>
+              <a:t>2018/3/9</a:t>
             </a:fld>
             <a:endParaRPr lang="zh-CN" altLang="en-US"/>
           </a:p>
@@ -1055,7 +1065,7 @@
             <a:fld id="{530820CF-B880-4189-942D-D702A7CBA730}" type="datetimeFigureOut">
               <a:rPr lang="zh-CN" altLang="en-US" smtClean="0"/>
               <a:pPr/>
-              <a:t>2018-03-08</a:t>
+              <a:t>2018/3/9</a:t>
             </a:fld>
             <a:endParaRPr lang="zh-CN" altLang="en-US"/>
           </a:p>
@@ -1321,7 +1331,7 @@
             <a:fld id="{530820CF-B880-4189-942D-D702A7CBA730}" type="datetimeFigureOut">
               <a:rPr lang="zh-CN" altLang="en-US" smtClean="0"/>
               <a:pPr/>
-              <a:t>2018-03-08</a:t>
+              <a:t>2018/3/9</a:t>
             </a:fld>
             <a:endParaRPr lang="zh-CN" altLang="en-US"/>
           </a:p>
@@ -1701,7 +1711,7 @@
             <a:fld id="{530820CF-B880-4189-942D-D702A7CBA730}" type="datetimeFigureOut">
               <a:rPr lang="zh-CN" altLang="en-US" smtClean="0"/>
               <a:pPr/>
-              <a:t>2018-03-08</a:t>
+              <a:t>2018/3/9</a:t>
             </a:fld>
             <a:endParaRPr lang="zh-CN" altLang="en-US"/>
           </a:p>
@@ -1853,7 +1863,7 @@
             <a:fld id="{530820CF-B880-4189-942D-D702A7CBA730}" type="datetimeFigureOut">
               <a:rPr lang="zh-CN" altLang="en-US" smtClean="0"/>
               <a:pPr/>
-              <a:t>2018-03-08</a:t>
+              <a:t>2018/3/9</a:t>
             </a:fld>
             <a:endParaRPr lang="zh-CN" altLang="en-US"/>
           </a:p>
@@ -1945,7 +1955,7 @@
             <a:fld id="{530820CF-B880-4189-942D-D702A7CBA730}" type="datetimeFigureOut">
               <a:rPr lang="zh-CN" altLang="en-US" smtClean="0"/>
               <a:pPr/>
-              <a:t>2018-03-08</a:t>
+              <a:t>2018/3/9</a:t>
             </a:fld>
             <a:endParaRPr lang="zh-CN" altLang="en-US"/>
           </a:p>
@@ -2208,7 +2218,7 @@
             <a:fld id="{530820CF-B880-4189-942D-D702A7CBA730}" type="datetimeFigureOut">
               <a:rPr lang="zh-CN" altLang="en-US" smtClean="0"/>
               <a:pPr/>
-              <a:t>2018-03-08</a:t>
+              <a:t>2018/3/9</a:t>
             </a:fld>
             <a:endParaRPr lang="zh-CN" altLang="en-US"/>
           </a:p>
@@ -2498,7 +2508,7 @@
             <a:fld id="{530820CF-B880-4189-942D-D702A7CBA730}" type="datetimeFigureOut">
               <a:rPr lang="zh-CN" altLang="en-US" smtClean="0"/>
               <a:pPr/>
-              <a:t>2018-03-08</a:t>
+              <a:t>2018/3/9</a:t>
             </a:fld>
             <a:endParaRPr lang="zh-CN" altLang="en-US"/>
           </a:p>
@@ -3271,7 +3281,7 @@
             <a:fld id="{530820CF-B880-4189-942D-D702A7CBA730}" type="datetimeFigureOut">
               <a:rPr lang="zh-CN" altLang="en-US" smtClean="0"/>
               <a:pPr/>
-              <a:t>2018-03-08</a:t>
+              <a:t>2018/3/9</a:t>
             </a:fld>
             <a:endParaRPr lang="zh-CN" altLang="en-US"/>
           </a:p>
@@ -3902,8 +3912,8 @@
         </p:nvSpPr>
         <p:spPr>
           <a:xfrm>
-            <a:off x="0" y="1571612"/>
-            <a:ext cx="9144000" cy="1828800"/>
+            <a:off x="0" y="785794"/>
+            <a:ext cx="9144000" cy="2614618"/>
           </a:xfrm>
         </p:spPr>
         <p:txBody>
@@ -3940,9 +3950,38 @@
               <a:rPr lang="zh-CN" altLang="en-US" sz="7200" spc="-150" dirty="0" smtClean="0">
                 <a:effectLst/>
               </a:rPr>
-              <a:t>基本使用</a:t>
-            </a:r>
-            <a:endParaRPr lang="zh-CN" altLang="en-US" sz="7200" spc="-150" dirty="0">
+              <a:t>基本</a:t>
+            </a:r>
+            <a:r>
+              <a:rPr lang="zh-CN" altLang="en-US" sz="7200" spc="-150" dirty="0" smtClean="0">
+                <a:effectLst/>
+              </a:rPr>
+              <a:t>使用</a:t>
+            </a:r>
+            <a:r>
+              <a:rPr lang="en-US" altLang="zh-CN" sz="7200" spc="-150" dirty="0" smtClean="0">
+                <a:effectLst/>
+              </a:rPr>
+              <a:t/>
+            </a:r>
+            <a:br>
+              <a:rPr lang="en-US" altLang="zh-CN" sz="7200" spc="-150" dirty="0" smtClean="0">
+                <a:effectLst/>
+              </a:rPr>
+            </a:br>
+            <a:r>
+              <a:rPr lang="zh-CN" altLang="en-US" sz="4000" spc="-150" dirty="0" smtClean="0">
+                <a:effectLst/>
+              </a:rPr>
+              <a:t>（</a:t>
+            </a:r>
+            <a:r>
+              <a:rPr lang="zh-CN" altLang="en-US" sz="4000" spc="-150" dirty="0" smtClean="0">
+                <a:effectLst/>
+              </a:rPr>
+              <a:t>用户视角）</a:t>
+            </a:r>
+            <a:endParaRPr lang="zh-CN" altLang="en-US" sz="4000" spc="-150" dirty="0">
               <a:effectLst/>
             </a:endParaRPr>
           </a:p>
@@ -4109,53 +4148,29 @@
                 <a:ea typeface="隶书" pitchFamily="49" charset="-122"/>
                 <a:cs typeface="Calibri" pitchFamily="34" charset="0"/>
               </a:rPr>
-              <a:t>一个集群只能有</a:t>
-            </a:r>
-            <a:r>
-              <a:rPr lang="en-US" altLang="zh-CN" sz="4400" dirty="0" smtClean="0">
-                <a:solidFill>
-                  <a:srgbClr val="FFFF00"/>
-                </a:solidFill>
-                <a:latin typeface="Calibri" pitchFamily="34" charset="0"/>
-                <a:ea typeface="隶书" pitchFamily="49" charset="-122"/>
-                <a:cs typeface="Calibri" pitchFamily="34" charset="0"/>
-              </a:rPr>
-              <a:t>16384</a:t>
-            </a:r>
-            <a:r>
-              <a:rPr lang="zh-CN" altLang="en-US" sz="4400" dirty="0" smtClean="0">
-                <a:solidFill>
-                  <a:srgbClr val="FFFF00"/>
-                </a:solidFill>
-                <a:latin typeface="Calibri" pitchFamily="34" charset="0"/>
-                <a:ea typeface="隶书" pitchFamily="49" charset="-122"/>
-                <a:cs typeface="Calibri" pitchFamily="34" charset="0"/>
-              </a:rPr>
-              <a:t>个槽，编号</a:t>
-            </a:r>
-            <a:r>
-              <a:rPr lang="en-US" altLang="zh-CN" sz="4400" dirty="0" smtClean="0">
-                <a:solidFill>
-                  <a:srgbClr val="FFFF00"/>
-                </a:solidFill>
-                <a:latin typeface="Calibri" pitchFamily="34" charset="0"/>
-                <a:ea typeface="隶书" pitchFamily="49" charset="-122"/>
-                <a:cs typeface="Calibri" pitchFamily="34" charset="0"/>
-              </a:rPr>
-              <a:t>0-16383</a:t>
-            </a:r>
-          </a:p>
-          <a:p>
-            <a:r>
-              <a:rPr lang="zh-CN" altLang="en-US" sz="4400" dirty="0" smtClean="0">
-                <a:solidFill>
-                  <a:srgbClr val="FFFF00"/>
-                </a:solidFill>
-                <a:latin typeface="Calibri" pitchFamily="34" charset="0"/>
-                <a:ea typeface="隶书" pitchFamily="49" charset="-122"/>
-                <a:cs typeface="Calibri" pitchFamily="34" charset="0"/>
-              </a:rPr>
-              <a:t>这些槽会分配给集群中的所有主节点，分配策略没有要求</a:t>
+              <a:t>可以把槽理解为一个容器，里面放置的是数据（</a:t>
+            </a:r>
+            <a:r>
+              <a:rPr lang="en-US" altLang="zh-CN" sz="4400" dirty="0" smtClean="0">
+                <a:solidFill>
+                  <a:srgbClr val="FFFF00"/>
+                </a:solidFill>
+                <a:latin typeface="Calibri" pitchFamily="34" charset="0"/>
+                <a:ea typeface="隶书" pitchFamily="49" charset="-122"/>
+                <a:cs typeface="Calibri" pitchFamily="34" charset="0"/>
+              </a:rPr>
+              <a:t>key-value</a:t>
+            </a:r>
+            <a:r>
+              <a:rPr lang="zh-CN" altLang="en-US" sz="4400" dirty="0" smtClean="0">
+                <a:solidFill>
+                  <a:srgbClr val="FFFF00"/>
+                </a:solidFill>
+                <a:latin typeface="Calibri" pitchFamily="34" charset="0"/>
+                <a:ea typeface="隶书" pitchFamily="49" charset="-122"/>
+                <a:cs typeface="Calibri" pitchFamily="34" charset="0"/>
+              </a:rPr>
+              <a:t>）</a:t>
             </a:r>
             <a:endParaRPr lang="en-US" altLang="zh-CN" sz="4400" dirty="0" smtClean="0">
               <a:solidFill>
@@ -4176,7 +4191,7 @@
                 <a:ea typeface="隶书" pitchFamily="49" charset="-122"/>
                 <a:cs typeface="Calibri" pitchFamily="34" charset="0"/>
               </a:rPr>
-              <a:t>可以指定哪些编号的槽分配给哪个主节点</a:t>
+              <a:t>数据放置在槽里</a:t>
             </a:r>
             <a:endParaRPr lang="en-US" altLang="zh-CN" sz="4400" dirty="0" smtClean="0">
               <a:solidFill>
@@ -4197,7 +4212,62 @@
                 <a:ea typeface="隶书" pitchFamily="49" charset="-122"/>
                 <a:cs typeface="Calibri" pitchFamily="34" charset="0"/>
               </a:rPr>
-              <a:t>集群会记录节点和槽的对应关系</a:t>
+              <a:t>槽又放置节点上</a:t>
+            </a:r>
+            <a:endParaRPr lang="en-US" altLang="zh-CN" sz="4400" dirty="0" smtClean="0">
+              <a:solidFill>
+                <a:srgbClr val="FFFF00"/>
+              </a:solidFill>
+              <a:latin typeface="Calibri" pitchFamily="34" charset="0"/>
+              <a:ea typeface="隶书" pitchFamily="49" charset="-122"/>
+              <a:cs typeface="Calibri" pitchFamily="34" charset="0"/>
+            </a:endParaRPr>
+          </a:p>
+          <a:p>
+            <a:r>
+              <a:rPr lang="en-US" altLang="zh-CN" sz="4400" dirty="0" smtClean="0">
+                <a:solidFill>
+                  <a:srgbClr val="FFFF00"/>
+                </a:solidFill>
+                <a:latin typeface="Calibri" pitchFamily="34" charset="0"/>
+                <a:ea typeface="隶书" pitchFamily="49" charset="-122"/>
+                <a:cs typeface="Calibri" pitchFamily="34" charset="0"/>
+              </a:rPr>
+              <a:t>--------------------------</a:t>
+            </a:r>
+          </a:p>
+          <a:p>
+            <a:r>
+              <a:rPr lang="zh-CN" altLang="en-US" sz="4400" dirty="0" smtClean="0">
+                <a:solidFill>
+                  <a:srgbClr val="FFFF00"/>
+                </a:solidFill>
+                <a:latin typeface="Calibri" pitchFamily="34" charset="0"/>
+                <a:ea typeface="隶书" pitchFamily="49" charset="-122"/>
+                <a:cs typeface="Calibri" pitchFamily="34" charset="0"/>
+              </a:rPr>
+              <a:t>节点上放置的是槽</a:t>
+            </a:r>
+            <a:endParaRPr lang="en-US" altLang="zh-CN" sz="4400" dirty="0" smtClean="0">
+              <a:solidFill>
+                <a:srgbClr val="FFFF00"/>
+              </a:solidFill>
+              <a:latin typeface="Calibri" pitchFamily="34" charset="0"/>
+              <a:ea typeface="隶书" pitchFamily="49" charset="-122"/>
+              <a:cs typeface="Calibri" pitchFamily="34" charset="0"/>
+            </a:endParaRPr>
+          </a:p>
+          <a:p>
+            <a:r>
+              <a:rPr lang="zh-CN" altLang="en-US" sz="4400" dirty="0" smtClean="0">
+                <a:solidFill>
+                  <a:srgbClr val="FFFF00"/>
+                </a:solidFill>
+                <a:latin typeface="Calibri" pitchFamily="34" charset="0"/>
+                <a:ea typeface="隶书" pitchFamily="49" charset="-122"/>
+                <a:cs typeface="Calibri" pitchFamily="34" charset="0"/>
+              </a:rPr>
+              <a:t>槽里放置的是数据</a:t>
             </a:r>
             <a:endParaRPr lang="en-US" altLang="zh-CN" sz="4400" dirty="0" smtClean="0">
               <a:solidFill>
@@ -4292,7 +4362,7 @@
         <p:spPr>
           <a:xfrm>
             <a:off x="142844" y="1714488"/>
-            <a:ext cx="8786874" cy="2123658"/>
+            <a:ext cx="8786874" cy="4832092"/>
           </a:xfrm>
           <a:prstGeom prst="rect">
             <a:avLst/>
@@ -4314,44 +4384,95 @@
                 <a:ea typeface="隶书" pitchFamily="49" charset="-122"/>
                 <a:cs typeface="Calibri" pitchFamily="34" charset="0"/>
               </a:rPr>
-              <a:t>数据分配：</a:t>
-            </a:r>
-            <a:r>
-              <a:rPr lang="en-US" altLang="zh-CN" sz="4400" dirty="0" smtClean="0">
-                <a:solidFill>
-                  <a:srgbClr val="FFFF00"/>
-                </a:solidFill>
-                <a:latin typeface="Calibri" pitchFamily="34" charset="0"/>
-                <a:ea typeface="隶书" pitchFamily="49" charset="-122"/>
-                <a:cs typeface="Calibri" pitchFamily="34" charset="0"/>
-              </a:rPr>
-              <a:t>slot=CRC16(key)%16384</a:t>
-            </a:r>
-          </a:p>
-          <a:p>
-            <a:r>
-              <a:rPr lang="en-US" altLang="zh-CN" sz="4400" i="1" dirty="0" smtClean="0">
-                <a:solidFill>
-                  <a:srgbClr val="C00000"/>
-                </a:solidFill>
-                <a:latin typeface="Calibri" pitchFamily="34" charset="0"/>
-                <a:ea typeface="隶书" pitchFamily="49" charset="-122"/>
-                <a:cs typeface="Calibri" pitchFamily="34" charset="0"/>
-              </a:rPr>
-              <a:t>slot=CRC16(key)&amp;16383</a:t>
-            </a:r>
-          </a:p>
-          <a:p>
-            <a:r>
-              <a:rPr lang="zh-CN" altLang="en-US" sz="4400" dirty="0" smtClean="0">
-                <a:solidFill>
-                  <a:srgbClr val="FFFF00"/>
-                </a:solidFill>
-                <a:latin typeface="Calibri" pitchFamily="34" charset="0"/>
-                <a:ea typeface="隶书" pitchFamily="49" charset="-122"/>
-                <a:cs typeface="Calibri" pitchFamily="34" charset="0"/>
-              </a:rPr>
-              <a:t>数据移动：以槽为单位进行移动</a:t>
+              <a:t>一个集群只能有</a:t>
+            </a:r>
+            <a:r>
+              <a:rPr lang="en-US" altLang="zh-CN" sz="4400" dirty="0" smtClean="0">
+                <a:solidFill>
+                  <a:srgbClr val="FFFF00"/>
+                </a:solidFill>
+                <a:latin typeface="Calibri" pitchFamily="34" charset="0"/>
+                <a:ea typeface="隶书" pitchFamily="49" charset="-122"/>
+                <a:cs typeface="Calibri" pitchFamily="34" charset="0"/>
+              </a:rPr>
+              <a:t>16384</a:t>
+            </a:r>
+            <a:r>
+              <a:rPr lang="zh-CN" altLang="en-US" sz="4400" dirty="0" smtClean="0">
+                <a:solidFill>
+                  <a:srgbClr val="FFFF00"/>
+                </a:solidFill>
+                <a:latin typeface="Calibri" pitchFamily="34" charset="0"/>
+                <a:ea typeface="隶书" pitchFamily="49" charset="-122"/>
+                <a:cs typeface="Calibri" pitchFamily="34" charset="0"/>
+              </a:rPr>
+              <a:t>个槽，编号</a:t>
+            </a:r>
+            <a:r>
+              <a:rPr lang="en-US" altLang="zh-CN" sz="4400" dirty="0" smtClean="0">
+                <a:solidFill>
+                  <a:srgbClr val="FFFF00"/>
+                </a:solidFill>
+                <a:latin typeface="Calibri" pitchFamily="34" charset="0"/>
+                <a:ea typeface="隶书" pitchFamily="49" charset="-122"/>
+                <a:cs typeface="Calibri" pitchFamily="34" charset="0"/>
+              </a:rPr>
+              <a:t>0-16383</a:t>
+            </a:r>
+          </a:p>
+          <a:p>
+            <a:r>
+              <a:rPr lang="zh-CN" altLang="en-US" sz="4400" dirty="0" smtClean="0">
+                <a:solidFill>
+                  <a:srgbClr val="FFFF00"/>
+                </a:solidFill>
+                <a:latin typeface="Calibri" pitchFamily="34" charset="0"/>
+                <a:ea typeface="隶书" pitchFamily="49" charset="-122"/>
+                <a:cs typeface="Calibri" pitchFamily="34" charset="0"/>
+              </a:rPr>
+              <a:t>这些槽会分配给集群中的所有主节点，分配策略没有要求</a:t>
+            </a:r>
+            <a:endParaRPr lang="en-US" altLang="zh-CN" sz="4400" dirty="0" smtClean="0">
+              <a:solidFill>
+                <a:srgbClr val="FFFF00"/>
+              </a:solidFill>
+              <a:latin typeface="Calibri" pitchFamily="34" charset="0"/>
+              <a:ea typeface="隶书" pitchFamily="49" charset="-122"/>
+              <a:cs typeface="Calibri" pitchFamily="34" charset="0"/>
+            </a:endParaRPr>
+          </a:p>
+          <a:p>
+            <a:r>
+              <a:rPr lang="zh-CN" altLang="en-US" sz="4400" dirty="0" smtClean="0">
+                <a:solidFill>
+                  <a:srgbClr val="FFFF00"/>
+                </a:solidFill>
+                <a:latin typeface="Calibri" pitchFamily="34" charset="0"/>
+                <a:ea typeface="隶书" pitchFamily="49" charset="-122"/>
+                <a:cs typeface="Calibri" pitchFamily="34" charset="0"/>
+              </a:rPr>
+              <a:t>可以指定哪些编号的槽分配给哪个主节点</a:t>
+            </a:r>
+            <a:endParaRPr lang="en-US" altLang="zh-CN" sz="4400" dirty="0" smtClean="0">
+              <a:solidFill>
+                <a:srgbClr val="FFFF00"/>
+              </a:solidFill>
+              <a:latin typeface="Calibri" pitchFamily="34" charset="0"/>
+              <a:ea typeface="隶书" pitchFamily="49" charset="-122"/>
+              <a:cs typeface="Calibri" pitchFamily="34" charset="0"/>
+            </a:endParaRPr>
+          </a:p>
+          <a:p>
+            <a:r>
+              <a:rPr lang="zh-CN" altLang="en-US" sz="4400" dirty="0" smtClean="0">
+                <a:solidFill>
+                  <a:srgbClr val="FFFF00"/>
+                </a:solidFill>
+                <a:latin typeface="Calibri" pitchFamily="34" charset="0"/>
+                <a:ea typeface="隶书" pitchFamily="49" charset="-122"/>
+                <a:cs typeface="Calibri" pitchFamily="34" charset="0"/>
+              </a:rPr>
+              <a:t>集群会记录节点和槽的对应关系</a:t>
             </a:r>
             <a:endParaRPr lang="en-US" altLang="zh-CN" sz="4400" dirty="0" smtClean="0">
               <a:solidFill>
@@ -4429,19 +4550,7 @@
               <a:rPr lang="zh-CN" altLang="en-US" sz="5400" spc="-150" dirty="0" smtClean="0">
                 <a:effectLst/>
               </a:rPr>
-              <a:t>的</a:t>
-            </a:r>
-            <a:r>
-              <a:rPr lang="zh-CN" altLang="en-US" sz="5400" spc="-150" dirty="0" smtClean="0">
-                <a:effectLst/>
-              </a:rPr>
-              <a:t>数</a:t>
-            </a:r>
-            <a:r>
-              <a:rPr lang="zh-CN" altLang="en-US" sz="5400" spc="-150" dirty="0" smtClean="0">
-                <a:effectLst/>
-              </a:rPr>
-              <a:t>据存储</a:t>
+              <a:t>集群的实现</a:t>
             </a:r>
             <a:endParaRPr lang="zh-CN" altLang="en-US" sz="5400" spc="-150" dirty="0">
               <a:effectLst/>
@@ -4458,7 +4567,7 @@
         <p:spPr>
           <a:xfrm>
             <a:off x="142844" y="1714488"/>
-            <a:ext cx="8786874" cy="3477875"/>
+            <a:ext cx="8786874" cy="2123658"/>
           </a:xfrm>
           <a:prstGeom prst="rect">
             <a:avLst/>
@@ -4472,102 +4581,52 @@
           <a:lstStyle/>
           <a:p>
             <a:r>
-              <a:rPr lang="en-US" altLang="zh-CN" sz="4400" dirty="0" err="1" smtClean="0">
-                <a:solidFill>
-                  <a:srgbClr val="FFFF00"/>
-                </a:solidFill>
-                <a:latin typeface="Calibri" pitchFamily="34" charset="0"/>
-                <a:ea typeface="隶书" pitchFamily="49" charset="-122"/>
-                <a:cs typeface="Calibri" pitchFamily="34" charset="0"/>
-              </a:rPr>
-              <a:t>redis</a:t>
-            </a:r>
-            <a:r>
-              <a:rPr lang="zh-CN" altLang="en-US" sz="4400" dirty="0" smtClean="0">
-                <a:solidFill>
-                  <a:srgbClr val="FFFF00"/>
-                </a:solidFill>
-                <a:latin typeface="Calibri" pitchFamily="34" charset="0"/>
-                <a:ea typeface="隶书" pitchFamily="49" charset="-122"/>
-                <a:cs typeface="Calibri" pitchFamily="34" charset="0"/>
-              </a:rPr>
-              <a:t>里的数据（</a:t>
-            </a:r>
-            <a:r>
-              <a:rPr lang="en-US" altLang="zh-CN" sz="4400" dirty="0" smtClean="0">
-                <a:solidFill>
-                  <a:srgbClr val="FFFF00"/>
-                </a:solidFill>
-                <a:latin typeface="Calibri" pitchFamily="34" charset="0"/>
-                <a:ea typeface="隶书" pitchFamily="49" charset="-122"/>
-                <a:cs typeface="Calibri" pitchFamily="34" charset="0"/>
-              </a:rPr>
-              <a:t>key/value</a:t>
-            </a:r>
-            <a:r>
-              <a:rPr lang="zh-CN" altLang="en-US" sz="4400" dirty="0" smtClean="0">
-                <a:solidFill>
-                  <a:srgbClr val="FFFF00"/>
-                </a:solidFill>
-                <a:latin typeface="Calibri" pitchFamily="34" charset="0"/>
-                <a:ea typeface="隶书" pitchFamily="49" charset="-122"/>
-                <a:cs typeface="Calibri" pitchFamily="34" charset="0"/>
-              </a:rPr>
-              <a:t>）都是以二进制（字节）的形式存储</a:t>
-            </a:r>
-            <a:endParaRPr lang="en-US" altLang="zh-CN" sz="4400" dirty="0" smtClean="0">
-              <a:solidFill>
-                <a:srgbClr val="FFFF00"/>
-              </a:solidFill>
-              <a:latin typeface="Calibri" pitchFamily="34" charset="0"/>
-              <a:ea typeface="隶书" pitchFamily="49" charset="-122"/>
-              <a:cs typeface="Calibri" pitchFamily="34" charset="0"/>
-            </a:endParaRPr>
-          </a:p>
-          <a:p>
-            <a:r>
-              <a:rPr lang="zh-CN" altLang="en-US" sz="4400" dirty="0" smtClean="0">
-                <a:solidFill>
-                  <a:srgbClr val="FFFF00"/>
-                </a:solidFill>
-                <a:latin typeface="Calibri" pitchFamily="34" charset="0"/>
-                <a:ea typeface="隶书" pitchFamily="49" charset="-122"/>
-                <a:cs typeface="Calibri" pitchFamily="34" charset="0"/>
-              </a:rPr>
-              <a:t>所</a:t>
-            </a:r>
-            <a:r>
-              <a:rPr lang="zh-CN" altLang="en-US" sz="4400" dirty="0" smtClean="0">
-                <a:solidFill>
-                  <a:srgbClr val="FFFF00"/>
-                </a:solidFill>
-                <a:latin typeface="Calibri" pitchFamily="34" charset="0"/>
-                <a:ea typeface="隶书" pitchFamily="49" charset="-122"/>
-                <a:cs typeface="Calibri" pitchFamily="34" charset="0"/>
-              </a:rPr>
-              <a:t>以字符串、对象、图片、音频、视频、文件等，对于</a:t>
-            </a:r>
-            <a:r>
-              <a:rPr lang="en-US" altLang="zh-CN" sz="4400" dirty="0" err="1" smtClean="0">
-                <a:solidFill>
-                  <a:srgbClr val="FFFF00"/>
-                </a:solidFill>
-                <a:latin typeface="Calibri" pitchFamily="34" charset="0"/>
-                <a:ea typeface="隶书" pitchFamily="49" charset="-122"/>
-                <a:cs typeface="Calibri" pitchFamily="34" charset="0"/>
-              </a:rPr>
-              <a:t>redis</a:t>
-            </a:r>
-            <a:r>
-              <a:rPr lang="zh-CN" altLang="en-US" sz="4400" dirty="0" smtClean="0">
-                <a:solidFill>
-                  <a:srgbClr val="FFFF00"/>
-                </a:solidFill>
-                <a:latin typeface="Calibri" pitchFamily="34" charset="0"/>
-                <a:ea typeface="隶书" pitchFamily="49" charset="-122"/>
-                <a:cs typeface="Calibri" pitchFamily="34" charset="0"/>
-              </a:rPr>
-              <a:t>来说没有任何区别</a:t>
+              <a:rPr lang="zh-CN" altLang="en-US" sz="4400" dirty="0" smtClean="0">
+                <a:solidFill>
+                  <a:srgbClr val="FFFF00"/>
+                </a:solidFill>
+                <a:latin typeface="Calibri" pitchFamily="34" charset="0"/>
+                <a:ea typeface="隶书" pitchFamily="49" charset="-122"/>
+                <a:cs typeface="Calibri" pitchFamily="34" charset="0"/>
+              </a:rPr>
+              <a:t>数据分配：</a:t>
+            </a:r>
+            <a:r>
+              <a:rPr lang="en-US" altLang="zh-CN" sz="4400" dirty="0" smtClean="0">
+                <a:solidFill>
+                  <a:srgbClr val="FFFF00"/>
+                </a:solidFill>
+                <a:latin typeface="Calibri" pitchFamily="34" charset="0"/>
+                <a:ea typeface="隶书" pitchFamily="49" charset="-122"/>
+                <a:cs typeface="Calibri" pitchFamily="34" charset="0"/>
+              </a:rPr>
+              <a:t>slot=CRC16(key)%16384</a:t>
+            </a:r>
+          </a:p>
+          <a:p>
+            <a:r>
+              <a:rPr lang="en-US" altLang="zh-CN" sz="4400" i="1" dirty="0" smtClean="0">
+                <a:solidFill>
+                  <a:srgbClr val="C00000"/>
+                </a:solidFill>
+                <a:latin typeface="Calibri" pitchFamily="34" charset="0"/>
+                <a:ea typeface="隶书" pitchFamily="49" charset="-122"/>
+                <a:cs typeface="Calibri" pitchFamily="34" charset="0"/>
+              </a:rPr>
+              <a:t>slot=CRC16(key)&amp;16383</a:t>
+            </a:r>
+          </a:p>
+          <a:p>
+            <a:r>
+              <a:rPr lang="zh-CN" altLang="en-US" sz="4400" dirty="0" smtClean="0">
+                <a:solidFill>
+                  <a:srgbClr val="FFFF00"/>
+                </a:solidFill>
+                <a:latin typeface="Calibri" pitchFamily="34" charset="0"/>
+                <a:ea typeface="隶书" pitchFamily="49" charset="-122"/>
+                <a:cs typeface="Calibri" pitchFamily="34" charset="0"/>
+              </a:rPr>
+              <a:t>数据移动：以槽为单位进行移动</a:t>
             </a:r>
             <a:endParaRPr lang="en-US" altLang="zh-CN" sz="4400" dirty="0" smtClean="0">
               <a:solidFill>
@@ -4645,19 +4704,7 @@
               <a:rPr lang="zh-CN" altLang="en-US" sz="5400" spc="-150" dirty="0" smtClean="0">
                 <a:effectLst/>
               </a:rPr>
-              <a:t>的</a:t>
-            </a:r>
-            <a:r>
-              <a:rPr lang="zh-CN" altLang="en-US" sz="5400" spc="-150" dirty="0" smtClean="0">
-                <a:effectLst/>
-              </a:rPr>
-              <a:t>数</a:t>
-            </a:r>
-            <a:r>
-              <a:rPr lang="zh-CN" altLang="en-US" sz="5400" spc="-150" dirty="0" smtClean="0">
-                <a:effectLst/>
-              </a:rPr>
-              <a:t>据类型</a:t>
+              <a:t>的数据存储</a:t>
             </a:r>
             <a:endParaRPr lang="zh-CN" altLang="en-US" sz="5400" spc="-150" dirty="0">
               <a:effectLst/>
@@ -4688,37 +4735,48 @@
           <a:lstStyle/>
           <a:p>
             <a:r>
-              <a:rPr lang="zh-CN" altLang="en-US" sz="4400" dirty="0" smtClean="0">
-                <a:solidFill>
-                  <a:srgbClr val="FFFF00"/>
-                </a:solidFill>
-                <a:latin typeface="Calibri" pitchFamily="34" charset="0"/>
-                <a:ea typeface="隶书" pitchFamily="49" charset="-122"/>
-                <a:cs typeface="Calibri" pitchFamily="34" charset="0"/>
-              </a:rPr>
-              <a:t>字符串（</a:t>
-            </a:r>
-            <a:r>
-              <a:rPr lang="en-US" altLang="zh-CN" sz="4400" dirty="0" smtClean="0">
-                <a:solidFill>
-                  <a:srgbClr val="FFFF00"/>
-                </a:solidFill>
-                <a:latin typeface="Calibri" pitchFamily="34" charset="0"/>
-                <a:ea typeface="隶书" pitchFamily="49" charset="-122"/>
-                <a:cs typeface="Calibri" pitchFamily="34" charset="0"/>
-              </a:rPr>
-              <a:t>String</a:t>
-            </a:r>
-            <a:r>
-              <a:rPr lang="zh-CN" altLang="en-US" sz="4400" dirty="0" smtClean="0">
-                <a:solidFill>
-                  <a:srgbClr val="FFFF00"/>
-                </a:solidFill>
-                <a:latin typeface="Calibri" pitchFamily="34" charset="0"/>
-                <a:ea typeface="隶书" pitchFamily="49" charset="-122"/>
-                <a:cs typeface="Calibri" pitchFamily="34" charset="0"/>
-              </a:rPr>
-              <a:t>）</a:t>
+              <a:rPr lang="en-US" altLang="zh-CN" sz="4400" dirty="0" err="1" smtClean="0">
+                <a:solidFill>
+                  <a:srgbClr val="FFFF00"/>
+                </a:solidFill>
+                <a:latin typeface="Calibri" pitchFamily="34" charset="0"/>
+                <a:ea typeface="隶书" pitchFamily="49" charset="-122"/>
+                <a:cs typeface="Calibri" pitchFamily="34" charset="0"/>
+              </a:rPr>
+              <a:t>redis</a:t>
+            </a:r>
+            <a:r>
+              <a:rPr lang="zh-CN" altLang="en-US" sz="4400" dirty="0" smtClean="0">
+                <a:solidFill>
+                  <a:srgbClr val="FFFF00"/>
+                </a:solidFill>
+                <a:latin typeface="Calibri" pitchFamily="34" charset="0"/>
+                <a:ea typeface="隶书" pitchFamily="49" charset="-122"/>
+                <a:cs typeface="Calibri" pitchFamily="34" charset="0"/>
+              </a:rPr>
+              <a:t>里的数据（</a:t>
+            </a:r>
+            <a:r>
+              <a:rPr lang="en-US" altLang="zh-CN" sz="4400" dirty="0" smtClean="0">
+                <a:solidFill>
+                  <a:srgbClr val="FFFF00"/>
+                </a:solidFill>
+                <a:latin typeface="Calibri" pitchFamily="34" charset="0"/>
+                <a:ea typeface="隶书" pitchFamily="49" charset="-122"/>
+                <a:cs typeface="Calibri" pitchFamily="34" charset="0"/>
+              </a:rPr>
+              <a:t>key/value</a:t>
+            </a:r>
+            <a:r>
+              <a:rPr lang="zh-CN" altLang="en-US" sz="4400" dirty="0" smtClean="0">
+                <a:solidFill>
+                  <a:srgbClr val="FFFF00"/>
+                </a:solidFill>
+                <a:latin typeface="Calibri" pitchFamily="34" charset="0"/>
+                <a:ea typeface="隶书" pitchFamily="49" charset="-122"/>
+                <a:cs typeface="Calibri" pitchFamily="34" charset="0"/>
+              </a:rPr>
+              <a:t>）都是以二进制（字节）的形式存储</a:t>
             </a:r>
             <a:endParaRPr lang="en-US" altLang="zh-CN" sz="4400" dirty="0" smtClean="0">
               <a:solidFill>
@@ -4739,225 +4797,29 @@
                 <a:ea typeface="隶书" pitchFamily="49" charset="-122"/>
                 <a:cs typeface="Calibri" pitchFamily="34" charset="0"/>
               </a:rPr>
-              <a:t>一</a:t>
-            </a:r>
-            <a:r>
-              <a:rPr lang="zh-CN" altLang="en-US" sz="4400" dirty="0" smtClean="0">
-                <a:solidFill>
-                  <a:srgbClr val="FFFF00"/>
-                </a:solidFill>
-                <a:latin typeface="Calibri" pitchFamily="34" charset="0"/>
-                <a:ea typeface="隶书" pitchFamily="49" charset="-122"/>
-                <a:cs typeface="Calibri" pitchFamily="34" charset="0"/>
-              </a:rPr>
-              <a:t>个</a:t>
-            </a:r>
-            <a:r>
-              <a:rPr lang="en-US" altLang="zh-CN" sz="4400" dirty="0" smtClean="0">
-                <a:solidFill>
-                  <a:srgbClr val="FFFF00"/>
-                </a:solidFill>
-                <a:latin typeface="Calibri" pitchFamily="34" charset="0"/>
-                <a:ea typeface="隶书" pitchFamily="49" charset="-122"/>
-                <a:cs typeface="Calibri" pitchFamily="34" charset="0"/>
-              </a:rPr>
-              <a:t>key</a:t>
-            </a:r>
-            <a:r>
-              <a:rPr lang="zh-CN" altLang="en-US" sz="4400" dirty="0" smtClean="0">
-                <a:solidFill>
-                  <a:srgbClr val="FFFF00"/>
-                </a:solidFill>
-                <a:latin typeface="Calibri" pitchFamily="34" charset="0"/>
-                <a:ea typeface="隶书" pitchFamily="49" charset="-122"/>
-                <a:cs typeface="Calibri" pitchFamily="34" charset="0"/>
-              </a:rPr>
-              <a:t>对应一个</a:t>
-            </a:r>
-            <a:r>
-              <a:rPr lang="en-US" altLang="zh-CN" sz="4400" dirty="0" smtClean="0">
-                <a:solidFill>
-                  <a:srgbClr val="FFFF00"/>
-                </a:solidFill>
-                <a:latin typeface="Calibri" pitchFamily="34" charset="0"/>
-                <a:ea typeface="隶书" pitchFamily="49" charset="-122"/>
-                <a:cs typeface="Calibri" pitchFamily="34" charset="0"/>
-              </a:rPr>
-              <a:t>value</a:t>
-            </a:r>
-            <a:endParaRPr lang="en-US" altLang="zh-CN" sz="4400" dirty="0" smtClean="0">
-              <a:solidFill>
-                <a:srgbClr val="FFFF00"/>
-              </a:solidFill>
-              <a:latin typeface="Calibri" pitchFamily="34" charset="0"/>
-              <a:ea typeface="隶书" pitchFamily="49" charset="-122"/>
-              <a:cs typeface="Calibri" pitchFamily="34" charset="0"/>
-            </a:endParaRPr>
-          </a:p>
-          <a:p>
-            <a:r>
-              <a:rPr lang="zh-CN" altLang="en-US" sz="4400" dirty="0" smtClean="0">
-                <a:solidFill>
-                  <a:srgbClr val="FFFF00"/>
-                </a:solidFill>
-                <a:latin typeface="Calibri" pitchFamily="34" charset="0"/>
-                <a:ea typeface="隶书" pitchFamily="49" charset="-122"/>
-                <a:cs typeface="Calibri" pitchFamily="34" charset="0"/>
-              </a:rPr>
-              <a:t>列表（</a:t>
-            </a:r>
-            <a:r>
-              <a:rPr lang="en-US" altLang="zh-CN" sz="4400" dirty="0" smtClean="0">
-                <a:solidFill>
-                  <a:srgbClr val="FFFF00"/>
-                </a:solidFill>
-                <a:latin typeface="Calibri" pitchFamily="34" charset="0"/>
-                <a:ea typeface="隶书" pitchFamily="49" charset="-122"/>
-                <a:cs typeface="Calibri" pitchFamily="34" charset="0"/>
-              </a:rPr>
-              <a:t>List</a:t>
-            </a:r>
-            <a:r>
-              <a:rPr lang="zh-CN" altLang="en-US" sz="4400" dirty="0" smtClean="0">
-                <a:solidFill>
-                  <a:srgbClr val="FFFF00"/>
-                </a:solidFill>
-                <a:latin typeface="Calibri" pitchFamily="34" charset="0"/>
-                <a:ea typeface="隶书" pitchFamily="49" charset="-122"/>
-                <a:cs typeface="Calibri" pitchFamily="34" charset="0"/>
-              </a:rPr>
-              <a:t>）</a:t>
-            </a:r>
-            <a:endParaRPr lang="en-US" altLang="zh-CN" sz="4400" dirty="0" smtClean="0">
-              <a:solidFill>
-                <a:srgbClr val="FFFF00"/>
-              </a:solidFill>
-              <a:latin typeface="Calibri" pitchFamily="34" charset="0"/>
-              <a:ea typeface="隶书" pitchFamily="49" charset="-122"/>
-              <a:cs typeface="Calibri" pitchFamily="34" charset="0"/>
-            </a:endParaRPr>
-          </a:p>
-          <a:p>
-            <a:r>
-              <a:rPr lang="zh-CN" altLang="en-US" sz="4400" dirty="0" smtClean="0">
-                <a:solidFill>
-                  <a:srgbClr val="FFFF00"/>
-                </a:solidFill>
-                <a:latin typeface="Calibri" pitchFamily="34" charset="0"/>
-                <a:ea typeface="隶书" pitchFamily="49" charset="-122"/>
-                <a:cs typeface="Calibri" pitchFamily="34" charset="0"/>
-              </a:rPr>
-              <a:t>一</a:t>
-            </a:r>
-            <a:r>
-              <a:rPr lang="zh-CN" altLang="en-US" sz="4400" dirty="0" smtClean="0">
-                <a:solidFill>
-                  <a:srgbClr val="FFFF00"/>
-                </a:solidFill>
-                <a:latin typeface="Calibri" pitchFamily="34" charset="0"/>
-                <a:ea typeface="隶书" pitchFamily="49" charset="-122"/>
-                <a:cs typeface="Calibri" pitchFamily="34" charset="0"/>
-              </a:rPr>
-              <a:t>个</a:t>
-            </a:r>
-            <a:r>
-              <a:rPr lang="en-US" altLang="zh-CN" sz="4400" dirty="0" smtClean="0">
-                <a:solidFill>
-                  <a:srgbClr val="FFFF00"/>
-                </a:solidFill>
-                <a:latin typeface="Calibri" pitchFamily="34" charset="0"/>
-                <a:ea typeface="隶书" pitchFamily="49" charset="-122"/>
-                <a:cs typeface="Calibri" pitchFamily="34" charset="0"/>
-              </a:rPr>
-              <a:t>key</a:t>
-            </a:r>
-            <a:r>
-              <a:rPr lang="zh-CN" altLang="en-US" sz="4400" dirty="0" smtClean="0">
-                <a:solidFill>
-                  <a:srgbClr val="FFFF00"/>
-                </a:solidFill>
-                <a:latin typeface="Calibri" pitchFamily="34" charset="0"/>
-                <a:ea typeface="隶书" pitchFamily="49" charset="-122"/>
-                <a:cs typeface="Calibri" pitchFamily="34" charset="0"/>
-              </a:rPr>
-              <a:t>对应多个</a:t>
-            </a:r>
-            <a:r>
-              <a:rPr lang="en-US" altLang="zh-CN" sz="4400" dirty="0" smtClean="0">
-                <a:solidFill>
-                  <a:srgbClr val="FFFF00"/>
-                </a:solidFill>
-                <a:latin typeface="Calibri" pitchFamily="34" charset="0"/>
-                <a:ea typeface="隶书" pitchFamily="49" charset="-122"/>
-                <a:cs typeface="Calibri" pitchFamily="34" charset="0"/>
-              </a:rPr>
-              <a:t>value</a:t>
-            </a:r>
-            <a:r>
-              <a:rPr lang="zh-CN" altLang="en-US" sz="4400" dirty="0" smtClean="0">
-                <a:solidFill>
-                  <a:srgbClr val="FFFF00"/>
-                </a:solidFill>
-                <a:latin typeface="Calibri" pitchFamily="34" charset="0"/>
-                <a:ea typeface="隶书" pitchFamily="49" charset="-122"/>
-                <a:cs typeface="Calibri" pitchFamily="34" charset="0"/>
-              </a:rPr>
-              <a:t>，</a:t>
-            </a:r>
-            <a:r>
-              <a:rPr lang="en-US" altLang="zh-CN" sz="4400" dirty="0" smtClean="0">
-                <a:solidFill>
-                  <a:srgbClr val="FFFF00"/>
-                </a:solidFill>
-                <a:latin typeface="Calibri" pitchFamily="34" charset="0"/>
-                <a:ea typeface="隶书" pitchFamily="49" charset="-122"/>
-                <a:cs typeface="Calibri" pitchFamily="34" charset="0"/>
-              </a:rPr>
-              <a:t>value</a:t>
-            </a:r>
-            <a:r>
-              <a:rPr lang="zh-CN" altLang="en-US" sz="4400" dirty="0" smtClean="0">
-                <a:solidFill>
-                  <a:srgbClr val="FFFF00"/>
-                </a:solidFill>
-                <a:latin typeface="Calibri" pitchFamily="34" charset="0"/>
-                <a:ea typeface="隶书" pitchFamily="49" charset="-122"/>
-                <a:cs typeface="Calibri" pitchFamily="34" charset="0"/>
-              </a:rPr>
-              <a:t>之间是有序的</a:t>
-            </a:r>
-            <a:r>
-              <a:rPr lang="zh-CN" altLang="en-US" sz="4400" dirty="0" smtClean="0">
-                <a:solidFill>
-                  <a:srgbClr val="FFFF00"/>
-                </a:solidFill>
-                <a:latin typeface="Calibri" pitchFamily="34" charset="0"/>
-                <a:ea typeface="隶书" pitchFamily="49" charset="-122"/>
-                <a:cs typeface="Calibri" pitchFamily="34" charset="0"/>
-              </a:rPr>
-              <a:t>，</a:t>
-            </a:r>
-            <a:r>
-              <a:rPr lang="en-US" altLang="zh-CN" sz="4400" dirty="0" smtClean="0">
-                <a:solidFill>
-                  <a:srgbClr val="FFFF00"/>
-                </a:solidFill>
-                <a:latin typeface="Calibri" pitchFamily="34" charset="0"/>
-                <a:ea typeface="隶书" pitchFamily="49" charset="-122"/>
-                <a:cs typeface="Calibri" pitchFamily="34" charset="0"/>
-              </a:rPr>
-              <a:t>value</a:t>
-            </a:r>
-            <a:r>
-              <a:rPr lang="zh-CN" altLang="en-US" sz="4400" dirty="0" smtClean="0">
-                <a:solidFill>
-                  <a:srgbClr val="FFFF00"/>
-                </a:solidFill>
-                <a:latin typeface="Calibri" pitchFamily="34" charset="0"/>
-                <a:ea typeface="隶书" pitchFamily="49" charset="-122"/>
-                <a:cs typeface="Calibri" pitchFamily="34" charset="0"/>
-              </a:rPr>
-              <a:t>可以重复</a:t>
+              <a:t>所以字符串、对象、图片、音频、视频、文件等，对于</a:t>
+            </a:r>
+            <a:r>
+              <a:rPr lang="en-US" altLang="zh-CN" sz="4400" dirty="0" err="1" smtClean="0">
+                <a:solidFill>
+                  <a:srgbClr val="FFFF00"/>
+                </a:solidFill>
+                <a:latin typeface="Calibri" pitchFamily="34" charset="0"/>
+                <a:ea typeface="隶书" pitchFamily="49" charset="-122"/>
+                <a:cs typeface="Calibri" pitchFamily="34" charset="0"/>
+              </a:rPr>
+              <a:t>redis</a:t>
+            </a:r>
+            <a:r>
+              <a:rPr lang="zh-CN" altLang="en-US" sz="4400" dirty="0" smtClean="0">
+                <a:solidFill>
+                  <a:srgbClr val="FFFF00"/>
+                </a:solidFill>
+                <a:latin typeface="Calibri" pitchFamily="34" charset="0"/>
+                <a:ea typeface="隶书" pitchFamily="49" charset="-122"/>
+                <a:cs typeface="Calibri" pitchFamily="34" charset="0"/>
+              </a:rPr>
+              <a:t>来说没有任何区别</a:t>
             </a:r>
             <a:endParaRPr lang="en-US" altLang="zh-CN" sz="4400" dirty="0" smtClean="0">
               <a:solidFill>
@@ -5035,19 +4897,7 @@
               <a:rPr lang="zh-CN" altLang="en-US" sz="5400" spc="-150" dirty="0" smtClean="0">
                 <a:effectLst/>
               </a:rPr>
-              <a:t>的</a:t>
-            </a:r>
-            <a:r>
-              <a:rPr lang="zh-CN" altLang="en-US" sz="5400" spc="-150" dirty="0" smtClean="0">
-                <a:effectLst/>
-              </a:rPr>
-              <a:t>数</a:t>
-            </a:r>
-            <a:r>
-              <a:rPr lang="zh-CN" altLang="en-US" sz="5400" spc="-150" dirty="0" smtClean="0">
-                <a:effectLst/>
-              </a:rPr>
-              <a:t>据类型</a:t>
+              <a:t>的数据类型</a:t>
             </a:r>
             <a:endParaRPr lang="zh-CN" altLang="en-US" sz="5400" spc="-150" dirty="0">
               <a:effectLst/>
@@ -5086,18 +4936,18 @@
                 <a:ea typeface="隶书" pitchFamily="49" charset="-122"/>
                 <a:cs typeface="Calibri" pitchFamily="34" charset="0"/>
               </a:rPr>
-              <a:t>集合（</a:t>
-            </a:r>
-            <a:r>
-              <a:rPr lang="en-US" altLang="zh-CN" sz="4400" dirty="0" smtClean="0">
-                <a:solidFill>
-                  <a:srgbClr val="FFFF00"/>
-                </a:solidFill>
-                <a:latin typeface="Calibri" pitchFamily="34" charset="0"/>
-                <a:ea typeface="隶书" pitchFamily="49" charset="-122"/>
-                <a:cs typeface="Calibri" pitchFamily="34" charset="0"/>
-              </a:rPr>
-              <a:t>Set</a:t>
+              <a:t>字符串（</a:t>
+            </a:r>
+            <a:r>
+              <a:rPr lang="en-US" altLang="zh-CN" sz="4400" dirty="0" smtClean="0">
+                <a:solidFill>
+                  <a:srgbClr val="FFFF00"/>
+                </a:solidFill>
+                <a:latin typeface="Calibri" pitchFamily="34" charset="0"/>
+                <a:ea typeface="隶书" pitchFamily="49" charset="-122"/>
+                <a:cs typeface="Calibri" pitchFamily="34" charset="0"/>
+              </a:rPr>
+              <a:t>String</a:t>
             </a:r>
             <a:r>
               <a:rPr lang="zh-CN" altLang="en-US" sz="4400" dirty="0" smtClean="0">
@@ -5151,7 +5001,7 @@
                 <a:ea typeface="隶书" pitchFamily="49" charset="-122"/>
                 <a:cs typeface="Calibri" pitchFamily="34" charset="0"/>
               </a:rPr>
-              <a:t>对应多个</a:t>
+              <a:t>对应一个</a:t>
             </a:r>
             <a:r>
               <a:rPr lang="en-US" altLang="zh-CN" sz="4400" dirty="0" smtClean="0">
@@ -5164,60 +5014,40 @@
               </a:rPr>
               <a:t>value</a:t>
             </a:r>
-            <a:r>
-              <a:rPr lang="zh-CN" altLang="en-US" sz="4400" dirty="0" smtClean="0">
-                <a:solidFill>
-                  <a:srgbClr val="FFFF00"/>
-                </a:solidFill>
-                <a:latin typeface="Calibri" pitchFamily="34" charset="0"/>
-                <a:ea typeface="隶书" pitchFamily="49" charset="-122"/>
-                <a:cs typeface="Calibri" pitchFamily="34" charset="0"/>
-              </a:rPr>
-              <a:t>，</a:t>
-            </a:r>
-            <a:r>
-              <a:rPr lang="en-US" altLang="zh-CN" sz="4400" dirty="0" smtClean="0">
-                <a:solidFill>
-                  <a:srgbClr val="FFFF00"/>
-                </a:solidFill>
-                <a:latin typeface="Calibri" pitchFamily="34" charset="0"/>
-                <a:ea typeface="隶书" pitchFamily="49" charset="-122"/>
-                <a:cs typeface="Calibri" pitchFamily="34" charset="0"/>
-              </a:rPr>
-              <a:t>value</a:t>
-            </a:r>
-            <a:r>
-              <a:rPr lang="zh-CN" altLang="en-US" sz="4400" dirty="0" smtClean="0">
-                <a:solidFill>
-                  <a:srgbClr val="FFFF00"/>
-                </a:solidFill>
-                <a:latin typeface="Calibri" pitchFamily="34" charset="0"/>
-                <a:ea typeface="隶书" pitchFamily="49" charset="-122"/>
-                <a:cs typeface="Calibri" pitchFamily="34" charset="0"/>
-              </a:rPr>
-              <a:t>之间是无序的，</a:t>
-            </a:r>
-            <a:r>
-              <a:rPr lang="en-US" altLang="zh-CN" sz="4400" dirty="0" smtClean="0">
-                <a:solidFill>
-                  <a:srgbClr val="FFFF00"/>
-                </a:solidFill>
-                <a:latin typeface="Calibri" pitchFamily="34" charset="0"/>
-                <a:ea typeface="隶书" pitchFamily="49" charset="-122"/>
-                <a:cs typeface="Calibri" pitchFamily="34" charset="0"/>
-              </a:rPr>
-              <a:t>value</a:t>
-            </a:r>
-            <a:r>
-              <a:rPr lang="zh-CN" altLang="en-US" sz="4400" dirty="0" smtClean="0">
-                <a:solidFill>
-                  <a:srgbClr val="FFFF00"/>
-                </a:solidFill>
-                <a:latin typeface="Calibri" pitchFamily="34" charset="0"/>
-                <a:ea typeface="隶书" pitchFamily="49" charset="-122"/>
-                <a:cs typeface="Calibri" pitchFamily="34" charset="0"/>
-              </a:rPr>
-              <a:t>不可以重复</a:t>
+          </a:p>
+          <a:p>
+            <a:r>
+              <a:rPr lang="zh-CN" altLang="en-US" sz="4400" dirty="0" smtClean="0">
+                <a:solidFill>
+                  <a:srgbClr val="FFFF00"/>
+                </a:solidFill>
+                <a:latin typeface="Calibri" pitchFamily="34" charset="0"/>
+                <a:ea typeface="隶书" pitchFamily="49" charset="-122"/>
+                <a:cs typeface="Calibri" pitchFamily="34" charset="0"/>
+              </a:rPr>
+              <a:t>列表（</a:t>
+            </a:r>
+            <a:r>
+              <a:rPr lang="en-US" altLang="zh-CN" sz="4400" dirty="0" smtClean="0">
+                <a:solidFill>
+                  <a:srgbClr val="FFFF00"/>
+                </a:solidFill>
+                <a:latin typeface="Calibri" pitchFamily="34" charset="0"/>
+                <a:ea typeface="隶书" pitchFamily="49" charset="-122"/>
+                <a:cs typeface="Calibri" pitchFamily="34" charset="0"/>
+              </a:rPr>
+              <a:t>List</a:t>
+            </a:r>
+            <a:r>
+              <a:rPr lang="zh-CN" altLang="en-US" sz="4400" dirty="0" smtClean="0">
+                <a:solidFill>
+                  <a:srgbClr val="FFFF00"/>
+                </a:solidFill>
+                <a:latin typeface="Calibri" pitchFamily="34" charset="0"/>
+                <a:ea typeface="隶书" pitchFamily="49" charset="-122"/>
+                <a:cs typeface="Calibri" pitchFamily="34" charset="0"/>
+              </a:rPr>
+              <a:t>）</a:t>
             </a:r>
             <a:endParaRPr lang="en-US" altLang="zh-CN" sz="4400" dirty="0" smtClean="0">
               <a:solidFill>
@@ -5238,72 +5068,7 @@
                 <a:ea typeface="隶书" pitchFamily="49" charset="-122"/>
                 <a:cs typeface="Calibri" pitchFamily="34" charset="0"/>
               </a:rPr>
-              <a:t>哈</a:t>
-            </a:r>
-            <a:r>
-              <a:rPr lang="zh-CN" altLang="en-US" sz="4400" dirty="0" smtClean="0">
-                <a:solidFill>
-                  <a:srgbClr val="FFFF00"/>
-                </a:solidFill>
-                <a:latin typeface="Calibri" pitchFamily="34" charset="0"/>
-                <a:ea typeface="隶书" pitchFamily="49" charset="-122"/>
-                <a:cs typeface="Calibri" pitchFamily="34" charset="0"/>
-              </a:rPr>
-              <a:t>希（</a:t>
-            </a:r>
-            <a:r>
-              <a:rPr lang="en-US" altLang="zh-CN" sz="4400" dirty="0" smtClean="0">
-                <a:solidFill>
-                  <a:srgbClr val="FFFF00"/>
-                </a:solidFill>
-                <a:latin typeface="Calibri" pitchFamily="34" charset="0"/>
-                <a:ea typeface="隶书" pitchFamily="49" charset="-122"/>
-                <a:cs typeface="Calibri" pitchFamily="34" charset="0"/>
-              </a:rPr>
-              <a:t>Hash/Map</a:t>
-            </a:r>
-            <a:r>
-              <a:rPr lang="zh-CN" altLang="en-US" sz="4400" dirty="0" smtClean="0">
-                <a:solidFill>
-                  <a:srgbClr val="FFFF00"/>
-                </a:solidFill>
-                <a:latin typeface="Calibri" pitchFamily="34" charset="0"/>
-                <a:ea typeface="隶书" pitchFamily="49" charset="-122"/>
-                <a:cs typeface="Calibri" pitchFamily="34" charset="0"/>
-              </a:rPr>
-              <a:t>）</a:t>
-            </a:r>
-            <a:endParaRPr lang="en-US" altLang="zh-CN" sz="4400" dirty="0" smtClean="0">
-              <a:solidFill>
-                <a:srgbClr val="FFFF00"/>
-              </a:solidFill>
-              <a:latin typeface="Calibri" pitchFamily="34" charset="0"/>
-              <a:ea typeface="隶书" pitchFamily="49" charset="-122"/>
-              <a:cs typeface="Calibri" pitchFamily="34" charset="0"/>
-            </a:endParaRPr>
-          </a:p>
-          <a:p>
-            <a:r>
-              <a:rPr lang="zh-CN" altLang="en-US" sz="4400" dirty="0" smtClean="0">
-                <a:solidFill>
-                  <a:srgbClr val="FFFF00"/>
-                </a:solidFill>
-                <a:latin typeface="Calibri" pitchFamily="34" charset="0"/>
-                <a:ea typeface="隶书" pitchFamily="49" charset="-122"/>
-                <a:cs typeface="Calibri" pitchFamily="34" charset="0"/>
-              </a:rPr>
-              <a:t>一</a:t>
-            </a:r>
-            <a:r>
-              <a:rPr lang="zh-CN" altLang="en-US" sz="4400" dirty="0" smtClean="0">
-                <a:solidFill>
-                  <a:srgbClr val="FFFF00"/>
-                </a:solidFill>
-                <a:latin typeface="Calibri" pitchFamily="34" charset="0"/>
-                <a:ea typeface="隶书" pitchFamily="49" charset="-122"/>
-                <a:cs typeface="Calibri" pitchFamily="34" charset="0"/>
-              </a:rPr>
-              <a:t>个</a:t>
+              <a:t>一个</a:t>
             </a:r>
             <a:r>
               <a:rPr lang="en-US" altLang="zh-CN" sz="4400" dirty="0" smtClean="0">
@@ -5336,18 +5101,62 @@
                 <a:ea typeface="隶书" pitchFamily="49" charset="-122"/>
                 <a:cs typeface="Calibri" pitchFamily="34" charset="0"/>
               </a:rPr>
-              <a:t>key-value</a:t>
-            </a:r>
-            <a:r>
-              <a:rPr lang="zh-CN" altLang="en-US" sz="4400" dirty="0" smtClean="0">
-                <a:solidFill>
-                  <a:srgbClr val="FFFF00"/>
-                </a:solidFill>
-                <a:latin typeface="Calibri" pitchFamily="34" charset="0"/>
-                <a:ea typeface="隶书" pitchFamily="49" charset="-122"/>
-                <a:cs typeface="Calibri" pitchFamily="34" charset="0"/>
-              </a:rPr>
-              <a:t>对</a:t>
+              <a:t>value</a:t>
+            </a:r>
+            <a:r>
+              <a:rPr lang="zh-CN" altLang="en-US" sz="4400" dirty="0" smtClean="0">
+                <a:solidFill>
+                  <a:srgbClr val="FFFF00"/>
+                </a:solidFill>
+                <a:latin typeface="Calibri" pitchFamily="34" charset="0"/>
+                <a:ea typeface="隶书" pitchFamily="49" charset="-122"/>
+                <a:cs typeface="Calibri" pitchFamily="34" charset="0"/>
+              </a:rPr>
+              <a:t>，</a:t>
+            </a:r>
+            <a:r>
+              <a:rPr lang="en-US" altLang="zh-CN" sz="4400" dirty="0" smtClean="0">
+                <a:solidFill>
+                  <a:srgbClr val="FFFF00"/>
+                </a:solidFill>
+                <a:latin typeface="Calibri" pitchFamily="34" charset="0"/>
+                <a:ea typeface="隶书" pitchFamily="49" charset="-122"/>
+                <a:cs typeface="Calibri" pitchFamily="34" charset="0"/>
+              </a:rPr>
+              <a:t>value</a:t>
+            </a:r>
+            <a:r>
+              <a:rPr lang="zh-CN" altLang="en-US" sz="4400" dirty="0" smtClean="0">
+                <a:solidFill>
+                  <a:srgbClr val="FFFF00"/>
+                </a:solidFill>
+                <a:latin typeface="Calibri" pitchFamily="34" charset="0"/>
+                <a:ea typeface="隶书" pitchFamily="49" charset="-122"/>
+                <a:cs typeface="Calibri" pitchFamily="34" charset="0"/>
+              </a:rPr>
+              <a:t>之间是有序的，</a:t>
+            </a:r>
+            <a:r>
+              <a:rPr lang="en-US" altLang="zh-CN" sz="4400" dirty="0" smtClean="0">
+                <a:solidFill>
+                  <a:srgbClr val="FFFF00"/>
+                </a:solidFill>
+                <a:latin typeface="Calibri" pitchFamily="34" charset="0"/>
+                <a:ea typeface="隶书" pitchFamily="49" charset="-122"/>
+                <a:cs typeface="Calibri" pitchFamily="34" charset="0"/>
+              </a:rPr>
+              <a:t>value</a:t>
+            </a:r>
+            <a:r>
+              <a:rPr lang="zh-CN" altLang="en-US" sz="4400" dirty="0" smtClean="0">
+                <a:solidFill>
+                  <a:srgbClr val="FFFF00"/>
+                </a:solidFill>
+                <a:latin typeface="Calibri" pitchFamily="34" charset="0"/>
+                <a:ea typeface="隶书" pitchFamily="49" charset="-122"/>
+                <a:cs typeface="Calibri" pitchFamily="34" charset="0"/>
+              </a:rPr>
+              <a:t>可以重复</a:t>
             </a:r>
             <a:endParaRPr lang="en-US" altLang="zh-CN" sz="4400" dirty="0" smtClean="0">
               <a:solidFill>
@@ -5425,19 +5234,7 @@
               <a:rPr lang="zh-CN" altLang="en-US" sz="5400" spc="-150" dirty="0" smtClean="0">
                 <a:effectLst/>
               </a:rPr>
-              <a:t>的</a:t>
-            </a:r>
-            <a:r>
-              <a:rPr lang="zh-CN" altLang="en-US" sz="5400" spc="-150" dirty="0" smtClean="0">
-                <a:effectLst/>
-              </a:rPr>
-              <a:t>数</a:t>
-            </a:r>
-            <a:r>
-              <a:rPr lang="zh-CN" altLang="en-US" sz="5400" spc="-150" dirty="0" smtClean="0">
-                <a:effectLst/>
-              </a:rPr>
-              <a:t>据类型</a:t>
+              <a:t>的数据类型</a:t>
             </a:r>
             <a:endParaRPr lang="zh-CN" altLang="en-US" sz="5400" spc="-150" dirty="0">
               <a:effectLst/>
@@ -5454,7 +5251,7 @@
         <p:spPr>
           <a:xfrm>
             <a:off x="142844" y="1714488"/>
-            <a:ext cx="8786874" cy="4154984"/>
+            <a:ext cx="8786874" cy="3477875"/>
           </a:xfrm>
           <a:prstGeom prst="rect">
             <a:avLst/>
@@ -5476,18 +5273,18 @@
                 <a:ea typeface="隶书" pitchFamily="49" charset="-122"/>
                 <a:cs typeface="Calibri" pitchFamily="34" charset="0"/>
               </a:rPr>
-              <a:t>有序集合（</a:t>
-            </a:r>
-            <a:r>
-              <a:rPr lang="en-US" altLang="zh-CN" sz="4400" dirty="0" smtClean="0">
-                <a:solidFill>
-                  <a:srgbClr val="FFFF00"/>
-                </a:solidFill>
-                <a:latin typeface="Calibri" pitchFamily="34" charset="0"/>
-                <a:ea typeface="隶书" pitchFamily="49" charset="-122"/>
-                <a:cs typeface="Calibri" pitchFamily="34" charset="0"/>
-              </a:rPr>
-              <a:t>Sorted Set</a:t>
+              <a:t>集合（</a:t>
+            </a:r>
+            <a:r>
+              <a:rPr lang="en-US" altLang="zh-CN" sz="4400" dirty="0" smtClean="0">
+                <a:solidFill>
+                  <a:srgbClr val="FFFF00"/>
+                </a:solidFill>
+                <a:latin typeface="Calibri" pitchFamily="34" charset="0"/>
+                <a:ea typeface="隶书" pitchFamily="49" charset="-122"/>
+                <a:cs typeface="Calibri" pitchFamily="34" charset="0"/>
+              </a:rPr>
+              <a:t>Set</a:t>
             </a:r>
             <a:r>
               <a:rPr lang="zh-CN" altLang="en-US" sz="4400" dirty="0" smtClean="0">
@@ -5585,7 +5382,7 @@
                 <a:ea typeface="隶书" pitchFamily="49" charset="-122"/>
                 <a:cs typeface="Calibri" pitchFamily="34" charset="0"/>
               </a:rPr>
-              <a:t>之间是有排序的，</a:t>
+              <a:t>之间是无序的，</a:t>
             </a:r>
             <a:r>
               <a:rPr lang="en-US" altLang="zh-CN" sz="4400" dirty="0" smtClean="0">
@@ -5628,97 +5425,94 @@
                 <a:ea typeface="隶书" pitchFamily="49" charset="-122"/>
                 <a:cs typeface="Calibri" pitchFamily="34" charset="0"/>
               </a:rPr>
-              <a:t>每个</a:t>
-            </a:r>
-            <a:r>
-              <a:rPr lang="en-US" altLang="zh-CN" sz="4400" dirty="0" smtClean="0">
-                <a:solidFill>
-                  <a:srgbClr val="FFFF00"/>
-                </a:solidFill>
-                <a:latin typeface="Calibri" pitchFamily="34" charset="0"/>
-                <a:ea typeface="隶书" pitchFamily="49" charset="-122"/>
-                <a:cs typeface="Calibri" pitchFamily="34" charset="0"/>
-              </a:rPr>
-              <a:t>value</a:t>
-            </a:r>
-            <a:r>
-              <a:rPr lang="zh-CN" altLang="en-US" sz="4400" dirty="0" smtClean="0">
-                <a:solidFill>
-                  <a:srgbClr val="FFFF00"/>
-                </a:solidFill>
-                <a:latin typeface="Calibri" pitchFamily="34" charset="0"/>
-                <a:ea typeface="隶书" pitchFamily="49" charset="-122"/>
-                <a:cs typeface="Calibri" pitchFamily="34" charset="0"/>
-              </a:rPr>
-              <a:t>都和一个浮点数相关联，该浮点数叫</a:t>
-            </a:r>
-            <a:r>
-              <a:rPr lang="en-US" altLang="zh-CN" sz="4400" dirty="0" smtClean="0">
-                <a:solidFill>
-                  <a:srgbClr val="FFFF00"/>
-                </a:solidFill>
-                <a:latin typeface="Calibri" pitchFamily="34" charset="0"/>
-                <a:ea typeface="隶书" pitchFamily="49" charset="-122"/>
-                <a:cs typeface="Calibri" pitchFamily="34" charset="0"/>
-              </a:rPr>
-              <a:t>score</a:t>
-            </a:r>
-          </a:p>
-          <a:p>
-            <a:r>
-              <a:rPr lang="zh-CN" altLang="en-US" sz="4400" dirty="0" smtClean="0">
-                <a:solidFill>
-                  <a:srgbClr val="FFFF00"/>
-                </a:solidFill>
-                <a:latin typeface="Calibri" pitchFamily="34" charset="0"/>
-                <a:ea typeface="隶书" pitchFamily="49" charset="-122"/>
-                <a:cs typeface="Calibri" pitchFamily="34" charset="0"/>
-              </a:rPr>
-              <a:t>先按</a:t>
-            </a:r>
-            <a:r>
-              <a:rPr lang="en-US" altLang="zh-CN" sz="4400" dirty="0" smtClean="0">
-                <a:solidFill>
-                  <a:srgbClr val="FFFF00"/>
-                </a:solidFill>
-                <a:latin typeface="Calibri" pitchFamily="34" charset="0"/>
-                <a:ea typeface="隶书" pitchFamily="49" charset="-122"/>
-                <a:cs typeface="Calibri" pitchFamily="34" charset="0"/>
-              </a:rPr>
-              <a:t>score</a:t>
-            </a:r>
-            <a:r>
-              <a:rPr lang="zh-CN" altLang="en-US" sz="4400" dirty="0" smtClean="0">
-                <a:solidFill>
-                  <a:srgbClr val="FFFF00"/>
-                </a:solidFill>
-                <a:latin typeface="Calibri" pitchFamily="34" charset="0"/>
-                <a:ea typeface="隶书" pitchFamily="49" charset="-122"/>
-                <a:cs typeface="Calibri" pitchFamily="34" charset="0"/>
-              </a:rPr>
-              <a:t>排序，再按</a:t>
-            </a:r>
-            <a:r>
-              <a:rPr lang="en-US" altLang="zh-CN" sz="4400" dirty="0" smtClean="0">
-                <a:solidFill>
-                  <a:srgbClr val="FFFF00"/>
-                </a:solidFill>
-                <a:latin typeface="Calibri" pitchFamily="34" charset="0"/>
-                <a:ea typeface="隶书" pitchFamily="49" charset="-122"/>
-                <a:cs typeface="Calibri" pitchFamily="34" charset="0"/>
-              </a:rPr>
-              <a:t>value</a:t>
-            </a:r>
-            <a:r>
-              <a:rPr lang="zh-CN" altLang="en-US" sz="4400" dirty="0" smtClean="0">
-                <a:solidFill>
-                  <a:srgbClr val="FFFF00"/>
-                </a:solidFill>
-                <a:latin typeface="Calibri" pitchFamily="34" charset="0"/>
-                <a:ea typeface="隶书" pitchFamily="49" charset="-122"/>
-                <a:cs typeface="Calibri" pitchFamily="34" charset="0"/>
-              </a:rPr>
-              <a:t>排序</a:t>
+              <a:t>哈希（</a:t>
+            </a:r>
+            <a:r>
+              <a:rPr lang="en-US" altLang="zh-CN" sz="4400" dirty="0" smtClean="0">
+                <a:solidFill>
+                  <a:srgbClr val="FFFF00"/>
+                </a:solidFill>
+                <a:latin typeface="Calibri" pitchFamily="34" charset="0"/>
+                <a:ea typeface="隶书" pitchFamily="49" charset="-122"/>
+                <a:cs typeface="Calibri" pitchFamily="34" charset="0"/>
+              </a:rPr>
+              <a:t>Hash/Map</a:t>
+            </a:r>
+            <a:r>
+              <a:rPr lang="zh-CN" altLang="en-US" sz="4400" dirty="0" smtClean="0">
+                <a:solidFill>
+                  <a:srgbClr val="FFFF00"/>
+                </a:solidFill>
+                <a:latin typeface="Calibri" pitchFamily="34" charset="0"/>
+                <a:ea typeface="隶书" pitchFamily="49" charset="-122"/>
+                <a:cs typeface="Calibri" pitchFamily="34" charset="0"/>
+              </a:rPr>
+              <a:t>）</a:t>
+            </a:r>
+            <a:endParaRPr lang="en-US" altLang="zh-CN" sz="4400" dirty="0" smtClean="0">
+              <a:solidFill>
+                <a:srgbClr val="FFFF00"/>
+              </a:solidFill>
+              <a:latin typeface="Calibri" pitchFamily="34" charset="0"/>
+              <a:ea typeface="隶书" pitchFamily="49" charset="-122"/>
+              <a:cs typeface="Calibri" pitchFamily="34" charset="0"/>
+            </a:endParaRPr>
+          </a:p>
+          <a:p>
+            <a:r>
+              <a:rPr lang="zh-CN" altLang="en-US" sz="4400" dirty="0" smtClean="0">
+                <a:solidFill>
+                  <a:srgbClr val="FFFF00"/>
+                </a:solidFill>
+                <a:latin typeface="Calibri" pitchFamily="34" charset="0"/>
+                <a:ea typeface="隶书" pitchFamily="49" charset="-122"/>
+                <a:cs typeface="Calibri" pitchFamily="34" charset="0"/>
+              </a:rPr>
+              <a:t>一个</a:t>
+            </a:r>
+            <a:r>
+              <a:rPr lang="en-US" altLang="zh-CN" sz="4400" dirty="0" smtClean="0">
+                <a:solidFill>
+                  <a:srgbClr val="FFFF00"/>
+                </a:solidFill>
+                <a:latin typeface="Calibri" pitchFamily="34" charset="0"/>
+                <a:ea typeface="隶书" pitchFamily="49" charset="-122"/>
+                <a:cs typeface="Calibri" pitchFamily="34" charset="0"/>
+              </a:rPr>
+              <a:t>key</a:t>
+            </a:r>
+            <a:r>
+              <a:rPr lang="zh-CN" altLang="en-US" sz="4400" dirty="0" smtClean="0">
+                <a:solidFill>
+                  <a:srgbClr val="FFFF00"/>
+                </a:solidFill>
+                <a:latin typeface="Calibri" pitchFamily="34" charset="0"/>
+                <a:ea typeface="隶书" pitchFamily="49" charset="-122"/>
+                <a:cs typeface="Calibri" pitchFamily="34" charset="0"/>
+              </a:rPr>
+              <a:t>对应多个</a:t>
+            </a:r>
+            <a:r>
+              <a:rPr lang="en-US" altLang="zh-CN" sz="4400" dirty="0" smtClean="0">
+                <a:solidFill>
+                  <a:srgbClr val="FFFF00"/>
+                </a:solidFill>
+                <a:latin typeface="Calibri" pitchFamily="34" charset="0"/>
+                <a:ea typeface="隶书" pitchFamily="49" charset="-122"/>
+                <a:cs typeface="Calibri" pitchFamily="34" charset="0"/>
+              </a:rPr>
+              <a:t>key-value</a:t>
+            </a:r>
+            <a:r>
+              <a:rPr lang="zh-CN" altLang="en-US" sz="4400" dirty="0" smtClean="0">
+                <a:solidFill>
+                  <a:srgbClr val="FFFF00"/>
+                </a:solidFill>
+                <a:latin typeface="Calibri" pitchFamily="34" charset="0"/>
+                <a:ea typeface="隶书" pitchFamily="49" charset="-122"/>
+                <a:cs typeface="Calibri" pitchFamily="34" charset="0"/>
+              </a:rPr>
+              <a:t>对</a:t>
             </a:r>
             <a:endParaRPr lang="en-US" altLang="zh-CN" sz="4400" dirty="0" smtClean="0">
               <a:solidFill>
@@ -5796,13 +5590,7 @@
               <a:rPr lang="zh-CN" altLang="en-US" sz="5400" spc="-150" dirty="0" smtClean="0">
                 <a:effectLst/>
               </a:rPr>
-              <a:t>的</a:t>
-            </a:r>
-            <a:r>
-              <a:rPr lang="zh-CN" altLang="en-US" sz="5400" spc="-150" dirty="0" smtClean="0">
-                <a:effectLst/>
-              </a:rPr>
-              <a:t>指令</a:t>
+              <a:t>的数据类型</a:t>
             </a:r>
             <a:endParaRPr lang="zh-CN" altLang="en-US" sz="5400" spc="-150" dirty="0">
               <a:effectLst/>
@@ -5819,7 +5607,7 @@
         <p:spPr>
           <a:xfrm>
             <a:off x="142844" y="1714488"/>
-            <a:ext cx="8786874" cy="4832092"/>
+            <a:ext cx="8786874" cy="4154984"/>
           </a:xfrm>
           <a:prstGeom prst="rect">
             <a:avLst/>
@@ -5841,18 +5629,18 @@
                 <a:ea typeface="隶书" pitchFamily="49" charset="-122"/>
                 <a:cs typeface="Calibri" pitchFamily="34" charset="0"/>
               </a:rPr>
-              <a:t>字符串（</a:t>
-            </a:r>
-            <a:r>
-              <a:rPr lang="en-US" altLang="zh-CN" sz="4400" dirty="0" smtClean="0">
-                <a:solidFill>
-                  <a:srgbClr val="FFFF00"/>
-                </a:solidFill>
-                <a:latin typeface="Calibri" pitchFamily="34" charset="0"/>
-                <a:ea typeface="隶书" pitchFamily="49" charset="-122"/>
-                <a:cs typeface="Calibri" pitchFamily="34" charset="0"/>
-              </a:rPr>
-              <a:t>String</a:t>
+              <a:t>有序集合（</a:t>
+            </a:r>
+            <a:r>
+              <a:rPr lang="en-US" altLang="zh-CN" sz="4400" dirty="0" smtClean="0">
+                <a:solidFill>
+                  <a:srgbClr val="FFFF00"/>
+                </a:solidFill>
+                <a:latin typeface="Calibri" pitchFamily="34" charset="0"/>
+                <a:ea typeface="隶书" pitchFamily="49" charset="-122"/>
+                <a:cs typeface="Calibri" pitchFamily="34" charset="0"/>
+              </a:rPr>
+              <a:t>Sorted Set</a:t>
             </a:r>
             <a:r>
               <a:rPr lang="zh-CN" altLang="en-US" sz="4400" dirty="0" smtClean="0">
@@ -5876,26 +5664,103 @@
           </a:p>
           <a:p>
             <a:r>
-              <a:rPr lang="en-US" altLang="zh-CN" sz="4400" dirty="0" smtClean="0">
-                <a:solidFill>
-                  <a:srgbClr val="FFFF00"/>
-                </a:solidFill>
-                <a:latin typeface="Calibri" pitchFamily="34" charset="0"/>
-                <a:ea typeface="隶书" pitchFamily="49" charset="-122"/>
-                <a:cs typeface="Calibri" pitchFamily="34" charset="0"/>
-              </a:rPr>
-              <a:t>append key value</a:t>
-            </a:r>
-            <a:r>
-              <a:rPr lang="zh-CN" altLang="en-US" sz="4400" dirty="0" smtClean="0">
-                <a:solidFill>
-                  <a:srgbClr val="FFFF00"/>
-                </a:solidFill>
-                <a:latin typeface="Calibri" pitchFamily="34" charset="0"/>
-                <a:ea typeface="隶书" pitchFamily="49" charset="-122"/>
-                <a:cs typeface="Calibri" pitchFamily="34" charset="0"/>
-              </a:rPr>
-              <a:t>：追加</a:t>
+              <a:rPr lang="zh-CN" altLang="en-US" sz="4400" dirty="0" smtClean="0">
+                <a:solidFill>
+                  <a:srgbClr val="FFFF00"/>
+                </a:solidFill>
+                <a:latin typeface="Calibri" pitchFamily="34" charset="0"/>
+                <a:ea typeface="隶书" pitchFamily="49" charset="-122"/>
+                <a:cs typeface="Calibri" pitchFamily="34" charset="0"/>
+              </a:rPr>
+              <a:t>一个</a:t>
+            </a:r>
+            <a:r>
+              <a:rPr lang="en-US" altLang="zh-CN" sz="4400" dirty="0" smtClean="0">
+                <a:solidFill>
+                  <a:srgbClr val="FFFF00"/>
+                </a:solidFill>
+                <a:latin typeface="Calibri" pitchFamily="34" charset="0"/>
+                <a:ea typeface="隶书" pitchFamily="49" charset="-122"/>
+                <a:cs typeface="Calibri" pitchFamily="34" charset="0"/>
+              </a:rPr>
+              <a:t>key</a:t>
+            </a:r>
+            <a:r>
+              <a:rPr lang="zh-CN" altLang="en-US" sz="4400" dirty="0" smtClean="0">
+                <a:solidFill>
+                  <a:srgbClr val="FFFF00"/>
+                </a:solidFill>
+                <a:latin typeface="Calibri" pitchFamily="34" charset="0"/>
+                <a:ea typeface="隶书" pitchFamily="49" charset="-122"/>
+                <a:cs typeface="Calibri" pitchFamily="34" charset="0"/>
+              </a:rPr>
+              <a:t>对应多个</a:t>
+            </a:r>
+            <a:r>
+              <a:rPr lang="en-US" altLang="zh-CN" sz="4400" dirty="0" smtClean="0">
+                <a:solidFill>
+                  <a:srgbClr val="FFFF00"/>
+                </a:solidFill>
+                <a:latin typeface="Calibri" pitchFamily="34" charset="0"/>
+                <a:ea typeface="隶书" pitchFamily="49" charset="-122"/>
+                <a:cs typeface="Calibri" pitchFamily="34" charset="0"/>
+              </a:rPr>
+              <a:t>value</a:t>
+            </a:r>
+            <a:r>
+              <a:rPr lang="zh-CN" altLang="en-US" sz="4400" dirty="0" smtClean="0">
+                <a:solidFill>
+                  <a:srgbClr val="FFFF00"/>
+                </a:solidFill>
+                <a:latin typeface="Calibri" pitchFamily="34" charset="0"/>
+                <a:ea typeface="隶书" pitchFamily="49" charset="-122"/>
+                <a:cs typeface="Calibri" pitchFamily="34" charset="0"/>
+              </a:rPr>
+              <a:t>，</a:t>
+            </a:r>
+            <a:r>
+              <a:rPr lang="en-US" altLang="zh-CN" sz="4400" dirty="0" smtClean="0">
+                <a:solidFill>
+                  <a:srgbClr val="FFFF00"/>
+                </a:solidFill>
+                <a:latin typeface="Calibri" pitchFamily="34" charset="0"/>
+                <a:ea typeface="隶书" pitchFamily="49" charset="-122"/>
+                <a:cs typeface="Calibri" pitchFamily="34" charset="0"/>
+              </a:rPr>
+              <a:t>value</a:t>
+            </a:r>
+            <a:r>
+              <a:rPr lang="zh-CN" altLang="en-US" sz="4400" dirty="0" smtClean="0">
+                <a:solidFill>
+                  <a:srgbClr val="FFFF00"/>
+                </a:solidFill>
+                <a:latin typeface="Calibri" pitchFamily="34" charset="0"/>
+                <a:ea typeface="隶书" pitchFamily="49" charset="-122"/>
+                <a:cs typeface="Calibri" pitchFamily="34" charset="0"/>
+              </a:rPr>
+              <a:t>之间是有排序的，</a:t>
+            </a:r>
+            <a:r>
+              <a:rPr lang="en-US" altLang="zh-CN" sz="4400" dirty="0" smtClean="0">
+                <a:solidFill>
+                  <a:srgbClr val="FFFF00"/>
+                </a:solidFill>
+                <a:latin typeface="Calibri" pitchFamily="34" charset="0"/>
+                <a:ea typeface="隶书" pitchFamily="49" charset="-122"/>
+                <a:cs typeface="Calibri" pitchFamily="34" charset="0"/>
+              </a:rPr>
+              <a:t>value</a:t>
+            </a:r>
+            <a:r>
+              <a:rPr lang="zh-CN" altLang="en-US" sz="4400" dirty="0" smtClean="0">
+                <a:solidFill>
+                  <a:srgbClr val="FFFF00"/>
+                </a:solidFill>
+                <a:latin typeface="Calibri" pitchFamily="34" charset="0"/>
+                <a:ea typeface="隶书" pitchFamily="49" charset="-122"/>
+                <a:cs typeface="Calibri" pitchFamily="34" charset="0"/>
+              </a:rPr>
+              <a:t>不可以重复</a:t>
             </a:r>
             <a:endParaRPr lang="en-US" altLang="zh-CN" sz="4400" dirty="0" smtClean="0">
               <a:solidFill>
@@ -5908,180 +5773,105 @@
           </a:p>
           <a:p>
             <a:r>
-              <a:rPr lang="en-US" altLang="zh-CN" sz="4400" dirty="0" err="1" smtClean="0">
-                <a:solidFill>
-                  <a:srgbClr val="FFFF00"/>
-                </a:solidFill>
-                <a:latin typeface="Calibri" pitchFamily="34" charset="0"/>
-                <a:ea typeface="隶书" pitchFamily="49" charset="-122"/>
-                <a:cs typeface="Calibri" pitchFamily="34" charset="0"/>
-              </a:rPr>
-              <a:t>decr</a:t>
-            </a:r>
-            <a:r>
-              <a:rPr lang="en-US" altLang="zh-CN" sz="4400" dirty="0" smtClean="0">
-                <a:solidFill>
-                  <a:srgbClr val="FFFF00"/>
-                </a:solidFill>
-                <a:latin typeface="Calibri" pitchFamily="34" charset="0"/>
-                <a:ea typeface="隶书" pitchFamily="49" charset="-122"/>
-                <a:cs typeface="Calibri" pitchFamily="34" charset="0"/>
-              </a:rPr>
-              <a:t> key</a:t>
-            </a:r>
-            <a:r>
-              <a:rPr lang="zh-CN" altLang="en-US" sz="4400" dirty="0" smtClean="0">
-                <a:solidFill>
-                  <a:srgbClr val="FFFF00"/>
-                </a:solidFill>
-                <a:latin typeface="Calibri" pitchFamily="34" charset="0"/>
-                <a:ea typeface="隶书" pitchFamily="49" charset="-122"/>
-                <a:cs typeface="Calibri" pitchFamily="34" charset="0"/>
-              </a:rPr>
-              <a:t>：减</a:t>
-            </a:r>
-            <a:r>
-              <a:rPr lang="en-US" altLang="zh-CN" sz="4400" dirty="0" smtClean="0">
-                <a:solidFill>
-                  <a:srgbClr val="FFFF00"/>
-                </a:solidFill>
-                <a:latin typeface="Calibri" pitchFamily="34" charset="0"/>
-                <a:ea typeface="隶书" pitchFamily="49" charset="-122"/>
-                <a:cs typeface="Calibri" pitchFamily="34" charset="0"/>
-              </a:rPr>
-              <a:t>1</a:t>
-            </a:r>
-          </a:p>
-          <a:p>
-            <a:r>
-              <a:rPr lang="en-US" altLang="zh-CN" sz="4400" dirty="0" err="1" smtClean="0">
-                <a:solidFill>
-                  <a:srgbClr val="FFFF00"/>
-                </a:solidFill>
-                <a:latin typeface="Calibri" pitchFamily="34" charset="0"/>
-                <a:ea typeface="隶书" pitchFamily="49" charset="-122"/>
-                <a:cs typeface="Calibri" pitchFamily="34" charset="0"/>
-              </a:rPr>
-              <a:t>decrby</a:t>
-            </a:r>
-            <a:r>
-              <a:rPr lang="en-US" altLang="zh-CN" sz="4400" dirty="0" smtClean="0">
-                <a:solidFill>
-                  <a:srgbClr val="FFFF00"/>
-                </a:solidFill>
-                <a:latin typeface="Calibri" pitchFamily="34" charset="0"/>
-                <a:ea typeface="隶书" pitchFamily="49" charset="-122"/>
-                <a:cs typeface="Calibri" pitchFamily="34" charset="0"/>
-              </a:rPr>
-              <a:t> key num</a:t>
-            </a:r>
-            <a:r>
-              <a:rPr lang="zh-CN" altLang="en-US" sz="4400" dirty="0" smtClean="0">
-                <a:solidFill>
-                  <a:srgbClr val="FFFF00"/>
-                </a:solidFill>
-                <a:latin typeface="Calibri" pitchFamily="34" charset="0"/>
-                <a:ea typeface="隶书" pitchFamily="49" charset="-122"/>
-                <a:cs typeface="Calibri" pitchFamily="34" charset="0"/>
-              </a:rPr>
-              <a:t>：减指定整数值</a:t>
-            </a:r>
-            <a:endParaRPr lang="en-US" altLang="zh-CN" sz="4400" dirty="0" smtClean="0">
-              <a:solidFill>
-                <a:srgbClr val="FFFF00"/>
-              </a:solidFill>
-              <a:latin typeface="Calibri" pitchFamily="34" charset="0"/>
-              <a:ea typeface="隶书" pitchFamily="49" charset="-122"/>
-              <a:cs typeface="Calibri" pitchFamily="34" charset="0"/>
-            </a:endParaRPr>
-          </a:p>
-          <a:p>
-            <a:r>
-              <a:rPr lang="en-US" altLang="zh-CN" sz="4400" dirty="0" smtClean="0">
-                <a:solidFill>
-                  <a:srgbClr val="FFFF00"/>
-                </a:solidFill>
-                <a:latin typeface="Calibri" pitchFamily="34" charset="0"/>
-                <a:ea typeface="隶书" pitchFamily="49" charset="-122"/>
-                <a:cs typeface="Calibri" pitchFamily="34" charset="0"/>
-              </a:rPr>
-              <a:t>get key</a:t>
-            </a:r>
-            <a:r>
-              <a:rPr lang="zh-CN" altLang="en-US" sz="4400" dirty="0" smtClean="0">
-                <a:solidFill>
-                  <a:srgbClr val="FFFF00"/>
-                </a:solidFill>
-                <a:latin typeface="Calibri" pitchFamily="34" charset="0"/>
-                <a:ea typeface="隶书" pitchFamily="49" charset="-122"/>
-                <a:cs typeface="Calibri" pitchFamily="34" charset="0"/>
-              </a:rPr>
-              <a:t>：获取</a:t>
-            </a:r>
-            <a:endParaRPr lang="en-US" altLang="zh-CN" sz="4400" dirty="0" smtClean="0">
-              <a:solidFill>
-                <a:srgbClr val="FFFF00"/>
-              </a:solidFill>
-              <a:latin typeface="Calibri" pitchFamily="34" charset="0"/>
-              <a:ea typeface="隶书" pitchFamily="49" charset="-122"/>
-              <a:cs typeface="Calibri" pitchFamily="34" charset="0"/>
-            </a:endParaRPr>
-          </a:p>
-          <a:p>
-            <a:r>
-              <a:rPr lang="en-US" altLang="zh-CN" sz="4400" dirty="0" err="1" smtClean="0">
-                <a:solidFill>
-                  <a:srgbClr val="FFFF00"/>
-                </a:solidFill>
-                <a:latin typeface="Calibri" pitchFamily="34" charset="0"/>
-                <a:ea typeface="隶书" pitchFamily="49" charset="-122"/>
-                <a:cs typeface="Calibri" pitchFamily="34" charset="0"/>
-              </a:rPr>
-              <a:t>getrange</a:t>
-            </a:r>
-            <a:r>
-              <a:rPr lang="en-US" altLang="zh-CN" sz="4400" dirty="0" smtClean="0">
-                <a:solidFill>
-                  <a:srgbClr val="FFFF00"/>
-                </a:solidFill>
-                <a:latin typeface="Calibri" pitchFamily="34" charset="0"/>
-                <a:ea typeface="隶书" pitchFamily="49" charset="-122"/>
-                <a:cs typeface="Calibri" pitchFamily="34" charset="0"/>
-              </a:rPr>
-              <a:t> key start end</a:t>
-            </a:r>
-            <a:r>
-              <a:rPr lang="zh-CN" altLang="en-US" sz="4400" dirty="0" smtClean="0">
-                <a:solidFill>
-                  <a:srgbClr val="FFFF00"/>
-                </a:solidFill>
-                <a:latin typeface="Calibri" pitchFamily="34" charset="0"/>
-                <a:ea typeface="隶书" pitchFamily="49" charset="-122"/>
-                <a:cs typeface="Calibri" pitchFamily="34" charset="0"/>
-              </a:rPr>
-              <a:t>：获取指定范围，</a:t>
-            </a:r>
-            <a:r>
-              <a:rPr lang="en-US" altLang="zh-CN" sz="4400" dirty="0" smtClean="0">
-                <a:solidFill>
-                  <a:srgbClr val="FFFF00"/>
-                </a:solidFill>
-                <a:latin typeface="Calibri" pitchFamily="34" charset="0"/>
-                <a:ea typeface="隶书" pitchFamily="49" charset="-122"/>
-                <a:cs typeface="Calibri" pitchFamily="34" charset="0"/>
-              </a:rPr>
-              <a:t>start/end</a:t>
-            </a:r>
-            <a:r>
-              <a:rPr lang="zh-CN" altLang="en-US" sz="4400" dirty="0" smtClean="0">
-                <a:solidFill>
-                  <a:srgbClr val="FFFF00"/>
-                </a:solidFill>
-                <a:latin typeface="Calibri" pitchFamily="34" charset="0"/>
-                <a:ea typeface="隶书" pitchFamily="49" charset="-122"/>
-                <a:cs typeface="Calibri" pitchFamily="34" charset="0"/>
-              </a:rPr>
-              <a:t>按字节来算</a:t>
+              <a:rPr lang="zh-CN" altLang="en-US" sz="4400" dirty="0" smtClean="0">
+                <a:solidFill>
+                  <a:srgbClr val="FFFF00"/>
+                </a:solidFill>
+                <a:latin typeface="Calibri" pitchFamily="34" charset="0"/>
+                <a:ea typeface="隶书" pitchFamily="49" charset="-122"/>
+                <a:cs typeface="Calibri" pitchFamily="34" charset="0"/>
+              </a:rPr>
+              <a:t>每个</a:t>
+            </a:r>
+            <a:r>
+              <a:rPr lang="en-US" altLang="zh-CN" sz="4400" dirty="0" smtClean="0">
+                <a:solidFill>
+                  <a:srgbClr val="FFFF00"/>
+                </a:solidFill>
+                <a:latin typeface="Calibri" pitchFamily="34" charset="0"/>
+                <a:ea typeface="隶书" pitchFamily="49" charset="-122"/>
+                <a:cs typeface="Calibri" pitchFamily="34" charset="0"/>
+              </a:rPr>
+              <a:t>value</a:t>
+            </a:r>
+            <a:r>
+              <a:rPr lang="zh-CN" altLang="en-US" sz="4400" dirty="0" smtClean="0">
+                <a:solidFill>
+                  <a:srgbClr val="FFFF00"/>
+                </a:solidFill>
+                <a:latin typeface="Calibri" pitchFamily="34" charset="0"/>
+                <a:ea typeface="隶书" pitchFamily="49" charset="-122"/>
+                <a:cs typeface="Calibri" pitchFamily="34" charset="0"/>
+              </a:rPr>
+              <a:t>都和一个浮点数相关联，该浮点数叫</a:t>
+            </a:r>
+            <a:r>
+              <a:rPr lang="en-US" altLang="zh-CN" sz="4400" dirty="0" smtClean="0">
+                <a:solidFill>
+                  <a:srgbClr val="FFFF00"/>
+                </a:solidFill>
+                <a:latin typeface="Calibri" pitchFamily="34" charset="0"/>
+                <a:ea typeface="隶书" pitchFamily="49" charset="-122"/>
+                <a:cs typeface="Calibri" pitchFamily="34" charset="0"/>
+              </a:rPr>
+              <a:t>score</a:t>
+            </a:r>
+          </a:p>
+          <a:p>
+            <a:r>
+              <a:rPr lang="zh-CN" altLang="en-US" sz="4400" dirty="0" smtClean="0">
+                <a:solidFill>
+                  <a:srgbClr val="FFFF00"/>
+                </a:solidFill>
+                <a:latin typeface="Calibri" pitchFamily="34" charset="0"/>
+                <a:ea typeface="隶书" pitchFamily="49" charset="-122"/>
+                <a:cs typeface="Calibri" pitchFamily="34" charset="0"/>
+              </a:rPr>
+              <a:t>先按</a:t>
+            </a:r>
+            <a:r>
+              <a:rPr lang="en-US" altLang="zh-CN" sz="4400" dirty="0" smtClean="0">
+                <a:solidFill>
+                  <a:srgbClr val="FFFF00"/>
+                </a:solidFill>
+                <a:latin typeface="Calibri" pitchFamily="34" charset="0"/>
+                <a:ea typeface="隶书" pitchFamily="49" charset="-122"/>
+                <a:cs typeface="Calibri" pitchFamily="34" charset="0"/>
+              </a:rPr>
+              <a:t>score</a:t>
+            </a:r>
+            <a:r>
+              <a:rPr lang="zh-CN" altLang="en-US" sz="4400" dirty="0" smtClean="0">
+                <a:solidFill>
+                  <a:srgbClr val="FFFF00"/>
+                </a:solidFill>
+                <a:latin typeface="Calibri" pitchFamily="34" charset="0"/>
+                <a:ea typeface="隶书" pitchFamily="49" charset="-122"/>
+                <a:cs typeface="Calibri" pitchFamily="34" charset="0"/>
+              </a:rPr>
+              <a:t>排序，再按</a:t>
+            </a:r>
+            <a:r>
+              <a:rPr lang="en-US" altLang="zh-CN" sz="4400" dirty="0" smtClean="0">
+                <a:solidFill>
+                  <a:srgbClr val="FFFF00"/>
+                </a:solidFill>
+                <a:latin typeface="Calibri" pitchFamily="34" charset="0"/>
+                <a:ea typeface="隶书" pitchFamily="49" charset="-122"/>
+                <a:cs typeface="Calibri" pitchFamily="34" charset="0"/>
+              </a:rPr>
+              <a:t>value</a:t>
+            </a:r>
+            <a:r>
+              <a:rPr lang="zh-CN" altLang="en-US" sz="4400" dirty="0" smtClean="0">
+                <a:solidFill>
+                  <a:srgbClr val="FFFF00"/>
+                </a:solidFill>
+                <a:latin typeface="Calibri" pitchFamily="34" charset="0"/>
+                <a:ea typeface="隶书" pitchFamily="49" charset="-122"/>
+                <a:cs typeface="Calibri" pitchFamily="34" charset="0"/>
+              </a:rPr>
+              <a:t>排序</a:t>
             </a:r>
             <a:endParaRPr lang="en-US" altLang="zh-CN" sz="4400" dirty="0" smtClean="0">
               <a:solidFill>
@@ -6159,13 +5949,7 @@
               <a:rPr lang="zh-CN" altLang="en-US" sz="5400" spc="-150" dirty="0" smtClean="0">
                 <a:effectLst/>
               </a:rPr>
-              <a:t>的</a:t>
-            </a:r>
-            <a:r>
-              <a:rPr lang="zh-CN" altLang="en-US" sz="5400" spc="-150" dirty="0" smtClean="0">
-                <a:effectLst/>
-              </a:rPr>
-              <a:t>指令</a:t>
+              <a:t>的命令</a:t>
             </a:r>
             <a:endParaRPr lang="zh-CN" altLang="en-US" sz="5400" spc="-150" dirty="0">
               <a:effectLst/>
@@ -6239,37 +6023,26 @@
           </a:p>
           <a:p>
             <a:r>
-              <a:rPr lang="en-US" altLang="zh-CN" sz="4400" dirty="0" err="1" smtClean="0">
-                <a:solidFill>
-                  <a:srgbClr val="FFFF00"/>
-                </a:solidFill>
-                <a:latin typeface="Calibri" pitchFamily="34" charset="0"/>
-                <a:ea typeface="隶书" pitchFamily="49" charset="-122"/>
-                <a:cs typeface="Calibri" pitchFamily="34" charset="0"/>
-              </a:rPr>
-              <a:t>getset</a:t>
-            </a:r>
-            <a:r>
-              <a:rPr lang="en-US" altLang="zh-CN" sz="4400" dirty="0" smtClean="0">
-                <a:solidFill>
-                  <a:srgbClr val="FFFF00"/>
-                </a:solidFill>
-                <a:latin typeface="Calibri" pitchFamily="34" charset="0"/>
-                <a:ea typeface="隶书" pitchFamily="49" charset="-122"/>
-                <a:cs typeface="Calibri" pitchFamily="34" charset="0"/>
-              </a:rPr>
-              <a:t> key value</a:t>
-            </a:r>
-            <a:r>
-              <a:rPr lang="zh-CN" altLang="en-US" sz="4400" dirty="0" smtClean="0">
-                <a:solidFill>
-                  <a:srgbClr val="FFFF00"/>
-                </a:solidFill>
-                <a:latin typeface="Calibri" pitchFamily="34" charset="0"/>
-                <a:ea typeface="隶书" pitchFamily="49" charset="-122"/>
-                <a:cs typeface="Calibri" pitchFamily="34" charset="0"/>
-              </a:rPr>
-              <a:t>：先获取再设置</a:t>
+              <a:rPr lang="en-US" altLang="zh-CN" sz="4400" dirty="0" smtClean="0">
+                <a:solidFill>
+                  <a:srgbClr val="FFFF00"/>
+                </a:solidFill>
+                <a:latin typeface="Calibri" pitchFamily="34" charset="0"/>
+                <a:ea typeface="隶书" pitchFamily="49" charset="-122"/>
+                <a:cs typeface="Calibri" pitchFamily="34" charset="0"/>
+              </a:rPr>
+              <a:t>append key value</a:t>
+            </a:r>
+            <a:r>
+              <a:rPr lang="zh-CN" altLang="en-US" sz="4400" dirty="0" smtClean="0">
+                <a:solidFill>
+                  <a:srgbClr val="FFFF00"/>
+                </a:solidFill>
+                <a:latin typeface="Calibri" pitchFamily="34" charset="0"/>
+                <a:ea typeface="隶书" pitchFamily="49" charset="-122"/>
+                <a:cs typeface="Calibri" pitchFamily="34" charset="0"/>
+              </a:rPr>
+              <a:t>：追加</a:t>
             </a:r>
             <a:endParaRPr lang="en-US" altLang="zh-CN" sz="4400" dirty="0" smtClean="0">
               <a:solidFill>
@@ -6290,7 +6063,7 @@
                 <a:ea typeface="隶书" pitchFamily="49" charset="-122"/>
                 <a:cs typeface="Calibri" pitchFamily="34" charset="0"/>
               </a:rPr>
-              <a:t>incr</a:t>
+              <a:t>decr</a:t>
             </a:r>
             <a:r>
               <a:rPr lang="en-US" altLang="zh-CN" sz="4400" dirty="0" smtClean="0">
@@ -6312,7 +6085,7 @@
                 <a:ea typeface="隶书" pitchFamily="49" charset="-122"/>
                 <a:cs typeface="Calibri" pitchFamily="34" charset="0"/>
               </a:rPr>
-              <a:t>：加</a:t>
+              <a:t>：减</a:t>
             </a:r>
             <a:r>
               <a:rPr lang="en-US" altLang="zh-CN" sz="4400" dirty="0" smtClean="0">
@@ -6336,7 +6109,7 @@
                 <a:ea typeface="隶书" pitchFamily="49" charset="-122"/>
                 <a:cs typeface="Calibri" pitchFamily="34" charset="0"/>
               </a:rPr>
-              <a:t>incrby</a:t>
+              <a:t>decrby</a:t>
             </a:r>
             <a:r>
               <a:rPr lang="en-US" altLang="zh-CN" sz="4400" dirty="0" smtClean="0">
@@ -6358,18 +6131,7 @@
                 <a:ea typeface="隶书" pitchFamily="49" charset="-122"/>
                 <a:cs typeface="Calibri" pitchFamily="34" charset="0"/>
               </a:rPr>
-              <a:t>：加指</a:t>
-            </a:r>
-            <a:r>
-              <a:rPr lang="zh-CN" altLang="en-US" sz="4400" dirty="0" smtClean="0">
-                <a:solidFill>
-                  <a:srgbClr val="FFFF00"/>
-                </a:solidFill>
-                <a:latin typeface="Calibri" pitchFamily="34" charset="0"/>
-                <a:ea typeface="隶书" pitchFamily="49" charset="-122"/>
-                <a:cs typeface="Calibri" pitchFamily="34" charset="0"/>
-              </a:rPr>
-              <a:t>定整数值</a:t>
+              <a:t>：减指定整数值</a:t>
             </a:r>
             <a:endParaRPr lang="en-US" altLang="zh-CN" sz="4400" dirty="0" smtClean="0">
               <a:solidFill>
@@ -6382,37 +6144,26 @@
           </a:p>
           <a:p>
             <a:r>
-              <a:rPr lang="en-US" altLang="zh-CN" sz="4400" dirty="0" err="1" smtClean="0">
-                <a:solidFill>
-                  <a:srgbClr val="FFFF00"/>
-                </a:solidFill>
-                <a:latin typeface="Calibri" pitchFamily="34" charset="0"/>
-                <a:ea typeface="隶书" pitchFamily="49" charset="-122"/>
-                <a:cs typeface="Calibri" pitchFamily="34" charset="0"/>
-              </a:rPr>
-              <a:t>incrbyfloat</a:t>
-            </a:r>
-            <a:r>
-              <a:rPr lang="en-US" altLang="zh-CN" sz="4400" dirty="0" smtClean="0">
-                <a:solidFill>
-                  <a:srgbClr val="FFFF00"/>
-                </a:solidFill>
-                <a:latin typeface="Calibri" pitchFamily="34" charset="0"/>
-                <a:ea typeface="隶书" pitchFamily="49" charset="-122"/>
-                <a:cs typeface="Calibri" pitchFamily="34" charset="0"/>
-              </a:rPr>
-              <a:t> key num</a:t>
-            </a:r>
-            <a:r>
-              <a:rPr lang="zh-CN" altLang="en-US" sz="4400" dirty="0" smtClean="0">
-                <a:solidFill>
-                  <a:srgbClr val="FFFF00"/>
-                </a:solidFill>
-                <a:latin typeface="Calibri" pitchFamily="34" charset="0"/>
-                <a:ea typeface="隶书" pitchFamily="49" charset="-122"/>
-                <a:cs typeface="Calibri" pitchFamily="34" charset="0"/>
-              </a:rPr>
-              <a:t>：加浮点数</a:t>
+              <a:rPr lang="en-US" altLang="zh-CN" sz="4400" dirty="0" smtClean="0">
+                <a:solidFill>
+                  <a:srgbClr val="FFFF00"/>
+                </a:solidFill>
+                <a:latin typeface="Calibri" pitchFamily="34" charset="0"/>
+                <a:ea typeface="隶书" pitchFamily="49" charset="-122"/>
+                <a:cs typeface="Calibri" pitchFamily="34" charset="0"/>
+              </a:rPr>
+              <a:t>get key</a:t>
+            </a:r>
+            <a:r>
+              <a:rPr lang="zh-CN" altLang="en-US" sz="4400" dirty="0" smtClean="0">
+                <a:solidFill>
+                  <a:srgbClr val="FFFF00"/>
+                </a:solidFill>
+                <a:latin typeface="Calibri" pitchFamily="34" charset="0"/>
+                <a:ea typeface="隶书" pitchFamily="49" charset="-122"/>
+                <a:cs typeface="Calibri" pitchFamily="34" charset="0"/>
+              </a:rPr>
+              <a:t>：获取</a:t>
             </a:r>
             <a:endParaRPr lang="en-US" altLang="zh-CN" sz="4400" dirty="0" smtClean="0">
               <a:solidFill>
@@ -6433,51 +6184,52 @@
                 <a:ea typeface="隶书" pitchFamily="49" charset="-122"/>
                 <a:cs typeface="Calibri" pitchFamily="34" charset="0"/>
               </a:rPr>
-              <a:t>mget</a:t>
-            </a:r>
-            <a:r>
-              <a:rPr lang="en-US" altLang="zh-CN" sz="4400" dirty="0" smtClean="0">
-                <a:solidFill>
-                  <a:srgbClr val="FFFF00"/>
-                </a:solidFill>
-                <a:latin typeface="Calibri" pitchFamily="34" charset="0"/>
-                <a:ea typeface="隶书" pitchFamily="49" charset="-122"/>
-                <a:cs typeface="Calibri" pitchFamily="34" charset="0"/>
-              </a:rPr>
-              <a:t> key [key …]</a:t>
-            </a:r>
-            <a:r>
-              <a:rPr lang="zh-CN" altLang="en-US" sz="4400" dirty="0" smtClean="0">
-                <a:solidFill>
-                  <a:srgbClr val="FFFF00"/>
-                </a:solidFill>
-                <a:latin typeface="Calibri" pitchFamily="34" charset="0"/>
-                <a:ea typeface="隶书" pitchFamily="49" charset="-122"/>
-                <a:cs typeface="Calibri" pitchFamily="34" charset="0"/>
-              </a:rPr>
-              <a:t>：一次获</a:t>
-            </a:r>
-            <a:r>
-              <a:rPr lang="zh-CN" altLang="en-US" sz="4400" dirty="0" smtClean="0">
-                <a:solidFill>
-                  <a:srgbClr val="FFFF00"/>
-                </a:solidFill>
-                <a:latin typeface="Calibri" pitchFamily="34" charset="0"/>
-                <a:ea typeface="隶书" pitchFamily="49" charset="-122"/>
-                <a:cs typeface="Calibri" pitchFamily="34" charset="0"/>
-              </a:rPr>
-              <a:t>取多个</a:t>
-            </a:r>
-            <a:endParaRPr lang="en-US" altLang="zh-CN" sz="4400" dirty="0" smtClean="0">
-              <a:solidFill>
-                <a:srgbClr val="FFFF00"/>
-              </a:solidFill>
-              <a:latin typeface="Calibri" pitchFamily="34" charset="0"/>
-              <a:ea typeface="隶书" pitchFamily="49" charset="-122"/>
-              <a:cs typeface="Calibri" pitchFamily="34" charset="0"/>
-            </a:endParaRPr>
-          </a:p>
-          <a:p>
+              <a:t>getrange</a:t>
+            </a:r>
+            <a:r>
+              <a:rPr lang="en-US" altLang="zh-CN" sz="4400" dirty="0" smtClean="0">
+                <a:solidFill>
+                  <a:srgbClr val="FFFF00"/>
+                </a:solidFill>
+                <a:latin typeface="Calibri" pitchFamily="34" charset="0"/>
+                <a:ea typeface="隶书" pitchFamily="49" charset="-122"/>
+                <a:cs typeface="Calibri" pitchFamily="34" charset="0"/>
+              </a:rPr>
+              <a:t> key start end</a:t>
+            </a:r>
+            <a:r>
+              <a:rPr lang="zh-CN" altLang="en-US" sz="4400" dirty="0" smtClean="0">
+                <a:solidFill>
+                  <a:srgbClr val="FFFF00"/>
+                </a:solidFill>
+                <a:latin typeface="Calibri" pitchFamily="34" charset="0"/>
+                <a:ea typeface="隶书" pitchFamily="49" charset="-122"/>
+                <a:cs typeface="Calibri" pitchFamily="34" charset="0"/>
+              </a:rPr>
+              <a:t>：获取指定范围，</a:t>
+            </a:r>
+            <a:r>
+              <a:rPr lang="en-US" altLang="zh-CN" sz="4400" dirty="0" smtClean="0">
+                <a:solidFill>
+                  <a:srgbClr val="FFFF00"/>
+                </a:solidFill>
+                <a:latin typeface="Calibri" pitchFamily="34" charset="0"/>
+                <a:ea typeface="隶书" pitchFamily="49" charset="-122"/>
+                <a:cs typeface="Calibri" pitchFamily="34" charset="0"/>
+              </a:rPr>
+              <a:t>start/end</a:t>
+            </a:r>
+            <a:r>
+              <a:rPr lang="zh-CN" altLang="en-US" sz="4400" dirty="0" smtClean="0">
+                <a:solidFill>
+                  <a:srgbClr val="FFFF00"/>
+                </a:solidFill>
+                <a:latin typeface="Calibri" pitchFamily="34" charset="0"/>
+                <a:ea typeface="隶书" pitchFamily="49" charset="-122"/>
+                <a:cs typeface="Calibri" pitchFamily="34" charset="0"/>
+              </a:rPr>
+              <a:t>按字节来算</a:t>
+            </a:r>
             <a:endParaRPr lang="en-US" altLang="zh-CN" sz="4400" dirty="0" smtClean="0">
               <a:solidFill>
                 <a:srgbClr val="FFFF00"/>
@@ -6554,13 +6306,7 @@
               <a:rPr lang="zh-CN" altLang="en-US" sz="5400" spc="-150" dirty="0" smtClean="0">
                 <a:effectLst/>
               </a:rPr>
-              <a:t>的</a:t>
-            </a:r>
-            <a:r>
-              <a:rPr lang="zh-CN" altLang="en-US" sz="5400" spc="-150" dirty="0" smtClean="0">
-                <a:effectLst/>
-              </a:rPr>
-              <a:t>指令</a:t>
+              <a:t>的命令</a:t>
             </a:r>
             <a:endParaRPr lang="zh-CN" altLang="en-US" sz="5400" spc="-150" dirty="0">
               <a:effectLst/>
@@ -6642,29 +6388,29 @@
                 <a:ea typeface="隶书" pitchFamily="49" charset="-122"/>
                 <a:cs typeface="Calibri" pitchFamily="34" charset="0"/>
               </a:rPr>
-              <a:t>mset</a:t>
-            </a:r>
-            <a:r>
-              <a:rPr lang="en-US" altLang="zh-CN" sz="4400" dirty="0" smtClean="0">
-                <a:solidFill>
-                  <a:srgbClr val="FFFF00"/>
-                </a:solidFill>
-                <a:latin typeface="Calibri" pitchFamily="34" charset="0"/>
-                <a:ea typeface="隶书" pitchFamily="49" charset="-122"/>
-                <a:cs typeface="Calibri" pitchFamily="34" charset="0"/>
-              </a:rPr>
-              <a:t> key value [key value …]</a:t>
-            </a:r>
-            <a:r>
-              <a:rPr lang="zh-CN" altLang="en-US" sz="4400" dirty="0" smtClean="0">
-                <a:solidFill>
-                  <a:srgbClr val="FFFF00"/>
-                </a:solidFill>
-                <a:latin typeface="Calibri" pitchFamily="34" charset="0"/>
-                <a:ea typeface="隶书" pitchFamily="49" charset="-122"/>
-                <a:cs typeface="Calibri" pitchFamily="34" charset="0"/>
-              </a:rPr>
-              <a:t>：一次设置多个</a:t>
+              <a:t>getset</a:t>
+            </a:r>
+            <a:r>
+              <a:rPr lang="en-US" altLang="zh-CN" sz="4400" dirty="0" smtClean="0">
+                <a:solidFill>
+                  <a:srgbClr val="FFFF00"/>
+                </a:solidFill>
+                <a:latin typeface="Calibri" pitchFamily="34" charset="0"/>
+                <a:ea typeface="隶书" pitchFamily="49" charset="-122"/>
+                <a:cs typeface="Calibri" pitchFamily="34" charset="0"/>
+              </a:rPr>
+              <a:t> key value</a:t>
+            </a:r>
+            <a:r>
+              <a:rPr lang="zh-CN" altLang="en-US" sz="4400" dirty="0" smtClean="0">
+                <a:solidFill>
+                  <a:srgbClr val="FFFF00"/>
+                </a:solidFill>
+                <a:latin typeface="Calibri" pitchFamily="34" charset="0"/>
+                <a:ea typeface="隶书" pitchFamily="49" charset="-122"/>
+                <a:cs typeface="Calibri" pitchFamily="34" charset="0"/>
+              </a:rPr>
+              <a:t>：先获取再设置</a:t>
             </a:r>
             <a:endParaRPr lang="en-US" altLang="zh-CN" sz="4400" dirty="0" smtClean="0">
               <a:solidFill>
@@ -6685,74 +6431,172 @@
                 <a:ea typeface="隶书" pitchFamily="49" charset="-122"/>
                 <a:cs typeface="Calibri" pitchFamily="34" charset="0"/>
               </a:rPr>
-              <a:t>msetnx</a:t>
-            </a:r>
-            <a:r>
-              <a:rPr lang="en-US" altLang="zh-CN" sz="4400" dirty="0" smtClean="0">
-                <a:solidFill>
-                  <a:srgbClr val="FFFF00"/>
-                </a:solidFill>
-                <a:latin typeface="Calibri" pitchFamily="34" charset="0"/>
-                <a:ea typeface="隶书" pitchFamily="49" charset="-122"/>
-                <a:cs typeface="Calibri" pitchFamily="34" charset="0"/>
-              </a:rPr>
-              <a:t> key value [key value…]</a:t>
-            </a:r>
-            <a:r>
-              <a:rPr lang="zh-CN" altLang="en-US" sz="4400" dirty="0" smtClean="0">
-                <a:solidFill>
-                  <a:srgbClr val="FFFF00"/>
-                </a:solidFill>
-                <a:latin typeface="Calibri" pitchFamily="34" charset="0"/>
-                <a:ea typeface="隶书" pitchFamily="49" charset="-122"/>
-                <a:cs typeface="Calibri" pitchFamily="34" charset="0"/>
-              </a:rPr>
-              <a:t>：一个设置多个，只有当这些</a:t>
-            </a:r>
-            <a:r>
-              <a:rPr lang="en-US" altLang="zh-CN" sz="4400" dirty="0" smtClean="0">
-                <a:solidFill>
-                  <a:srgbClr val="FFFF00"/>
-                </a:solidFill>
-                <a:latin typeface="Calibri" pitchFamily="34" charset="0"/>
-                <a:ea typeface="隶书" pitchFamily="49" charset="-122"/>
-                <a:cs typeface="Calibri" pitchFamily="34" charset="0"/>
-              </a:rPr>
-              <a:t>key</a:t>
-            </a:r>
-            <a:r>
-              <a:rPr lang="zh-CN" altLang="en-US" sz="4400" dirty="0" smtClean="0">
-                <a:solidFill>
-                  <a:srgbClr val="FFFF00"/>
-                </a:solidFill>
-                <a:latin typeface="Calibri" pitchFamily="34" charset="0"/>
-                <a:ea typeface="隶书" pitchFamily="49" charset="-122"/>
-                <a:cs typeface="Calibri" pitchFamily="34" charset="0"/>
-              </a:rPr>
-              <a:t>都不存在时才会成功，只要有一个</a:t>
-            </a:r>
-            <a:r>
-              <a:rPr lang="en-US" altLang="zh-CN" sz="4400" dirty="0" smtClean="0">
-                <a:solidFill>
-                  <a:srgbClr val="FFFF00"/>
-                </a:solidFill>
-                <a:latin typeface="Calibri" pitchFamily="34" charset="0"/>
-                <a:ea typeface="隶书" pitchFamily="49" charset="-122"/>
-                <a:cs typeface="Calibri" pitchFamily="34" charset="0"/>
-              </a:rPr>
-              <a:t>key</a:t>
-            </a:r>
-            <a:r>
-              <a:rPr lang="zh-CN" altLang="en-US" sz="4400" dirty="0" smtClean="0">
-                <a:solidFill>
-                  <a:srgbClr val="FFFF00"/>
-                </a:solidFill>
-                <a:latin typeface="Calibri" pitchFamily="34" charset="0"/>
-                <a:ea typeface="隶书" pitchFamily="49" charset="-122"/>
-                <a:cs typeface="Calibri" pitchFamily="34" charset="0"/>
-              </a:rPr>
-              <a:t>存在就都不成功</a:t>
-            </a:r>
+              <a:t>incr</a:t>
+            </a:r>
+            <a:r>
+              <a:rPr lang="en-US" altLang="zh-CN" sz="4400" dirty="0" smtClean="0">
+                <a:solidFill>
+                  <a:srgbClr val="FFFF00"/>
+                </a:solidFill>
+                <a:latin typeface="Calibri" pitchFamily="34" charset="0"/>
+                <a:ea typeface="隶书" pitchFamily="49" charset="-122"/>
+                <a:cs typeface="Calibri" pitchFamily="34" charset="0"/>
+              </a:rPr>
+              <a:t> key</a:t>
+            </a:r>
+            <a:r>
+              <a:rPr lang="zh-CN" altLang="en-US" sz="4400" dirty="0" smtClean="0">
+                <a:solidFill>
+                  <a:srgbClr val="FFFF00"/>
+                </a:solidFill>
+                <a:latin typeface="Calibri" pitchFamily="34" charset="0"/>
+                <a:ea typeface="隶书" pitchFamily="49" charset="-122"/>
+                <a:cs typeface="Calibri" pitchFamily="34" charset="0"/>
+              </a:rPr>
+              <a:t>：加</a:t>
+            </a:r>
+            <a:r>
+              <a:rPr lang="en-US" altLang="zh-CN" sz="4400" dirty="0" smtClean="0">
+                <a:solidFill>
+                  <a:srgbClr val="FFFF00"/>
+                </a:solidFill>
+                <a:latin typeface="Calibri" pitchFamily="34" charset="0"/>
+                <a:ea typeface="隶书" pitchFamily="49" charset="-122"/>
+                <a:cs typeface="Calibri" pitchFamily="34" charset="0"/>
+              </a:rPr>
+              <a:t>1</a:t>
+            </a:r>
+          </a:p>
+          <a:p>
+            <a:r>
+              <a:rPr lang="en-US" altLang="zh-CN" sz="4400" dirty="0" err="1" smtClean="0">
+                <a:solidFill>
+                  <a:srgbClr val="FFFF00"/>
+                </a:solidFill>
+                <a:latin typeface="Calibri" pitchFamily="34" charset="0"/>
+                <a:ea typeface="隶书" pitchFamily="49" charset="-122"/>
+                <a:cs typeface="Calibri" pitchFamily="34" charset="0"/>
+              </a:rPr>
+              <a:t>incrby</a:t>
+            </a:r>
+            <a:r>
+              <a:rPr lang="en-US" altLang="zh-CN" sz="4400" dirty="0" smtClean="0">
+                <a:solidFill>
+                  <a:srgbClr val="FFFF00"/>
+                </a:solidFill>
+                <a:latin typeface="Calibri" pitchFamily="34" charset="0"/>
+                <a:ea typeface="隶书" pitchFamily="49" charset="-122"/>
+                <a:cs typeface="Calibri" pitchFamily="34" charset="0"/>
+              </a:rPr>
+              <a:t> key num</a:t>
+            </a:r>
+            <a:r>
+              <a:rPr lang="zh-CN" altLang="en-US" sz="4400" dirty="0" smtClean="0">
+                <a:solidFill>
+                  <a:srgbClr val="FFFF00"/>
+                </a:solidFill>
+                <a:latin typeface="Calibri" pitchFamily="34" charset="0"/>
+                <a:ea typeface="隶书" pitchFamily="49" charset="-122"/>
+                <a:cs typeface="Calibri" pitchFamily="34" charset="0"/>
+              </a:rPr>
+              <a:t>：加指定整数值</a:t>
+            </a:r>
+            <a:endParaRPr lang="en-US" altLang="zh-CN" sz="4400" dirty="0" smtClean="0">
+              <a:solidFill>
+                <a:srgbClr val="FFFF00"/>
+              </a:solidFill>
+              <a:latin typeface="Calibri" pitchFamily="34" charset="0"/>
+              <a:ea typeface="隶书" pitchFamily="49" charset="-122"/>
+              <a:cs typeface="Calibri" pitchFamily="34" charset="0"/>
+            </a:endParaRPr>
+          </a:p>
+          <a:p>
+            <a:r>
+              <a:rPr lang="en-US" altLang="zh-CN" sz="4400" dirty="0" err="1" smtClean="0">
+                <a:solidFill>
+                  <a:srgbClr val="FFFF00"/>
+                </a:solidFill>
+                <a:latin typeface="Calibri" pitchFamily="34" charset="0"/>
+                <a:ea typeface="隶书" pitchFamily="49" charset="-122"/>
+                <a:cs typeface="Calibri" pitchFamily="34" charset="0"/>
+              </a:rPr>
+              <a:t>incrbyfloat</a:t>
+            </a:r>
+            <a:r>
+              <a:rPr lang="en-US" altLang="zh-CN" sz="4400" dirty="0" smtClean="0">
+                <a:solidFill>
+                  <a:srgbClr val="FFFF00"/>
+                </a:solidFill>
+                <a:latin typeface="Calibri" pitchFamily="34" charset="0"/>
+                <a:ea typeface="隶书" pitchFamily="49" charset="-122"/>
+                <a:cs typeface="Calibri" pitchFamily="34" charset="0"/>
+              </a:rPr>
+              <a:t> key num</a:t>
+            </a:r>
+            <a:r>
+              <a:rPr lang="zh-CN" altLang="en-US" sz="4400" dirty="0" smtClean="0">
+                <a:solidFill>
+                  <a:srgbClr val="FFFF00"/>
+                </a:solidFill>
+                <a:latin typeface="Calibri" pitchFamily="34" charset="0"/>
+                <a:ea typeface="隶书" pitchFamily="49" charset="-122"/>
+                <a:cs typeface="Calibri" pitchFamily="34" charset="0"/>
+              </a:rPr>
+              <a:t>：加浮点数</a:t>
+            </a:r>
+            <a:endParaRPr lang="en-US" altLang="zh-CN" sz="4400" dirty="0" smtClean="0">
+              <a:solidFill>
+                <a:srgbClr val="FFFF00"/>
+              </a:solidFill>
+              <a:latin typeface="Calibri" pitchFamily="34" charset="0"/>
+              <a:ea typeface="隶书" pitchFamily="49" charset="-122"/>
+              <a:cs typeface="Calibri" pitchFamily="34" charset="0"/>
+            </a:endParaRPr>
+          </a:p>
+          <a:p>
+            <a:r>
+              <a:rPr lang="en-US" altLang="zh-CN" sz="4400" dirty="0" err="1" smtClean="0">
+                <a:solidFill>
+                  <a:srgbClr val="FFFF00"/>
+                </a:solidFill>
+                <a:latin typeface="Calibri" pitchFamily="34" charset="0"/>
+                <a:ea typeface="隶书" pitchFamily="49" charset="-122"/>
+                <a:cs typeface="Calibri" pitchFamily="34" charset="0"/>
+              </a:rPr>
+              <a:t>mget</a:t>
+            </a:r>
+            <a:r>
+              <a:rPr lang="en-US" altLang="zh-CN" sz="4400" dirty="0" smtClean="0">
+                <a:solidFill>
+                  <a:srgbClr val="FFFF00"/>
+                </a:solidFill>
+                <a:latin typeface="Calibri" pitchFamily="34" charset="0"/>
+                <a:ea typeface="隶书" pitchFamily="49" charset="-122"/>
+                <a:cs typeface="Calibri" pitchFamily="34" charset="0"/>
+              </a:rPr>
+              <a:t> key [key …]</a:t>
+            </a:r>
+            <a:r>
+              <a:rPr lang="zh-CN" altLang="en-US" sz="4400" dirty="0" smtClean="0">
+                <a:solidFill>
+                  <a:srgbClr val="FFFF00"/>
+                </a:solidFill>
+                <a:latin typeface="Calibri" pitchFamily="34" charset="0"/>
+                <a:ea typeface="隶书" pitchFamily="49" charset="-122"/>
+                <a:cs typeface="Calibri" pitchFamily="34" charset="0"/>
+              </a:rPr>
+              <a:t>：一次获取多个</a:t>
+            </a:r>
+            <a:endParaRPr lang="en-US" altLang="zh-CN" sz="4400" dirty="0" smtClean="0">
+              <a:solidFill>
+                <a:srgbClr val="FFFF00"/>
+              </a:solidFill>
+              <a:latin typeface="Calibri" pitchFamily="34" charset="0"/>
+              <a:ea typeface="隶书" pitchFamily="49" charset="-122"/>
+              <a:cs typeface="Calibri" pitchFamily="34" charset="0"/>
+            </a:endParaRPr>
+          </a:p>
+          <a:p>
             <a:endParaRPr lang="en-US" altLang="zh-CN" sz="4400" dirty="0" smtClean="0">
               <a:solidFill>
                 <a:srgbClr val="FFFF00"/>
@@ -6829,13 +6673,7 @@
               <a:rPr lang="zh-CN" altLang="en-US" sz="5400" spc="-150" dirty="0" smtClean="0">
                 <a:effectLst/>
               </a:rPr>
-              <a:t>的</a:t>
-            </a:r>
-            <a:r>
-              <a:rPr lang="zh-CN" altLang="en-US" sz="5400" spc="-150" dirty="0" smtClean="0">
-                <a:effectLst/>
-              </a:rPr>
-              <a:t>指令</a:t>
+              <a:t>的命令</a:t>
             </a:r>
             <a:endParaRPr lang="zh-CN" altLang="en-US" sz="5400" spc="-150" dirty="0">
               <a:effectLst/>
@@ -6852,7 +6690,7 @@
         <p:spPr>
           <a:xfrm>
             <a:off x="142844" y="1714488"/>
-            <a:ext cx="8786874" cy="4154984"/>
+            <a:ext cx="8786874" cy="4832092"/>
           </a:xfrm>
           <a:prstGeom prst="rect">
             <a:avLst/>
@@ -6917,29 +6755,29 @@
                 <a:ea typeface="隶书" pitchFamily="49" charset="-122"/>
                 <a:cs typeface="Calibri" pitchFamily="34" charset="0"/>
               </a:rPr>
-              <a:t>psetex</a:t>
-            </a:r>
-            <a:r>
-              <a:rPr lang="en-US" altLang="zh-CN" sz="4400" dirty="0" smtClean="0">
-                <a:solidFill>
-                  <a:srgbClr val="FFFF00"/>
-                </a:solidFill>
-                <a:latin typeface="Calibri" pitchFamily="34" charset="0"/>
-                <a:ea typeface="隶书" pitchFamily="49" charset="-122"/>
-                <a:cs typeface="Calibri" pitchFamily="34" charset="0"/>
-              </a:rPr>
-              <a:t> key ms value</a:t>
-            </a:r>
-            <a:r>
-              <a:rPr lang="zh-CN" altLang="en-US" sz="4400" dirty="0" smtClean="0">
-                <a:solidFill>
-                  <a:srgbClr val="FFFF00"/>
-                </a:solidFill>
-                <a:latin typeface="Calibri" pitchFamily="34" charset="0"/>
-                <a:ea typeface="隶书" pitchFamily="49" charset="-122"/>
-                <a:cs typeface="Calibri" pitchFamily="34" charset="0"/>
-              </a:rPr>
-              <a:t>：带有毫秒超时时间的设置</a:t>
+              <a:t>mset</a:t>
+            </a:r>
+            <a:r>
+              <a:rPr lang="en-US" altLang="zh-CN" sz="4400" dirty="0" smtClean="0">
+                <a:solidFill>
+                  <a:srgbClr val="FFFF00"/>
+                </a:solidFill>
+                <a:latin typeface="Calibri" pitchFamily="34" charset="0"/>
+                <a:ea typeface="隶书" pitchFamily="49" charset="-122"/>
+                <a:cs typeface="Calibri" pitchFamily="34" charset="0"/>
+              </a:rPr>
+              <a:t> key value [key value …]</a:t>
+            </a:r>
+            <a:r>
+              <a:rPr lang="zh-CN" altLang="en-US" sz="4400" dirty="0" smtClean="0">
+                <a:solidFill>
+                  <a:srgbClr val="FFFF00"/>
+                </a:solidFill>
+                <a:latin typeface="Calibri" pitchFamily="34" charset="0"/>
+                <a:ea typeface="隶书" pitchFamily="49" charset="-122"/>
+                <a:cs typeface="Calibri" pitchFamily="34" charset="0"/>
+              </a:rPr>
+              <a:t>：一次设置多个</a:t>
             </a:r>
             <a:endParaRPr lang="en-US" altLang="zh-CN" sz="4400" dirty="0" smtClean="0">
               <a:solidFill>
@@ -6952,38 +6790,6 @@
           </a:p>
           <a:p>
             <a:r>
-              <a:rPr lang="en-US" altLang="zh-CN" sz="4400" dirty="0" smtClean="0">
-                <a:solidFill>
-                  <a:srgbClr val="FFFF00"/>
-                </a:solidFill>
-                <a:latin typeface="Calibri" pitchFamily="34" charset="0"/>
-                <a:ea typeface="隶书" pitchFamily="49" charset="-122"/>
-                <a:cs typeface="Calibri" pitchFamily="34" charset="0"/>
-              </a:rPr>
-              <a:t>set key value</a:t>
-            </a:r>
-            <a:r>
-              <a:rPr lang="zh-CN" altLang="en-US" sz="4400" dirty="0" smtClean="0">
-                <a:solidFill>
-                  <a:srgbClr val="FFFF00"/>
-                </a:solidFill>
-                <a:latin typeface="Calibri" pitchFamily="34" charset="0"/>
-                <a:ea typeface="隶书" pitchFamily="49" charset="-122"/>
-                <a:cs typeface="Calibri" pitchFamily="34" charset="0"/>
-              </a:rPr>
-              <a:t>：设置</a:t>
-            </a:r>
-            <a:endParaRPr lang="en-US" altLang="zh-CN" sz="4400" dirty="0" smtClean="0">
-              <a:solidFill>
-                <a:srgbClr val="FFFF00"/>
-              </a:solidFill>
-              <a:latin typeface="Calibri" pitchFamily="34" charset="0"/>
-              <a:ea typeface="隶书" pitchFamily="49" charset="-122"/>
-              <a:cs typeface="Calibri" pitchFamily="34" charset="0"/>
-            </a:endParaRPr>
-          </a:p>
-          <a:p>
-            <a:r>
               <a:rPr lang="en-US" altLang="zh-CN" sz="4400" dirty="0" err="1" smtClean="0">
                 <a:solidFill>
                   <a:srgbClr val="FFFF00"/>
@@ -6992,29 +6798,95 @@
                 <a:ea typeface="隶书" pitchFamily="49" charset="-122"/>
                 <a:cs typeface="Calibri" pitchFamily="34" charset="0"/>
               </a:rPr>
-              <a:t>setex</a:t>
-            </a:r>
-            <a:r>
-              <a:rPr lang="en-US" altLang="zh-CN" sz="4400" dirty="0" smtClean="0">
-                <a:solidFill>
-                  <a:srgbClr val="FFFF00"/>
-                </a:solidFill>
-                <a:latin typeface="Calibri" pitchFamily="34" charset="0"/>
-                <a:ea typeface="隶书" pitchFamily="49" charset="-122"/>
-                <a:cs typeface="Calibri" pitchFamily="34" charset="0"/>
-              </a:rPr>
-              <a:t> key s value</a:t>
-            </a:r>
-            <a:r>
-              <a:rPr lang="zh-CN" altLang="en-US" sz="4400" dirty="0" smtClean="0">
-                <a:solidFill>
-                  <a:srgbClr val="FFFF00"/>
-                </a:solidFill>
-                <a:latin typeface="Calibri" pitchFamily="34" charset="0"/>
-                <a:ea typeface="隶书" pitchFamily="49" charset="-122"/>
-                <a:cs typeface="Calibri" pitchFamily="34" charset="0"/>
-              </a:rPr>
-              <a:t>：带有秒超时时间的设置</a:t>
+              <a:t>msetnx</a:t>
+            </a:r>
+            <a:r>
+              <a:rPr lang="en-US" altLang="zh-CN" sz="4400" dirty="0" smtClean="0">
+                <a:solidFill>
+                  <a:srgbClr val="FFFF00"/>
+                </a:solidFill>
+                <a:latin typeface="Calibri" pitchFamily="34" charset="0"/>
+                <a:ea typeface="隶书" pitchFamily="49" charset="-122"/>
+                <a:cs typeface="Calibri" pitchFamily="34" charset="0"/>
+              </a:rPr>
+              <a:t> key value [key value…]</a:t>
+            </a:r>
+            <a:r>
+              <a:rPr lang="zh-CN" altLang="en-US" sz="4400" dirty="0" smtClean="0">
+                <a:solidFill>
+                  <a:srgbClr val="FFFF00"/>
+                </a:solidFill>
+                <a:latin typeface="Calibri" pitchFamily="34" charset="0"/>
+                <a:ea typeface="隶书" pitchFamily="49" charset="-122"/>
+                <a:cs typeface="Calibri" pitchFamily="34" charset="0"/>
+              </a:rPr>
+              <a:t>：</a:t>
+            </a:r>
+            <a:r>
+              <a:rPr lang="zh-CN" altLang="en-US" sz="4400" dirty="0" smtClean="0">
+                <a:solidFill>
+                  <a:srgbClr val="FFFF00"/>
+                </a:solidFill>
+                <a:latin typeface="Calibri" pitchFamily="34" charset="0"/>
+                <a:ea typeface="隶书" pitchFamily="49" charset="-122"/>
+                <a:cs typeface="Calibri" pitchFamily="34" charset="0"/>
+              </a:rPr>
+              <a:t>一次设置</a:t>
+            </a:r>
+            <a:r>
+              <a:rPr lang="zh-CN" altLang="en-US" sz="4400" dirty="0" smtClean="0">
+                <a:solidFill>
+                  <a:srgbClr val="FFFF00"/>
+                </a:solidFill>
+                <a:latin typeface="Calibri" pitchFamily="34" charset="0"/>
+                <a:ea typeface="隶书" pitchFamily="49" charset="-122"/>
+                <a:cs typeface="Calibri" pitchFamily="34" charset="0"/>
+              </a:rPr>
+              <a:t>多个，只有当这些</a:t>
+            </a:r>
+            <a:r>
+              <a:rPr lang="en-US" altLang="zh-CN" sz="4400" dirty="0" smtClean="0">
+                <a:solidFill>
+                  <a:srgbClr val="FFFF00"/>
+                </a:solidFill>
+                <a:latin typeface="Calibri" pitchFamily="34" charset="0"/>
+                <a:ea typeface="隶书" pitchFamily="49" charset="-122"/>
+                <a:cs typeface="Calibri" pitchFamily="34" charset="0"/>
+              </a:rPr>
+              <a:t>key</a:t>
+            </a:r>
+            <a:r>
+              <a:rPr lang="zh-CN" altLang="en-US" sz="4400" dirty="0" smtClean="0">
+                <a:solidFill>
+                  <a:srgbClr val="FFFF00"/>
+                </a:solidFill>
+                <a:latin typeface="Calibri" pitchFamily="34" charset="0"/>
+                <a:ea typeface="隶书" pitchFamily="49" charset="-122"/>
+                <a:cs typeface="Calibri" pitchFamily="34" charset="0"/>
+              </a:rPr>
+              <a:t>都不存在时才会成功，只要有一个</a:t>
+            </a:r>
+            <a:r>
+              <a:rPr lang="en-US" altLang="zh-CN" sz="4400" dirty="0" smtClean="0">
+                <a:solidFill>
+                  <a:srgbClr val="FFFF00"/>
+                </a:solidFill>
+                <a:latin typeface="Calibri" pitchFamily="34" charset="0"/>
+                <a:ea typeface="隶书" pitchFamily="49" charset="-122"/>
+                <a:cs typeface="Calibri" pitchFamily="34" charset="0"/>
+              </a:rPr>
+              <a:t>key</a:t>
+            </a:r>
+            <a:r>
+              <a:rPr lang="zh-CN" altLang="en-US" sz="4400" dirty="0" smtClean="0">
+                <a:solidFill>
+                  <a:srgbClr val="FFFF00"/>
+                </a:solidFill>
+                <a:latin typeface="Calibri" pitchFamily="34" charset="0"/>
+                <a:ea typeface="隶书" pitchFamily="49" charset="-122"/>
+                <a:cs typeface="Calibri" pitchFamily="34" charset="0"/>
+              </a:rPr>
+              <a:t>存在就都不成功</a:t>
             </a:r>
             <a:endParaRPr lang="en-US" altLang="zh-CN" sz="4400" dirty="0" smtClean="0">
               <a:solidFill>
@@ -7083,16 +6955,10 @@
           <a:p>
             <a:pPr algn="just"/>
             <a:r>
-              <a:rPr lang="en-US" altLang="zh-CN" sz="5400" spc="-150" dirty="0" err="1" smtClean="0">
-                <a:effectLst/>
-              </a:rPr>
-              <a:t>Redis</a:t>
-            </a:r>
-            <a:r>
               <a:rPr lang="zh-CN" altLang="en-US" sz="5400" spc="-150" dirty="0" smtClean="0">
                 <a:effectLst/>
               </a:rPr>
-              <a:t>简介</a:t>
+              <a:t>视角问题</a:t>
             </a:r>
             <a:endParaRPr lang="zh-CN" altLang="en-US" sz="5400" spc="-150" dirty="0">
               <a:effectLst/>
@@ -7109,7 +6975,7 @@
         <p:spPr>
           <a:xfrm>
             <a:off x="142844" y="1714488"/>
-            <a:ext cx="7358114" cy="3477875"/>
+            <a:ext cx="7358114" cy="2123658"/>
           </a:xfrm>
           <a:prstGeom prst="rect">
             <a:avLst/>
@@ -7123,28 +6989,28 @@
           <a:lstStyle/>
           <a:p>
             <a:r>
-              <a:rPr lang="en-US" altLang="zh-CN" sz="4400" dirty="0" smtClean="0">
-                <a:solidFill>
-                  <a:srgbClr val="FFFF00"/>
-                </a:solidFill>
-                <a:latin typeface="Calibri" pitchFamily="34" charset="0"/>
-                <a:ea typeface="隶书" pitchFamily="49" charset="-122"/>
-                <a:cs typeface="Calibri" pitchFamily="34" charset="0"/>
-              </a:rPr>
-              <a:t>Remote Dictionary Server</a:t>
-            </a:r>
-          </a:p>
-          <a:p>
-            <a:r>
-              <a:rPr lang="en-US" altLang="zh-CN" sz="4400" dirty="0" smtClean="0">
+              <a:rPr lang="zh-CN" altLang="en-US" sz="4400" dirty="0" smtClean="0">
                 <a:solidFill>
                   <a:srgbClr val="FFFF00"/>
                 </a:solidFill>
                 <a:latin typeface="隶书" pitchFamily="49" charset="-122"/>
                 <a:ea typeface="隶书" pitchFamily="49" charset="-122"/>
               </a:rPr>
-              <a:t>(</a:t>
-            </a:r>
+              <a:t>用户：</a:t>
+            </a:r>
+            <a:r>
+              <a:rPr lang="en-US" altLang="zh-CN" sz="4400" dirty="0" smtClean="0">
+                <a:solidFill>
+                  <a:srgbClr val="FFFF00"/>
+                </a:solidFill>
+                <a:latin typeface="Calibri" pitchFamily="34" charset="0"/>
+                <a:ea typeface="隶书" pitchFamily="49" charset="-122"/>
+                <a:cs typeface="Calibri" pitchFamily="34" charset="0"/>
+              </a:rPr>
+              <a:t>user</a:t>
+            </a:r>
+          </a:p>
+          <a:p>
             <a:r>
               <a:rPr lang="zh-CN" altLang="en-US" sz="4400" dirty="0" smtClean="0">
                 <a:solidFill>
@@ -7153,128 +7019,52 @@
                 <a:latin typeface="隶书" pitchFamily="49" charset="-122"/>
                 <a:ea typeface="隶书" pitchFamily="49" charset="-122"/>
               </a:rPr>
-              <a:t>远程字典服务器</a:t>
-            </a:r>
-            <a:r>
-              <a:rPr lang="en-US" altLang="zh-CN" sz="4400" dirty="0" smtClean="0">
+              <a:t>开发</a:t>
+            </a:r>
+            <a:r>
+              <a:rPr lang="zh-CN" altLang="en-US" sz="4400" dirty="0" smtClean="0">
                 <a:solidFill>
                   <a:srgbClr val="FFFF00"/>
                 </a:solidFill>
                 <a:latin typeface="隶书" pitchFamily="49" charset="-122"/>
                 <a:ea typeface="隶书" pitchFamily="49" charset="-122"/>
               </a:rPr>
-              <a:t>)</a:t>
-            </a:r>
-          </a:p>
-          <a:p>
-            <a:r>
-              <a:rPr lang="en-US" altLang="zh-CN" sz="4400" dirty="0" smtClean="0">
+              <a:t>者：</a:t>
+            </a:r>
+            <a:r>
+              <a:rPr lang="en-US" altLang="zh-CN" sz="4400" dirty="0" smtClean="0">
+                <a:solidFill>
+                  <a:srgbClr val="FFFF00"/>
+                </a:solidFill>
+                <a:latin typeface="Calibri" pitchFamily="34" charset="0"/>
+                <a:ea typeface="隶书" pitchFamily="49" charset="-122"/>
+                <a:cs typeface="Calibri" pitchFamily="34" charset="0"/>
+              </a:rPr>
+              <a:t>developer</a:t>
+            </a:r>
+          </a:p>
+          <a:p>
+            <a:r>
+              <a:rPr lang="zh-CN" altLang="en-US" sz="4400" dirty="0" smtClean="0">
                 <a:solidFill>
                   <a:srgbClr val="FFFF00"/>
                 </a:solidFill>
                 <a:latin typeface="隶书" pitchFamily="49" charset="-122"/>
                 <a:ea typeface="隶书" pitchFamily="49" charset="-122"/>
-                <a:cs typeface="Calibri" pitchFamily="34" charset="0"/>
-              </a:rPr>
-              <a:t>(</a:t>
-            </a:r>
-            <a:r>
-              <a:rPr lang="en-US" altLang="zh-CN" sz="4400" dirty="0" smtClean="0">
-                <a:solidFill>
-                  <a:srgbClr val="FFFF00"/>
-                </a:solidFill>
-                <a:latin typeface="Calibri" pitchFamily="34" charset="0"/>
-                <a:cs typeface="Calibri" pitchFamily="34" charset="0"/>
-              </a:rPr>
-              <a:t>Dictionary==Map</a:t>
-            </a:r>
-            <a:r>
-              <a:rPr lang="en-US" altLang="zh-CN" sz="4400" dirty="0" smtClean="0">
-                <a:solidFill>
-                  <a:srgbClr val="FFFF00"/>
-                </a:solidFill>
-                <a:latin typeface="隶书" pitchFamily="49" charset="-122"/>
-                <a:ea typeface="隶书" pitchFamily="49" charset="-122"/>
-                <a:cs typeface="Calibri" pitchFamily="34" charset="0"/>
-              </a:rPr>
-              <a:t>)</a:t>
-            </a:r>
-            <a:endParaRPr lang="en-US" altLang="zh-CN" sz="4400" dirty="0" smtClean="0">
-              <a:solidFill>
-                <a:srgbClr val="FFFF00"/>
-              </a:solidFill>
-              <a:latin typeface="隶书" pitchFamily="49" charset="-122"/>
-              <a:ea typeface="隶书" pitchFamily="49" charset="-122"/>
-            </a:endParaRPr>
-          </a:p>
-          <a:p>
-            <a:r>
-              <a:rPr lang="en-US" altLang="zh-CN" sz="4400" dirty="0" smtClean="0">
-                <a:solidFill>
-                  <a:srgbClr val="FFFF00"/>
-                </a:solidFill>
-                <a:latin typeface="隶书" pitchFamily="49" charset="-122"/>
-                <a:ea typeface="隶书" pitchFamily="49" charset="-122"/>
-              </a:rPr>
-              <a:t>C</a:t>
-            </a:r>
-            <a:r>
-              <a:rPr lang="zh-CN" altLang="en-US" sz="4400" dirty="0" smtClean="0">
-                <a:solidFill>
-                  <a:srgbClr val="FFFF00"/>
-                </a:solidFill>
-                <a:latin typeface="隶书" pitchFamily="49" charset="-122"/>
-                <a:ea typeface="隶书" pitchFamily="49" charset="-122"/>
-              </a:rPr>
-              <a:t>语言写的</a:t>
-            </a:r>
-            <a:endParaRPr lang="en-US" altLang="zh-CN" sz="4400" dirty="0" smtClean="0">
-              <a:solidFill>
-                <a:srgbClr val="FFFF00"/>
-              </a:solidFill>
-              <a:latin typeface="隶书" pitchFamily="49" charset="-122"/>
-              <a:ea typeface="隶书" pitchFamily="49" charset="-122"/>
-            </a:endParaRPr>
-          </a:p>
-          <a:p>
-            <a:r>
-              <a:rPr lang="zh-CN" altLang="en-US" sz="4400" dirty="0" smtClean="0">
-                <a:solidFill>
-                  <a:srgbClr val="FFFF00"/>
-                </a:solidFill>
-                <a:latin typeface="隶书" pitchFamily="49" charset="-122"/>
-                <a:ea typeface="隶书" pitchFamily="49" charset="-122"/>
-              </a:rPr>
-              <a:t>高性能</a:t>
-            </a:r>
-            <a:r>
-              <a:rPr lang="en-US" altLang="zh-CN" sz="4400" dirty="0" smtClean="0">
-                <a:solidFill>
-                  <a:srgbClr val="FFFF00"/>
-                </a:solidFill>
-                <a:latin typeface="Calibri" pitchFamily="34" charset="0"/>
-                <a:ea typeface="隶书" pitchFamily="49" charset="-122"/>
-                <a:cs typeface="Calibri" pitchFamily="34" charset="0"/>
-              </a:rPr>
-              <a:t>key-value</a:t>
-            </a:r>
-            <a:r>
-              <a:rPr lang="zh-CN" altLang="en-US" sz="4400" dirty="0" smtClean="0">
-                <a:solidFill>
-                  <a:srgbClr val="FFFF00"/>
-                </a:solidFill>
-                <a:latin typeface="隶书" pitchFamily="49" charset="-122"/>
-                <a:ea typeface="隶书" pitchFamily="49" charset="-122"/>
-              </a:rPr>
-              <a:t>存储系统</a:t>
-            </a:r>
-            <a:endParaRPr lang="en-US" altLang="zh-CN" sz="4400" dirty="0" smtClean="0">
-              <a:solidFill>
-                <a:srgbClr val="FFFF00"/>
-              </a:solidFill>
-              <a:latin typeface="隶书" pitchFamily="49" charset="-122"/>
-              <a:ea typeface="隶书" pitchFamily="49" charset="-122"/>
-            </a:endParaRPr>
+              </a:rPr>
+              <a:t>管理员：</a:t>
+            </a:r>
+            <a:r>
+              <a:rPr lang="en-US" altLang="zh-CN" sz="4400" dirty="0" smtClean="0">
+                <a:solidFill>
+                  <a:srgbClr val="FFFF00"/>
+                </a:solidFill>
+                <a:latin typeface="Calibri" pitchFamily="34" charset="0"/>
+                <a:ea typeface="隶书" pitchFamily="49" charset="-122"/>
+                <a:cs typeface="Calibri" pitchFamily="34" charset="0"/>
+              </a:rPr>
+              <a:t>administrator</a:t>
+            </a:r>
           </a:p>
         </p:txBody>
       </p:sp>
@@ -7343,13 +7133,7 @@
               <a:rPr lang="zh-CN" altLang="en-US" sz="5400" spc="-150" dirty="0" smtClean="0">
                 <a:effectLst/>
               </a:rPr>
-              <a:t>的</a:t>
-            </a:r>
-            <a:r>
-              <a:rPr lang="zh-CN" altLang="en-US" sz="5400" spc="-150" dirty="0" smtClean="0">
-                <a:effectLst/>
-              </a:rPr>
-              <a:t>指令</a:t>
+              <a:t>的命令</a:t>
             </a:r>
             <a:endParaRPr lang="zh-CN" altLang="en-US" sz="5400" spc="-150" dirty="0">
               <a:effectLst/>
@@ -7431,29 +7215,29 @@
                 <a:ea typeface="隶书" pitchFamily="49" charset="-122"/>
                 <a:cs typeface="Calibri" pitchFamily="34" charset="0"/>
               </a:rPr>
-              <a:t>setnx</a:t>
-            </a:r>
-            <a:r>
-              <a:rPr lang="en-US" altLang="zh-CN" sz="4400" dirty="0" smtClean="0">
-                <a:solidFill>
-                  <a:srgbClr val="FFFF00"/>
-                </a:solidFill>
-                <a:latin typeface="Calibri" pitchFamily="34" charset="0"/>
-                <a:ea typeface="隶书" pitchFamily="49" charset="-122"/>
-                <a:cs typeface="Calibri" pitchFamily="34" charset="0"/>
-              </a:rPr>
-              <a:t> key value</a:t>
-            </a:r>
-            <a:r>
-              <a:rPr lang="zh-CN" altLang="en-US" sz="4400" dirty="0" smtClean="0">
-                <a:solidFill>
-                  <a:srgbClr val="FFFF00"/>
-                </a:solidFill>
-                <a:latin typeface="Calibri" pitchFamily="34" charset="0"/>
-                <a:ea typeface="隶书" pitchFamily="49" charset="-122"/>
-                <a:cs typeface="Calibri" pitchFamily="34" charset="0"/>
-              </a:rPr>
-              <a:t>：不存在时才设置</a:t>
+              <a:t>psetex</a:t>
+            </a:r>
+            <a:r>
+              <a:rPr lang="en-US" altLang="zh-CN" sz="4400" dirty="0" smtClean="0">
+                <a:solidFill>
+                  <a:srgbClr val="FFFF00"/>
+                </a:solidFill>
+                <a:latin typeface="Calibri" pitchFamily="34" charset="0"/>
+                <a:ea typeface="隶书" pitchFamily="49" charset="-122"/>
+                <a:cs typeface="Calibri" pitchFamily="34" charset="0"/>
+              </a:rPr>
+              <a:t> key ms value</a:t>
+            </a:r>
+            <a:r>
+              <a:rPr lang="zh-CN" altLang="en-US" sz="4400" dirty="0" smtClean="0">
+                <a:solidFill>
+                  <a:srgbClr val="FFFF00"/>
+                </a:solidFill>
+                <a:latin typeface="Calibri" pitchFamily="34" charset="0"/>
+                <a:ea typeface="隶书" pitchFamily="49" charset="-122"/>
+                <a:cs typeface="Calibri" pitchFamily="34" charset="0"/>
+              </a:rPr>
+              <a:t>：带有毫秒超时时间的设置</a:t>
             </a:r>
             <a:endParaRPr lang="en-US" altLang="zh-CN" sz="4400" dirty="0" smtClean="0">
               <a:solidFill>
@@ -7466,59 +7250,26 @@
           </a:p>
           <a:p>
             <a:r>
-              <a:rPr lang="en-US" altLang="zh-CN" sz="4400" dirty="0" err="1" smtClean="0">
-                <a:solidFill>
-                  <a:srgbClr val="FFFF00"/>
-                </a:solidFill>
-                <a:latin typeface="Calibri" pitchFamily="34" charset="0"/>
-                <a:ea typeface="隶书" pitchFamily="49" charset="-122"/>
-                <a:cs typeface="Calibri" pitchFamily="34" charset="0"/>
-              </a:rPr>
-              <a:t>setrange</a:t>
-            </a:r>
-            <a:r>
-              <a:rPr lang="en-US" altLang="zh-CN" sz="4400" dirty="0" smtClean="0">
-                <a:solidFill>
-                  <a:srgbClr val="FFFF00"/>
-                </a:solidFill>
-                <a:latin typeface="Calibri" pitchFamily="34" charset="0"/>
-                <a:ea typeface="隶书" pitchFamily="49" charset="-122"/>
-                <a:cs typeface="Calibri" pitchFamily="34" charset="0"/>
-              </a:rPr>
-              <a:t> key offset value</a:t>
-            </a:r>
-            <a:r>
-              <a:rPr lang="zh-CN" altLang="en-US" sz="4400" dirty="0" smtClean="0">
-                <a:solidFill>
-                  <a:srgbClr val="FFFF00"/>
-                </a:solidFill>
-                <a:latin typeface="Calibri" pitchFamily="34" charset="0"/>
-                <a:ea typeface="隶书" pitchFamily="49" charset="-122"/>
-                <a:cs typeface="Calibri" pitchFamily="34" charset="0"/>
-              </a:rPr>
-              <a:t>：用指定值覆盖指定偏移量后面的部分，</a:t>
-            </a:r>
-            <a:r>
-              <a:rPr lang="en-US" altLang="zh-CN" sz="4400" dirty="0" smtClean="0">
-                <a:solidFill>
-                  <a:srgbClr val="FFFF00"/>
-                </a:solidFill>
-                <a:latin typeface="Calibri" pitchFamily="34" charset="0"/>
-                <a:ea typeface="隶书" pitchFamily="49" charset="-122"/>
-                <a:cs typeface="Calibri" pitchFamily="34" charset="0"/>
-              </a:rPr>
-              <a:t>offset</a:t>
-            </a:r>
-            <a:r>
-              <a:rPr lang="zh-CN" altLang="en-US" sz="4400" dirty="0" smtClean="0">
-                <a:solidFill>
-                  <a:srgbClr val="FFFF00"/>
-                </a:solidFill>
-                <a:latin typeface="Calibri" pitchFamily="34" charset="0"/>
-                <a:ea typeface="隶书" pitchFamily="49" charset="-122"/>
-                <a:cs typeface="Calibri" pitchFamily="34" charset="0"/>
-              </a:rPr>
-              <a:t>按字节来算</a:t>
+              <a:rPr lang="en-US" altLang="zh-CN" sz="4400" dirty="0" smtClean="0">
+                <a:solidFill>
+                  <a:srgbClr val="FFFF00"/>
+                </a:solidFill>
+                <a:latin typeface="Calibri" pitchFamily="34" charset="0"/>
+                <a:ea typeface="隶书" pitchFamily="49" charset="-122"/>
+                <a:cs typeface="Calibri" pitchFamily="34" charset="0"/>
+              </a:rPr>
+              <a:t>set key value</a:t>
+            </a:r>
+            <a:r>
+              <a:rPr lang="zh-CN" altLang="en-US" sz="4400" dirty="0" smtClean="0">
+                <a:solidFill>
+                  <a:srgbClr val="FFFF00"/>
+                </a:solidFill>
+                <a:latin typeface="Calibri" pitchFamily="34" charset="0"/>
+                <a:ea typeface="隶书" pitchFamily="49" charset="-122"/>
+                <a:cs typeface="Calibri" pitchFamily="34" charset="0"/>
+              </a:rPr>
+              <a:t>：设置</a:t>
             </a:r>
             <a:endParaRPr lang="en-US" altLang="zh-CN" sz="4400" dirty="0" smtClean="0">
               <a:solidFill>
@@ -7539,6 +7290,296 @@
                 <a:ea typeface="隶书" pitchFamily="49" charset="-122"/>
                 <a:cs typeface="Calibri" pitchFamily="34" charset="0"/>
               </a:rPr>
+              <a:t>setex</a:t>
+            </a:r>
+            <a:r>
+              <a:rPr lang="en-US" altLang="zh-CN" sz="4400" dirty="0" smtClean="0">
+                <a:solidFill>
+                  <a:srgbClr val="FFFF00"/>
+                </a:solidFill>
+                <a:latin typeface="Calibri" pitchFamily="34" charset="0"/>
+                <a:ea typeface="隶书" pitchFamily="49" charset="-122"/>
+                <a:cs typeface="Calibri" pitchFamily="34" charset="0"/>
+              </a:rPr>
+              <a:t> key s value</a:t>
+            </a:r>
+            <a:r>
+              <a:rPr lang="zh-CN" altLang="en-US" sz="4400" dirty="0" smtClean="0">
+                <a:solidFill>
+                  <a:srgbClr val="FFFF00"/>
+                </a:solidFill>
+                <a:latin typeface="Calibri" pitchFamily="34" charset="0"/>
+                <a:ea typeface="隶书" pitchFamily="49" charset="-122"/>
+                <a:cs typeface="Calibri" pitchFamily="34" charset="0"/>
+              </a:rPr>
+              <a:t>：带有秒超时时间的设置</a:t>
+            </a:r>
+            <a:endParaRPr lang="en-US" altLang="zh-CN" sz="4400" dirty="0" smtClean="0">
+              <a:solidFill>
+                <a:srgbClr val="FFFF00"/>
+              </a:solidFill>
+              <a:latin typeface="Calibri" pitchFamily="34" charset="0"/>
+              <a:ea typeface="隶书" pitchFamily="49" charset="-122"/>
+              <a:cs typeface="Calibri" pitchFamily="34" charset="0"/>
+            </a:endParaRPr>
+          </a:p>
+        </p:txBody>
+      </p:sp>
+    </p:spTree>
+  </p:cSld>
+  <p:clrMapOvr>
+    <a:masterClrMapping/>
+  </p:clrMapOvr>
+  <p:timing>
+    <p:tnLst>
+      <p:par>
+        <p:cTn id="1" dur="indefinite" restart="never" nodeType="tmRoot"/>
+      </p:par>
+    </p:tnLst>
+  </p:timing>
+</p:sld>
+</file>
+
+<file path=ppt/slides/slide21.xml><?xml version="1.0" encoding="utf-8"?>
+<p:sld xmlns:a="http://schemas.openxmlformats.org/drawingml/2006/main" xmlns:r="http://schemas.openxmlformats.org/officeDocument/2006/relationships" xmlns:p="http://schemas.openxmlformats.org/presentationml/2006/main">
+  <p:cSld>
+    <p:spTree>
+      <p:nvGrpSpPr>
+        <p:cNvPr id="1" name=""/>
+        <p:cNvGrpSpPr/>
+        <p:nvPr/>
+      </p:nvGrpSpPr>
+      <p:grpSpPr>
+        <a:xfrm>
+          <a:off x="0" y="0"/>
+          <a:ext cx="0" cy="0"/>
+          <a:chOff x="0" y="0"/>
+          <a:chExt cx="0" cy="0"/>
+        </a:xfrm>
+      </p:grpSpPr>
+      <p:sp>
+        <p:nvSpPr>
+          <p:cNvPr id="2" name="标题 1"/>
+          <p:cNvSpPr>
+            <a:spLocks noGrp="1"/>
+          </p:cNvSpPr>
+          <p:nvPr>
+            <p:ph type="ctrTitle"/>
+          </p:nvPr>
+        </p:nvSpPr>
+        <p:spPr>
+          <a:xfrm>
+            <a:off x="214282" y="857232"/>
+            <a:ext cx="8929718" cy="785818"/>
+          </a:xfrm>
+        </p:spPr>
+        <p:txBody>
+          <a:bodyPr anchor="ctr">
+            <a:noAutofit/>
+          </a:bodyPr>
+          <a:lstStyle/>
+          <a:p>
+            <a:pPr algn="just"/>
+            <a:r>
+              <a:rPr lang="en-US" altLang="zh-CN" sz="5400" spc="-150" dirty="0" err="1" smtClean="0">
+                <a:effectLst/>
+              </a:rPr>
+              <a:t>Redis</a:t>
+            </a:r>
+            <a:r>
+              <a:rPr lang="zh-CN" altLang="en-US" sz="5400" spc="-150" dirty="0" smtClean="0">
+                <a:effectLst/>
+              </a:rPr>
+              <a:t>的命令</a:t>
+            </a:r>
+            <a:endParaRPr lang="zh-CN" altLang="en-US" sz="5400" spc="-150" dirty="0">
+              <a:effectLst/>
+            </a:endParaRPr>
+          </a:p>
+        </p:txBody>
+      </p:sp>
+      <p:sp>
+        <p:nvSpPr>
+          <p:cNvPr id="4" name="TextBox 3"/>
+          <p:cNvSpPr txBox="1"/>
+          <p:nvPr/>
+        </p:nvSpPr>
+        <p:spPr>
+          <a:xfrm>
+            <a:off x="142844" y="1714488"/>
+            <a:ext cx="8786874" cy="4154984"/>
+          </a:xfrm>
+          <a:prstGeom prst="rect">
+            <a:avLst/>
+          </a:prstGeom>
+          <a:noFill/>
+        </p:spPr>
+        <p:txBody>
+          <a:bodyPr wrap="square" rtlCol="0">
+            <a:spAutoFit/>
+          </a:bodyPr>
+          <a:lstStyle/>
+          <a:p>
+            <a:r>
+              <a:rPr lang="zh-CN" altLang="en-US" sz="4400" dirty="0" smtClean="0">
+                <a:solidFill>
+                  <a:srgbClr val="FFFF00"/>
+                </a:solidFill>
+                <a:latin typeface="Calibri" pitchFamily="34" charset="0"/>
+                <a:ea typeface="隶书" pitchFamily="49" charset="-122"/>
+                <a:cs typeface="Calibri" pitchFamily="34" charset="0"/>
+              </a:rPr>
+              <a:t>字符串（</a:t>
+            </a:r>
+            <a:r>
+              <a:rPr lang="en-US" altLang="zh-CN" sz="4400" dirty="0" smtClean="0">
+                <a:solidFill>
+                  <a:srgbClr val="FFFF00"/>
+                </a:solidFill>
+                <a:latin typeface="Calibri" pitchFamily="34" charset="0"/>
+                <a:ea typeface="隶书" pitchFamily="49" charset="-122"/>
+                <a:cs typeface="Calibri" pitchFamily="34" charset="0"/>
+              </a:rPr>
+              <a:t>String</a:t>
+            </a:r>
+            <a:r>
+              <a:rPr lang="zh-CN" altLang="en-US" sz="4400" dirty="0" smtClean="0">
+                <a:solidFill>
+                  <a:srgbClr val="FFFF00"/>
+                </a:solidFill>
+                <a:latin typeface="Calibri" pitchFamily="34" charset="0"/>
+                <a:ea typeface="隶书" pitchFamily="49" charset="-122"/>
+                <a:cs typeface="Calibri" pitchFamily="34" charset="0"/>
+              </a:rPr>
+              <a:t>）</a:t>
+            </a:r>
+            <a:endParaRPr lang="en-US" altLang="zh-CN" sz="4400" dirty="0" smtClean="0">
+              <a:solidFill>
+                <a:srgbClr val="FFFF00"/>
+              </a:solidFill>
+              <a:latin typeface="Calibri" pitchFamily="34" charset="0"/>
+              <a:ea typeface="隶书" pitchFamily="49" charset="-122"/>
+              <a:cs typeface="Calibri" pitchFamily="34" charset="0"/>
+            </a:endParaRPr>
+          </a:p>
+          <a:p>
+            <a:r>
+              <a:rPr lang="en-US" altLang="zh-CN" sz="4400" dirty="0" err="1" smtClean="0">
+                <a:solidFill>
+                  <a:srgbClr val="FFFF00"/>
+                </a:solidFill>
+                <a:latin typeface="Calibri" pitchFamily="34" charset="0"/>
+                <a:ea typeface="隶书" pitchFamily="49" charset="-122"/>
+                <a:cs typeface="Calibri" pitchFamily="34" charset="0"/>
+              </a:rPr>
+              <a:t>setnx</a:t>
+            </a:r>
+            <a:r>
+              <a:rPr lang="en-US" altLang="zh-CN" sz="4400" dirty="0" smtClean="0">
+                <a:solidFill>
+                  <a:srgbClr val="FFFF00"/>
+                </a:solidFill>
+                <a:latin typeface="Calibri" pitchFamily="34" charset="0"/>
+                <a:ea typeface="隶书" pitchFamily="49" charset="-122"/>
+                <a:cs typeface="Calibri" pitchFamily="34" charset="0"/>
+              </a:rPr>
+              <a:t> key value</a:t>
+            </a:r>
+            <a:r>
+              <a:rPr lang="zh-CN" altLang="en-US" sz="4400" dirty="0" smtClean="0">
+                <a:solidFill>
+                  <a:srgbClr val="FFFF00"/>
+                </a:solidFill>
+                <a:latin typeface="Calibri" pitchFamily="34" charset="0"/>
+                <a:ea typeface="隶书" pitchFamily="49" charset="-122"/>
+                <a:cs typeface="Calibri" pitchFamily="34" charset="0"/>
+              </a:rPr>
+              <a:t>：不存在时才设置</a:t>
+            </a:r>
+            <a:endParaRPr lang="en-US" altLang="zh-CN" sz="4400" dirty="0" smtClean="0">
+              <a:solidFill>
+                <a:srgbClr val="FFFF00"/>
+              </a:solidFill>
+              <a:latin typeface="Calibri" pitchFamily="34" charset="0"/>
+              <a:ea typeface="隶书" pitchFamily="49" charset="-122"/>
+              <a:cs typeface="Calibri" pitchFamily="34" charset="0"/>
+            </a:endParaRPr>
+          </a:p>
+          <a:p>
+            <a:r>
+              <a:rPr lang="en-US" altLang="zh-CN" sz="4400" dirty="0" err="1" smtClean="0">
+                <a:solidFill>
+                  <a:srgbClr val="FFFF00"/>
+                </a:solidFill>
+                <a:latin typeface="Calibri" pitchFamily="34" charset="0"/>
+                <a:ea typeface="隶书" pitchFamily="49" charset="-122"/>
+                <a:cs typeface="Calibri" pitchFamily="34" charset="0"/>
+              </a:rPr>
+              <a:t>setrange</a:t>
+            </a:r>
+            <a:r>
+              <a:rPr lang="en-US" altLang="zh-CN" sz="4400" dirty="0" smtClean="0">
+                <a:solidFill>
+                  <a:srgbClr val="FFFF00"/>
+                </a:solidFill>
+                <a:latin typeface="Calibri" pitchFamily="34" charset="0"/>
+                <a:ea typeface="隶书" pitchFamily="49" charset="-122"/>
+                <a:cs typeface="Calibri" pitchFamily="34" charset="0"/>
+              </a:rPr>
+              <a:t> key offset value</a:t>
+            </a:r>
+            <a:r>
+              <a:rPr lang="zh-CN" altLang="en-US" sz="4400" dirty="0" smtClean="0">
+                <a:solidFill>
+                  <a:srgbClr val="FFFF00"/>
+                </a:solidFill>
+                <a:latin typeface="Calibri" pitchFamily="34" charset="0"/>
+                <a:ea typeface="隶书" pitchFamily="49" charset="-122"/>
+                <a:cs typeface="Calibri" pitchFamily="34" charset="0"/>
+              </a:rPr>
+              <a:t>：用指定值覆盖指定偏移量后面的部分，</a:t>
+            </a:r>
+            <a:r>
+              <a:rPr lang="en-US" altLang="zh-CN" sz="4400" dirty="0" smtClean="0">
+                <a:solidFill>
+                  <a:srgbClr val="FFFF00"/>
+                </a:solidFill>
+                <a:latin typeface="Calibri" pitchFamily="34" charset="0"/>
+                <a:ea typeface="隶书" pitchFamily="49" charset="-122"/>
+                <a:cs typeface="Calibri" pitchFamily="34" charset="0"/>
+              </a:rPr>
+              <a:t>offset</a:t>
+            </a:r>
+            <a:r>
+              <a:rPr lang="zh-CN" altLang="en-US" sz="4400" dirty="0" smtClean="0">
+                <a:solidFill>
+                  <a:srgbClr val="FFFF00"/>
+                </a:solidFill>
+                <a:latin typeface="Calibri" pitchFamily="34" charset="0"/>
+                <a:ea typeface="隶书" pitchFamily="49" charset="-122"/>
+                <a:cs typeface="Calibri" pitchFamily="34" charset="0"/>
+              </a:rPr>
+              <a:t>按字节来算</a:t>
+            </a:r>
+            <a:endParaRPr lang="en-US" altLang="zh-CN" sz="4400" dirty="0" smtClean="0">
+              <a:solidFill>
+                <a:srgbClr val="FFFF00"/>
+              </a:solidFill>
+              <a:latin typeface="Calibri" pitchFamily="34" charset="0"/>
+              <a:ea typeface="隶书" pitchFamily="49" charset="-122"/>
+              <a:cs typeface="Calibri" pitchFamily="34" charset="0"/>
+            </a:endParaRPr>
+          </a:p>
+          <a:p>
+            <a:r>
+              <a:rPr lang="en-US" altLang="zh-CN" sz="4400" dirty="0" err="1" smtClean="0">
+                <a:solidFill>
+                  <a:srgbClr val="FFFF00"/>
+                </a:solidFill>
+                <a:latin typeface="Calibri" pitchFamily="34" charset="0"/>
+                <a:ea typeface="隶书" pitchFamily="49" charset="-122"/>
+                <a:cs typeface="Calibri" pitchFamily="34" charset="0"/>
+              </a:rPr>
               <a:t>strlen</a:t>
             </a:r>
             <a:r>
@@ -7562,6 +7603,1938 @@
                 <a:cs typeface="Calibri" pitchFamily="34" charset="0"/>
               </a:rPr>
               <a:t>：获取值的长度</a:t>
+            </a:r>
+            <a:endParaRPr lang="en-US" altLang="zh-CN" sz="4400" dirty="0" smtClean="0">
+              <a:solidFill>
+                <a:srgbClr val="FFFF00"/>
+              </a:solidFill>
+              <a:latin typeface="Calibri" pitchFamily="34" charset="0"/>
+              <a:ea typeface="隶书" pitchFamily="49" charset="-122"/>
+              <a:cs typeface="Calibri" pitchFamily="34" charset="0"/>
+            </a:endParaRPr>
+          </a:p>
+        </p:txBody>
+      </p:sp>
+    </p:spTree>
+  </p:cSld>
+  <p:clrMapOvr>
+    <a:masterClrMapping/>
+  </p:clrMapOvr>
+  <p:timing>
+    <p:tnLst>
+      <p:par>
+        <p:cTn id="1" dur="indefinite" restart="never" nodeType="tmRoot"/>
+      </p:par>
+    </p:tnLst>
+  </p:timing>
+</p:sld>
+</file>
+
+<file path=ppt/slides/slide22.xml><?xml version="1.0" encoding="utf-8"?>
+<p:sld xmlns:a="http://schemas.openxmlformats.org/drawingml/2006/main" xmlns:r="http://schemas.openxmlformats.org/officeDocument/2006/relationships" xmlns:p="http://schemas.openxmlformats.org/presentationml/2006/main">
+  <p:cSld>
+    <p:spTree>
+      <p:nvGrpSpPr>
+        <p:cNvPr id="1" name=""/>
+        <p:cNvGrpSpPr/>
+        <p:nvPr/>
+      </p:nvGrpSpPr>
+      <p:grpSpPr>
+        <a:xfrm>
+          <a:off x="0" y="0"/>
+          <a:ext cx="0" cy="0"/>
+          <a:chOff x="0" y="0"/>
+          <a:chExt cx="0" cy="0"/>
+        </a:xfrm>
+      </p:grpSpPr>
+      <p:sp>
+        <p:nvSpPr>
+          <p:cNvPr id="2" name="标题 1"/>
+          <p:cNvSpPr>
+            <a:spLocks noGrp="1"/>
+          </p:cNvSpPr>
+          <p:nvPr>
+            <p:ph type="ctrTitle"/>
+          </p:nvPr>
+        </p:nvSpPr>
+        <p:spPr>
+          <a:xfrm>
+            <a:off x="214282" y="857232"/>
+            <a:ext cx="8929718" cy="785818"/>
+          </a:xfrm>
+        </p:spPr>
+        <p:txBody>
+          <a:bodyPr anchor="ctr">
+            <a:noAutofit/>
+          </a:bodyPr>
+          <a:lstStyle/>
+          <a:p>
+            <a:pPr algn="just"/>
+            <a:r>
+              <a:rPr lang="en-US" altLang="zh-CN" sz="5400" spc="-150" dirty="0" err="1" smtClean="0">
+                <a:effectLst/>
+              </a:rPr>
+              <a:t>Redis</a:t>
+            </a:r>
+            <a:r>
+              <a:rPr lang="zh-CN" altLang="en-US" sz="5400" spc="-150" dirty="0" smtClean="0">
+                <a:effectLst/>
+              </a:rPr>
+              <a:t>的命令</a:t>
+            </a:r>
+            <a:endParaRPr lang="zh-CN" altLang="en-US" sz="5400" spc="-150" dirty="0">
+              <a:effectLst/>
+            </a:endParaRPr>
+          </a:p>
+        </p:txBody>
+      </p:sp>
+      <p:sp>
+        <p:nvSpPr>
+          <p:cNvPr id="4" name="TextBox 3"/>
+          <p:cNvSpPr txBox="1"/>
+          <p:nvPr/>
+        </p:nvSpPr>
+        <p:spPr>
+          <a:xfrm>
+            <a:off x="142844" y="1714488"/>
+            <a:ext cx="8786874" cy="3477875"/>
+          </a:xfrm>
+          <a:prstGeom prst="rect">
+            <a:avLst/>
+          </a:prstGeom>
+          <a:noFill/>
+        </p:spPr>
+        <p:txBody>
+          <a:bodyPr wrap="square" rtlCol="0">
+            <a:spAutoFit/>
+          </a:bodyPr>
+          <a:lstStyle/>
+          <a:p>
+            <a:r>
+              <a:rPr lang="zh-CN" altLang="en-US" sz="4400" dirty="0" smtClean="0">
+                <a:solidFill>
+                  <a:srgbClr val="FFFF00"/>
+                </a:solidFill>
+                <a:latin typeface="Calibri" pitchFamily="34" charset="0"/>
+                <a:ea typeface="隶书" pitchFamily="49" charset="-122"/>
+                <a:cs typeface="Calibri" pitchFamily="34" charset="0"/>
+              </a:rPr>
+              <a:t>字符串（</a:t>
+            </a:r>
+            <a:r>
+              <a:rPr lang="en-US" altLang="zh-CN" sz="4400" dirty="0" smtClean="0">
+                <a:solidFill>
+                  <a:srgbClr val="FFFF00"/>
+                </a:solidFill>
+                <a:latin typeface="Calibri" pitchFamily="34" charset="0"/>
+                <a:ea typeface="隶书" pitchFamily="49" charset="-122"/>
+                <a:cs typeface="Calibri" pitchFamily="34" charset="0"/>
+              </a:rPr>
+              <a:t>String</a:t>
+            </a:r>
+            <a:r>
+              <a:rPr lang="zh-CN" altLang="en-US" sz="4400" dirty="0" smtClean="0">
+                <a:solidFill>
+                  <a:srgbClr val="FFFF00"/>
+                </a:solidFill>
+                <a:latin typeface="Calibri" pitchFamily="34" charset="0"/>
+                <a:ea typeface="隶书" pitchFamily="49" charset="-122"/>
+                <a:cs typeface="Calibri" pitchFamily="34" charset="0"/>
+              </a:rPr>
+              <a:t>）</a:t>
+            </a:r>
+            <a:endParaRPr lang="en-US" altLang="zh-CN" sz="4400" dirty="0" smtClean="0">
+              <a:solidFill>
+                <a:srgbClr val="FFFF00"/>
+              </a:solidFill>
+              <a:latin typeface="Calibri" pitchFamily="34" charset="0"/>
+              <a:ea typeface="隶书" pitchFamily="49" charset="-122"/>
+              <a:cs typeface="Calibri" pitchFamily="34" charset="0"/>
+            </a:endParaRPr>
+          </a:p>
+          <a:p>
+            <a:r>
+              <a:rPr lang="en-US" altLang="zh-CN" sz="4400" dirty="0" smtClean="0">
+                <a:solidFill>
+                  <a:srgbClr val="FFFF00"/>
+                </a:solidFill>
+                <a:latin typeface="Calibri" pitchFamily="34" charset="0"/>
+                <a:ea typeface="隶书" pitchFamily="49" charset="-122"/>
+                <a:cs typeface="Calibri" pitchFamily="34" charset="0"/>
+              </a:rPr>
+              <a:t>M</a:t>
+            </a:r>
+            <a:r>
+              <a:rPr lang="zh-CN" altLang="en-US" sz="4400" dirty="0" smtClean="0">
+                <a:solidFill>
+                  <a:srgbClr val="FFFF00"/>
+                </a:solidFill>
+                <a:latin typeface="Calibri" pitchFamily="34" charset="0"/>
+                <a:ea typeface="隶书" pitchFamily="49" charset="-122"/>
+                <a:cs typeface="Calibri" pitchFamily="34" charset="0"/>
+              </a:rPr>
+              <a:t>：</a:t>
+            </a:r>
+            <a:r>
+              <a:rPr lang="en-US" altLang="zh-CN" sz="4400" dirty="0" smtClean="0">
+                <a:solidFill>
+                  <a:srgbClr val="FFFF00"/>
+                </a:solidFill>
+                <a:latin typeface="Calibri" pitchFamily="34" charset="0"/>
+                <a:ea typeface="隶书" pitchFamily="49" charset="-122"/>
+                <a:cs typeface="Calibri" pitchFamily="34" charset="0"/>
+              </a:rPr>
+              <a:t>multiple</a:t>
+            </a:r>
+            <a:r>
+              <a:rPr lang="zh-CN" altLang="en-US" sz="4400" dirty="0" smtClean="0">
+                <a:solidFill>
+                  <a:srgbClr val="FFFF00"/>
+                </a:solidFill>
+                <a:latin typeface="Calibri" pitchFamily="34" charset="0"/>
+                <a:ea typeface="隶书" pitchFamily="49" charset="-122"/>
+                <a:cs typeface="Calibri" pitchFamily="34" charset="0"/>
+              </a:rPr>
+              <a:t>，多个</a:t>
+            </a:r>
+            <a:endParaRPr lang="en-US" altLang="zh-CN" sz="4400" dirty="0" smtClean="0">
+              <a:solidFill>
+                <a:srgbClr val="FFFF00"/>
+              </a:solidFill>
+              <a:latin typeface="Calibri" pitchFamily="34" charset="0"/>
+              <a:ea typeface="隶书" pitchFamily="49" charset="-122"/>
+              <a:cs typeface="Calibri" pitchFamily="34" charset="0"/>
+            </a:endParaRPr>
+          </a:p>
+          <a:p>
+            <a:r>
+              <a:rPr lang="en-US" altLang="zh-CN" sz="4400" dirty="0" smtClean="0">
+                <a:solidFill>
+                  <a:srgbClr val="FFFF00"/>
+                </a:solidFill>
+                <a:latin typeface="Calibri" pitchFamily="34" charset="0"/>
+                <a:ea typeface="隶书" pitchFamily="49" charset="-122"/>
+                <a:cs typeface="Calibri" pitchFamily="34" charset="0"/>
+              </a:rPr>
+              <a:t>NX</a:t>
+            </a:r>
+            <a:r>
+              <a:rPr lang="zh-CN" altLang="en-US" sz="4400" dirty="0" smtClean="0">
+                <a:solidFill>
+                  <a:srgbClr val="FFFF00"/>
+                </a:solidFill>
+                <a:latin typeface="Calibri" pitchFamily="34" charset="0"/>
+                <a:ea typeface="隶书" pitchFamily="49" charset="-122"/>
+                <a:cs typeface="Calibri" pitchFamily="34" charset="0"/>
+              </a:rPr>
+              <a:t>：</a:t>
+            </a:r>
+            <a:r>
+              <a:rPr lang="en-US" altLang="zh-CN" sz="4400" dirty="0" smtClean="0">
+                <a:solidFill>
+                  <a:srgbClr val="FFFF00"/>
+                </a:solidFill>
+                <a:latin typeface="Calibri" pitchFamily="34" charset="0"/>
+                <a:ea typeface="隶书" pitchFamily="49" charset="-122"/>
+                <a:cs typeface="Calibri" pitchFamily="34" charset="0"/>
+              </a:rPr>
+              <a:t>not exist</a:t>
+            </a:r>
+            <a:r>
+              <a:rPr lang="zh-CN" altLang="en-US" sz="4400" dirty="0" smtClean="0">
+                <a:solidFill>
+                  <a:srgbClr val="FFFF00"/>
+                </a:solidFill>
+                <a:latin typeface="Calibri" pitchFamily="34" charset="0"/>
+                <a:ea typeface="隶书" pitchFamily="49" charset="-122"/>
+                <a:cs typeface="Calibri" pitchFamily="34" charset="0"/>
+              </a:rPr>
+              <a:t>，不存在</a:t>
+            </a:r>
+            <a:endParaRPr lang="en-US" altLang="zh-CN" sz="4400" dirty="0" smtClean="0">
+              <a:solidFill>
+                <a:srgbClr val="FFFF00"/>
+              </a:solidFill>
+              <a:latin typeface="Calibri" pitchFamily="34" charset="0"/>
+              <a:ea typeface="隶书" pitchFamily="49" charset="-122"/>
+              <a:cs typeface="Calibri" pitchFamily="34" charset="0"/>
+            </a:endParaRPr>
+          </a:p>
+          <a:p>
+            <a:r>
+              <a:rPr lang="en-US" altLang="zh-CN" sz="4400" dirty="0" smtClean="0">
+                <a:solidFill>
+                  <a:srgbClr val="FFFF00"/>
+                </a:solidFill>
+                <a:latin typeface="Calibri" pitchFamily="34" charset="0"/>
+                <a:ea typeface="隶书" pitchFamily="49" charset="-122"/>
+                <a:cs typeface="Calibri" pitchFamily="34" charset="0"/>
+              </a:rPr>
+              <a:t>EX</a:t>
+            </a:r>
+            <a:r>
+              <a:rPr lang="zh-CN" altLang="en-US" sz="4400" dirty="0" smtClean="0">
+                <a:solidFill>
+                  <a:srgbClr val="FFFF00"/>
+                </a:solidFill>
+                <a:latin typeface="Calibri" pitchFamily="34" charset="0"/>
+                <a:ea typeface="隶书" pitchFamily="49" charset="-122"/>
+                <a:cs typeface="Calibri" pitchFamily="34" charset="0"/>
+              </a:rPr>
+              <a:t>：</a:t>
+            </a:r>
+            <a:r>
+              <a:rPr lang="en-US" altLang="zh-CN" sz="4400" dirty="0" smtClean="0">
+                <a:solidFill>
+                  <a:srgbClr val="FFFF00"/>
+                </a:solidFill>
+                <a:latin typeface="Calibri" pitchFamily="34" charset="0"/>
+                <a:ea typeface="隶书" pitchFamily="49" charset="-122"/>
+                <a:cs typeface="Calibri" pitchFamily="34" charset="0"/>
+              </a:rPr>
+              <a:t>expiration</a:t>
+            </a:r>
+            <a:r>
+              <a:rPr lang="zh-CN" altLang="en-US" sz="4400" dirty="0" smtClean="0">
+                <a:solidFill>
+                  <a:srgbClr val="FFFF00"/>
+                </a:solidFill>
+                <a:latin typeface="Calibri" pitchFamily="34" charset="0"/>
+                <a:ea typeface="隶书" pitchFamily="49" charset="-122"/>
+                <a:cs typeface="Calibri" pitchFamily="34" charset="0"/>
+              </a:rPr>
+              <a:t>，过期</a:t>
+            </a:r>
+            <a:endParaRPr lang="en-US" altLang="zh-CN" sz="4400" dirty="0" smtClean="0">
+              <a:solidFill>
+                <a:srgbClr val="FFFF00"/>
+              </a:solidFill>
+              <a:latin typeface="Calibri" pitchFamily="34" charset="0"/>
+              <a:ea typeface="隶书" pitchFamily="49" charset="-122"/>
+              <a:cs typeface="Calibri" pitchFamily="34" charset="0"/>
+            </a:endParaRPr>
+          </a:p>
+          <a:p>
+            <a:r>
+              <a:rPr lang="en-US" altLang="zh-CN" sz="4400" dirty="0" smtClean="0">
+                <a:solidFill>
+                  <a:srgbClr val="FFFF00"/>
+                </a:solidFill>
+                <a:latin typeface="Calibri" pitchFamily="34" charset="0"/>
+                <a:ea typeface="隶书" pitchFamily="49" charset="-122"/>
+                <a:cs typeface="Calibri" pitchFamily="34" charset="0"/>
+              </a:rPr>
+              <a:t>X/XX</a:t>
+            </a:r>
+            <a:r>
+              <a:rPr lang="zh-CN" altLang="en-US" sz="4400" dirty="0" smtClean="0">
+                <a:solidFill>
+                  <a:srgbClr val="FFFF00"/>
+                </a:solidFill>
+                <a:latin typeface="Calibri" pitchFamily="34" charset="0"/>
+                <a:ea typeface="隶书" pitchFamily="49" charset="-122"/>
+                <a:cs typeface="Calibri" pitchFamily="34" charset="0"/>
+              </a:rPr>
+              <a:t>：</a:t>
+            </a:r>
+            <a:r>
+              <a:rPr lang="en-US" altLang="zh-CN" sz="4400" dirty="0" smtClean="0">
+                <a:solidFill>
+                  <a:srgbClr val="FFFF00"/>
+                </a:solidFill>
+                <a:latin typeface="Calibri" pitchFamily="34" charset="0"/>
+                <a:ea typeface="隶书" pitchFamily="49" charset="-122"/>
+                <a:cs typeface="Calibri" pitchFamily="34" charset="0"/>
+              </a:rPr>
+              <a:t>exist</a:t>
+            </a:r>
+            <a:r>
+              <a:rPr lang="zh-CN" altLang="en-US" sz="4400" dirty="0" smtClean="0">
+                <a:solidFill>
+                  <a:srgbClr val="FFFF00"/>
+                </a:solidFill>
+                <a:latin typeface="Calibri" pitchFamily="34" charset="0"/>
+                <a:ea typeface="隶书" pitchFamily="49" charset="-122"/>
+                <a:cs typeface="Calibri" pitchFamily="34" charset="0"/>
+              </a:rPr>
+              <a:t>，存在</a:t>
+            </a:r>
+            <a:endParaRPr lang="en-US" altLang="zh-CN" sz="4400" dirty="0" smtClean="0">
+              <a:solidFill>
+                <a:srgbClr val="FFFF00"/>
+              </a:solidFill>
+              <a:latin typeface="Calibri" pitchFamily="34" charset="0"/>
+              <a:ea typeface="隶书" pitchFamily="49" charset="-122"/>
+              <a:cs typeface="Calibri" pitchFamily="34" charset="0"/>
+            </a:endParaRPr>
+          </a:p>
+        </p:txBody>
+      </p:sp>
+    </p:spTree>
+  </p:cSld>
+  <p:clrMapOvr>
+    <a:masterClrMapping/>
+  </p:clrMapOvr>
+  <p:timing>
+    <p:tnLst>
+      <p:par>
+        <p:cTn id="1" dur="indefinite" restart="never" nodeType="tmRoot"/>
+      </p:par>
+    </p:tnLst>
+  </p:timing>
+</p:sld>
+</file>
+
+<file path=ppt/slides/slide23.xml><?xml version="1.0" encoding="utf-8"?>
+<p:sld xmlns:a="http://schemas.openxmlformats.org/drawingml/2006/main" xmlns:r="http://schemas.openxmlformats.org/officeDocument/2006/relationships" xmlns:p="http://schemas.openxmlformats.org/presentationml/2006/main">
+  <p:cSld>
+    <p:spTree>
+      <p:nvGrpSpPr>
+        <p:cNvPr id="1" name=""/>
+        <p:cNvGrpSpPr/>
+        <p:nvPr/>
+      </p:nvGrpSpPr>
+      <p:grpSpPr>
+        <a:xfrm>
+          <a:off x="0" y="0"/>
+          <a:ext cx="0" cy="0"/>
+          <a:chOff x="0" y="0"/>
+          <a:chExt cx="0" cy="0"/>
+        </a:xfrm>
+      </p:grpSpPr>
+      <p:sp>
+        <p:nvSpPr>
+          <p:cNvPr id="2" name="标题 1"/>
+          <p:cNvSpPr>
+            <a:spLocks noGrp="1"/>
+          </p:cNvSpPr>
+          <p:nvPr>
+            <p:ph type="ctrTitle"/>
+          </p:nvPr>
+        </p:nvSpPr>
+        <p:spPr>
+          <a:xfrm>
+            <a:off x="214282" y="857232"/>
+            <a:ext cx="8929718" cy="785818"/>
+          </a:xfrm>
+        </p:spPr>
+        <p:txBody>
+          <a:bodyPr anchor="ctr">
+            <a:noAutofit/>
+          </a:bodyPr>
+          <a:lstStyle/>
+          <a:p>
+            <a:pPr algn="just"/>
+            <a:r>
+              <a:rPr lang="en-US" altLang="zh-CN" sz="5400" spc="-150" dirty="0" err="1" smtClean="0">
+                <a:effectLst/>
+              </a:rPr>
+              <a:t>Redis</a:t>
+            </a:r>
+            <a:r>
+              <a:rPr lang="zh-CN" altLang="en-US" sz="5400" spc="-150" dirty="0" smtClean="0">
+                <a:effectLst/>
+              </a:rPr>
+              <a:t>的命令</a:t>
+            </a:r>
+            <a:endParaRPr lang="zh-CN" altLang="en-US" sz="5400" spc="-150" dirty="0">
+              <a:effectLst/>
+            </a:endParaRPr>
+          </a:p>
+        </p:txBody>
+      </p:sp>
+      <p:sp>
+        <p:nvSpPr>
+          <p:cNvPr id="4" name="TextBox 3"/>
+          <p:cNvSpPr txBox="1"/>
+          <p:nvPr/>
+        </p:nvSpPr>
+        <p:spPr>
+          <a:xfrm>
+            <a:off x="142844" y="1714488"/>
+            <a:ext cx="8786874" cy="4154984"/>
+          </a:xfrm>
+          <a:prstGeom prst="rect">
+            <a:avLst/>
+          </a:prstGeom>
+          <a:noFill/>
+        </p:spPr>
+        <p:txBody>
+          <a:bodyPr wrap="square" rtlCol="0">
+            <a:spAutoFit/>
+          </a:bodyPr>
+          <a:lstStyle/>
+          <a:p>
+            <a:r>
+              <a:rPr lang="zh-CN" altLang="en-US" sz="4400" dirty="0" smtClean="0">
+                <a:solidFill>
+                  <a:srgbClr val="FFFF00"/>
+                </a:solidFill>
+                <a:latin typeface="Calibri" pitchFamily="34" charset="0"/>
+                <a:ea typeface="隶书" pitchFamily="49" charset="-122"/>
+                <a:cs typeface="Calibri" pitchFamily="34" charset="0"/>
+              </a:rPr>
+              <a:t>列表（</a:t>
+            </a:r>
+            <a:r>
+              <a:rPr lang="en-US" altLang="zh-CN" sz="4400" dirty="0" smtClean="0">
+                <a:solidFill>
+                  <a:srgbClr val="FFFF00"/>
+                </a:solidFill>
+                <a:latin typeface="Calibri" pitchFamily="34" charset="0"/>
+                <a:ea typeface="隶书" pitchFamily="49" charset="-122"/>
+                <a:cs typeface="Calibri" pitchFamily="34" charset="0"/>
+              </a:rPr>
+              <a:t>List</a:t>
+            </a:r>
+            <a:r>
+              <a:rPr lang="zh-CN" altLang="en-US" sz="4400" dirty="0" smtClean="0">
+                <a:solidFill>
+                  <a:srgbClr val="FFFF00"/>
+                </a:solidFill>
+                <a:latin typeface="Calibri" pitchFamily="34" charset="0"/>
+                <a:ea typeface="隶书" pitchFamily="49" charset="-122"/>
+                <a:cs typeface="Calibri" pitchFamily="34" charset="0"/>
+              </a:rPr>
+              <a:t>）</a:t>
+            </a:r>
+            <a:endParaRPr lang="en-US" altLang="zh-CN" sz="4400" dirty="0" smtClean="0">
+              <a:solidFill>
+                <a:srgbClr val="FFFF00"/>
+              </a:solidFill>
+              <a:latin typeface="Calibri" pitchFamily="34" charset="0"/>
+              <a:ea typeface="隶书" pitchFamily="49" charset="-122"/>
+              <a:cs typeface="Calibri" pitchFamily="34" charset="0"/>
+            </a:endParaRPr>
+          </a:p>
+          <a:p>
+            <a:r>
+              <a:rPr lang="en-US" altLang="zh-CN" sz="4400" dirty="0" smtClean="0">
+                <a:solidFill>
+                  <a:srgbClr val="FFFF00"/>
+                </a:solidFill>
+                <a:latin typeface="Calibri" pitchFamily="34" charset="0"/>
+                <a:ea typeface="隶书" pitchFamily="49" charset="-122"/>
+                <a:cs typeface="Calibri" pitchFamily="34" charset="0"/>
+              </a:rPr>
+              <a:t>B</a:t>
+            </a:r>
+            <a:r>
+              <a:rPr lang="zh-CN" altLang="en-US" sz="4400" dirty="0" smtClean="0">
+                <a:solidFill>
+                  <a:srgbClr val="FFFF00"/>
+                </a:solidFill>
+                <a:latin typeface="Calibri" pitchFamily="34" charset="0"/>
+                <a:ea typeface="隶书" pitchFamily="49" charset="-122"/>
+                <a:cs typeface="Calibri" pitchFamily="34" charset="0"/>
+              </a:rPr>
+              <a:t>：</a:t>
+            </a:r>
+            <a:r>
+              <a:rPr lang="en-US" altLang="zh-CN" sz="4400" dirty="0" smtClean="0">
+                <a:solidFill>
+                  <a:srgbClr val="FFFF00"/>
+                </a:solidFill>
+                <a:latin typeface="Calibri" pitchFamily="34" charset="0"/>
+                <a:ea typeface="隶书" pitchFamily="49" charset="-122"/>
+                <a:cs typeface="Calibri" pitchFamily="34" charset="0"/>
+              </a:rPr>
+              <a:t>block</a:t>
+            </a:r>
+            <a:r>
+              <a:rPr lang="zh-CN" altLang="en-US" sz="4400" dirty="0" smtClean="0">
+                <a:solidFill>
+                  <a:srgbClr val="FFFF00"/>
+                </a:solidFill>
+                <a:latin typeface="Calibri" pitchFamily="34" charset="0"/>
+                <a:ea typeface="隶书" pitchFamily="49" charset="-122"/>
+                <a:cs typeface="Calibri" pitchFamily="34" charset="0"/>
+              </a:rPr>
+              <a:t>，阻塞</a:t>
+            </a:r>
+            <a:endParaRPr lang="en-US" altLang="zh-CN" sz="4400" dirty="0" smtClean="0">
+              <a:solidFill>
+                <a:srgbClr val="FFFF00"/>
+              </a:solidFill>
+              <a:latin typeface="Calibri" pitchFamily="34" charset="0"/>
+              <a:ea typeface="隶书" pitchFamily="49" charset="-122"/>
+              <a:cs typeface="Calibri" pitchFamily="34" charset="0"/>
+            </a:endParaRPr>
+          </a:p>
+          <a:p>
+            <a:r>
+              <a:rPr lang="en-US" altLang="zh-CN" sz="4400" dirty="0" smtClean="0">
+                <a:solidFill>
+                  <a:srgbClr val="FFFF00"/>
+                </a:solidFill>
+                <a:latin typeface="Calibri" pitchFamily="34" charset="0"/>
+                <a:ea typeface="隶书" pitchFamily="49" charset="-122"/>
+                <a:cs typeface="Calibri" pitchFamily="34" charset="0"/>
+              </a:rPr>
+              <a:t>L</a:t>
+            </a:r>
+            <a:r>
+              <a:rPr lang="zh-CN" altLang="en-US" sz="4400" dirty="0" smtClean="0">
+                <a:solidFill>
+                  <a:srgbClr val="FFFF00"/>
+                </a:solidFill>
+                <a:latin typeface="Calibri" pitchFamily="34" charset="0"/>
+                <a:ea typeface="隶书" pitchFamily="49" charset="-122"/>
+                <a:cs typeface="Calibri" pitchFamily="34" charset="0"/>
+              </a:rPr>
+              <a:t>：</a:t>
+            </a:r>
+            <a:r>
+              <a:rPr lang="en-US" altLang="zh-CN" sz="4400" dirty="0" smtClean="0">
+                <a:solidFill>
+                  <a:srgbClr val="FFFF00"/>
+                </a:solidFill>
+                <a:latin typeface="Calibri" pitchFamily="34" charset="0"/>
+                <a:ea typeface="隶书" pitchFamily="49" charset="-122"/>
+                <a:cs typeface="Calibri" pitchFamily="34" charset="0"/>
+              </a:rPr>
+              <a:t>list</a:t>
+            </a:r>
+            <a:r>
+              <a:rPr lang="zh-CN" altLang="en-US" sz="4400" dirty="0" smtClean="0">
+                <a:solidFill>
+                  <a:srgbClr val="FFFF00"/>
+                </a:solidFill>
+                <a:latin typeface="Calibri" pitchFamily="34" charset="0"/>
+                <a:ea typeface="隶书" pitchFamily="49" charset="-122"/>
+                <a:cs typeface="Calibri" pitchFamily="34" charset="0"/>
+              </a:rPr>
+              <a:t>，列表</a:t>
+            </a:r>
+            <a:endParaRPr lang="en-US" altLang="zh-CN" sz="4400" dirty="0" smtClean="0">
+              <a:solidFill>
+                <a:srgbClr val="FFFF00"/>
+              </a:solidFill>
+              <a:latin typeface="Calibri" pitchFamily="34" charset="0"/>
+              <a:ea typeface="隶书" pitchFamily="49" charset="-122"/>
+              <a:cs typeface="Calibri" pitchFamily="34" charset="0"/>
+            </a:endParaRPr>
+          </a:p>
+          <a:p>
+            <a:r>
+              <a:rPr lang="en-US" altLang="zh-CN" sz="4400" dirty="0" smtClean="0">
+                <a:solidFill>
+                  <a:srgbClr val="FFFF00"/>
+                </a:solidFill>
+                <a:latin typeface="Calibri" pitchFamily="34" charset="0"/>
+                <a:ea typeface="隶书" pitchFamily="49" charset="-122"/>
+                <a:cs typeface="Calibri" pitchFamily="34" charset="0"/>
+              </a:rPr>
+              <a:t>L</a:t>
+            </a:r>
+            <a:r>
+              <a:rPr lang="zh-CN" altLang="en-US" sz="4400" dirty="0" smtClean="0">
+                <a:solidFill>
+                  <a:srgbClr val="FFFF00"/>
+                </a:solidFill>
+                <a:latin typeface="Calibri" pitchFamily="34" charset="0"/>
+                <a:ea typeface="隶书" pitchFamily="49" charset="-122"/>
+                <a:cs typeface="Calibri" pitchFamily="34" charset="0"/>
+              </a:rPr>
+              <a:t>：</a:t>
+            </a:r>
+            <a:r>
+              <a:rPr lang="en-US" altLang="zh-CN" sz="4400" dirty="0" smtClean="0">
+                <a:solidFill>
+                  <a:srgbClr val="FFFF00"/>
+                </a:solidFill>
+                <a:latin typeface="Calibri" pitchFamily="34" charset="0"/>
+                <a:ea typeface="隶书" pitchFamily="49" charset="-122"/>
+                <a:cs typeface="Calibri" pitchFamily="34" charset="0"/>
+              </a:rPr>
+              <a:t>left</a:t>
+            </a:r>
+            <a:r>
+              <a:rPr lang="zh-CN" altLang="en-US" sz="4400" dirty="0" smtClean="0">
+                <a:solidFill>
+                  <a:srgbClr val="FFFF00"/>
+                </a:solidFill>
+                <a:latin typeface="Calibri" pitchFamily="34" charset="0"/>
+                <a:ea typeface="隶书" pitchFamily="49" charset="-122"/>
+                <a:cs typeface="Calibri" pitchFamily="34" charset="0"/>
+              </a:rPr>
+              <a:t>，左边，头部</a:t>
+            </a:r>
+            <a:endParaRPr lang="en-US" altLang="zh-CN" sz="4400" dirty="0" smtClean="0">
+              <a:solidFill>
+                <a:srgbClr val="FFFF00"/>
+              </a:solidFill>
+              <a:latin typeface="Calibri" pitchFamily="34" charset="0"/>
+              <a:ea typeface="隶书" pitchFamily="49" charset="-122"/>
+              <a:cs typeface="Calibri" pitchFamily="34" charset="0"/>
+            </a:endParaRPr>
+          </a:p>
+          <a:p>
+            <a:r>
+              <a:rPr lang="en-US" altLang="zh-CN" sz="4400" dirty="0" smtClean="0">
+                <a:solidFill>
+                  <a:srgbClr val="FFFF00"/>
+                </a:solidFill>
+                <a:latin typeface="Calibri" pitchFamily="34" charset="0"/>
+                <a:ea typeface="隶书" pitchFamily="49" charset="-122"/>
+                <a:cs typeface="Calibri" pitchFamily="34" charset="0"/>
+              </a:rPr>
+              <a:t>R</a:t>
+            </a:r>
+            <a:r>
+              <a:rPr lang="zh-CN" altLang="en-US" sz="4400" dirty="0" smtClean="0">
+                <a:solidFill>
+                  <a:srgbClr val="FFFF00"/>
+                </a:solidFill>
+                <a:latin typeface="Calibri" pitchFamily="34" charset="0"/>
+                <a:ea typeface="隶书" pitchFamily="49" charset="-122"/>
+                <a:cs typeface="Calibri" pitchFamily="34" charset="0"/>
+              </a:rPr>
+              <a:t>：</a:t>
+            </a:r>
+            <a:r>
+              <a:rPr lang="en-US" altLang="zh-CN" sz="4400" dirty="0" smtClean="0">
+                <a:solidFill>
+                  <a:srgbClr val="FFFF00"/>
+                </a:solidFill>
+                <a:latin typeface="Calibri" pitchFamily="34" charset="0"/>
+                <a:ea typeface="隶书" pitchFamily="49" charset="-122"/>
+                <a:cs typeface="Calibri" pitchFamily="34" charset="0"/>
+              </a:rPr>
+              <a:t>right</a:t>
+            </a:r>
+            <a:r>
+              <a:rPr lang="zh-CN" altLang="en-US" sz="4400" dirty="0" smtClean="0">
+                <a:solidFill>
+                  <a:srgbClr val="FFFF00"/>
+                </a:solidFill>
+                <a:latin typeface="Calibri" pitchFamily="34" charset="0"/>
+                <a:ea typeface="隶书" pitchFamily="49" charset="-122"/>
+                <a:cs typeface="Calibri" pitchFamily="34" charset="0"/>
+              </a:rPr>
+              <a:t>，右边，尾部</a:t>
+            </a:r>
+            <a:endParaRPr lang="en-US" altLang="zh-CN" sz="4400" dirty="0" smtClean="0">
+              <a:solidFill>
+                <a:srgbClr val="FFFF00"/>
+              </a:solidFill>
+              <a:latin typeface="Calibri" pitchFamily="34" charset="0"/>
+              <a:ea typeface="隶书" pitchFamily="49" charset="-122"/>
+              <a:cs typeface="Calibri" pitchFamily="34" charset="0"/>
+            </a:endParaRPr>
+          </a:p>
+          <a:p>
+            <a:r>
+              <a:rPr lang="zh-CN" altLang="en-US" sz="4400" dirty="0" smtClean="0">
+                <a:solidFill>
+                  <a:srgbClr val="FFFF00"/>
+                </a:solidFill>
+                <a:latin typeface="Calibri" pitchFamily="34" charset="0"/>
+                <a:ea typeface="隶书" pitchFamily="49" charset="-122"/>
+                <a:cs typeface="Calibri" pitchFamily="34" charset="0"/>
+              </a:rPr>
+              <a:t>列表可以作为一个队列来使用</a:t>
+            </a:r>
+            <a:endParaRPr lang="en-US" altLang="zh-CN" sz="4400" dirty="0" smtClean="0">
+              <a:solidFill>
+                <a:srgbClr val="FFFF00"/>
+              </a:solidFill>
+              <a:latin typeface="Calibri" pitchFamily="34" charset="0"/>
+              <a:ea typeface="隶书" pitchFamily="49" charset="-122"/>
+              <a:cs typeface="Calibri" pitchFamily="34" charset="0"/>
+            </a:endParaRPr>
+          </a:p>
+        </p:txBody>
+      </p:sp>
+    </p:spTree>
+  </p:cSld>
+  <p:clrMapOvr>
+    <a:masterClrMapping/>
+  </p:clrMapOvr>
+  <p:timing>
+    <p:tnLst>
+      <p:par>
+        <p:cTn id="1" dur="indefinite" restart="never" nodeType="tmRoot"/>
+      </p:par>
+    </p:tnLst>
+  </p:timing>
+</p:sld>
+</file>
+
+<file path=ppt/slides/slide24.xml><?xml version="1.0" encoding="utf-8"?>
+<p:sld xmlns:a="http://schemas.openxmlformats.org/drawingml/2006/main" xmlns:r="http://schemas.openxmlformats.org/officeDocument/2006/relationships" xmlns:p="http://schemas.openxmlformats.org/presentationml/2006/main">
+  <p:cSld>
+    <p:spTree>
+      <p:nvGrpSpPr>
+        <p:cNvPr id="1" name=""/>
+        <p:cNvGrpSpPr/>
+        <p:nvPr/>
+      </p:nvGrpSpPr>
+      <p:grpSpPr>
+        <a:xfrm>
+          <a:off x="0" y="0"/>
+          <a:ext cx="0" cy="0"/>
+          <a:chOff x="0" y="0"/>
+          <a:chExt cx="0" cy="0"/>
+        </a:xfrm>
+      </p:grpSpPr>
+      <p:sp>
+        <p:nvSpPr>
+          <p:cNvPr id="2" name="标题 1"/>
+          <p:cNvSpPr>
+            <a:spLocks noGrp="1"/>
+          </p:cNvSpPr>
+          <p:nvPr>
+            <p:ph type="ctrTitle"/>
+          </p:nvPr>
+        </p:nvSpPr>
+        <p:spPr>
+          <a:xfrm>
+            <a:off x="214282" y="857232"/>
+            <a:ext cx="8929718" cy="785818"/>
+          </a:xfrm>
+        </p:spPr>
+        <p:txBody>
+          <a:bodyPr anchor="ctr">
+            <a:noAutofit/>
+          </a:bodyPr>
+          <a:lstStyle/>
+          <a:p>
+            <a:pPr algn="just"/>
+            <a:r>
+              <a:rPr lang="en-US" altLang="zh-CN" sz="5400" spc="-150" dirty="0" err="1" smtClean="0">
+                <a:effectLst/>
+              </a:rPr>
+              <a:t>Redis</a:t>
+            </a:r>
+            <a:r>
+              <a:rPr lang="zh-CN" altLang="en-US" sz="5400" spc="-150" dirty="0" smtClean="0">
+                <a:effectLst/>
+              </a:rPr>
+              <a:t>的命令</a:t>
+            </a:r>
+            <a:endParaRPr lang="zh-CN" altLang="en-US" sz="5400" spc="-150" dirty="0">
+              <a:effectLst/>
+            </a:endParaRPr>
+          </a:p>
+        </p:txBody>
+      </p:sp>
+      <p:sp>
+        <p:nvSpPr>
+          <p:cNvPr id="4" name="TextBox 3"/>
+          <p:cNvSpPr txBox="1"/>
+          <p:nvPr/>
+        </p:nvSpPr>
+        <p:spPr>
+          <a:xfrm>
+            <a:off x="142844" y="1714488"/>
+            <a:ext cx="8786874" cy="2123658"/>
+          </a:xfrm>
+          <a:prstGeom prst="rect">
+            <a:avLst/>
+          </a:prstGeom>
+          <a:noFill/>
+        </p:spPr>
+        <p:txBody>
+          <a:bodyPr wrap="square" rtlCol="0">
+            <a:spAutoFit/>
+          </a:bodyPr>
+          <a:lstStyle/>
+          <a:p>
+            <a:r>
+              <a:rPr lang="zh-CN" altLang="en-US" sz="4400" dirty="0" smtClean="0">
+                <a:solidFill>
+                  <a:srgbClr val="FFFF00"/>
+                </a:solidFill>
+                <a:latin typeface="Calibri" pitchFamily="34" charset="0"/>
+                <a:ea typeface="隶书" pitchFamily="49" charset="-122"/>
+                <a:cs typeface="Calibri" pitchFamily="34" charset="0"/>
+              </a:rPr>
+              <a:t>集合</a:t>
+            </a:r>
+            <a:r>
+              <a:rPr lang="zh-CN" altLang="en-US" sz="4400" dirty="0" smtClean="0">
+                <a:solidFill>
+                  <a:srgbClr val="FFFF00"/>
+                </a:solidFill>
+                <a:latin typeface="Calibri" pitchFamily="34" charset="0"/>
+                <a:ea typeface="隶书" pitchFamily="49" charset="-122"/>
+                <a:cs typeface="Calibri" pitchFamily="34" charset="0"/>
+              </a:rPr>
+              <a:t>（</a:t>
+            </a:r>
+            <a:r>
+              <a:rPr lang="en-US" altLang="zh-CN" sz="4400" dirty="0" smtClean="0">
+                <a:solidFill>
+                  <a:srgbClr val="FFFF00"/>
+                </a:solidFill>
+                <a:latin typeface="Calibri" pitchFamily="34" charset="0"/>
+                <a:ea typeface="隶书" pitchFamily="49" charset="-122"/>
+                <a:cs typeface="Calibri" pitchFamily="34" charset="0"/>
+              </a:rPr>
+              <a:t>Set</a:t>
+            </a:r>
+            <a:r>
+              <a:rPr lang="zh-CN" altLang="en-US" sz="4400" dirty="0" smtClean="0">
+                <a:solidFill>
+                  <a:srgbClr val="FFFF00"/>
+                </a:solidFill>
+                <a:latin typeface="Calibri" pitchFamily="34" charset="0"/>
+                <a:ea typeface="隶书" pitchFamily="49" charset="-122"/>
+                <a:cs typeface="Calibri" pitchFamily="34" charset="0"/>
+              </a:rPr>
+              <a:t>）</a:t>
+            </a:r>
+            <a:endParaRPr lang="en-US" altLang="zh-CN" sz="4400" dirty="0" smtClean="0">
+              <a:solidFill>
+                <a:srgbClr val="FFFF00"/>
+              </a:solidFill>
+              <a:latin typeface="Calibri" pitchFamily="34" charset="0"/>
+              <a:ea typeface="隶书" pitchFamily="49" charset="-122"/>
+              <a:cs typeface="Calibri" pitchFamily="34" charset="0"/>
+            </a:endParaRPr>
+          </a:p>
+          <a:p>
+            <a:r>
+              <a:rPr lang="en-US" altLang="zh-CN" sz="4400" dirty="0" smtClean="0">
+                <a:solidFill>
+                  <a:srgbClr val="FFFF00"/>
+                </a:solidFill>
+                <a:latin typeface="Calibri" pitchFamily="34" charset="0"/>
+                <a:ea typeface="隶书" pitchFamily="49" charset="-122"/>
+                <a:cs typeface="Calibri" pitchFamily="34" charset="0"/>
+              </a:rPr>
+              <a:t>S</a:t>
+            </a:r>
+            <a:r>
+              <a:rPr lang="zh-CN" altLang="en-US" sz="4400" dirty="0" smtClean="0">
+                <a:solidFill>
+                  <a:srgbClr val="FFFF00"/>
+                </a:solidFill>
+                <a:latin typeface="Calibri" pitchFamily="34" charset="0"/>
+                <a:ea typeface="隶书" pitchFamily="49" charset="-122"/>
+                <a:cs typeface="Calibri" pitchFamily="34" charset="0"/>
+              </a:rPr>
+              <a:t>：</a:t>
+            </a:r>
+            <a:r>
+              <a:rPr lang="en-US" altLang="zh-CN" sz="4400" dirty="0" smtClean="0">
+                <a:solidFill>
+                  <a:srgbClr val="FFFF00"/>
+                </a:solidFill>
+                <a:latin typeface="Calibri" pitchFamily="34" charset="0"/>
+                <a:ea typeface="隶书" pitchFamily="49" charset="-122"/>
+                <a:cs typeface="Calibri" pitchFamily="34" charset="0"/>
+              </a:rPr>
+              <a:t>set</a:t>
+            </a:r>
+            <a:r>
+              <a:rPr lang="zh-CN" altLang="en-US" sz="4400" dirty="0" smtClean="0">
+                <a:solidFill>
+                  <a:srgbClr val="FFFF00"/>
+                </a:solidFill>
+                <a:latin typeface="Calibri" pitchFamily="34" charset="0"/>
+                <a:ea typeface="隶书" pitchFamily="49" charset="-122"/>
+                <a:cs typeface="Calibri" pitchFamily="34" charset="0"/>
+              </a:rPr>
+              <a:t>，集合</a:t>
+            </a:r>
+            <a:endParaRPr lang="en-US" altLang="zh-CN" sz="4400" dirty="0" smtClean="0">
+              <a:solidFill>
+                <a:srgbClr val="FFFF00"/>
+              </a:solidFill>
+              <a:latin typeface="Calibri" pitchFamily="34" charset="0"/>
+              <a:ea typeface="隶书" pitchFamily="49" charset="-122"/>
+              <a:cs typeface="Calibri" pitchFamily="34" charset="0"/>
+            </a:endParaRPr>
+          </a:p>
+          <a:p>
+            <a:r>
+              <a:rPr lang="zh-CN" altLang="en-US" sz="4400" dirty="0" smtClean="0">
+                <a:solidFill>
+                  <a:srgbClr val="FFFF00"/>
+                </a:solidFill>
+                <a:latin typeface="Calibri" pitchFamily="34" charset="0"/>
+                <a:ea typeface="隶书" pitchFamily="49" charset="-122"/>
+                <a:cs typeface="Calibri" pitchFamily="34" charset="0"/>
+              </a:rPr>
+              <a:t>差集、交集、并集</a:t>
+            </a:r>
+            <a:endParaRPr lang="en-US" altLang="zh-CN" sz="4400" dirty="0" smtClean="0">
+              <a:solidFill>
+                <a:srgbClr val="FFFF00"/>
+              </a:solidFill>
+              <a:latin typeface="Calibri" pitchFamily="34" charset="0"/>
+              <a:ea typeface="隶书" pitchFamily="49" charset="-122"/>
+              <a:cs typeface="Calibri" pitchFamily="34" charset="0"/>
+            </a:endParaRPr>
+          </a:p>
+        </p:txBody>
+      </p:sp>
+    </p:spTree>
+  </p:cSld>
+  <p:clrMapOvr>
+    <a:masterClrMapping/>
+  </p:clrMapOvr>
+  <p:timing>
+    <p:tnLst>
+      <p:par>
+        <p:cTn id="1" dur="indefinite" restart="never" nodeType="tmRoot"/>
+      </p:par>
+    </p:tnLst>
+  </p:timing>
+</p:sld>
+</file>
+
+<file path=ppt/slides/slide25.xml><?xml version="1.0" encoding="utf-8"?>
+<p:sld xmlns:a="http://schemas.openxmlformats.org/drawingml/2006/main" xmlns:r="http://schemas.openxmlformats.org/officeDocument/2006/relationships" xmlns:p="http://schemas.openxmlformats.org/presentationml/2006/main">
+  <p:cSld>
+    <p:spTree>
+      <p:nvGrpSpPr>
+        <p:cNvPr id="1" name=""/>
+        <p:cNvGrpSpPr/>
+        <p:nvPr/>
+      </p:nvGrpSpPr>
+      <p:grpSpPr>
+        <a:xfrm>
+          <a:off x="0" y="0"/>
+          <a:ext cx="0" cy="0"/>
+          <a:chOff x="0" y="0"/>
+          <a:chExt cx="0" cy="0"/>
+        </a:xfrm>
+      </p:grpSpPr>
+      <p:sp>
+        <p:nvSpPr>
+          <p:cNvPr id="2" name="标题 1"/>
+          <p:cNvSpPr>
+            <a:spLocks noGrp="1"/>
+          </p:cNvSpPr>
+          <p:nvPr>
+            <p:ph type="ctrTitle"/>
+          </p:nvPr>
+        </p:nvSpPr>
+        <p:spPr>
+          <a:xfrm>
+            <a:off x="214282" y="857232"/>
+            <a:ext cx="8929718" cy="785818"/>
+          </a:xfrm>
+        </p:spPr>
+        <p:txBody>
+          <a:bodyPr anchor="ctr">
+            <a:noAutofit/>
+          </a:bodyPr>
+          <a:lstStyle/>
+          <a:p>
+            <a:pPr algn="just"/>
+            <a:r>
+              <a:rPr lang="en-US" altLang="zh-CN" sz="5400" spc="-150" dirty="0" err="1" smtClean="0">
+                <a:effectLst/>
+              </a:rPr>
+              <a:t>Redis</a:t>
+            </a:r>
+            <a:r>
+              <a:rPr lang="zh-CN" altLang="en-US" sz="5400" spc="-150" dirty="0" smtClean="0">
+                <a:effectLst/>
+              </a:rPr>
+              <a:t>的命令</a:t>
+            </a:r>
+            <a:endParaRPr lang="zh-CN" altLang="en-US" sz="5400" spc="-150" dirty="0">
+              <a:effectLst/>
+            </a:endParaRPr>
+          </a:p>
+        </p:txBody>
+      </p:sp>
+      <p:sp>
+        <p:nvSpPr>
+          <p:cNvPr id="4" name="TextBox 3"/>
+          <p:cNvSpPr txBox="1"/>
+          <p:nvPr/>
+        </p:nvSpPr>
+        <p:spPr>
+          <a:xfrm>
+            <a:off x="142844" y="1714488"/>
+            <a:ext cx="8786874" cy="1446550"/>
+          </a:xfrm>
+          <a:prstGeom prst="rect">
+            <a:avLst/>
+          </a:prstGeom>
+          <a:noFill/>
+        </p:spPr>
+        <p:txBody>
+          <a:bodyPr wrap="square" rtlCol="0">
+            <a:spAutoFit/>
+          </a:bodyPr>
+          <a:lstStyle/>
+          <a:p>
+            <a:r>
+              <a:rPr lang="zh-CN" altLang="en-US" sz="4400" dirty="0" smtClean="0">
+                <a:solidFill>
+                  <a:srgbClr val="FFFF00"/>
+                </a:solidFill>
+                <a:latin typeface="Calibri" pitchFamily="34" charset="0"/>
+                <a:ea typeface="隶书" pitchFamily="49" charset="-122"/>
+                <a:cs typeface="Calibri" pitchFamily="34" charset="0"/>
+              </a:rPr>
+              <a:t>哈希</a:t>
+            </a:r>
+            <a:r>
+              <a:rPr lang="zh-CN" altLang="en-US" sz="4400" dirty="0" smtClean="0">
+                <a:solidFill>
+                  <a:srgbClr val="FFFF00"/>
+                </a:solidFill>
+                <a:latin typeface="Calibri" pitchFamily="34" charset="0"/>
+                <a:ea typeface="隶书" pitchFamily="49" charset="-122"/>
+                <a:cs typeface="Calibri" pitchFamily="34" charset="0"/>
+              </a:rPr>
+              <a:t>（</a:t>
+            </a:r>
+            <a:r>
+              <a:rPr lang="en-US" altLang="zh-CN" sz="4400" dirty="0" smtClean="0">
+                <a:solidFill>
+                  <a:srgbClr val="FFFF00"/>
+                </a:solidFill>
+                <a:latin typeface="Calibri" pitchFamily="34" charset="0"/>
+                <a:ea typeface="隶书" pitchFamily="49" charset="-122"/>
+                <a:cs typeface="Calibri" pitchFamily="34" charset="0"/>
+              </a:rPr>
+              <a:t>Hash</a:t>
+            </a:r>
+            <a:r>
+              <a:rPr lang="zh-CN" altLang="en-US" sz="4400" dirty="0" smtClean="0">
+                <a:solidFill>
+                  <a:srgbClr val="FFFF00"/>
+                </a:solidFill>
+                <a:latin typeface="Calibri" pitchFamily="34" charset="0"/>
+                <a:ea typeface="隶书" pitchFamily="49" charset="-122"/>
+                <a:cs typeface="Calibri" pitchFamily="34" charset="0"/>
+              </a:rPr>
+              <a:t>）</a:t>
+            </a:r>
+            <a:endParaRPr lang="en-US" altLang="zh-CN" sz="4400" dirty="0" smtClean="0">
+              <a:solidFill>
+                <a:srgbClr val="FFFF00"/>
+              </a:solidFill>
+              <a:latin typeface="Calibri" pitchFamily="34" charset="0"/>
+              <a:ea typeface="隶书" pitchFamily="49" charset="-122"/>
+              <a:cs typeface="Calibri" pitchFamily="34" charset="0"/>
+            </a:endParaRPr>
+          </a:p>
+          <a:p>
+            <a:r>
+              <a:rPr lang="en-US" altLang="zh-CN" sz="4400" dirty="0" smtClean="0">
+                <a:solidFill>
+                  <a:srgbClr val="FFFF00"/>
+                </a:solidFill>
+                <a:latin typeface="Calibri" pitchFamily="34" charset="0"/>
+                <a:ea typeface="隶书" pitchFamily="49" charset="-122"/>
+                <a:cs typeface="Calibri" pitchFamily="34" charset="0"/>
+              </a:rPr>
+              <a:t>H</a:t>
+            </a:r>
+            <a:r>
+              <a:rPr lang="zh-CN" altLang="en-US" sz="4400" dirty="0" smtClean="0">
+                <a:solidFill>
+                  <a:srgbClr val="FFFF00"/>
+                </a:solidFill>
+                <a:latin typeface="Calibri" pitchFamily="34" charset="0"/>
+                <a:ea typeface="隶书" pitchFamily="49" charset="-122"/>
+                <a:cs typeface="Calibri" pitchFamily="34" charset="0"/>
+              </a:rPr>
+              <a:t>：</a:t>
+            </a:r>
+            <a:r>
+              <a:rPr lang="en-US" altLang="zh-CN" sz="4400" dirty="0" smtClean="0">
+                <a:solidFill>
+                  <a:srgbClr val="FFFF00"/>
+                </a:solidFill>
+                <a:latin typeface="Calibri" pitchFamily="34" charset="0"/>
+                <a:ea typeface="隶书" pitchFamily="49" charset="-122"/>
+                <a:cs typeface="Calibri" pitchFamily="34" charset="0"/>
+              </a:rPr>
+              <a:t>hash</a:t>
+            </a:r>
+            <a:r>
+              <a:rPr lang="zh-CN" altLang="en-US" sz="4400" dirty="0" smtClean="0">
+                <a:solidFill>
+                  <a:srgbClr val="FFFF00"/>
+                </a:solidFill>
+                <a:latin typeface="Calibri" pitchFamily="34" charset="0"/>
+                <a:ea typeface="隶书" pitchFamily="49" charset="-122"/>
+                <a:cs typeface="Calibri" pitchFamily="34" charset="0"/>
+              </a:rPr>
+              <a:t>，哈希</a:t>
+            </a:r>
+            <a:endParaRPr lang="en-US" altLang="zh-CN" sz="4400" dirty="0" smtClean="0">
+              <a:solidFill>
+                <a:srgbClr val="FFFF00"/>
+              </a:solidFill>
+              <a:latin typeface="Calibri" pitchFamily="34" charset="0"/>
+              <a:ea typeface="隶书" pitchFamily="49" charset="-122"/>
+              <a:cs typeface="Calibri" pitchFamily="34" charset="0"/>
+            </a:endParaRPr>
+          </a:p>
+        </p:txBody>
+      </p:sp>
+    </p:spTree>
+  </p:cSld>
+  <p:clrMapOvr>
+    <a:masterClrMapping/>
+  </p:clrMapOvr>
+  <p:timing>
+    <p:tnLst>
+      <p:par>
+        <p:cTn id="1" dur="indefinite" restart="never" nodeType="tmRoot"/>
+      </p:par>
+    </p:tnLst>
+  </p:timing>
+</p:sld>
+</file>
+
+<file path=ppt/slides/slide26.xml><?xml version="1.0" encoding="utf-8"?>
+<p:sld xmlns:a="http://schemas.openxmlformats.org/drawingml/2006/main" xmlns:r="http://schemas.openxmlformats.org/officeDocument/2006/relationships" xmlns:p="http://schemas.openxmlformats.org/presentationml/2006/main">
+  <p:cSld>
+    <p:spTree>
+      <p:nvGrpSpPr>
+        <p:cNvPr id="1" name=""/>
+        <p:cNvGrpSpPr/>
+        <p:nvPr/>
+      </p:nvGrpSpPr>
+      <p:grpSpPr>
+        <a:xfrm>
+          <a:off x="0" y="0"/>
+          <a:ext cx="0" cy="0"/>
+          <a:chOff x="0" y="0"/>
+          <a:chExt cx="0" cy="0"/>
+        </a:xfrm>
+      </p:grpSpPr>
+      <p:sp>
+        <p:nvSpPr>
+          <p:cNvPr id="2" name="标题 1"/>
+          <p:cNvSpPr>
+            <a:spLocks noGrp="1"/>
+          </p:cNvSpPr>
+          <p:nvPr>
+            <p:ph type="ctrTitle"/>
+          </p:nvPr>
+        </p:nvSpPr>
+        <p:spPr>
+          <a:xfrm>
+            <a:off x="214282" y="857232"/>
+            <a:ext cx="8929718" cy="785818"/>
+          </a:xfrm>
+        </p:spPr>
+        <p:txBody>
+          <a:bodyPr anchor="ctr">
+            <a:noAutofit/>
+          </a:bodyPr>
+          <a:lstStyle/>
+          <a:p>
+            <a:pPr algn="just"/>
+            <a:r>
+              <a:rPr lang="en-US" altLang="zh-CN" sz="5400" spc="-150" dirty="0" err="1" smtClean="0">
+                <a:effectLst/>
+              </a:rPr>
+              <a:t>Redis</a:t>
+            </a:r>
+            <a:r>
+              <a:rPr lang="zh-CN" altLang="en-US" sz="5400" spc="-150" dirty="0" smtClean="0">
+                <a:effectLst/>
+              </a:rPr>
+              <a:t>的命令</a:t>
+            </a:r>
+            <a:endParaRPr lang="zh-CN" altLang="en-US" sz="5400" spc="-150" dirty="0">
+              <a:effectLst/>
+            </a:endParaRPr>
+          </a:p>
+        </p:txBody>
+      </p:sp>
+      <p:sp>
+        <p:nvSpPr>
+          <p:cNvPr id="4" name="TextBox 3"/>
+          <p:cNvSpPr txBox="1"/>
+          <p:nvPr/>
+        </p:nvSpPr>
+        <p:spPr>
+          <a:xfrm>
+            <a:off x="142844" y="1714488"/>
+            <a:ext cx="8786874" cy="3477875"/>
+          </a:xfrm>
+          <a:prstGeom prst="rect">
+            <a:avLst/>
+          </a:prstGeom>
+          <a:noFill/>
+        </p:spPr>
+        <p:txBody>
+          <a:bodyPr wrap="square" rtlCol="0">
+            <a:spAutoFit/>
+          </a:bodyPr>
+          <a:lstStyle/>
+          <a:p>
+            <a:r>
+              <a:rPr lang="zh-CN" altLang="en-US" sz="4400" dirty="0" smtClean="0">
+                <a:solidFill>
+                  <a:srgbClr val="FFFF00"/>
+                </a:solidFill>
+                <a:latin typeface="Calibri" pitchFamily="34" charset="0"/>
+                <a:ea typeface="隶书" pitchFamily="49" charset="-122"/>
+                <a:cs typeface="Calibri" pitchFamily="34" charset="0"/>
+              </a:rPr>
+              <a:t>有序集合（</a:t>
+            </a:r>
+            <a:r>
+              <a:rPr lang="en-US" altLang="zh-CN" sz="4400" dirty="0" smtClean="0">
+                <a:solidFill>
+                  <a:srgbClr val="FFFF00"/>
+                </a:solidFill>
+                <a:latin typeface="Calibri" pitchFamily="34" charset="0"/>
+                <a:ea typeface="隶书" pitchFamily="49" charset="-122"/>
+                <a:cs typeface="Calibri" pitchFamily="34" charset="0"/>
+              </a:rPr>
+              <a:t>Sorted Set</a:t>
+            </a:r>
+            <a:r>
+              <a:rPr lang="zh-CN" altLang="en-US" sz="4400" dirty="0" smtClean="0">
+                <a:solidFill>
+                  <a:srgbClr val="FFFF00"/>
+                </a:solidFill>
+                <a:latin typeface="Calibri" pitchFamily="34" charset="0"/>
+                <a:ea typeface="隶书" pitchFamily="49" charset="-122"/>
+                <a:cs typeface="Calibri" pitchFamily="34" charset="0"/>
+              </a:rPr>
+              <a:t>）</a:t>
+            </a:r>
+            <a:endParaRPr lang="en-US" altLang="zh-CN" sz="4400" dirty="0" smtClean="0">
+              <a:solidFill>
+                <a:srgbClr val="FFFF00"/>
+              </a:solidFill>
+              <a:latin typeface="Calibri" pitchFamily="34" charset="0"/>
+              <a:ea typeface="隶书" pitchFamily="49" charset="-122"/>
+              <a:cs typeface="Calibri" pitchFamily="34" charset="0"/>
+            </a:endParaRPr>
+          </a:p>
+          <a:p>
+            <a:r>
+              <a:rPr lang="en-US" altLang="zh-CN" sz="4400" dirty="0" smtClean="0">
+                <a:solidFill>
+                  <a:srgbClr val="FFFF00"/>
+                </a:solidFill>
+                <a:latin typeface="Calibri" pitchFamily="34" charset="0"/>
+                <a:ea typeface="隶书" pitchFamily="49" charset="-122"/>
+                <a:cs typeface="Calibri" pitchFamily="34" charset="0"/>
+              </a:rPr>
+              <a:t>Z</a:t>
+            </a:r>
+            <a:r>
+              <a:rPr lang="zh-CN" altLang="en-US" sz="4400" dirty="0" smtClean="0">
+                <a:solidFill>
+                  <a:srgbClr val="FFFF00"/>
+                </a:solidFill>
+                <a:latin typeface="Calibri" pitchFamily="34" charset="0"/>
+                <a:ea typeface="隶书" pitchFamily="49" charset="-122"/>
+                <a:cs typeface="Calibri" pitchFamily="34" charset="0"/>
+              </a:rPr>
+              <a:t>：</a:t>
+            </a:r>
+            <a:r>
+              <a:rPr lang="en-US" altLang="zh-CN" sz="4400" dirty="0" smtClean="0">
+                <a:solidFill>
+                  <a:srgbClr val="FFFF00"/>
+                </a:solidFill>
+                <a:latin typeface="Calibri" pitchFamily="34" charset="0"/>
+                <a:ea typeface="隶书" pitchFamily="49" charset="-122"/>
+                <a:cs typeface="Calibri" pitchFamily="34" charset="0"/>
+              </a:rPr>
+              <a:t>sorted set</a:t>
+            </a:r>
+            <a:r>
+              <a:rPr lang="zh-CN" altLang="en-US" sz="4400" dirty="0" smtClean="0">
+                <a:solidFill>
+                  <a:srgbClr val="FFFF00"/>
+                </a:solidFill>
+                <a:latin typeface="Calibri" pitchFamily="34" charset="0"/>
+                <a:ea typeface="隶书" pitchFamily="49" charset="-122"/>
+                <a:cs typeface="Calibri" pitchFamily="34" charset="0"/>
+              </a:rPr>
+              <a:t>，有序集合</a:t>
+            </a:r>
+            <a:endParaRPr lang="en-US" altLang="zh-CN" sz="4400" dirty="0" smtClean="0">
+              <a:solidFill>
+                <a:srgbClr val="FFFF00"/>
+              </a:solidFill>
+              <a:latin typeface="Calibri" pitchFamily="34" charset="0"/>
+              <a:ea typeface="隶书" pitchFamily="49" charset="-122"/>
+              <a:cs typeface="Calibri" pitchFamily="34" charset="0"/>
+            </a:endParaRPr>
+          </a:p>
+          <a:p>
+            <a:r>
+              <a:rPr lang="en-US" altLang="zh-CN" sz="4400" dirty="0" smtClean="0">
+                <a:solidFill>
+                  <a:srgbClr val="FFFF00"/>
+                </a:solidFill>
+                <a:latin typeface="Calibri" pitchFamily="34" charset="0"/>
+                <a:ea typeface="隶书" pitchFamily="49" charset="-122"/>
+                <a:cs typeface="Calibri" pitchFamily="34" charset="0"/>
+              </a:rPr>
+              <a:t>LEX</a:t>
+            </a:r>
+            <a:r>
+              <a:rPr lang="zh-CN" altLang="en-US" sz="4400" dirty="0" smtClean="0">
+                <a:solidFill>
+                  <a:srgbClr val="FFFF00"/>
+                </a:solidFill>
+                <a:latin typeface="Calibri" pitchFamily="34" charset="0"/>
+                <a:ea typeface="隶书" pitchFamily="49" charset="-122"/>
+                <a:cs typeface="Calibri" pitchFamily="34" charset="0"/>
+              </a:rPr>
+              <a:t>：</a:t>
+            </a:r>
+            <a:r>
+              <a:rPr lang="en-US" altLang="zh-CN" sz="4400" dirty="0" smtClean="0">
+                <a:solidFill>
+                  <a:srgbClr val="FFFF00"/>
+                </a:solidFill>
+                <a:latin typeface="Calibri" pitchFamily="34" charset="0"/>
+                <a:ea typeface="隶书" pitchFamily="49" charset="-122"/>
+                <a:cs typeface="Calibri" pitchFamily="34" charset="0"/>
+              </a:rPr>
+              <a:t>l</a:t>
+            </a:r>
+            <a:r>
+              <a:rPr lang="en-US" altLang="zh-CN" sz="4400" dirty="0" smtClean="0">
+                <a:solidFill>
+                  <a:srgbClr val="FFFF00"/>
+                </a:solidFill>
+                <a:latin typeface="Calibri" pitchFamily="34" charset="0"/>
+                <a:ea typeface="隶书" pitchFamily="49" charset="-122"/>
+                <a:cs typeface="Calibri" pitchFamily="34" charset="0"/>
+              </a:rPr>
+              <a:t>exicographical</a:t>
+            </a:r>
+            <a:r>
+              <a:rPr lang="zh-CN" altLang="en-US" sz="4400" dirty="0" smtClean="0">
+                <a:solidFill>
+                  <a:srgbClr val="FFFF00"/>
+                </a:solidFill>
+                <a:latin typeface="Calibri" pitchFamily="34" charset="0"/>
+                <a:ea typeface="隶书" pitchFamily="49" charset="-122"/>
+                <a:cs typeface="Calibri" pitchFamily="34" charset="0"/>
+              </a:rPr>
+              <a:t>，字典顺序</a:t>
+            </a:r>
+            <a:endParaRPr lang="en-US" altLang="zh-CN" sz="4400" dirty="0" smtClean="0">
+              <a:solidFill>
+                <a:srgbClr val="FFFF00"/>
+              </a:solidFill>
+              <a:latin typeface="Calibri" pitchFamily="34" charset="0"/>
+              <a:ea typeface="隶书" pitchFamily="49" charset="-122"/>
+              <a:cs typeface="Calibri" pitchFamily="34" charset="0"/>
+            </a:endParaRPr>
+          </a:p>
+          <a:p>
+            <a:r>
+              <a:rPr lang="en-US" altLang="zh-CN" sz="4400" dirty="0" smtClean="0">
+                <a:solidFill>
+                  <a:srgbClr val="FFFF00"/>
+                </a:solidFill>
+                <a:latin typeface="Calibri" pitchFamily="34" charset="0"/>
+                <a:ea typeface="隶书" pitchFamily="49" charset="-122"/>
+                <a:cs typeface="Calibri" pitchFamily="34" charset="0"/>
+              </a:rPr>
+              <a:t>REV</a:t>
+            </a:r>
+            <a:r>
+              <a:rPr lang="zh-CN" altLang="en-US" sz="4400" dirty="0" smtClean="0">
+                <a:solidFill>
+                  <a:srgbClr val="FFFF00"/>
+                </a:solidFill>
+                <a:latin typeface="Calibri" pitchFamily="34" charset="0"/>
+                <a:ea typeface="隶书" pitchFamily="49" charset="-122"/>
+                <a:cs typeface="Calibri" pitchFamily="34" charset="0"/>
+              </a:rPr>
+              <a:t>：</a:t>
+            </a:r>
+            <a:r>
+              <a:rPr lang="en-US" altLang="zh-CN" sz="4400" dirty="0" smtClean="0">
+                <a:solidFill>
+                  <a:srgbClr val="FFFF00"/>
+                </a:solidFill>
+                <a:latin typeface="Calibri" pitchFamily="34" charset="0"/>
+                <a:ea typeface="隶书" pitchFamily="49" charset="-122"/>
+                <a:cs typeface="Calibri" pitchFamily="34" charset="0"/>
+              </a:rPr>
+              <a:t>reverse</a:t>
+            </a:r>
+            <a:r>
+              <a:rPr lang="zh-CN" altLang="en-US" sz="4400" dirty="0" smtClean="0">
+                <a:solidFill>
+                  <a:srgbClr val="FFFF00"/>
+                </a:solidFill>
+                <a:latin typeface="Calibri" pitchFamily="34" charset="0"/>
+                <a:ea typeface="隶书" pitchFamily="49" charset="-122"/>
+                <a:cs typeface="Calibri" pitchFamily="34" charset="0"/>
+              </a:rPr>
+              <a:t>，相反</a:t>
+            </a:r>
+            <a:endParaRPr lang="en-US" altLang="zh-CN" sz="4400" dirty="0" smtClean="0">
+              <a:solidFill>
+                <a:srgbClr val="FFFF00"/>
+              </a:solidFill>
+              <a:latin typeface="Calibri" pitchFamily="34" charset="0"/>
+              <a:ea typeface="隶书" pitchFamily="49" charset="-122"/>
+              <a:cs typeface="Calibri" pitchFamily="34" charset="0"/>
+            </a:endParaRPr>
+          </a:p>
+          <a:p>
+            <a:r>
+              <a:rPr lang="zh-CN" altLang="en-US" sz="4400" dirty="0" smtClean="0">
+                <a:solidFill>
+                  <a:srgbClr val="FFFF00"/>
+                </a:solidFill>
+                <a:latin typeface="Calibri" pitchFamily="34" charset="0"/>
+                <a:ea typeface="隶书" pitchFamily="49" charset="-122"/>
+                <a:cs typeface="Calibri" pitchFamily="34" charset="0"/>
+              </a:rPr>
+              <a:t>交集、并集</a:t>
+            </a:r>
+            <a:endParaRPr lang="en-US" altLang="zh-CN" sz="4400" dirty="0" smtClean="0">
+              <a:solidFill>
+                <a:srgbClr val="FFFF00"/>
+              </a:solidFill>
+              <a:latin typeface="Calibri" pitchFamily="34" charset="0"/>
+              <a:ea typeface="隶书" pitchFamily="49" charset="-122"/>
+              <a:cs typeface="Calibri" pitchFamily="34" charset="0"/>
+            </a:endParaRPr>
+          </a:p>
+        </p:txBody>
+      </p:sp>
+    </p:spTree>
+  </p:cSld>
+  <p:clrMapOvr>
+    <a:masterClrMapping/>
+  </p:clrMapOvr>
+  <p:timing>
+    <p:tnLst>
+      <p:par>
+        <p:cTn id="1" dur="indefinite" restart="never" nodeType="tmRoot"/>
+      </p:par>
+    </p:tnLst>
+  </p:timing>
+</p:sld>
+</file>
+
+<file path=ppt/slides/slide27.xml><?xml version="1.0" encoding="utf-8"?>
+<p:sld xmlns:a="http://schemas.openxmlformats.org/drawingml/2006/main" xmlns:r="http://schemas.openxmlformats.org/officeDocument/2006/relationships" xmlns:p="http://schemas.openxmlformats.org/presentationml/2006/main">
+  <p:cSld>
+    <p:spTree>
+      <p:nvGrpSpPr>
+        <p:cNvPr id="1" name=""/>
+        <p:cNvGrpSpPr/>
+        <p:nvPr/>
+      </p:nvGrpSpPr>
+      <p:grpSpPr>
+        <a:xfrm>
+          <a:off x="0" y="0"/>
+          <a:ext cx="0" cy="0"/>
+          <a:chOff x="0" y="0"/>
+          <a:chExt cx="0" cy="0"/>
+        </a:xfrm>
+      </p:grpSpPr>
+      <p:sp>
+        <p:nvSpPr>
+          <p:cNvPr id="2" name="标题 1"/>
+          <p:cNvSpPr>
+            <a:spLocks noGrp="1"/>
+          </p:cNvSpPr>
+          <p:nvPr>
+            <p:ph type="ctrTitle"/>
+          </p:nvPr>
+        </p:nvSpPr>
+        <p:spPr>
+          <a:xfrm>
+            <a:off x="214282" y="857232"/>
+            <a:ext cx="8929718" cy="785818"/>
+          </a:xfrm>
+        </p:spPr>
+        <p:txBody>
+          <a:bodyPr anchor="ctr">
+            <a:noAutofit/>
+          </a:bodyPr>
+          <a:lstStyle/>
+          <a:p>
+            <a:pPr algn="just"/>
+            <a:r>
+              <a:rPr lang="en-US" altLang="zh-CN" sz="5400" spc="-150" dirty="0" err="1" smtClean="0">
+                <a:effectLst/>
+              </a:rPr>
+              <a:t>Redis</a:t>
+            </a:r>
+            <a:r>
+              <a:rPr lang="zh-CN" altLang="en-US" sz="5400" spc="-150" dirty="0" smtClean="0">
+                <a:effectLst/>
+              </a:rPr>
+              <a:t>的命令</a:t>
+            </a:r>
+            <a:endParaRPr lang="zh-CN" altLang="en-US" sz="5400" spc="-150" dirty="0">
+              <a:effectLst/>
+            </a:endParaRPr>
+          </a:p>
+        </p:txBody>
+      </p:sp>
+      <p:sp>
+        <p:nvSpPr>
+          <p:cNvPr id="4" name="TextBox 3"/>
+          <p:cNvSpPr txBox="1"/>
+          <p:nvPr/>
+        </p:nvSpPr>
+        <p:spPr>
+          <a:xfrm>
+            <a:off x="142844" y="1714488"/>
+            <a:ext cx="8786874" cy="769441"/>
+          </a:xfrm>
+          <a:prstGeom prst="rect">
+            <a:avLst/>
+          </a:prstGeom>
+          <a:noFill/>
+        </p:spPr>
+        <p:txBody>
+          <a:bodyPr wrap="square" rtlCol="0">
+            <a:spAutoFit/>
+          </a:bodyPr>
+          <a:lstStyle/>
+          <a:p>
+            <a:r>
+              <a:rPr lang="zh-CN" altLang="en-US" sz="4400" dirty="0" smtClean="0">
+                <a:solidFill>
+                  <a:srgbClr val="FFFF00"/>
+                </a:solidFill>
+                <a:latin typeface="Calibri" pitchFamily="34" charset="0"/>
+                <a:ea typeface="隶书" pitchFamily="49" charset="-122"/>
+                <a:cs typeface="Calibri" pitchFamily="34" charset="0"/>
+              </a:rPr>
+              <a:t>键（</a:t>
+            </a:r>
+            <a:r>
+              <a:rPr lang="en-US" altLang="zh-CN" sz="4400" dirty="0" smtClean="0">
+                <a:solidFill>
+                  <a:srgbClr val="FFFF00"/>
+                </a:solidFill>
+                <a:latin typeface="Calibri" pitchFamily="34" charset="0"/>
+                <a:ea typeface="隶书" pitchFamily="49" charset="-122"/>
+                <a:cs typeface="Calibri" pitchFamily="34" charset="0"/>
+              </a:rPr>
+              <a:t>Key</a:t>
+            </a:r>
+            <a:r>
+              <a:rPr lang="zh-CN" altLang="en-US" sz="4400" dirty="0" smtClean="0">
+                <a:solidFill>
+                  <a:srgbClr val="FFFF00"/>
+                </a:solidFill>
+                <a:latin typeface="Calibri" pitchFamily="34" charset="0"/>
+                <a:ea typeface="隶书" pitchFamily="49" charset="-122"/>
+                <a:cs typeface="Calibri" pitchFamily="34" charset="0"/>
+              </a:rPr>
+              <a:t>）</a:t>
+            </a:r>
+            <a:endParaRPr lang="en-US" altLang="zh-CN" sz="4400" dirty="0" smtClean="0">
+              <a:solidFill>
+                <a:srgbClr val="FFFF00"/>
+              </a:solidFill>
+              <a:latin typeface="Calibri" pitchFamily="34" charset="0"/>
+              <a:ea typeface="隶书" pitchFamily="49" charset="-122"/>
+              <a:cs typeface="Calibri" pitchFamily="34" charset="0"/>
+            </a:endParaRPr>
+          </a:p>
+        </p:txBody>
+      </p:sp>
+    </p:spTree>
+  </p:cSld>
+  <p:clrMapOvr>
+    <a:masterClrMapping/>
+  </p:clrMapOvr>
+  <p:timing>
+    <p:tnLst>
+      <p:par>
+        <p:cTn id="1" dur="indefinite" restart="never" nodeType="tmRoot"/>
+      </p:par>
+    </p:tnLst>
+  </p:timing>
+</p:sld>
+</file>
+
+<file path=ppt/slides/slide28.xml><?xml version="1.0" encoding="utf-8"?>
+<p:sld xmlns:a="http://schemas.openxmlformats.org/drawingml/2006/main" xmlns:r="http://schemas.openxmlformats.org/officeDocument/2006/relationships" xmlns:p="http://schemas.openxmlformats.org/presentationml/2006/main">
+  <p:cSld>
+    <p:spTree>
+      <p:nvGrpSpPr>
+        <p:cNvPr id="1" name=""/>
+        <p:cNvGrpSpPr/>
+        <p:nvPr/>
+      </p:nvGrpSpPr>
+      <p:grpSpPr>
+        <a:xfrm>
+          <a:off x="0" y="0"/>
+          <a:ext cx="0" cy="0"/>
+          <a:chOff x="0" y="0"/>
+          <a:chExt cx="0" cy="0"/>
+        </a:xfrm>
+      </p:grpSpPr>
+      <p:sp>
+        <p:nvSpPr>
+          <p:cNvPr id="2" name="标题 1"/>
+          <p:cNvSpPr>
+            <a:spLocks noGrp="1"/>
+          </p:cNvSpPr>
+          <p:nvPr>
+            <p:ph type="ctrTitle"/>
+          </p:nvPr>
+        </p:nvSpPr>
+        <p:spPr>
+          <a:xfrm>
+            <a:off x="214282" y="857232"/>
+            <a:ext cx="8929718" cy="785818"/>
+          </a:xfrm>
+        </p:spPr>
+        <p:txBody>
+          <a:bodyPr anchor="ctr">
+            <a:noAutofit/>
+          </a:bodyPr>
+          <a:lstStyle/>
+          <a:p>
+            <a:pPr algn="just"/>
+            <a:r>
+              <a:rPr lang="en-US" altLang="zh-CN" sz="5400" spc="-150" dirty="0" err="1" smtClean="0">
+                <a:effectLst/>
+              </a:rPr>
+              <a:t>Redis</a:t>
+            </a:r>
+            <a:r>
+              <a:rPr lang="zh-CN" altLang="en-US" sz="5400" spc="-150" dirty="0" smtClean="0">
+                <a:effectLst/>
+              </a:rPr>
+              <a:t>的命令</a:t>
+            </a:r>
+            <a:endParaRPr lang="zh-CN" altLang="en-US" sz="5400" spc="-150" dirty="0">
+              <a:effectLst/>
+            </a:endParaRPr>
+          </a:p>
+        </p:txBody>
+      </p:sp>
+      <p:sp>
+        <p:nvSpPr>
+          <p:cNvPr id="4" name="TextBox 3"/>
+          <p:cNvSpPr txBox="1"/>
+          <p:nvPr/>
+        </p:nvSpPr>
+        <p:spPr>
+          <a:xfrm>
+            <a:off x="142844" y="1714488"/>
+            <a:ext cx="8786874" cy="769441"/>
+          </a:xfrm>
+          <a:prstGeom prst="rect">
+            <a:avLst/>
+          </a:prstGeom>
+          <a:noFill/>
+        </p:spPr>
+        <p:txBody>
+          <a:bodyPr wrap="square" rtlCol="0">
+            <a:spAutoFit/>
+          </a:bodyPr>
+          <a:lstStyle/>
+          <a:p>
+            <a:r>
+              <a:rPr lang="zh-CN" altLang="en-US" sz="4400" dirty="0" smtClean="0">
+                <a:solidFill>
+                  <a:srgbClr val="FFFF00"/>
+                </a:solidFill>
+                <a:latin typeface="Calibri" pitchFamily="34" charset="0"/>
+                <a:ea typeface="隶书" pitchFamily="49" charset="-122"/>
+                <a:cs typeface="Calibri" pitchFamily="34" charset="0"/>
+              </a:rPr>
+              <a:t>连接</a:t>
+            </a:r>
+            <a:r>
+              <a:rPr lang="zh-CN" altLang="en-US" sz="4400" dirty="0" smtClean="0">
+                <a:solidFill>
+                  <a:srgbClr val="FFFF00"/>
+                </a:solidFill>
+                <a:latin typeface="Calibri" pitchFamily="34" charset="0"/>
+                <a:ea typeface="隶书" pitchFamily="49" charset="-122"/>
+                <a:cs typeface="Calibri" pitchFamily="34" charset="0"/>
+              </a:rPr>
+              <a:t>（</a:t>
+            </a:r>
+            <a:r>
+              <a:rPr lang="en-US" altLang="zh-CN" sz="4400" dirty="0" smtClean="0">
+                <a:solidFill>
+                  <a:srgbClr val="FFFF00"/>
+                </a:solidFill>
+                <a:latin typeface="Calibri" pitchFamily="34" charset="0"/>
+                <a:ea typeface="隶书" pitchFamily="49" charset="-122"/>
+                <a:cs typeface="Calibri" pitchFamily="34" charset="0"/>
+              </a:rPr>
+              <a:t>Connection</a:t>
+            </a:r>
+            <a:r>
+              <a:rPr lang="zh-CN" altLang="en-US" sz="4400" dirty="0" smtClean="0">
+                <a:solidFill>
+                  <a:srgbClr val="FFFF00"/>
+                </a:solidFill>
+                <a:latin typeface="Calibri" pitchFamily="34" charset="0"/>
+                <a:ea typeface="隶书" pitchFamily="49" charset="-122"/>
+                <a:cs typeface="Calibri" pitchFamily="34" charset="0"/>
+              </a:rPr>
+              <a:t>）</a:t>
+            </a:r>
+            <a:endParaRPr lang="en-US" altLang="zh-CN" sz="4400" dirty="0" smtClean="0">
+              <a:solidFill>
+                <a:srgbClr val="FFFF00"/>
+              </a:solidFill>
+              <a:latin typeface="Calibri" pitchFamily="34" charset="0"/>
+              <a:ea typeface="隶书" pitchFamily="49" charset="-122"/>
+              <a:cs typeface="Calibri" pitchFamily="34" charset="0"/>
+            </a:endParaRPr>
+          </a:p>
+        </p:txBody>
+      </p:sp>
+    </p:spTree>
+  </p:cSld>
+  <p:clrMapOvr>
+    <a:masterClrMapping/>
+  </p:clrMapOvr>
+  <p:timing>
+    <p:tnLst>
+      <p:par>
+        <p:cTn id="1" dur="indefinite" restart="never" nodeType="tmRoot"/>
+      </p:par>
+    </p:tnLst>
+  </p:timing>
+</p:sld>
+</file>
+
+<file path=ppt/slides/slide29.xml><?xml version="1.0" encoding="utf-8"?>
+<p:sld xmlns:a="http://schemas.openxmlformats.org/drawingml/2006/main" xmlns:r="http://schemas.openxmlformats.org/officeDocument/2006/relationships" xmlns:p="http://schemas.openxmlformats.org/presentationml/2006/main">
+  <p:cSld>
+    <p:spTree>
+      <p:nvGrpSpPr>
+        <p:cNvPr id="1" name=""/>
+        <p:cNvGrpSpPr/>
+        <p:nvPr/>
+      </p:nvGrpSpPr>
+      <p:grpSpPr>
+        <a:xfrm>
+          <a:off x="0" y="0"/>
+          <a:ext cx="0" cy="0"/>
+          <a:chOff x="0" y="0"/>
+          <a:chExt cx="0" cy="0"/>
+        </a:xfrm>
+      </p:grpSpPr>
+      <p:sp>
+        <p:nvSpPr>
+          <p:cNvPr id="2" name="标题 1"/>
+          <p:cNvSpPr>
+            <a:spLocks noGrp="1"/>
+          </p:cNvSpPr>
+          <p:nvPr>
+            <p:ph type="ctrTitle"/>
+          </p:nvPr>
+        </p:nvSpPr>
+        <p:spPr>
+          <a:xfrm>
+            <a:off x="214282" y="857232"/>
+            <a:ext cx="8929718" cy="785818"/>
+          </a:xfrm>
+        </p:spPr>
+        <p:txBody>
+          <a:bodyPr anchor="ctr">
+            <a:noAutofit/>
+          </a:bodyPr>
+          <a:lstStyle/>
+          <a:p>
+            <a:pPr algn="just"/>
+            <a:r>
+              <a:rPr lang="en-US" altLang="zh-CN" sz="5400" spc="-150" dirty="0" err="1" smtClean="0">
+                <a:effectLst/>
+              </a:rPr>
+              <a:t>Redis</a:t>
+            </a:r>
+            <a:r>
+              <a:rPr lang="zh-CN" altLang="en-US" sz="5400" spc="-150" dirty="0" smtClean="0">
+                <a:effectLst/>
+              </a:rPr>
+              <a:t>的命令</a:t>
+            </a:r>
+            <a:endParaRPr lang="zh-CN" altLang="en-US" sz="5400" spc="-150" dirty="0">
+              <a:effectLst/>
+            </a:endParaRPr>
+          </a:p>
+        </p:txBody>
+      </p:sp>
+      <p:sp>
+        <p:nvSpPr>
+          <p:cNvPr id="4" name="TextBox 3"/>
+          <p:cNvSpPr txBox="1"/>
+          <p:nvPr/>
+        </p:nvSpPr>
+        <p:spPr>
+          <a:xfrm>
+            <a:off x="142844" y="1714488"/>
+            <a:ext cx="8786874" cy="769441"/>
+          </a:xfrm>
+          <a:prstGeom prst="rect">
+            <a:avLst/>
+          </a:prstGeom>
+          <a:noFill/>
+        </p:spPr>
+        <p:txBody>
+          <a:bodyPr wrap="square" rtlCol="0">
+            <a:spAutoFit/>
+          </a:bodyPr>
+          <a:lstStyle/>
+          <a:p>
+            <a:r>
+              <a:rPr lang="zh-CN" altLang="en-US" sz="4400" dirty="0" smtClean="0">
+                <a:solidFill>
+                  <a:srgbClr val="FFFF00"/>
+                </a:solidFill>
+                <a:latin typeface="Calibri" pitchFamily="34" charset="0"/>
+                <a:ea typeface="隶书" pitchFamily="49" charset="-122"/>
+                <a:cs typeface="Calibri" pitchFamily="34" charset="0"/>
+              </a:rPr>
+              <a:t>事务</a:t>
+            </a:r>
+            <a:r>
+              <a:rPr lang="zh-CN" altLang="en-US" sz="4400" dirty="0" smtClean="0">
+                <a:solidFill>
+                  <a:srgbClr val="FFFF00"/>
+                </a:solidFill>
+                <a:latin typeface="Calibri" pitchFamily="34" charset="0"/>
+                <a:ea typeface="隶书" pitchFamily="49" charset="-122"/>
+                <a:cs typeface="Calibri" pitchFamily="34" charset="0"/>
+              </a:rPr>
+              <a:t>（</a:t>
+            </a:r>
+            <a:r>
+              <a:rPr lang="en-US" altLang="zh-CN" sz="4400" dirty="0" smtClean="0">
+                <a:solidFill>
+                  <a:srgbClr val="FFFF00"/>
+                </a:solidFill>
+                <a:latin typeface="Calibri" pitchFamily="34" charset="0"/>
+                <a:ea typeface="隶书" pitchFamily="49" charset="-122"/>
+                <a:cs typeface="Calibri" pitchFamily="34" charset="0"/>
+              </a:rPr>
+              <a:t>Transaction</a:t>
+            </a:r>
+            <a:r>
+              <a:rPr lang="zh-CN" altLang="en-US" sz="4400" dirty="0" smtClean="0">
+                <a:solidFill>
+                  <a:srgbClr val="FFFF00"/>
+                </a:solidFill>
+                <a:latin typeface="Calibri" pitchFamily="34" charset="0"/>
+                <a:ea typeface="隶书" pitchFamily="49" charset="-122"/>
+                <a:cs typeface="Calibri" pitchFamily="34" charset="0"/>
+              </a:rPr>
+              <a:t>）</a:t>
             </a:r>
             <a:endParaRPr lang="en-US" altLang="zh-CN" sz="4400" dirty="0" smtClean="0">
               <a:solidFill>
@@ -7639,7 +9612,7 @@
               <a:rPr lang="zh-CN" altLang="en-US" sz="5400" spc="-150" dirty="0" smtClean="0">
                 <a:effectLst/>
               </a:rPr>
-              <a:t>的两种工作模式</a:t>
+              <a:t>简介</a:t>
             </a:r>
             <a:endParaRPr lang="zh-CN" altLang="en-US" sz="5400" spc="-150" dirty="0">
               <a:effectLst/>
@@ -7656,7 +9629,7 @@
         <p:spPr>
           <a:xfrm>
             <a:off x="142844" y="1714488"/>
-            <a:ext cx="7358114" cy="1446550"/>
+            <a:ext cx="7358114" cy="3477875"/>
           </a:xfrm>
           <a:prstGeom prst="rect">
             <a:avLst/>
@@ -7670,25 +9643,27 @@
           <a:lstStyle/>
           <a:p>
             <a:r>
-              <a:rPr lang="zh-CN" altLang="en-US" sz="4400" dirty="0" smtClean="0">
+              <a:rPr lang="en-US" altLang="zh-CN" sz="4400" dirty="0" smtClean="0">
+                <a:solidFill>
+                  <a:srgbClr val="FFFF00"/>
+                </a:solidFill>
+                <a:latin typeface="Calibri" pitchFamily="34" charset="0"/>
+                <a:ea typeface="隶书" pitchFamily="49" charset="-122"/>
+                <a:cs typeface="Calibri" pitchFamily="34" charset="0"/>
+              </a:rPr>
+              <a:t>Remote Dictionary Server</a:t>
+            </a:r>
+          </a:p>
+          <a:p>
+            <a:r>
+              <a:rPr lang="en-US" altLang="zh-CN" sz="4400" dirty="0" smtClean="0">
                 <a:solidFill>
                   <a:srgbClr val="FFFF00"/>
                 </a:solidFill>
                 <a:latin typeface="隶书" pitchFamily="49" charset="-122"/>
                 <a:ea typeface="隶书" pitchFamily="49" charset="-122"/>
               </a:rPr>
-              <a:t>单节点模式（</a:t>
-            </a:r>
-            <a:r>
-              <a:rPr lang="en-US" altLang="zh-CN" sz="4400" dirty="0" smtClean="0">
-                <a:solidFill>
-                  <a:srgbClr val="FFFF00"/>
-                </a:solidFill>
-                <a:latin typeface="Calibri" pitchFamily="34" charset="0"/>
-                <a:ea typeface="隶书" pitchFamily="49" charset="-122"/>
-                <a:cs typeface="Calibri" pitchFamily="34" charset="0"/>
-              </a:rPr>
-              <a:t>single node</a:t>
+              <a:t>(</a:t>
             </a:r>
             <a:r>
               <a:rPr lang="zh-CN" altLang="en-US" sz="4400" dirty="0" smtClean="0">
@@ -7698,7 +9673,51 @@
                 <a:latin typeface="隶书" pitchFamily="49" charset="-122"/>
                 <a:ea typeface="隶书" pitchFamily="49" charset="-122"/>
               </a:rPr>
-              <a:t>）</a:t>
+              <a:t>远程字典服务器</a:t>
+            </a:r>
+            <a:r>
+              <a:rPr lang="en-US" altLang="zh-CN" sz="4400" dirty="0" smtClean="0">
+                <a:solidFill>
+                  <a:srgbClr val="FFFF00"/>
+                </a:solidFill>
+                <a:latin typeface="隶书" pitchFamily="49" charset="-122"/>
+                <a:ea typeface="隶书" pitchFamily="49" charset="-122"/>
+              </a:rPr>
+              <a:t>)</a:t>
+            </a:r>
+          </a:p>
+          <a:p>
+            <a:r>
+              <a:rPr lang="en-US" altLang="zh-CN" sz="4400" dirty="0" smtClean="0">
+                <a:solidFill>
+                  <a:srgbClr val="FFFF00"/>
+                </a:solidFill>
+                <a:latin typeface="隶书" pitchFamily="49" charset="-122"/>
+                <a:ea typeface="隶书" pitchFamily="49" charset="-122"/>
+                <a:cs typeface="Calibri" pitchFamily="34" charset="0"/>
+              </a:rPr>
+              <a:t>(</a:t>
+            </a:r>
+            <a:r>
+              <a:rPr lang="en-US" altLang="zh-CN" sz="4400" dirty="0" smtClean="0">
+                <a:solidFill>
+                  <a:srgbClr val="FFFF00"/>
+                </a:solidFill>
+                <a:latin typeface="Calibri" pitchFamily="34" charset="0"/>
+                <a:cs typeface="Calibri" pitchFamily="34" charset="0"/>
+              </a:rPr>
+              <a:t>Dictionary==Map</a:t>
+            </a:r>
+            <a:r>
+              <a:rPr lang="en-US" altLang="zh-CN" sz="4400" dirty="0" smtClean="0">
+                <a:solidFill>
+                  <a:srgbClr val="FFFF00"/>
+                </a:solidFill>
+                <a:latin typeface="隶书" pitchFamily="49" charset="-122"/>
+                <a:ea typeface="隶书" pitchFamily="49" charset="-122"/>
+                <a:cs typeface="Calibri" pitchFamily="34" charset="0"/>
+              </a:rPr>
+              <a:t>)</a:t>
             </a:r>
             <a:endParaRPr lang="en-US" altLang="zh-CN" sz="4400" dirty="0" smtClean="0">
               <a:solidFill>
@@ -7710,25 +9729,14 @@
           </a:p>
           <a:p>
             <a:r>
-              <a:rPr lang="zh-CN" altLang="en-US" sz="4400" dirty="0" smtClean="0">
+              <a:rPr lang="en-US" altLang="zh-CN" sz="4400" dirty="0" smtClean="0">
                 <a:solidFill>
                   <a:srgbClr val="FFFF00"/>
                 </a:solidFill>
                 <a:latin typeface="隶书" pitchFamily="49" charset="-122"/>
                 <a:ea typeface="隶书" pitchFamily="49" charset="-122"/>
               </a:rPr>
-              <a:t>集群模式（</a:t>
-            </a:r>
-            <a:r>
-              <a:rPr lang="en-US" altLang="zh-CN" sz="4400" dirty="0" smtClean="0">
-                <a:solidFill>
-                  <a:srgbClr val="FFFF00"/>
-                </a:solidFill>
-                <a:latin typeface="Calibri" pitchFamily="34" charset="0"/>
-                <a:ea typeface="隶书" pitchFamily="49" charset="-122"/>
-                <a:cs typeface="Calibri" pitchFamily="34" charset="0"/>
-              </a:rPr>
-              <a:t>cluster</a:t>
+              <a:t>C</a:t>
             </a:r>
             <a:r>
               <a:rPr lang="zh-CN" altLang="en-US" sz="4400" dirty="0" smtClean="0">
@@ -7738,7 +9746,7 @@
                 <a:latin typeface="隶书" pitchFamily="49" charset="-122"/>
                 <a:ea typeface="隶书" pitchFamily="49" charset="-122"/>
               </a:rPr>
-              <a:t>）</a:t>
+              <a:t>语言写的</a:t>
             </a:r>
             <a:endParaRPr lang="en-US" altLang="zh-CN" sz="4400" dirty="0" smtClean="0">
               <a:solidFill>
@@ -7746,6 +9754,397 @@
               </a:solidFill>
               <a:latin typeface="隶书" pitchFamily="49" charset="-122"/>
               <a:ea typeface="隶书" pitchFamily="49" charset="-122"/>
+            </a:endParaRPr>
+          </a:p>
+          <a:p>
+            <a:r>
+              <a:rPr lang="zh-CN" altLang="en-US" sz="4400" dirty="0" smtClean="0">
+                <a:solidFill>
+                  <a:srgbClr val="FFFF00"/>
+                </a:solidFill>
+                <a:latin typeface="隶书" pitchFamily="49" charset="-122"/>
+                <a:ea typeface="隶书" pitchFamily="49" charset="-122"/>
+              </a:rPr>
+              <a:t>高性能</a:t>
+            </a:r>
+            <a:r>
+              <a:rPr lang="en-US" altLang="zh-CN" sz="4400" dirty="0" smtClean="0">
+                <a:solidFill>
+                  <a:srgbClr val="FFFF00"/>
+                </a:solidFill>
+                <a:latin typeface="Calibri" pitchFamily="34" charset="0"/>
+                <a:ea typeface="隶书" pitchFamily="49" charset="-122"/>
+                <a:cs typeface="Calibri" pitchFamily="34" charset="0"/>
+              </a:rPr>
+              <a:t>key-value</a:t>
+            </a:r>
+            <a:r>
+              <a:rPr lang="zh-CN" altLang="en-US" sz="4400" dirty="0" smtClean="0">
+                <a:solidFill>
+                  <a:srgbClr val="FFFF00"/>
+                </a:solidFill>
+                <a:latin typeface="隶书" pitchFamily="49" charset="-122"/>
+                <a:ea typeface="隶书" pitchFamily="49" charset="-122"/>
+              </a:rPr>
+              <a:t>存储系统</a:t>
+            </a:r>
+            <a:endParaRPr lang="en-US" altLang="zh-CN" sz="4400" dirty="0" smtClean="0">
+              <a:solidFill>
+                <a:srgbClr val="FFFF00"/>
+              </a:solidFill>
+              <a:latin typeface="隶书" pitchFamily="49" charset="-122"/>
+              <a:ea typeface="隶书" pitchFamily="49" charset="-122"/>
+            </a:endParaRPr>
+          </a:p>
+        </p:txBody>
+      </p:sp>
+    </p:spTree>
+  </p:cSld>
+  <p:clrMapOvr>
+    <a:masterClrMapping/>
+  </p:clrMapOvr>
+  <p:timing>
+    <p:tnLst>
+      <p:par>
+        <p:cTn id="1" dur="indefinite" restart="never" nodeType="tmRoot"/>
+      </p:par>
+    </p:tnLst>
+  </p:timing>
+</p:sld>
+</file>
+
+<file path=ppt/slides/slide30.xml><?xml version="1.0" encoding="utf-8"?>
+<p:sld xmlns:a="http://schemas.openxmlformats.org/drawingml/2006/main" xmlns:r="http://schemas.openxmlformats.org/officeDocument/2006/relationships" xmlns:p="http://schemas.openxmlformats.org/presentationml/2006/main">
+  <p:cSld>
+    <p:spTree>
+      <p:nvGrpSpPr>
+        <p:cNvPr id="1" name=""/>
+        <p:cNvGrpSpPr/>
+        <p:nvPr/>
+      </p:nvGrpSpPr>
+      <p:grpSpPr>
+        <a:xfrm>
+          <a:off x="0" y="0"/>
+          <a:ext cx="0" cy="0"/>
+          <a:chOff x="0" y="0"/>
+          <a:chExt cx="0" cy="0"/>
+        </a:xfrm>
+      </p:grpSpPr>
+      <p:sp>
+        <p:nvSpPr>
+          <p:cNvPr id="2" name="标题 1"/>
+          <p:cNvSpPr>
+            <a:spLocks noGrp="1"/>
+          </p:cNvSpPr>
+          <p:nvPr>
+            <p:ph type="ctrTitle"/>
+          </p:nvPr>
+        </p:nvSpPr>
+        <p:spPr>
+          <a:xfrm>
+            <a:off x="214282" y="857232"/>
+            <a:ext cx="8929718" cy="785818"/>
+          </a:xfrm>
+        </p:spPr>
+        <p:txBody>
+          <a:bodyPr anchor="ctr">
+            <a:noAutofit/>
+          </a:bodyPr>
+          <a:lstStyle/>
+          <a:p>
+            <a:pPr algn="just"/>
+            <a:r>
+              <a:rPr lang="en-US" altLang="zh-CN" sz="5400" spc="-150" dirty="0" err="1" smtClean="0">
+                <a:effectLst/>
+              </a:rPr>
+              <a:t>Redis</a:t>
+            </a:r>
+            <a:r>
+              <a:rPr lang="zh-CN" altLang="en-US" sz="5400" spc="-150" dirty="0" smtClean="0">
+                <a:effectLst/>
+              </a:rPr>
+              <a:t>的协议</a:t>
+            </a:r>
+            <a:endParaRPr lang="zh-CN" altLang="en-US" sz="5400" spc="-150" dirty="0">
+              <a:effectLst/>
+            </a:endParaRPr>
+          </a:p>
+        </p:txBody>
+      </p:sp>
+      <p:sp>
+        <p:nvSpPr>
+          <p:cNvPr id="4" name="TextBox 3"/>
+          <p:cNvSpPr txBox="1"/>
+          <p:nvPr/>
+        </p:nvSpPr>
+        <p:spPr>
+          <a:xfrm>
+            <a:off x="142844" y="1714488"/>
+            <a:ext cx="8786874" cy="2800767"/>
+          </a:xfrm>
+          <a:prstGeom prst="rect">
+            <a:avLst/>
+          </a:prstGeom>
+          <a:noFill/>
+        </p:spPr>
+        <p:txBody>
+          <a:bodyPr wrap="square" rtlCol="0">
+            <a:spAutoFit/>
+          </a:bodyPr>
+          <a:lstStyle/>
+          <a:p>
+            <a:r>
+              <a:rPr lang="zh-CN" altLang="en-US" sz="4400" dirty="0" smtClean="0">
+                <a:solidFill>
+                  <a:srgbClr val="FFFF00"/>
+                </a:solidFill>
+                <a:latin typeface="Calibri" pitchFamily="34" charset="0"/>
+                <a:ea typeface="隶书" pitchFamily="49" charset="-122"/>
+                <a:cs typeface="Calibri" pitchFamily="34" charset="0"/>
+              </a:rPr>
+              <a:t>协议</a:t>
+            </a:r>
+            <a:r>
+              <a:rPr lang="zh-CN" altLang="en-US" sz="4400" dirty="0" smtClean="0">
+                <a:solidFill>
+                  <a:srgbClr val="FFFF00"/>
+                </a:solidFill>
+                <a:latin typeface="Calibri" pitchFamily="34" charset="0"/>
+                <a:ea typeface="隶书" pitchFamily="49" charset="-122"/>
+                <a:cs typeface="Calibri" pitchFamily="34" charset="0"/>
+              </a:rPr>
+              <a:t>（</a:t>
+            </a:r>
+            <a:r>
+              <a:rPr lang="en-US" altLang="zh-CN" sz="4400" dirty="0" smtClean="0">
+                <a:solidFill>
+                  <a:srgbClr val="FFFF00"/>
+                </a:solidFill>
+                <a:latin typeface="Calibri" pitchFamily="34" charset="0"/>
+                <a:ea typeface="隶书" pitchFamily="49" charset="-122"/>
+                <a:cs typeface="Calibri" pitchFamily="34" charset="0"/>
+              </a:rPr>
+              <a:t>Protocol</a:t>
+            </a:r>
+            <a:r>
+              <a:rPr lang="zh-CN" altLang="en-US" sz="4400" dirty="0" smtClean="0">
+                <a:solidFill>
+                  <a:srgbClr val="FFFF00"/>
+                </a:solidFill>
+                <a:latin typeface="Calibri" pitchFamily="34" charset="0"/>
+                <a:ea typeface="隶书" pitchFamily="49" charset="-122"/>
+                <a:cs typeface="Calibri" pitchFamily="34" charset="0"/>
+              </a:rPr>
+              <a:t>）</a:t>
+            </a:r>
+            <a:endParaRPr lang="en-US" altLang="zh-CN" sz="4400" dirty="0" smtClean="0">
+              <a:solidFill>
+                <a:srgbClr val="FFFF00"/>
+              </a:solidFill>
+              <a:latin typeface="Calibri" pitchFamily="34" charset="0"/>
+              <a:ea typeface="隶书" pitchFamily="49" charset="-122"/>
+              <a:cs typeface="Calibri" pitchFamily="34" charset="0"/>
+            </a:endParaRPr>
+          </a:p>
+          <a:p>
+            <a:r>
+              <a:rPr lang="en-US" altLang="zh-CN" sz="4400" dirty="0" smtClean="0">
+                <a:solidFill>
+                  <a:srgbClr val="FFFF00"/>
+                </a:solidFill>
+                <a:latin typeface="Calibri" pitchFamily="34" charset="0"/>
+                <a:ea typeface="隶书" pitchFamily="49" charset="-122"/>
+                <a:cs typeface="Calibri" pitchFamily="34" charset="0"/>
+              </a:rPr>
+              <a:t>CR</a:t>
+            </a:r>
+            <a:r>
+              <a:rPr lang="zh-CN" altLang="en-US" sz="4400" dirty="0" smtClean="0">
+                <a:solidFill>
+                  <a:srgbClr val="FFFF00"/>
+                </a:solidFill>
+                <a:latin typeface="Calibri" pitchFamily="34" charset="0"/>
+                <a:ea typeface="隶书" pitchFamily="49" charset="-122"/>
+                <a:cs typeface="Calibri" pitchFamily="34" charset="0"/>
+              </a:rPr>
+              <a:t>：</a:t>
+            </a:r>
+            <a:r>
+              <a:rPr lang="en-US" altLang="zh-CN" sz="4400" dirty="0" smtClean="0">
+                <a:solidFill>
+                  <a:srgbClr val="FFFF00"/>
+                </a:solidFill>
+                <a:latin typeface="Calibri" pitchFamily="34" charset="0"/>
+                <a:ea typeface="隶书" pitchFamily="49" charset="-122"/>
+                <a:cs typeface="Calibri" pitchFamily="34" charset="0"/>
+              </a:rPr>
+              <a:t>carriage return</a:t>
+            </a:r>
+            <a:r>
+              <a:rPr lang="zh-CN" altLang="en-US" sz="4400" dirty="0" smtClean="0">
+                <a:solidFill>
+                  <a:srgbClr val="FFFF00"/>
+                </a:solidFill>
+                <a:latin typeface="Calibri" pitchFamily="34" charset="0"/>
+                <a:ea typeface="隶书" pitchFamily="49" charset="-122"/>
+                <a:cs typeface="Calibri" pitchFamily="34" charset="0"/>
+              </a:rPr>
+              <a:t>，回车，</a:t>
+            </a:r>
+            <a:r>
+              <a:rPr lang="en-US" altLang="zh-CN" sz="4400" dirty="0" smtClean="0">
+                <a:solidFill>
+                  <a:srgbClr val="FFFF00"/>
+                </a:solidFill>
+                <a:latin typeface="Calibri" pitchFamily="34" charset="0"/>
+                <a:ea typeface="隶书" pitchFamily="49" charset="-122"/>
+                <a:cs typeface="Calibri" pitchFamily="34" charset="0"/>
+              </a:rPr>
+              <a:t>\r</a:t>
+            </a:r>
+          </a:p>
+          <a:p>
+            <a:r>
+              <a:rPr lang="en-US" altLang="zh-CN" sz="4400" dirty="0" smtClean="0">
+                <a:solidFill>
+                  <a:srgbClr val="FFFF00"/>
+                </a:solidFill>
+                <a:latin typeface="Calibri" pitchFamily="34" charset="0"/>
+                <a:ea typeface="隶书" pitchFamily="49" charset="-122"/>
+                <a:cs typeface="Calibri" pitchFamily="34" charset="0"/>
+              </a:rPr>
+              <a:t>LF</a:t>
+            </a:r>
+            <a:r>
+              <a:rPr lang="zh-CN" altLang="en-US" sz="4400" dirty="0" smtClean="0">
+                <a:solidFill>
+                  <a:srgbClr val="FFFF00"/>
+                </a:solidFill>
+                <a:latin typeface="Calibri" pitchFamily="34" charset="0"/>
+                <a:ea typeface="隶书" pitchFamily="49" charset="-122"/>
+                <a:cs typeface="Calibri" pitchFamily="34" charset="0"/>
+              </a:rPr>
+              <a:t>：</a:t>
+            </a:r>
+            <a:r>
+              <a:rPr lang="en-US" altLang="zh-CN" sz="4400" dirty="0" smtClean="0">
+                <a:solidFill>
+                  <a:srgbClr val="FFFF00"/>
+                </a:solidFill>
+                <a:latin typeface="Calibri" pitchFamily="34" charset="0"/>
+                <a:ea typeface="隶书" pitchFamily="49" charset="-122"/>
+                <a:cs typeface="Calibri" pitchFamily="34" charset="0"/>
+              </a:rPr>
+              <a:t>line feed</a:t>
+            </a:r>
+            <a:r>
+              <a:rPr lang="zh-CN" altLang="en-US" sz="4400" dirty="0" smtClean="0">
+                <a:solidFill>
+                  <a:srgbClr val="FFFF00"/>
+                </a:solidFill>
+                <a:latin typeface="Calibri" pitchFamily="34" charset="0"/>
+                <a:ea typeface="隶书" pitchFamily="49" charset="-122"/>
+                <a:cs typeface="Calibri" pitchFamily="34" charset="0"/>
+              </a:rPr>
+              <a:t>，换行，</a:t>
+            </a:r>
+            <a:r>
+              <a:rPr lang="en-US" altLang="zh-CN" sz="4400" dirty="0" smtClean="0">
+                <a:solidFill>
+                  <a:srgbClr val="FFFF00"/>
+                </a:solidFill>
+                <a:latin typeface="Calibri" pitchFamily="34" charset="0"/>
+                <a:ea typeface="隶书" pitchFamily="49" charset="-122"/>
+                <a:cs typeface="Calibri" pitchFamily="34" charset="0"/>
+              </a:rPr>
+              <a:t>\n</a:t>
+            </a:r>
+          </a:p>
+          <a:p>
+            <a:r>
+              <a:rPr lang="en-US" altLang="zh-CN" sz="4400" dirty="0" smtClean="0">
+                <a:solidFill>
+                  <a:srgbClr val="FFFF00"/>
+                </a:solidFill>
+                <a:latin typeface="Calibri" pitchFamily="34" charset="0"/>
+                <a:ea typeface="隶书" pitchFamily="49" charset="-122"/>
+                <a:cs typeface="Calibri" pitchFamily="34" charset="0"/>
+              </a:rPr>
+              <a:t>Windows/Linux/Mac</a:t>
+            </a:r>
+            <a:r>
+              <a:rPr lang="zh-CN" altLang="en-US" sz="4400" dirty="0" smtClean="0">
+                <a:solidFill>
+                  <a:srgbClr val="FFFF00"/>
+                </a:solidFill>
+                <a:latin typeface="Calibri" pitchFamily="34" charset="0"/>
+                <a:ea typeface="隶书" pitchFamily="49" charset="-122"/>
+                <a:cs typeface="Calibri" pitchFamily="34" charset="0"/>
+              </a:rPr>
+              <a:t>：</a:t>
+            </a:r>
+            <a:r>
+              <a:rPr lang="en-US" altLang="zh-CN" sz="4400" dirty="0" smtClean="0">
+                <a:solidFill>
+                  <a:srgbClr val="FFFF00"/>
+                </a:solidFill>
+                <a:latin typeface="Calibri" pitchFamily="34" charset="0"/>
+                <a:ea typeface="隶书" pitchFamily="49" charset="-122"/>
+                <a:cs typeface="Calibri" pitchFamily="34" charset="0"/>
+              </a:rPr>
+              <a:t>\r\n</a:t>
+            </a:r>
+            <a:r>
+              <a:rPr lang="zh-CN" altLang="en-US" sz="4400" dirty="0" smtClean="0">
+                <a:solidFill>
+                  <a:srgbClr val="FFFF00"/>
+                </a:solidFill>
+                <a:latin typeface="Calibri" pitchFamily="34" charset="0"/>
+                <a:ea typeface="隶书" pitchFamily="49" charset="-122"/>
+                <a:cs typeface="Calibri" pitchFamily="34" charset="0"/>
+              </a:rPr>
+              <a:t>、</a:t>
+            </a:r>
+            <a:r>
+              <a:rPr lang="en-US" altLang="zh-CN" sz="4400" dirty="0" smtClean="0">
+                <a:solidFill>
+                  <a:srgbClr val="FFFF00"/>
+                </a:solidFill>
+                <a:latin typeface="Calibri" pitchFamily="34" charset="0"/>
+                <a:ea typeface="隶书" pitchFamily="49" charset="-122"/>
+                <a:cs typeface="Calibri" pitchFamily="34" charset="0"/>
+              </a:rPr>
+              <a:t>\n</a:t>
+            </a:r>
+            <a:r>
+              <a:rPr lang="zh-CN" altLang="en-US" sz="4400" dirty="0" smtClean="0">
+                <a:solidFill>
+                  <a:srgbClr val="FFFF00"/>
+                </a:solidFill>
+                <a:latin typeface="Calibri" pitchFamily="34" charset="0"/>
+                <a:ea typeface="隶书" pitchFamily="49" charset="-122"/>
+                <a:cs typeface="Calibri" pitchFamily="34" charset="0"/>
+              </a:rPr>
+              <a:t>、</a:t>
+            </a:r>
+            <a:r>
+              <a:rPr lang="en-US" altLang="zh-CN" sz="4400" dirty="0" smtClean="0">
+                <a:solidFill>
+                  <a:srgbClr val="FFFF00"/>
+                </a:solidFill>
+                <a:latin typeface="Calibri" pitchFamily="34" charset="0"/>
+                <a:ea typeface="隶书" pitchFamily="49" charset="-122"/>
+                <a:cs typeface="Calibri" pitchFamily="34" charset="0"/>
+              </a:rPr>
+              <a:t>\r</a:t>
+            </a:r>
+            <a:endParaRPr lang="en-US" altLang="zh-CN" sz="4400" dirty="0" smtClean="0">
+              <a:solidFill>
+                <a:srgbClr val="FFFF00"/>
+              </a:solidFill>
+              <a:latin typeface="Calibri" pitchFamily="34" charset="0"/>
+              <a:ea typeface="隶书" pitchFamily="49" charset="-122"/>
+              <a:cs typeface="Calibri" pitchFamily="34" charset="0"/>
             </a:endParaRPr>
           </a:p>
         </p:txBody>
@@ -7806,10 +10205,16 @@
           <a:p>
             <a:pPr algn="just"/>
             <a:r>
+              <a:rPr lang="en-US" altLang="zh-CN" sz="5400" spc="-150" dirty="0" err="1" smtClean="0">
+                <a:effectLst/>
+              </a:rPr>
+              <a:t>Redis</a:t>
+            </a:r>
+            <a:r>
               <a:rPr lang="zh-CN" altLang="en-US" sz="5400" spc="-150" dirty="0" smtClean="0">
                 <a:effectLst/>
               </a:rPr>
-              <a:t>单节点工作模式</a:t>
+              <a:t>的两种工作模式</a:t>
             </a:r>
             <a:endParaRPr lang="zh-CN" altLang="en-US" sz="5400" spc="-150" dirty="0">
               <a:effectLst/>
@@ -7826,7 +10231,7 @@
         <p:spPr>
           <a:xfrm>
             <a:off x="142844" y="1714488"/>
-            <a:ext cx="8786874" cy="4832092"/>
+            <a:ext cx="7358114" cy="1446550"/>
           </a:xfrm>
           <a:prstGeom prst="rect">
             <a:avLst/>
@@ -7847,18 +10252,18 @@
                 <a:latin typeface="隶书" pitchFamily="49" charset="-122"/>
                 <a:ea typeface="隶书" pitchFamily="49" charset="-122"/>
               </a:rPr>
-              <a:t>默认</a:t>
-            </a:r>
-            <a:r>
-              <a:rPr lang="en-US" altLang="zh-CN" sz="4400" dirty="0" smtClean="0">
-                <a:solidFill>
-                  <a:srgbClr val="FFFF00"/>
-                </a:solidFill>
-                <a:latin typeface="Calibri" pitchFamily="34" charset="0"/>
-                <a:ea typeface="隶书" pitchFamily="49" charset="-122"/>
-                <a:cs typeface="Calibri" pitchFamily="34" charset="0"/>
-              </a:rPr>
-              <a:t>16</a:t>
+              <a:t>单节点模式（</a:t>
+            </a:r>
+            <a:r>
+              <a:rPr lang="en-US" altLang="zh-CN" sz="4400" dirty="0" smtClean="0">
+                <a:solidFill>
+                  <a:srgbClr val="FFFF00"/>
+                </a:solidFill>
+                <a:latin typeface="Calibri" pitchFamily="34" charset="0"/>
+                <a:ea typeface="隶书" pitchFamily="49" charset="-122"/>
+                <a:cs typeface="Calibri" pitchFamily="34" charset="0"/>
+              </a:rPr>
+              <a:t>single node</a:t>
             </a:r>
             <a:r>
               <a:rPr lang="zh-CN" altLang="en-US" sz="4400" dirty="0" smtClean="0">
@@ -7868,49 +10273,7 @@
                 <a:latin typeface="隶书" pitchFamily="49" charset="-122"/>
                 <a:ea typeface="隶书" pitchFamily="49" charset="-122"/>
               </a:rPr>
-              <a:t>个库，编号</a:t>
-            </a:r>
-            <a:r>
-              <a:rPr lang="en-US" altLang="zh-CN" sz="4400" dirty="0" smtClean="0">
-                <a:solidFill>
-                  <a:srgbClr val="FFFF00"/>
-                </a:solidFill>
-                <a:latin typeface="Calibri" pitchFamily="34" charset="0"/>
-                <a:ea typeface="隶书" pitchFamily="49" charset="-122"/>
-                <a:cs typeface="Calibri" pitchFamily="34" charset="0"/>
-              </a:rPr>
-              <a:t>0-15</a:t>
-            </a:r>
-            <a:r>
-              <a:rPr lang="zh-CN" altLang="en-US" sz="4400" dirty="0" smtClean="0">
-                <a:solidFill>
-                  <a:srgbClr val="FFFF00"/>
-                </a:solidFill>
-                <a:latin typeface="隶书" pitchFamily="49" charset="-122"/>
-                <a:ea typeface="隶书" pitchFamily="49" charset="-122"/>
-              </a:rPr>
-              <a:t>，默认</a:t>
-            </a:r>
-            <a:r>
-              <a:rPr lang="en-US" altLang="zh-CN" sz="4400" dirty="0" smtClean="0">
-                <a:solidFill>
-                  <a:srgbClr val="FFFF00"/>
-                </a:solidFill>
-                <a:latin typeface="Calibri" pitchFamily="34" charset="0"/>
-                <a:ea typeface="隶书" pitchFamily="49" charset="-122"/>
-                <a:cs typeface="Calibri" pitchFamily="34" charset="0"/>
-              </a:rPr>
-              <a:t>0</a:t>
-            </a:r>
-            <a:r>
-              <a:rPr lang="zh-CN" altLang="en-US" sz="4400" dirty="0" smtClean="0">
-                <a:solidFill>
-                  <a:srgbClr val="FFFF00"/>
-                </a:solidFill>
-                <a:latin typeface="隶书" pitchFamily="49" charset="-122"/>
-                <a:ea typeface="隶书" pitchFamily="49" charset="-122"/>
-              </a:rPr>
-              <a:t>库</a:t>
+              <a:t>）</a:t>
             </a:r>
             <a:endParaRPr lang="en-US" altLang="zh-CN" sz="4400" dirty="0" smtClean="0">
               <a:solidFill>
@@ -7929,18 +10292,18 @@
                 <a:latin typeface="隶书" pitchFamily="49" charset="-122"/>
                 <a:ea typeface="隶书" pitchFamily="49" charset="-122"/>
               </a:rPr>
-              <a:t>使用</a:t>
-            </a:r>
-            <a:r>
-              <a:rPr lang="en-US" altLang="zh-CN" sz="4400" dirty="0" smtClean="0">
-                <a:solidFill>
-                  <a:srgbClr val="FFFF00"/>
-                </a:solidFill>
-                <a:latin typeface="Calibri" pitchFamily="34" charset="0"/>
-                <a:ea typeface="隶书" pitchFamily="49" charset="-122"/>
-                <a:cs typeface="Calibri" pitchFamily="34" charset="0"/>
-              </a:rPr>
-              <a:t>select</a:t>
+              <a:t>集群模式（</a:t>
+            </a:r>
+            <a:r>
+              <a:rPr lang="en-US" altLang="zh-CN" sz="4400" dirty="0" smtClean="0">
+                <a:solidFill>
+                  <a:srgbClr val="FFFF00"/>
+                </a:solidFill>
+                <a:latin typeface="Calibri" pitchFamily="34" charset="0"/>
+                <a:ea typeface="隶书" pitchFamily="49" charset="-122"/>
+                <a:cs typeface="Calibri" pitchFamily="34" charset="0"/>
+              </a:rPr>
+              <a:t>cluster</a:t>
             </a:r>
             <a:r>
               <a:rPr lang="zh-CN" altLang="en-US" sz="4400" dirty="0" smtClean="0">
@@ -7950,180 +10313,7 @@
                 <a:latin typeface="隶书" pitchFamily="49" charset="-122"/>
                 <a:ea typeface="隶书" pitchFamily="49" charset="-122"/>
               </a:rPr>
-              <a:t>命令来选择</a:t>
-            </a:r>
-            <a:endParaRPr lang="en-US" altLang="zh-CN" sz="4400" dirty="0" smtClean="0">
-              <a:solidFill>
-                <a:srgbClr val="FFFF00"/>
-              </a:solidFill>
-              <a:latin typeface="隶书" pitchFamily="49" charset="-122"/>
-              <a:ea typeface="隶书" pitchFamily="49" charset="-122"/>
-            </a:endParaRPr>
-          </a:p>
-          <a:p>
-            <a:r>
-              <a:rPr lang="zh-CN" altLang="en-US" sz="4400" dirty="0" smtClean="0">
-                <a:solidFill>
-                  <a:srgbClr val="FFFF00"/>
-                </a:solidFill>
-                <a:latin typeface="隶书" pitchFamily="49" charset="-122"/>
-                <a:ea typeface="隶书" pitchFamily="49" charset="-122"/>
-              </a:rPr>
-              <a:t>库与库间完全隔离，数据不共享</a:t>
-            </a:r>
-            <a:endParaRPr lang="en-US" altLang="zh-CN" sz="4400" dirty="0" smtClean="0">
-              <a:solidFill>
-                <a:srgbClr val="FFFF00"/>
-              </a:solidFill>
-              <a:latin typeface="隶书" pitchFamily="49" charset="-122"/>
-              <a:ea typeface="隶书" pitchFamily="49" charset="-122"/>
-            </a:endParaRPr>
-          </a:p>
-          <a:p>
-            <a:r>
-              <a:rPr lang="zh-CN" altLang="en-US" sz="4400" dirty="0" smtClean="0">
-                <a:solidFill>
-                  <a:srgbClr val="FFFF00"/>
-                </a:solidFill>
-                <a:latin typeface="隶书" pitchFamily="49" charset="-122"/>
-                <a:ea typeface="隶书" pitchFamily="49" charset="-122"/>
-              </a:rPr>
-              <a:t>不同库里的</a:t>
-            </a:r>
-            <a:r>
-              <a:rPr lang="en-US" altLang="zh-CN" sz="4400" dirty="0" smtClean="0">
-                <a:solidFill>
-                  <a:srgbClr val="FFFF00"/>
-                </a:solidFill>
-                <a:latin typeface="Calibri" pitchFamily="34" charset="0"/>
-                <a:ea typeface="隶书" pitchFamily="49" charset="-122"/>
-                <a:cs typeface="Calibri" pitchFamily="34" charset="0"/>
-              </a:rPr>
-              <a:t>key</a:t>
-            </a:r>
-            <a:r>
-              <a:rPr lang="zh-CN" altLang="en-US" sz="4400" dirty="0" smtClean="0">
-                <a:solidFill>
-                  <a:srgbClr val="FFFF00"/>
-                </a:solidFill>
-                <a:latin typeface="隶书" pitchFamily="49" charset="-122"/>
-                <a:ea typeface="隶书" pitchFamily="49" charset="-122"/>
-              </a:rPr>
-              <a:t>可以相同</a:t>
-            </a:r>
-            <a:endParaRPr lang="en-US" altLang="zh-CN" sz="4400" dirty="0" smtClean="0">
-              <a:solidFill>
-                <a:srgbClr val="FFFF00"/>
-              </a:solidFill>
-              <a:latin typeface="隶书" pitchFamily="49" charset="-122"/>
-              <a:ea typeface="隶书" pitchFamily="49" charset="-122"/>
-            </a:endParaRPr>
-          </a:p>
-          <a:p>
-            <a:endParaRPr lang="en-US" altLang="zh-CN" sz="4400" dirty="0" smtClean="0">
-              <a:solidFill>
-                <a:srgbClr val="FFFF00"/>
-              </a:solidFill>
-              <a:latin typeface="隶书" pitchFamily="49" charset="-122"/>
-              <a:ea typeface="隶书" pitchFamily="49" charset="-122"/>
-            </a:endParaRPr>
-          </a:p>
-          <a:p>
-            <a:r>
-              <a:rPr lang="zh-CN" altLang="en-US" sz="4400" dirty="0" smtClean="0">
-                <a:solidFill>
-                  <a:srgbClr val="FFFF00"/>
-                </a:solidFill>
-                <a:latin typeface="隶书" pitchFamily="49" charset="-122"/>
-                <a:ea typeface="隶书" pitchFamily="49" charset="-122"/>
-              </a:rPr>
-              <a:t>一个</a:t>
-            </a:r>
-            <a:r>
-              <a:rPr lang="en-US" altLang="zh-CN" sz="4400" dirty="0" err="1" smtClean="0">
-                <a:solidFill>
-                  <a:srgbClr val="FFFF00"/>
-                </a:solidFill>
-                <a:latin typeface="Calibri" pitchFamily="34" charset="0"/>
-                <a:ea typeface="隶书" pitchFamily="49" charset="-122"/>
-                <a:cs typeface="Calibri" pitchFamily="34" charset="0"/>
-              </a:rPr>
-              <a:t>MySQL</a:t>
-            </a:r>
-            <a:r>
-              <a:rPr lang="zh-CN" altLang="en-US" sz="4400" dirty="0" smtClean="0">
-                <a:solidFill>
-                  <a:srgbClr val="FFFF00"/>
-                </a:solidFill>
-                <a:latin typeface="隶书" pitchFamily="49" charset="-122"/>
-                <a:ea typeface="隶书" pitchFamily="49" charset="-122"/>
-              </a:rPr>
-              <a:t>里可以建多个</a:t>
-            </a:r>
-            <a:r>
-              <a:rPr lang="en-US" altLang="zh-CN" sz="4400" dirty="0" smtClean="0">
-                <a:solidFill>
-                  <a:srgbClr val="FFFF00"/>
-                </a:solidFill>
-                <a:latin typeface="Calibri" pitchFamily="34" charset="0"/>
-                <a:ea typeface="隶书" pitchFamily="49" charset="-122"/>
-                <a:cs typeface="Calibri" pitchFamily="34" charset="0"/>
-              </a:rPr>
-              <a:t>database</a:t>
-            </a:r>
-          </a:p>
-          <a:p>
-            <a:r>
-              <a:rPr lang="zh-CN" altLang="en-US" sz="4400" dirty="0" smtClean="0">
-                <a:solidFill>
-                  <a:srgbClr val="FFFF00"/>
-                </a:solidFill>
-                <a:latin typeface="隶书" pitchFamily="49" charset="-122"/>
-                <a:ea typeface="隶书" pitchFamily="49" charset="-122"/>
-              </a:rPr>
-              <a:t>不同</a:t>
-            </a:r>
-            <a:r>
-              <a:rPr lang="en-US" altLang="zh-CN" sz="4400" dirty="0" smtClean="0">
-                <a:solidFill>
-                  <a:srgbClr val="FFFF00"/>
-                </a:solidFill>
-                <a:latin typeface="Calibri" pitchFamily="34" charset="0"/>
-                <a:ea typeface="隶书" pitchFamily="49" charset="-122"/>
-                <a:cs typeface="Calibri" pitchFamily="34" charset="0"/>
-              </a:rPr>
-              <a:t>database</a:t>
-            </a:r>
-            <a:r>
-              <a:rPr lang="zh-CN" altLang="en-US" sz="4400" dirty="0" smtClean="0">
-                <a:solidFill>
-                  <a:srgbClr val="FFFF00"/>
-                </a:solidFill>
-                <a:latin typeface="隶书" pitchFamily="49" charset="-122"/>
-                <a:ea typeface="隶书" pitchFamily="49" charset="-122"/>
-              </a:rPr>
-              <a:t>里的</a:t>
-            </a:r>
-            <a:r>
-              <a:rPr lang="en-US" altLang="zh-CN" sz="4400" dirty="0" smtClean="0">
-                <a:solidFill>
-                  <a:srgbClr val="FFFF00"/>
-                </a:solidFill>
-                <a:latin typeface="Calibri" pitchFamily="34" charset="0"/>
-                <a:ea typeface="隶书" pitchFamily="49" charset="-122"/>
-                <a:cs typeface="Calibri" pitchFamily="34" charset="0"/>
-              </a:rPr>
-              <a:t>table</a:t>
-            </a:r>
-            <a:r>
-              <a:rPr lang="zh-CN" altLang="en-US" sz="4400" dirty="0" smtClean="0">
-                <a:solidFill>
-                  <a:srgbClr val="FFFF00"/>
-                </a:solidFill>
-                <a:latin typeface="隶书" pitchFamily="49" charset="-122"/>
-                <a:ea typeface="隶书" pitchFamily="49" charset="-122"/>
-              </a:rPr>
-              <a:t>可以相同</a:t>
+              <a:t>）</a:t>
             </a:r>
             <a:endParaRPr lang="en-US" altLang="zh-CN" sz="4400" dirty="0" smtClean="0">
               <a:solidFill>
@@ -8194,7 +10384,7 @@
               <a:rPr lang="zh-CN" altLang="en-US" sz="5400" spc="-150" dirty="0" smtClean="0">
                 <a:effectLst/>
               </a:rPr>
-              <a:t>集群工作模式</a:t>
+              <a:t>单节点工作模式</a:t>
             </a:r>
             <a:endParaRPr lang="zh-CN" altLang="en-US" sz="5400" spc="-150" dirty="0">
               <a:effectLst/>
@@ -8211,7 +10401,7 @@
         <p:spPr>
           <a:xfrm>
             <a:off x="142844" y="1714488"/>
-            <a:ext cx="8786874" cy="2800767"/>
+            <a:ext cx="8786874" cy="4832092"/>
           </a:xfrm>
           <a:prstGeom prst="rect">
             <a:avLst/>
@@ -8229,11 +10419,52 @@
                 <a:solidFill>
                   <a:srgbClr val="FFFF00"/>
                 </a:solidFill>
-                <a:latin typeface="Calibri" pitchFamily="34" charset="0"/>
-                <a:ea typeface="隶书" pitchFamily="49" charset="-122"/>
-                <a:cs typeface="Calibri" pitchFamily="34" charset="0"/>
-              </a:rPr>
-              <a:t>只有一个库，</a:t>
+                <a:latin typeface="隶书" pitchFamily="49" charset="-122"/>
+                <a:ea typeface="隶书" pitchFamily="49" charset="-122"/>
+              </a:rPr>
+              <a:t>默认</a:t>
+            </a:r>
+            <a:r>
+              <a:rPr lang="en-US" altLang="zh-CN" sz="4400" dirty="0" smtClean="0">
+                <a:solidFill>
+                  <a:srgbClr val="FFFF00"/>
+                </a:solidFill>
+                <a:latin typeface="Calibri" pitchFamily="34" charset="0"/>
+                <a:ea typeface="隶书" pitchFamily="49" charset="-122"/>
+                <a:cs typeface="Calibri" pitchFamily="34" charset="0"/>
+              </a:rPr>
+              <a:t>16</a:t>
+            </a:r>
+            <a:r>
+              <a:rPr lang="zh-CN" altLang="en-US" sz="4400" dirty="0" smtClean="0">
+                <a:solidFill>
+                  <a:srgbClr val="FFFF00"/>
+                </a:solidFill>
+                <a:latin typeface="隶书" pitchFamily="49" charset="-122"/>
+                <a:ea typeface="隶书" pitchFamily="49" charset="-122"/>
+              </a:rPr>
+              <a:t>个库，编号</a:t>
+            </a:r>
+            <a:r>
+              <a:rPr lang="en-US" altLang="zh-CN" sz="4400" dirty="0" smtClean="0">
+                <a:solidFill>
+                  <a:srgbClr val="FFFF00"/>
+                </a:solidFill>
+                <a:latin typeface="Calibri" pitchFamily="34" charset="0"/>
+                <a:ea typeface="隶书" pitchFamily="49" charset="-122"/>
+                <a:cs typeface="Calibri" pitchFamily="34" charset="0"/>
+              </a:rPr>
+              <a:t>0-15</a:t>
+            </a:r>
+            <a:r>
+              <a:rPr lang="zh-CN" altLang="en-US" sz="4400" dirty="0" smtClean="0">
+                <a:solidFill>
+                  <a:srgbClr val="FFFF00"/>
+                </a:solidFill>
+                <a:latin typeface="隶书" pitchFamily="49" charset="-122"/>
+                <a:ea typeface="隶书" pitchFamily="49" charset="-122"/>
+              </a:rPr>
+              <a:t>，默认</a:t>
             </a:r>
             <a:r>
               <a:rPr lang="en-US" altLang="zh-CN" sz="4400" dirty="0" smtClean="0">
@@ -8254,7 +10485,7 @@
                 <a:latin typeface="隶书" pitchFamily="49" charset="-122"/>
                 <a:ea typeface="隶书" pitchFamily="49" charset="-122"/>
               </a:rPr>
-              <a:t>库，不用选择</a:t>
+              <a:t>库</a:t>
             </a:r>
             <a:endParaRPr lang="en-US" altLang="zh-CN" sz="4400" dirty="0" smtClean="0">
               <a:solidFill>
@@ -8272,9 +10503,8 @@
                 </a:solidFill>
                 <a:latin typeface="隶书" pitchFamily="49" charset="-122"/>
                 <a:ea typeface="隶书" pitchFamily="49" charset="-122"/>
-                <a:cs typeface="Calibri" pitchFamily="34" charset="0"/>
-              </a:rPr>
-              <a:t>不支持</a:t>
+              </a:rPr>
+              <a:t>使用</a:t>
             </a:r>
             <a:r>
               <a:rPr lang="en-US" altLang="zh-CN" sz="4400" dirty="0" smtClean="0">
@@ -8295,7 +10525,7 @@
                 <a:latin typeface="隶书" pitchFamily="49" charset="-122"/>
                 <a:ea typeface="隶书" pitchFamily="49" charset="-122"/>
               </a:rPr>
-              <a:t>命令</a:t>
+              <a:t>命令来选择</a:t>
             </a:r>
             <a:endParaRPr lang="en-US" altLang="zh-CN" sz="4400" dirty="0" smtClean="0">
               <a:solidFill>
@@ -8314,49 +10544,7 @@
                 <a:latin typeface="隶书" pitchFamily="49" charset="-122"/>
                 <a:ea typeface="隶书" pitchFamily="49" charset="-122"/>
               </a:rPr>
-              <a:t>最小规模</a:t>
-            </a:r>
-            <a:r>
-              <a:rPr lang="en-US" altLang="zh-CN" sz="4400" dirty="0" smtClean="0">
-                <a:solidFill>
-                  <a:srgbClr val="FFFF00"/>
-                </a:solidFill>
-                <a:latin typeface="Calibri" pitchFamily="34" charset="0"/>
-                <a:ea typeface="隶书" pitchFamily="49" charset="-122"/>
-                <a:cs typeface="Calibri" pitchFamily="34" charset="0"/>
-              </a:rPr>
-              <a:t>3</a:t>
-            </a:r>
-            <a:r>
-              <a:rPr lang="zh-CN" altLang="en-US" sz="4400" dirty="0" smtClean="0">
-                <a:solidFill>
-                  <a:srgbClr val="FFFF00"/>
-                </a:solidFill>
-                <a:latin typeface="隶书" pitchFamily="49" charset="-122"/>
-                <a:ea typeface="隶书" pitchFamily="49" charset="-122"/>
-              </a:rPr>
-              <a:t>主点</a:t>
-            </a:r>
-            <a:r>
-              <a:rPr lang="en-US" altLang="zh-CN" sz="4400" dirty="0" smtClean="0">
-                <a:solidFill>
-                  <a:srgbClr val="FFFF00"/>
-                </a:solidFill>
-                <a:latin typeface="Calibri" pitchFamily="34" charset="0"/>
-                <a:ea typeface="隶书" pitchFamily="49" charset="-122"/>
-                <a:cs typeface="Calibri" pitchFamily="34" charset="0"/>
-              </a:rPr>
-              <a:t>3</a:t>
-            </a:r>
-            <a:r>
-              <a:rPr lang="zh-CN" altLang="en-US" sz="4400" dirty="0" smtClean="0">
-                <a:solidFill>
-                  <a:srgbClr val="FFFF00"/>
-                </a:solidFill>
-                <a:latin typeface="隶书" pitchFamily="49" charset="-122"/>
-                <a:ea typeface="隶书" pitchFamily="49" charset="-122"/>
-              </a:rPr>
-              <a:t>从节点</a:t>
+              <a:t>库与库间完全隔离，数据不共享</a:t>
             </a:r>
             <a:endParaRPr lang="en-US" altLang="zh-CN" sz="4400" dirty="0" smtClean="0">
               <a:solidFill>
@@ -8375,18 +10563,18 @@
                 <a:latin typeface="隶书" pitchFamily="49" charset="-122"/>
                 <a:ea typeface="隶书" pitchFamily="49" charset="-122"/>
               </a:rPr>
-              <a:t>最大规模</a:t>
-            </a:r>
-            <a:r>
-              <a:rPr lang="en-US" altLang="zh-CN" sz="4400" dirty="0" smtClean="0">
-                <a:solidFill>
-                  <a:srgbClr val="FFFF00"/>
-                </a:solidFill>
-                <a:latin typeface="Calibri" pitchFamily="34" charset="0"/>
-                <a:ea typeface="隶书" pitchFamily="49" charset="-122"/>
-                <a:cs typeface="Calibri" pitchFamily="34" charset="0"/>
-              </a:rPr>
-              <a:t>1000</a:t>
+              <a:t>不同库里的</a:t>
+            </a:r>
+            <a:r>
+              <a:rPr lang="en-US" altLang="zh-CN" sz="4400" dirty="0" smtClean="0">
+                <a:solidFill>
+                  <a:srgbClr val="FFFF00"/>
+                </a:solidFill>
+                <a:latin typeface="Calibri" pitchFamily="34" charset="0"/>
+                <a:ea typeface="隶书" pitchFamily="49" charset="-122"/>
+                <a:cs typeface="Calibri" pitchFamily="34" charset="0"/>
+              </a:rPr>
+              <a:t>key</a:t>
             </a:r>
             <a:r>
               <a:rPr lang="zh-CN" altLang="en-US" sz="4400" dirty="0" smtClean="0">
@@ -8396,7 +10584,121 @@
                 <a:latin typeface="隶书" pitchFamily="49" charset="-122"/>
                 <a:ea typeface="隶书" pitchFamily="49" charset="-122"/>
               </a:rPr>
-              <a:t>主节点，受设计所限</a:t>
+              <a:t>可以相同</a:t>
+            </a:r>
+            <a:endParaRPr lang="en-US" altLang="zh-CN" sz="4400" dirty="0" smtClean="0">
+              <a:solidFill>
+                <a:srgbClr val="FFFF00"/>
+              </a:solidFill>
+              <a:latin typeface="隶书" pitchFamily="49" charset="-122"/>
+              <a:ea typeface="隶书" pitchFamily="49" charset="-122"/>
+            </a:endParaRPr>
+          </a:p>
+          <a:p>
+            <a:endParaRPr lang="en-US" altLang="zh-CN" sz="4400" dirty="0" smtClean="0">
+              <a:solidFill>
+                <a:srgbClr val="FFFF00"/>
+              </a:solidFill>
+              <a:latin typeface="隶书" pitchFamily="49" charset="-122"/>
+              <a:ea typeface="隶书" pitchFamily="49" charset="-122"/>
+            </a:endParaRPr>
+          </a:p>
+          <a:p>
+            <a:r>
+              <a:rPr lang="zh-CN" altLang="en-US" sz="4400" dirty="0" smtClean="0">
+                <a:solidFill>
+                  <a:srgbClr val="FFFF00"/>
+                </a:solidFill>
+                <a:latin typeface="隶书" pitchFamily="49" charset="-122"/>
+                <a:ea typeface="隶书" pitchFamily="49" charset="-122"/>
+              </a:rPr>
+              <a:t>一个</a:t>
+            </a:r>
+            <a:r>
+              <a:rPr lang="en-US" altLang="zh-CN" sz="4400" dirty="0" err="1" smtClean="0">
+                <a:solidFill>
+                  <a:srgbClr val="FFFF00"/>
+                </a:solidFill>
+                <a:latin typeface="Calibri" pitchFamily="34" charset="0"/>
+                <a:ea typeface="隶书" pitchFamily="49" charset="-122"/>
+                <a:cs typeface="Calibri" pitchFamily="34" charset="0"/>
+              </a:rPr>
+              <a:t>MySQL</a:t>
+            </a:r>
+            <a:r>
+              <a:rPr lang="zh-CN" altLang="en-US" sz="4400" dirty="0" smtClean="0">
+                <a:solidFill>
+                  <a:srgbClr val="FFFF00"/>
+                </a:solidFill>
+                <a:latin typeface="隶书" pitchFamily="49" charset="-122"/>
+                <a:ea typeface="隶书" pitchFamily="49" charset="-122"/>
+              </a:rPr>
+              <a:t>里可以建多个</a:t>
+            </a:r>
+            <a:r>
+              <a:rPr lang="en-US" altLang="zh-CN" sz="4400" dirty="0" smtClean="0">
+                <a:solidFill>
+                  <a:srgbClr val="FFFF00"/>
+                </a:solidFill>
+                <a:latin typeface="Calibri" pitchFamily="34" charset="0"/>
+                <a:ea typeface="隶书" pitchFamily="49" charset="-122"/>
+                <a:cs typeface="Calibri" pitchFamily="34" charset="0"/>
+              </a:rPr>
+              <a:t>database</a:t>
+            </a:r>
+          </a:p>
+          <a:p>
+            <a:r>
+              <a:rPr lang="zh-CN" altLang="en-US" sz="4400" dirty="0" smtClean="0">
+                <a:solidFill>
+                  <a:srgbClr val="FFFF00"/>
+                </a:solidFill>
+                <a:latin typeface="隶书" pitchFamily="49" charset="-122"/>
+                <a:ea typeface="隶书" pitchFamily="49" charset="-122"/>
+              </a:rPr>
+              <a:t>不同</a:t>
+            </a:r>
+            <a:r>
+              <a:rPr lang="en-US" altLang="zh-CN" sz="4400" dirty="0" smtClean="0">
+                <a:solidFill>
+                  <a:srgbClr val="FFFF00"/>
+                </a:solidFill>
+                <a:latin typeface="Calibri" pitchFamily="34" charset="0"/>
+                <a:ea typeface="隶书" pitchFamily="49" charset="-122"/>
+                <a:cs typeface="Calibri" pitchFamily="34" charset="0"/>
+              </a:rPr>
+              <a:t>database</a:t>
+            </a:r>
+            <a:r>
+              <a:rPr lang="zh-CN" altLang="en-US" sz="4400" dirty="0" smtClean="0">
+                <a:solidFill>
+                  <a:srgbClr val="FFFF00"/>
+                </a:solidFill>
+                <a:latin typeface="隶书" pitchFamily="49" charset="-122"/>
+                <a:ea typeface="隶书" pitchFamily="49" charset="-122"/>
+              </a:rPr>
+              <a:t>里的</a:t>
+            </a:r>
+            <a:r>
+              <a:rPr lang="en-US" altLang="zh-CN" sz="4400" dirty="0" smtClean="0">
+                <a:solidFill>
+                  <a:srgbClr val="FFFF00"/>
+                </a:solidFill>
+                <a:latin typeface="Calibri" pitchFamily="34" charset="0"/>
+                <a:ea typeface="隶书" pitchFamily="49" charset="-122"/>
+                <a:cs typeface="Calibri" pitchFamily="34" charset="0"/>
+              </a:rPr>
+              <a:t>table</a:t>
+            </a:r>
+            <a:r>
+              <a:rPr lang="zh-CN" altLang="en-US" sz="4400" dirty="0" smtClean="0">
+                <a:solidFill>
+                  <a:srgbClr val="FFFF00"/>
+                </a:solidFill>
+                <a:latin typeface="隶书" pitchFamily="49" charset="-122"/>
+                <a:ea typeface="隶书" pitchFamily="49" charset="-122"/>
+              </a:rPr>
+              <a:t>可以相同</a:t>
             </a:r>
             <a:endParaRPr lang="en-US" altLang="zh-CN" sz="4400" dirty="0" smtClean="0">
               <a:solidFill>
@@ -8467,7 +10769,7 @@
               <a:rPr lang="zh-CN" altLang="en-US" sz="5400" spc="-150" dirty="0" smtClean="0">
                 <a:effectLst/>
               </a:rPr>
-              <a:t>集群带来的变化</a:t>
+              <a:t>集群工作模式</a:t>
             </a:r>
             <a:endParaRPr lang="zh-CN" altLang="en-US" sz="5400" spc="-150" dirty="0">
               <a:effectLst/>
@@ -8484,7 +10786,7 @@
         <p:spPr>
           <a:xfrm>
             <a:off x="142844" y="1714488"/>
-            <a:ext cx="8786874" cy="4832092"/>
+            <a:ext cx="8786874" cy="2800767"/>
           </a:xfrm>
           <a:prstGeom prst="rect">
             <a:avLst/>
@@ -8506,114 +10808,177 @@
                 <a:ea typeface="隶书" pitchFamily="49" charset="-122"/>
                 <a:cs typeface="Calibri" pitchFamily="34" charset="0"/>
               </a:rPr>
-              <a:t>从单点到集群</a:t>
+              <a:t>只有一个库，</a:t>
+            </a:r>
+            <a:r>
+              <a:rPr lang="en-US" altLang="zh-CN" sz="4400" dirty="0" smtClean="0">
+                <a:solidFill>
+                  <a:srgbClr val="FFFF00"/>
+                </a:solidFill>
+                <a:latin typeface="Calibri" pitchFamily="34" charset="0"/>
+                <a:ea typeface="隶书" pitchFamily="49" charset="-122"/>
+                <a:cs typeface="Calibri" pitchFamily="34" charset="0"/>
+              </a:rPr>
+              <a:t>0</a:t>
+            </a:r>
+            <a:r>
+              <a:rPr lang="zh-CN" altLang="en-US" sz="4400" dirty="0" smtClean="0">
+                <a:solidFill>
+                  <a:srgbClr val="FFFF00"/>
+                </a:solidFill>
+                <a:latin typeface="隶书" pitchFamily="49" charset="-122"/>
+                <a:ea typeface="隶书" pitchFamily="49" charset="-122"/>
+              </a:rPr>
+              <a:t>库，不用选择</a:t>
             </a:r>
             <a:endParaRPr lang="en-US" altLang="zh-CN" sz="4400" dirty="0" smtClean="0">
               <a:solidFill>
                 <a:srgbClr val="FFFF00"/>
               </a:solidFill>
-              <a:latin typeface="Calibri" pitchFamily="34" charset="0"/>
+              <a:latin typeface="隶书" pitchFamily="49" charset="-122"/>
               <a:ea typeface="隶书" pitchFamily="49" charset="-122"/>
-              <a:cs typeface="Calibri" pitchFamily="34" charset="0"/>
-            </a:endParaRPr>
-          </a:p>
-          <a:p>
-            <a:r>
-              <a:rPr lang="en-US" altLang="zh-CN" sz="4400" dirty="0" smtClean="0">
-                <a:solidFill>
-                  <a:srgbClr val="FFFF00"/>
-                </a:solidFill>
-                <a:latin typeface="Calibri" pitchFamily="34" charset="0"/>
-                <a:ea typeface="隶书" pitchFamily="49" charset="-122"/>
-                <a:cs typeface="Calibri" pitchFamily="34" charset="0"/>
-              </a:rPr>
-              <a:t>From single node to cluster</a:t>
-            </a:r>
-          </a:p>
-          <a:p>
-            <a:r>
-              <a:rPr lang="zh-CN" altLang="en-US" sz="4400" dirty="0" smtClean="0">
-                <a:solidFill>
-                  <a:srgbClr val="FFFF00"/>
-                </a:solidFill>
-                <a:latin typeface="Calibri" pitchFamily="34" charset="0"/>
-                <a:ea typeface="隶书" pitchFamily="49" charset="-122"/>
-                <a:cs typeface="Calibri" pitchFamily="34" charset="0"/>
-              </a:rPr>
-              <a:t>从单机到分布式</a:t>
+            </a:endParaRPr>
+          </a:p>
+          <a:p>
+            <a:r>
+              <a:rPr lang="zh-CN" altLang="en-US" sz="4400" dirty="0" smtClean="0">
+                <a:solidFill>
+                  <a:srgbClr val="FFFF00"/>
+                </a:solidFill>
+                <a:latin typeface="隶书" pitchFamily="49" charset="-122"/>
+                <a:ea typeface="隶书" pitchFamily="49" charset="-122"/>
+                <a:cs typeface="Calibri" pitchFamily="34" charset="0"/>
+              </a:rPr>
+              <a:t>不支持</a:t>
+            </a:r>
+            <a:r>
+              <a:rPr lang="en-US" altLang="zh-CN" sz="4400" dirty="0" smtClean="0">
+                <a:solidFill>
+                  <a:srgbClr val="FFFF00"/>
+                </a:solidFill>
+                <a:latin typeface="Calibri" pitchFamily="34" charset="0"/>
+                <a:ea typeface="隶书" pitchFamily="49" charset="-122"/>
+                <a:cs typeface="Calibri" pitchFamily="34" charset="0"/>
+              </a:rPr>
+              <a:t>select</a:t>
+            </a:r>
+            <a:r>
+              <a:rPr lang="zh-CN" altLang="en-US" sz="4400" dirty="0" smtClean="0">
+                <a:solidFill>
+                  <a:srgbClr val="FFFF00"/>
+                </a:solidFill>
+                <a:latin typeface="隶书" pitchFamily="49" charset="-122"/>
+                <a:ea typeface="隶书" pitchFamily="49" charset="-122"/>
+              </a:rPr>
+              <a:t>命令</a:t>
             </a:r>
             <a:endParaRPr lang="en-US" altLang="zh-CN" sz="4400" dirty="0" smtClean="0">
               <a:solidFill>
                 <a:srgbClr val="FFFF00"/>
               </a:solidFill>
-              <a:latin typeface="Calibri" pitchFamily="34" charset="0"/>
+              <a:latin typeface="隶书" pitchFamily="49" charset="-122"/>
               <a:ea typeface="隶书" pitchFamily="49" charset="-122"/>
-              <a:cs typeface="Calibri" pitchFamily="34" charset="0"/>
-            </a:endParaRPr>
-          </a:p>
-          <a:p>
-            <a:r>
-              <a:rPr lang="en-US" altLang="zh-CN" sz="4400" dirty="0" smtClean="0">
-                <a:solidFill>
-                  <a:srgbClr val="FFFF00"/>
-                </a:solidFill>
-                <a:latin typeface="Calibri" pitchFamily="34" charset="0"/>
-                <a:ea typeface="隶书" pitchFamily="49" charset="-122"/>
-                <a:cs typeface="Calibri" pitchFamily="34" charset="0"/>
-              </a:rPr>
-              <a:t>From standalone to distribute</a:t>
-            </a:r>
-          </a:p>
-          <a:p>
+            </a:endParaRPr>
+          </a:p>
+          <a:p>
+            <a:r>
+              <a:rPr lang="zh-CN" altLang="en-US" sz="4400" dirty="0" smtClean="0">
+                <a:solidFill>
+                  <a:srgbClr val="FFFF00"/>
+                </a:solidFill>
+                <a:latin typeface="隶书" pitchFamily="49" charset="-122"/>
+                <a:ea typeface="隶书" pitchFamily="49" charset="-122"/>
+              </a:rPr>
+              <a:t>最小规模</a:t>
+            </a:r>
+            <a:r>
+              <a:rPr lang="en-US" altLang="zh-CN" sz="4400" dirty="0" smtClean="0">
+                <a:solidFill>
+                  <a:srgbClr val="FFFF00"/>
+                </a:solidFill>
+                <a:latin typeface="Calibri" pitchFamily="34" charset="0"/>
+                <a:ea typeface="隶书" pitchFamily="49" charset="-122"/>
+                <a:cs typeface="Calibri" pitchFamily="34" charset="0"/>
+              </a:rPr>
+              <a:t>3</a:t>
+            </a:r>
+            <a:r>
+              <a:rPr lang="zh-CN" altLang="en-US" sz="4400" dirty="0" smtClean="0">
+                <a:solidFill>
+                  <a:srgbClr val="FFFF00"/>
+                </a:solidFill>
+                <a:latin typeface="隶书" pitchFamily="49" charset="-122"/>
+                <a:ea typeface="隶书" pitchFamily="49" charset="-122"/>
+              </a:rPr>
+              <a:t>主点</a:t>
+            </a:r>
+            <a:r>
+              <a:rPr lang="en-US" altLang="zh-CN" sz="4400" dirty="0" smtClean="0">
+                <a:solidFill>
+                  <a:srgbClr val="FFFF00"/>
+                </a:solidFill>
+                <a:latin typeface="Calibri" pitchFamily="34" charset="0"/>
+                <a:ea typeface="隶书" pitchFamily="49" charset="-122"/>
+                <a:cs typeface="Calibri" pitchFamily="34" charset="0"/>
+              </a:rPr>
+              <a:t>3</a:t>
+            </a:r>
+            <a:r>
+              <a:rPr lang="zh-CN" altLang="en-US" sz="4400" dirty="0" smtClean="0">
+                <a:solidFill>
+                  <a:srgbClr val="FFFF00"/>
+                </a:solidFill>
+                <a:latin typeface="隶书" pitchFamily="49" charset="-122"/>
+                <a:ea typeface="隶书" pitchFamily="49" charset="-122"/>
+              </a:rPr>
+              <a:t>从节点</a:t>
+            </a:r>
             <a:endParaRPr lang="en-US" altLang="zh-CN" sz="4400" dirty="0" smtClean="0">
               <a:solidFill>
                 <a:srgbClr val="FFFF00"/>
               </a:solidFill>
-              <a:latin typeface="Calibri" pitchFamily="34" charset="0"/>
+              <a:latin typeface="隶书" pitchFamily="49" charset="-122"/>
               <a:ea typeface="隶书" pitchFamily="49" charset="-122"/>
-              <a:cs typeface="Calibri" pitchFamily="34" charset="0"/>
-            </a:endParaRPr>
-          </a:p>
-          <a:p>
-            <a:r>
-              <a:rPr lang="zh-CN" altLang="en-US" sz="4400" dirty="0" smtClean="0">
-                <a:solidFill>
-                  <a:srgbClr val="FFFF00"/>
-                </a:solidFill>
-                <a:latin typeface="Calibri" pitchFamily="34" charset="0"/>
-                <a:ea typeface="隶书" pitchFamily="49" charset="-122"/>
-                <a:cs typeface="Calibri" pitchFamily="34" charset="0"/>
-              </a:rPr>
-              <a:t>容量增加、处理能力增强</a:t>
+            </a:endParaRPr>
+          </a:p>
+          <a:p>
+            <a:r>
+              <a:rPr lang="zh-CN" altLang="en-US" sz="4400" dirty="0" smtClean="0">
+                <a:solidFill>
+                  <a:srgbClr val="FFFF00"/>
+                </a:solidFill>
+                <a:latin typeface="隶书" pitchFamily="49" charset="-122"/>
+                <a:ea typeface="隶书" pitchFamily="49" charset="-122"/>
+              </a:rPr>
+              <a:t>最大规模</a:t>
+            </a:r>
+            <a:r>
+              <a:rPr lang="en-US" altLang="zh-CN" sz="4400" dirty="0" smtClean="0">
+                <a:solidFill>
+                  <a:srgbClr val="FFFF00"/>
+                </a:solidFill>
+                <a:latin typeface="Calibri" pitchFamily="34" charset="0"/>
+                <a:ea typeface="隶书" pitchFamily="49" charset="-122"/>
+                <a:cs typeface="Calibri" pitchFamily="34" charset="0"/>
+              </a:rPr>
+              <a:t>1000</a:t>
+            </a:r>
+            <a:r>
+              <a:rPr lang="zh-CN" altLang="en-US" sz="4400" dirty="0" smtClean="0">
+                <a:solidFill>
+                  <a:srgbClr val="FFFF00"/>
+                </a:solidFill>
+                <a:latin typeface="隶书" pitchFamily="49" charset="-122"/>
+                <a:ea typeface="隶书" pitchFamily="49" charset="-122"/>
+              </a:rPr>
+              <a:t>主节点，受设计所限</a:t>
             </a:r>
             <a:endParaRPr lang="en-US" altLang="zh-CN" sz="4400" dirty="0" smtClean="0">
               <a:solidFill>
                 <a:srgbClr val="FFFF00"/>
               </a:solidFill>
-              <a:latin typeface="Calibri" pitchFamily="34" charset="0"/>
+              <a:latin typeface="隶书" pitchFamily="49" charset="-122"/>
               <a:ea typeface="隶书" pitchFamily="49" charset="-122"/>
-              <a:cs typeface="Calibri" pitchFamily="34" charset="0"/>
-            </a:endParaRPr>
-          </a:p>
-          <a:p>
-            <a:r>
-              <a:rPr lang="zh-CN" altLang="en-US" sz="4400" dirty="0" smtClean="0">
-                <a:solidFill>
-                  <a:srgbClr val="FFFF00"/>
-                </a:solidFill>
-                <a:latin typeface="Calibri" pitchFamily="34" charset="0"/>
-                <a:ea typeface="隶书" pitchFamily="49" charset="-122"/>
-                <a:cs typeface="Calibri" pitchFamily="34" charset="0"/>
-              </a:rPr>
-              <a:t>按需动态扩容、缩容</a:t>
-            </a:r>
-            <a:endParaRPr lang="en-US" altLang="zh-CN" sz="4400" dirty="0" smtClean="0">
-              <a:solidFill>
-                <a:srgbClr val="FFFF00"/>
-              </a:solidFill>
-              <a:latin typeface="Calibri" pitchFamily="34" charset="0"/>
-              <a:ea typeface="隶书" pitchFamily="49" charset="-122"/>
-              <a:cs typeface="Calibri" pitchFamily="34" charset="0"/>
             </a:endParaRPr>
           </a:p>
         </p:txBody>
@@ -8677,7 +11042,7 @@
               <a:rPr lang="zh-CN" altLang="en-US" sz="5400" spc="-150" dirty="0" smtClean="0">
                 <a:effectLst/>
               </a:rPr>
-              <a:t>集群带来的问题</a:t>
+              <a:t>集群带来的变化</a:t>
             </a:r>
             <a:endParaRPr lang="zh-CN" altLang="en-US" sz="5400" spc="-150" dirty="0">
               <a:effectLst/>
@@ -8716,7 +11081,7 @@
                 <a:ea typeface="隶书" pitchFamily="49" charset="-122"/>
                 <a:cs typeface="Calibri" pitchFamily="34" charset="0"/>
               </a:rPr>
-              <a:t>数据分配：存数据时应该放到哪个节点上，取数据时应该去哪个节点上找</a:t>
+              <a:t>从单点到集群</a:t>
             </a:r>
             <a:endParaRPr lang="en-US" altLang="zh-CN" sz="4400" dirty="0" smtClean="0">
               <a:solidFill>
@@ -8729,15 +11094,93 @@
           </a:p>
           <a:p>
             <a:r>
-              <a:rPr lang="zh-CN" altLang="en-US" sz="4400" dirty="0" smtClean="0">
-                <a:solidFill>
-                  <a:srgbClr val="FFFF00"/>
-                </a:solidFill>
-                <a:latin typeface="Calibri" pitchFamily="34" charset="0"/>
-                <a:ea typeface="隶书" pitchFamily="49" charset="-122"/>
-                <a:cs typeface="Calibri" pitchFamily="34" charset="0"/>
-              </a:rPr>
-              <a:t>数据移动：集群扩容，新增加节点时，该节点上的数据从何处来；集群缩容，要剔除节点时，该节点上的数据往何处去</a:t>
+              <a:rPr lang="en-US" altLang="zh-CN" sz="4400" dirty="0" smtClean="0">
+                <a:solidFill>
+                  <a:srgbClr val="FFFF00"/>
+                </a:solidFill>
+                <a:latin typeface="Calibri" pitchFamily="34" charset="0"/>
+                <a:ea typeface="隶书" pitchFamily="49" charset="-122"/>
+                <a:cs typeface="Calibri" pitchFamily="34" charset="0"/>
+              </a:rPr>
+              <a:t>From single node to cluster</a:t>
+            </a:r>
+          </a:p>
+          <a:p>
+            <a:r>
+              <a:rPr lang="zh-CN" altLang="en-US" sz="4400" dirty="0" smtClean="0">
+                <a:solidFill>
+                  <a:srgbClr val="FFFF00"/>
+                </a:solidFill>
+                <a:latin typeface="Calibri" pitchFamily="34" charset="0"/>
+                <a:ea typeface="隶书" pitchFamily="49" charset="-122"/>
+                <a:cs typeface="Calibri" pitchFamily="34" charset="0"/>
+              </a:rPr>
+              <a:t>从单机到分布式</a:t>
+            </a:r>
+            <a:endParaRPr lang="en-US" altLang="zh-CN" sz="4400" dirty="0" smtClean="0">
+              <a:solidFill>
+                <a:srgbClr val="FFFF00"/>
+              </a:solidFill>
+              <a:latin typeface="Calibri" pitchFamily="34" charset="0"/>
+              <a:ea typeface="隶书" pitchFamily="49" charset="-122"/>
+              <a:cs typeface="Calibri" pitchFamily="34" charset="0"/>
+            </a:endParaRPr>
+          </a:p>
+          <a:p>
+            <a:r>
+              <a:rPr lang="en-US" altLang="zh-CN" sz="4400" dirty="0" smtClean="0">
+                <a:solidFill>
+                  <a:srgbClr val="FFFF00"/>
+                </a:solidFill>
+                <a:latin typeface="Calibri" pitchFamily="34" charset="0"/>
+                <a:ea typeface="隶书" pitchFamily="49" charset="-122"/>
+                <a:cs typeface="Calibri" pitchFamily="34" charset="0"/>
+              </a:rPr>
+              <a:t>From standalone to distribute</a:t>
+            </a:r>
+          </a:p>
+          <a:p>
+            <a:endParaRPr lang="en-US" altLang="zh-CN" sz="4400" dirty="0" smtClean="0">
+              <a:solidFill>
+                <a:srgbClr val="FFFF00"/>
+              </a:solidFill>
+              <a:latin typeface="Calibri" pitchFamily="34" charset="0"/>
+              <a:ea typeface="隶书" pitchFamily="49" charset="-122"/>
+              <a:cs typeface="Calibri" pitchFamily="34" charset="0"/>
+            </a:endParaRPr>
+          </a:p>
+          <a:p>
+            <a:r>
+              <a:rPr lang="zh-CN" altLang="en-US" sz="4400" dirty="0" smtClean="0">
+                <a:solidFill>
+                  <a:srgbClr val="FFFF00"/>
+                </a:solidFill>
+                <a:latin typeface="Calibri" pitchFamily="34" charset="0"/>
+                <a:ea typeface="隶书" pitchFamily="49" charset="-122"/>
+                <a:cs typeface="Calibri" pitchFamily="34" charset="0"/>
+              </a:rPr>
+              <a:t>容量增加、处理能力增强</a:t>
+            </a:r>
+            <a:endParaRPr lang="en-US" altLang="zh-CN" sz="4400" dirty="0" smtClean="0">
+              <a:solidFill>
+                <a:srgbClr val="FFFF00"/>
+              </a:solidFill>
+              <a:latin typeface="Calibri" pitchFamily="34" charset="0"/>
+              <a:ea typeface="隶书" pitchFamily="49" charset="-122"/>
+              <a:cs typeface="Calibri" pitchFamily="34" charset="0"/>
+            </a:endParaRPr>
+          </a:p>
+          <a:p>
+            <a:r>
+              <a:rPr lang="zh-CN" altLang="en-US" sz="4400" dirty="0" smtClean="0">
+                <a:solidFill>
+                  <a:srgbClr val="FFFF00"/>
+                </a:solidFill>
+                <a:latin typeface="Calibri" pitchFamily="34" charset="0"/>
+                <a:ea typeface="隶书" pitchFamily="49" charset="-122"/>
+                <a:cs typeface="Calibri" pitchFamily="34" charset="0"/>
+              </a:rPr>
+              <a:t>按需动态扩容、缩容</a:t>
             </a:r>
             <a:endParaRPr lang="en-US" altLang="zh-CN" sz="4400" dirty="0" smtClean="0">
               <a:solidFill>
@@ -8806,16 +11249,10 @@
           <a:p>
             <a:pPr algn="just"/>
             <a:r>
-              <a:rPr lang="en-US" altLang="zh-CN" sz="5400" spc="-150" dirty="0" err="1" smtClean="0">
-                <a:effectLst/>
-              </a:rPr>
-              <a:t>Redis</a:t>
-            </a:r>
-            <a:r>
               <a:rPr lang="zh-CN" altLang="en-US" sz="5400" spc="-150" dirty="0" smtClean="0">
                 <a:effectLst/>
               </a:rPr>
-              <a:t>集群的实现</a:t>
+              <a:t>集群带来的问题</a:t>
             </a:r>
             <a:endParaRPr lang="zh-CN" altLang="en-US" sz="5400" spc="-150" dirty="0">
               <a:effectLst/>
@@ -8832,7 +11269,7 @@
         <p:spPr>
           <a:xfrm>
             <a:off x="142844" y="1714488"/>
-            <a:ext cx="8786874" cy="3477875"/>
+            <a:ext cx="8786874" cy="4832092"/>
           </a:xfrm>
           <a:prstGeom prst="rect">
             <a:avLst/>
@@ -8854,7 +11291,7 @@
                 <a:ea typeface="隶书" pitchFamily="49" charset="-122"/>
                 <a:cs typeface="Calibri" pitchFamily="34" charset="0"/>
               </a:rPr>
-              <a:t>要解决数据分配与移动的问题</a:t>
+              <a:t>数据分配：存数据时应该放到哪个节点上，取数据时应该去哪个节点上找</a:t>
             </a:r>
             <a:endParaRPr lang="en-US" altLang="zh-CN" sz="4400" dirty="0" smtClean="0">
               <a:solidFill>
@@ -8875,50 +11312,7 @@
                 <a:ea typeface="隶书" pitchFamily="49" charset="-122"/>
                 <a:cs typeface="Calibri" pitchFamily="34" charset="0"/>
               </a:rPr>
-              <a:t>要解决数据和节点对应关系的问题</a:t>
-            </a:r>
-            <a:endParaRPr lang="en-US" altLang="zh-CN" sz="4400" dirty="0" smtClean="0">
-              <a:solidFill>
-                <a:srgbClr val="FFFF00"/>
-              </a:solidFill>
-              <a:latin typeface="Calibri" pitchFamily="34" charset="0"/>
-              <a:ea typeface="隶书" pitchFamily="49" charset="-122"/>
-              <a:cs typeface="Calibri" pitchFamily="34" charset="0"/>
-            </a:endParaRPr>
-          </a:p>
-          <a:p>
-            <a:r>
-              <a:rPr lang="zh-CN" altLang="en-US" sz="4400" dirty="0" smtClean="0">
-                <a:solidFill>
-                  <a:srgbClr val="FFFF00"/>
-                </a:solidFill>
-                <a:latin typeface="Calibri" pitchFamily="34" charset="0"/>
-                <a:ea typeface="隶书" pitchFamily="49" charset="-122"/>
-                <a:cs typeface="Calibri" pitchFamily="34" charset="0"/>
-              </a:rPr>
-              <a:t>在数据和节点间再加入一层，同时引入一个概念，槽（</a:t>
-            </a:r>
-            <a:r>
-              <a:rPr lang="en-US" altLang="zh-CN" sz="4400" dirty="0" smtClean="0">
-                <a:solidFill>
-                  <a:srgbClr val="FFFF00"/>
-                </a:solidFill>
-                <a:latin typeface="Calibri" pitchFamily="34" charset="0"/>
-                <a:ea typeface="隶书" pitchFamily="49" charset="-122"/>
-                <a:cs typeface="Calibri" pitchFamily="34" charset="0"/>
-              </a:rPr>
-              <a:t>slot</a:t>
-            </a:r>
-            <a:r>
-              <a:rPr lang="zh-CN" altLang="en-US" sz="4400" dirty="0" smtClean="0">
-                <a:solidFill>
-                  <a:srgbClr val="FFFF00"/>
-                </a:solidFill>
-                <a:latin typeface="Calibri" pitchFamily="34" charset="0"/>
-                <a:ea typeface="隶书" pitchFamily="49" charset="-122"/>
-                <a:cs typeface="Calibri" pitchFamily="34" charset="0"/>
-              </a:rPr>
-              <a:t>），因该槽主要和哈希有关，又叫哈希槽</a:t>
+              <a:t>数据移动：集群扩容，新增加节点时，该节点上的数据从何处来；集群缩容，要剔除节点时，该节点上的数据往何处去</a:t>
             </a:r>
             <a:endParaRPr lang="en-US" altLang="zh-CN" sz="4400" dirty="0" smtClean="0">
               <a:solidFill>
@@ -9013,7 +11407,7 @@
         <p:spPr>
           <a:xfrm>
             <a:off x="142844" y="1714488"/>
-            <a:ext cx="8786874" cy="4832092"/>
+            <a:ext cx="8786874" cy="3477875"/>
           </a:xfrm>
           <a:prstGeom prst="rect">
             <a:avLst/>
@@ -9035,29 +11429,7 @@
                 <a:ea typeface="隶书" pitchFamily="49" charset="-122"/>
                 <a:cs typeface="Calibri" pitchFamily="34" charset="0"/>
               </a:rPr>
-              <a:t>可以把槽理解为一个容器，里面放置的是数据（</a:t>
-            </a:r>
-            <a:r>
-              <a:rPr lang="en-US" altLang="zh-CN" sz="4400" dirty="0" smtClean="0">
-                <a:solidFill>
-                  <a:srgbClr val="FFFF00"/>
-                </a:solidFill>
-                <a:latin typeface="Calibri" pitchFamily="34" charset="0"/>
-                <a:ea typeface="隶书" pitchFamily="49" charset="-122"/>
-                <a:cs typeface="Calibri" pitchFamily="34" charset="0"/>
-              </a:rPr>
-              <a:t>key-value</a:t>
-            </a:r>
-            <a:r>
-              <a:rPr lang="zh-CN" altLang="en-US" sz="4400" dirty="0" smtClean="0">
-                <a:solidFill>
-                  <a:srgbClr val="FFFF00"/>
-                </a:solidFill>
-                <a:latin typeface="Calibri" pitchFamily="34" charset="0"/>
-                <a:ea typeface="隶书" pitchFamily="49" charset="-122"/>
-                <a:cs typeface="Calibri" pitchFamily="34" charset="0"/>
-              </a:rPr>
-              <a:t>）</a:t>
+              <a:t>要解决数据分配与移动的问题</a:t>
             </a:r>
             <a:endParaRPr lang="en-US" altLang="zh-CN" sz="4400" dirty="0" smtClean="0">
               <a:solidFill>
@@ -9078,7 +11450,7 @@
                 <a:ea typeface="隶书" pitchFamily="49" charset="-122"/>
                 <a:cs typeface="Calibri" pitchFamily="34" charset="0"/>
               </a:rPr>
-              <a:t>数据放置在槽里</a:t>
+              <a:t>要解决数据和节点对应关系的问题</a:t>
             </a:r>
             <a:endParaRPr lang="en-US" altLang="zh-CN" sz="4400" dirty="0" smtClean="0">
               <a:solidFill>
@@ -9099,62 +11471,29 @@
                 <a:ea typeface="隶书" pitchFamily="49" charset="-122"/>
                 <a:cs typeface="Calibri" pitchFamily="34" charset="0"/>
               </a:rPr>
-              <a:t>槽又放置节点上</a:t>
-            </a:r>
-            <a:endParaRPr lang="en-US" altLang="zh-CN" sz="4400" dirty="0" smtClean="0">
-              <a:solidFill>
-                <a:srgbClr val="FFFF00"/>
-              </a:solidFill>
-              <a:latin typeface="Calibri" pitchFamily="34" charset="0"/>
-              <a:ea typeface="隶书" pitchFamily="49" charset="-122"/>
-              <a:cs typeface="Calibri" pitchFamily="34" charset="0"/>
-            </a:endParaRPr>
-          </a:p>
-          <a:p>
-            <a:r>
-              <a:rPr lang="en-US" altLang="zh-CN" sz="4400" dirty="0" smtClean="0">
-                <a:solidFill>
-                  <a:srgbClr val="FFFF00"/>
-                </a:solidFill>
-                <a:latin typeface="Calibri" pitchFamily="34" charset="0"/>
-                <a:ea typeface="隶书" pitchFamily="49" charset="-122"/>
-                <a:cs typeface="Calibri" pitchFamily="34" charset="0"/>
-              </a:rPr>
-              <a:t>--------------------------</a:t>
-            </a:r>
-          </a:p>
-          <a:p>
-            <a:r>
-              <a:rPr lang="zh-CN" altLang="en-US" sz="4400" dirty="0" smtClean="0">
-                <a:solidFill>
-                  <a:srgbClr val="FFFF00"/>
-                </a:solidFill>
-                <a:latin typeface="Calibri" pitchFamily="34" charset="0"/>
-                <a:ea typeface="隶书" pitchFamily="49" charset="-122"/>
-                <a:cs typeface="Calibri" pitchFamily="34" charset="0"/>
-              </a:rPr>
-              <a:t>节点上放置的是槽</a:t>
-            </a:r>
-            <a:endParaRPr lang="en-US" altLang="zh-CN" sz="4400" dirty="0" smtClean="0">
-              <a:solidFill>
-                <a:srgbClr val="FFFF00"/>
-              </a:solidFill>
-              <a:latin typeface="Calibri" pitchFamily="34" charset="0"/>
-              <a:ea typeface="隶书" pitchFamily="49" charset="-122"/>
-              <a:cs typeface="Calibri" pitchFamily="34" charset="0"/>
-            </a:endParaRPr>
-          </a:p>
-          <a:p>
-            <a:r>
-              <a:rPr lang="zh-CN" altLang="en-US" sz="4400" dirty="0" smtClean="0">
-                <a:solidFill>
-                  <a:srgbClr val="FFFF00"/>
-                </a:solidFill>
-                <a:latin typeface="Calibri" pitchFamily="34" charset="0"/>
-                <a:ea typeface="隶书" pitchFamily="49" charset="-122"/>
-                <a:cs typeface="Calibri" pitchFamily="34" charset="0"/>
-              </a:rPr>
-              <a:t>槽里放置的是数据</a:t>
+              <a:t>在数据和节点间再加入一层，同时引入一个概念，槽（</a:t>
+            </a:r>
+            <a:r>
+              <a:rPr lang="en-US" altLang="zh-CN" sz="4400" dirty="0" smtClean="0">
+                <a:solidFill>
+                  <a:srgbClr val="FFFF00"/>
+                </a:solidFill>
+                <a:latin typeface="Calibri" pitchFamily="34" charset="0"/>
+                <a:ea typeface="隶书" pitchFamily="49" charset="-122"/>
+                <a:cs typeface="Calibri" pitchFamily="34" charset="0"/>
+              </a:rPr>
+              <a:t>slot</a:t>
+            </a:r>
+            <a:r>
+              <a:rPr lang="zh-CN" altLang="en-US" sz="4400" dirty="0" smtClean="0">
+                <a:solidFill>
+                  <a:srgbClr val="FFFF00"/>
+                </a:solidFill>
+                <a:latin typeface="Calibri" pitchFamily="34" charset="0"/>
+                <a:ea typeface="隶书" pitchFamily="49" charset="-122"/>
+                <a:cs typeface="Calibri" pitchFamily="34" charset="0"/>
+              </a:rPr>
+              <a:t>），因该槽主要和哈希有关，又叫哈希槽</a:t>
             </a:r>
             <a:endParaRPr lang="en-US" altLang="zh-CN" sz="4400" dirty="0" smtClean="0">
               <a:solidFill>

--- a/docs/redis-01.pptx
+++ b/docs/redis-01.pptx
@@ -35,6 +35,7 @@
     <p:sldId id="283" r:id="rId29"/>
     <p:sldId id="284" r:id="rId30"/>
     <p:sldId id="285" r:id="rId31"/>
+    <p:sldId id="286" r:id="rId32"/>
   </p:sldIdLst>
   <p:sldSz cx="9144000" cy="6858000" type="screen4x3"/>
   <p:notesSz cx="6858000" cy="9144000"/>
@@ -310,7 +311,7 @@
             <a:fld id="{530820CF-B880-4189-942D-D702A7CBA730}" type="datetimeFigureOut">
               <a:rPr lang="zh-CN" altLang="en-US" smtClean="0"/>
               <a:pPr/>
-              <a:t>2018/3/9</a:t>
+              <a:t>2018/3/13</a:t>
             </a:fld>
             <a:endParaRPr lang="zh-CN" altLang="en-US"/>
           </a:p>
@@ -477,7 +478,7 @@
             <a:fld id="{530820CF-B880-4189-942D-D702A7CBA730}" type="datetimeFigureOut">
               <a:rPr lang="zh-CN" altLang="en-US" smtClean="0"/>
               <a:pPr/>
-              <a:t>2018/3/9</a:t>
+              <a:t>2018/3/13</a:t>
             </a:fld>
             <a:endParaRPr lang="zh-CN" altLang="en-US"/>
           </a:p>
@@ -654,7 +655,7 @@
             <a:fld id="{530820CF-B880-4189-942D-D702A7CBA730}" type="datetimeFigureOut">
               <a:rPr lang="zh-CN" altLang="en-US" smtClean="0"/>
               <a:pPr/>
-              <a:t>2018/3/9</a:t>
+              <a:t>2018/3/13</a:t>
             </a:fld>
             <a:endParaRPr lang="zh-CN" altLang="en-US"/>
           </a:p>
@@ -821,7 +822,7 @@
             <a:fld id="{530820CF-B880-4189-942D-D702A7CBA730}" type="datetimeFigureOut">
               <a:rPr lang="zh-CN" altLang="en-US" smtClean="0"/>
               <a:pPr/>
-              <a:t>2018/3/9</a:t>
+              <a:t>2018/3/13</a:t>
             </a:fld>
             <a:endParaRPr lang="zh-CN" altLang="en-US"/>
           </a:p>
@@ -1065,7 +1066,7 @@
             <a:fld id="{530820CF-B880-4189-942D-D702A7CBA730}" type="datetimeFigureOut">
               <a:rPr lang="zh-CN" altLang="en-US" smtClean="0"/>
               <a:pPr/>
-              <a:t>2018/3/9</a:t>
+              <a:t>2018/3/13</a:t>
             </a:fld>
             <a:endParaRPr lang="zh-CN" altLang="en-US"/>
           </a:p>
@@ -1331,7 +1332,7 @@
             <a:fld id="{530820CF-B880-4189-942D-D702A7CBA730}" type="datetimeFigureOut">
               <a:rPr lang="zh-CN" altLang="en-US" smtClean="0"/>
               <a:pPr/>
-              <a:t>2018/3/9</a:t>
+              <a:t>2018/3/13</a:t>
             </a:fld>
             <a:endParaRPr lang="zh-CN" altLang="en-US"/>
           </a:p>
@@ -1711,7 +1712,7 @@
             <a:fld id="{530820CF-B880-4189-942D-D702A7CBA730}" type="datetimeFigureOut">
               <a:rPr lang="zh-CN" altLang="en-US" smtClean="0"/>
               <a:pPr/>
-              <a:t>2018/3/9</a:t>
+              <a:t>2018/3/13</a:t>
             </a:fld>
             <a:endParaRPr lang="zh-CN" altLang="en-US"/>
           </a:p>
@@ -1863,7 +1864,7 @@
             <a:fld id="{530820CF-B880-4189-942D-D702A7CBA730}" type="datetimeFigureOut">
               <a:rPr lang="zh-CN" altLang="en-US" smtClean="0"/>
               <a:pPr/>
-              <a:t>2018/3/9</a:t>
+              <a:t>2018/3/13</a:t>
             </a:fld>
             <a:endParaRPr lang="zh-CN" altLang="en-US"/>
           </a:p>
@@ -1955,7 +1956,7 @@
             <a:fld id="{530820CF-B880-4189-942D-D702A7CBA730}" type="datetimeFigureOut">
               <a:rPr lang="zh-CN" altLang="en-US" smtClean="0"/>
               <a:pPr/>
-              <a:t>2018/3/9</a:t>
+              <a:t>2018/3/13</a:t>
             </a:fld>
             <a:endParaRPr lang="zh-CN" altLang="en-US"/>
           </a:p>
@@ -2218,7 +2219,7 @@
             <a:fld id="{530820CF-B880-4189-942D-D702A7CBA730}" type="datetimeFigureOut">
               <a:rPr lang="zh-CN" altLang="en-US" smtClean="0"/>
               <a:pPr/>
-              <a:t>2018/3/9</a:t>
+              <a:t>2018/3/13</a:t>
             </a:fld>
             <a:endParaRPr lang="zh-CN" altLang="en-US"/>
           </a:p>
@@ -2508,7 +2509,7 @@
             <a:fld id="{530820CF-B880-4189-942D-D702A7CBA730}" type="datetimeFigureOut">
               <a:rPr lang="zh-CN" altLang="en-US" smtClean="0"/>
               <a:pPr/>
-              <a:t>2018/3/9</a:t>
+              <a:t>2018/3/13</a:t>
             </a:fld>
             <a:endParaRPr lang="zh-CN" altLang="en-US"/>
           </a:p>
@@ -3281,7 +3282,7 @@
             <a:fld id="{530820CF-B880-4189-942D-D702A7CBA730}" type="datetimeFigureOut">
               <a:rPr lang="zh-CN" altLang="en-US" smtClean="0"/>
               <a:pPr/>
-              <a:t>2018/3/9</a:t>
+              <a:t>2018/3/13</a:t>
             </a:fld>
             <a:endParaRPr lang="zh-CN" altLang="en-US"/>
           </a:p>
@@ -3950,13 +3951,7 @@
               <a:rPr lang="zh-CN" altLang="en-US" sz="7200" spc="-150" dirty="0" smtClean="0">
                 <a:effectLst/>
               </a:rPr>
-              <a:t>基本</a:t>
-            </a:r>
-            <a:r>
-              <a:rPr lang="zh-CN" altLang="en-US" sz="7200" spc="-150" dirty="0" smtClean="0">
-                <a:effectLst/>
-              </a:rPr>
-              <a:t>使用</a:t>
+              <a:t>基本使用</a:t>
             </a:r>
             <a:r>
               <a:rPr lang="en-US" altLang="zh-CN" sz="7200" spc="-150" dirty="0" smtClean="0">
@@ -3973,13 +3968,7 @@
               <a:rPr lang="zh-CN" altLang="en-US" sz="4000" spc="-150" dirty="0" smtClean="0">
                 <a:effectLst/>
               </a:rPr>
-              <a:t>（</a:t>
-            </a:r>
-            <a:r>
-              <a:rPr lang="zh-CN" altLang="en-US" sz="4000" spc="-150" dirty="0" smtClean="0">
-                <a:effectLst/>
-              </a:rPr>
-              <a:t>用户视角）</a:t>
+              <a:t>（用户视角）</a:t>
             </a:r>
             <a:endParaRPr lang="zh-CN" altLang="en-US" sz="4000" spc="-150" dirty="0">
               <a:effectLst/>
@@ -6820,29 +6809,7 @@
                 <a:ea typeface="隶书" pitchFamily="49" charset="-122"/>
                 <a:cs typeface="Calibri" pitchFamily="34" charset="0"/>
               </a:rPr>
-              <a:t>：</a:t>
-            </a:r>
-            <a:r>
-              <a:rPr lang="zh-CN" altLang="en-US" sz="4400" dirty="0" smtClean="0">
-                <a:solidFill>
-                  <a:srgbClr val="FFFF00"/>
-                </a:solidFill>
-                <a:latin typeface="Calibri" pitchFamily="34" charset="0"/>
-                <a:ea typeface="隶书" pitchFamily="49" charset="-122"/>
-                <a:cs typeface="Calibri" pitchFamily="34" charset="0"/>
-              </a:rPr>
-              <a:t>一次设置</a:t>
-            </a:r>
-            <a:r>
-              <a:rPr lang="zh-CN" altLang="en-US" sz="4400" dirty="0" smtClean="0">
-                <a:solidFill>
-                  <a:srgbClr val="FFFF00"/>
-                </a:solidFill>
-                <a:latin typeface="Calibri" pitchFamily="34" charset="0"/>
-                <a:ea typeface="隶书" pitchFamily="49" charset="-122"/>
-                <a:cs typeface="Calibri" pitchFamily="34" charset="0"/>
-              </a:rPr>
-              <a:t>多个，只有当这些</a:t>
+              <a:t>：一次设置多个，只有当这些</a:t>
             </a:r>
             <a:r>
               <a:rPr lang="en-US" altLang="zh-CN" sz="4400" dirty="0" smtClean="0">
@@ -7019,17 +6986,7 @@
                 <a:latin typeface="隶书" pitchFamily="49" charset="-122"/>
                 <a:ea typeface="隶书" pitchFamily="49" charset="-122"/>
               </a:rPr>
-              <a:t>开发</a:t>
-            </a:r>
-            <a:r>
-              <a:rPr lang="zh-CN" altLang="en-US" sz="4400" dirty="0" smtClean="0">
-                <a:solidFill>
-                  <a:srgbClr val="FFFF00"/>
-                </a:solidFill>
-                <a:latin typeface="隶书" pitchFamily="49" charset="-122"/>
-                <a:ea typeface="隶书" pitchFamily="49" charset="-122"/>
-              </a:rPr>
-              <a:t>者：</a:t>
+              <a:t>开发者：</a:t>
             </a:r>
             <a:r>
               <a:rPr lang="en-US" altLang="zh-CN" sz="4400" dirty="0" smtClean="0">
@@ -8450,18 +8407,7 @@
                 <a:ea typeface="隶书" pitchFamily="49" charset="-122"/>
                 <a:cs typeface="Calibri" pitchFamily="34" charset="0"/>
               </a:rPr>
-              <a:t>集合</a:t>
-            </a:r>
-            <a:r>
-              <a:rPr lang="zh-CN" altLang="en-US" sz="4400" dirty="0" smtClean="0">
-                <a:solidFill>
-                  <a:srgbClr val="FFFF00"/>
-                </a:solidFill>
-                <a:latin typeface="Calibri" pitchFamily="34" charset="0"/>
-                <a:ea typeface="隶书" pitchFamily="49" charset="-122"/>
-                <a:cs typeface="Calibri" pitchFamily="34" charset="0"/>
-              </a:rPr>
-              <a:t>（</a:t>
+              <a:t>集合（</a:t>
             </a:r>
             <a:r>
               <a:rPr lang="en-US" altLang="zh-CN" sz="4400" dirty="0" smtClean="0">
@@ -8675,18 +8621,7 @@
                 <a:ea typeface="隶书" pitchFamily="49" charset="-122"/>
                 <a:cs typeface="Calibri" pitchFamily="34" charset="0"/>
               </a:rPr>
-              <a:t>哈希</a:t>
-            </a:r>
-            <a:r>
-              <a:rPr lang="zh-CN" altLang="en-US" sz="4400" dirty="0" smtClean="0">
-                <a:solidFill>
-                  <a:srgbClr val="FFFF00"/>
-                </a:solidFill>
-                <a:latin typeface="Calibri" pitchFamily="34" charset="0"/>
-                <a:ea typeface="隶书" pitchFamily="49" charset="-122"/>
-                <a:cs typeface="Calibri" pitchFamily="34" charset="0"/>
-              </a:rPr>
-              <a:t>（</a:t>
+              <a:t>哈希（</a:t>
             </a:r>
             <a:r>
               <a:rPr lang="en-US" altLang="zh-CN" sz="4400" dirty="0" smtClean="0">
@@ -8998,18 +8933,7 @@
                 <a:ea typeface="隶书" pitchFamily="49" charset="-122"/>
                 <a:cs typeface="Calibri" pitchFamily="34" charset="0"/>
               </a:rPr>
-              <a:t>l</a:t>
-            </a:r>
-            <a:r>
-              <a:rPr lang="en-US" altLang="zh-CN" sz="4400" dirty="0" smtClean="0">
-                <a:solidFill>
-                  <a:srgbClr val="FFFF00"/>
-                </a:solidFill>
-                <a:latin typeface="Calibri" pitchFamily="34" charset="0"/>
-                <a:ea typeface="隶书" pitchFamily="49" charset="-122"/>
-                <a:cs typeface="Calibri" pitchFamily="34" charset="0"/>
-              </a:rPr>
-              <a:t>exicographical</a:t>
+              <a:t>lexicographical</a:t>
             </a:r>
             <a:r>
               <a:rPr lang="zh-CN" altLang="en-US" sz="4400" dirty="0" smtClean="0">
@@ -9351,18 +9275,7 @@
                 <a:ea typeface="隶书" pitchFamily="49" charset="-122"/>
                 <a:cs typeface="Calibri" pitchFamily="34" charset="0"/>
               </a:rPr>
-              <a:t>连接</a:t>
-            </a:r>
-            <a:r>
-              <a:rPr lang="zh-CN" altLang="en-US" sz="4400" dirty="0" smtClean="0">
-                <a:solidFill>
-                  <a:srgbClr val="FFFF00"/>
-                </a:solidFill>
-                <a:latin typeface="Calibri" pitchFamily="34" charset="0"/>
-                <a:ea typeface="隶书" pitchFamily="49" charset="-122"/>
-                <a:cs typeface="Calibri" pitchFamily="34" charset="0"/>
-              </a:rPr>
-              <a:t>（</a:t>
+              <a:t>连接（</a:t>
             </a:r>
             <a:r>
               <a:rPr lang="en-US" altLang="zh-CN" sz="4400" dirty="0" smtClean="0">
@@ -9501,18 +9414,7 @@
                 <a:ea typeface="隶书" pitchFamily="49" charset="-122"/>
                 <a:cs typeface="Calibri" pitchFamily="34" charset="0"/>
               </a:rPr>
-              <a:t>事务</a:t>
-            </a:r>
-            <a:r>
-              <a:rPr lang="zh-CN" altLang="en-US" sz="4400" dirty="0" smtClean="0">
-                <a:solidFill>
-                  <a:srgbClr val="FFFF00"/>
-                </a:solidFill>
-                <a:latin typeface="Calibri" pitchFamily="34" charset="0"/>
-                <a:ea typeface="隶书" pitchFamily="49" charset="-122"/>
-                <a:cs typeface="Calibri" pitchFamily="34" charset="0"/>
-              </a:rPr>
-              <a:t>（</a:t>
+              <a:t>事务（</a:t>
             </a:r>
             <a:r>
               <a:rPr lang="en-US" altLang="zh-CN" sz="4400" dirty="0" smtClean="0">
@@ -9902,18 +9804,7 @@
                 <a:ea typeface="隶书" pitchFamily="49" charset="-122"/>
                 <a:cs typeface="Calibri" pitchFamily="34" charset="0"/>
               </a:rPr>
-              <a:t>协议</a:t>
-            </a:r>
-            <a:r>
-              <a:rPr lang="zh-CN" altLang="en-US" sz="4400" dirty="0" smtClean="0">
-                <a:solidFill>
-                  <a:srgbClr val="FFFF00"/>
-                </a:solidFill>
-                <a:latin typeface="Calibri" pitchFamily="34" charset="0"/>
-                <a:ea typeface="隶书" pitchFamily="49" charset="-122"/>
-                <a:cs typeface="Calibri" pitchFamily="34" charset="0"/>
-              </a:rPr>
-              <a:t>（</a:t>
+              <a:t>协议（</a:t>
             </a:r>
             <a:r>
               <a:rPr lang="en-US" altLang="zh-CN" sz="4400" dirty="0" smtClean="0">
@@ -10137,6 +10028,302 @@
                 <a:cs typeface="Calibri" pitchFamily="34" charset="0"/>
               </a:rPr>
               <a:t>\r</a:t>
+            </a:r>
+          </a:p>
+        </p:txBody>
+      </p:sp>
+    </p:spTree>
+  </p:cSld>
+  <p:clrMapOvr>
+    <a:masterClrMapping/>
+  </p:clrMapOvr>
+  <p:timing>
+    <p:tnLst>
+      <p:par>
+        <p:cTn id="1" dur="indefinite" restart="never" nodeType="tmRoot"/>
+      </p:par>
+    </p:tnLst>
+  </p:timing>
+</p:sld>
+</file>
+
+<file path=ppt/slides/slide31.xml><?xml version="1.0" encoding="utf-8"?>
+<p:sld xmlns:a="http://schemas.openxmlformats.org/drawingml/2006/main" xmlns:r="http://schemas.openxmlformats.org/officeDocument/2006/relationships" xmlns:p="http://schemas.openxmlformats.org/presentationml/2006/main">
+  <p:cSld>
+    <p:spTree>
+      <p:nvGrpSpPr>
+        <p:cNvPr id="1" name=""/>
+        <p:cNvGrpSpPr/>
+        <p:nvPr/>
+      </p:nvGrpSpPr>
+      <p:grpSpPr>
+        <a:xfrm>
+          <a:off x="0" y="0"/>
+          <a:ext cx="0" cy="0"/>
+          <a:chOff x="0" y="0"/>
+          <a:chExt cx="0" cy="0"/>
+        </a:xfrm>
+      </p:grpSpPr>
+      <p:sp>
+        <p:nvSpPr>
+          <p:cNvPr id="2" name="标题 1"/>
+          <p:cNvSpPr>
+            <a:spLocks noGrp="1"/>
+          </p:cNvSpPr>
+          <p:nvPr>
+            <p:ph type="ctrTitle"/>
+          </p:nvPr>
+        </p:nvSpPr>
+        <p:spPr>
+          <a:xfrm>
+            <a:off x="214282" y="857232"/>
+            <a:ext cx="8929718" cy="785818"/>
+          </a:xfrm>
+        </p:spPr>
+        <p:txBody>
+          <a:bodyPr anchor="ctr">
+            <a:noAutofit/>
+          </a:bodyPr>
+          <a:lstStyle/>
+          <a:p>
+            <a:pPr algn="just"/>
+            <a:r>
+              <a:rPr lang="en-US" altLang="zh-CN" sz="5400" spc="-150" dirty="0" err="1" smtClean="0">
+                <a:effectLst/>
+              </a:rPr>
+              <a:t>Redis</a:t>
+            </a:r>
+            <a:r>
+              <a:rPr lang="zh-CN" altLang="en-US" sz="5400" spc="-150" dirty="0" smtClean="0">
+                <a:effectLst/>
+              </a:rPr>
+              <a:t>的</a:t>
+            </a:r>
+            <a:r>
+              <a:rPr lang="zh-CN" altLang="en-US" sz="5400" spc="-150" dirty="0" smtClean="0">
+                <a:effectLst/>
+              </a:rPr>
+              <a:t>单线程</a:t>
+            </a:r>
+            <a:endParaRPr lang="zh-CN" altLang="en-US" sz="5400" spc="-150" dirty="0">
+              <a:effectLst/>
+            </a:endParaRPr>
+          </a:p>
+        </p:txBody>
+      </p:sp>
+      <p:sp>
+        <p:nvSpPr>
+          <p:cNvPr id="4" name="TextBox 3"/>
+          <p:cNvSpPr txBox="1"/>
+          <p:nvPr/>
+        </p:nvSpPr>
+        <p:spPr>
+          <a:xfrm>
+            <a:off x="142844" y="1714488"/>
+            <a:ext cx="8786874" cy="4832092"/>
+          </a:xfrm>
+          <a:prstGeom prst="rect">
+            <a:avLst/>
+          </a:prstGeom>
+          <a:noFill/>
+        </p:spPr>
+        <p:txBody>
+          <a:bodyPr wrap="square" rtlCol="0">
+            <a:spAutoFit/>
+          </a:bodyPr>
+          <a:lstStyle/>
+          <a:p>
+            <a:r>
+              <a:rPr lang="zh-CN" altLang="en-US" sz="4400" dirty="0" smtClean="0">
+                <a:solidFill>
+                  <a:srgbClr val="FFFF00"/>
+                </a:solidFill>
+                <a:latin typeface="Calibri" pitchFamily="34" charset="0"/>
+                <a:ea typeface="隶书" pitchFamily="49" charset="-122"/>
+                <a:cs typeface="Calibri" pitchFamily="34" charset="0"/>
+              </a:rPr>
+              <a:t>只有一个线程负责接受和执行请求</a:t>
+            </a:r>
+            <a:endParaRPr lang="en-US" altLang="zh-CN" sz="4400" dirty="0" smtClean="0">
+              <a:solidFill>
+                <a:srgbClr val="FFFF00"/>
+              </a:solidFill>
+              <a:latin typeface="Calibri" pitchFamily="34" charset="0"/>
+              <a:ea typeface="隶书" pitchFamily="49" charset="-122"/>
+              <a:cs typeface="Calibri" pitchFamily="34" charset="0"/>
+            </a:endParaRPr>
+          </a:p>
+          <a:p>
+            <a:r>
+              <a:rPr lang="zh-CN" altLang="en-US" sz="4400" dirty="0" smtClean="0">
+                <a:solidFill>
+                  <a:srgbClr val="FFFF00"/>
+                </a:solidFill>
+                <a:latin typeface="Calibri" pitchFamily="34" charset="0"/>
+                <a:ea typeface="隶书" pitchFamily="49" charset="-122"/>
+                <a:cs typeface="Calibri" pitchFamily="34" charset="0"/>
+              </a:rPr>
+              <a:t>对内存操作，速度极快（</a:t>
+            </a:r>
+            <a:r>
+              <a:rPr lang="en-US" altLang="zh-CN" sz="4400" dirty="0" smtClean="0">
+                <a:solidFill>
+                  <a:srgbClr val="FFFF00"/>
+                </a:solidFill>
+                <a:latin typeface="Calibri" pitchFamily="34" charset="0"/>
+                <a:ea typeface="隶书" pitchFamily="49" charset="-122"/>
+                <a:cs typeface="Calibri" pitchFamily="34" charset="0"/>
+              </a:rPr>
+              <a:t>10W+QPS</a:t>
+            </a:r>
+            <a:r>
+              <a:rPr lang="zh-CN" altLang="en-US" sz="4400" dirty="0" smtClean="0">
+                <a:solidFill>
+                  <a:srgbClr val="FFFF00"/>
+                </a:solidFill>
+                <a:latin typeface="Calibri" pitchFamily="34" charset="0"/>
+                <a:ea typeface="隶书" pitchFamily="49" charset="-122"/>
+                <a:cs typeface="Calibri" pitchFamily="34" charset="0"/>
+              </a:rPr>
+              <a:t>）</a:t>
+            </a:r>
+            <a:endParaRPr lang="en-US" altLang="zh-CN" sz="4400" dirty="0" smtClean="0">
+              <a:solidFill>
+                <a:srgbClr val="FFFF00"/>
+              </a:solidFill>
+              <a:latin typeface="Calibri" pitchFamily="34" charset="0"/>
+              <a:ea typeface="隶书" pitchFamily="49" charset="-122"/>
+              <a:cs typeface="Calibri" pitchFamily="34" charset="0"/>
+            </a:endParaRPr>
+          </a:p>
+          <a:p>
+            <a:r>
+              <a:rPr lang="zh-CN" altLang="en-US" sz="4400" dirty="0" smtClean="0">
+                <a:solidFill>
+                  <a:srgbClr val="FFFF00"/>
+                </a:solidFill>
+                <a:latin typeface="Calibri" pitchFamily="34" charset="0"/>
+                <a:ea typeface="隶书" pitchFamily="49" charset="-122"/>
+                <a:cs typeface="Calibri" pitchFamily="34" charset="0"/>
+              </a:rPr>
+              <a:t>时间主要消耗在网络传输上</a:t>
+            </a:r>
+            <a:endParaRPr lang="en-US" altLang="zh-CN" sz="4400" dirty="0" smtClean="0">
+              <a:solidFill>
+                <a:srgbClr val="FFFF00"/>
+              </a:solidFill>
+              <a:latin typeface="Calibri" pitchFamily="34" charset="0"/>
+              <a:ea typeface="隶书" pitchFamily="49" charset="-122"/>
+              <a:cs typeface="Calibri" pitchFamily="34" charset="0"/>
+            </a:endParaRPr>
+          </a:p>
+          <a:p>
+            <a:r>
+              <a:rPr lang="zh-CN" altLang="en-US" sz="4400" dirty="0" smtClean="0">
+                <a:solidFill>
+                  <a:srgbClr val="FFFF00"/>
+                </a:solidFill>
+                <a:latin typeface="Calibri" pitchFamily="34" charset="0"/>
+                <a:ea typeface="隶书" pitchFamily="49" charset="-122"/>
+                <a:cs typeface="Calibri" pitchFamily="34" charset="0"/>
+              </a:rPr>
+              <a:t>多</a:t>
+            </a:r>
+            <a:r>
+              <a:rPr lang="zh-CN" altLang="en-US" sz="4400" dirty="0" smtClean="0">
+                <a:solidFill>
+                  <a:srgbClr val="FFFF00"/>
+                </a:solidFill>
+                <a:latin typeface="Calibri" pitchFamily="34" charset="0"/>
+                <a:ea typeface="隶书" pitchFamily="49" charset="-122"/>
+                <a:cs typeface="Calibri" pitchFamily="34" charset="0"/>
+              </a:rPr>
+              <a:t>线程需要同步，实现复杂</a:t>
+            </a:r>
+            <a:endParaRPr lang="en-US" altLang="zh-CN" sz="4400" dirty="0" smtClean="0">
+              <a:solidFill>
+                <a:srgbClr val="FFFF00"/>
+              </a:solidFill>
+              <a:latin typeface="Calibri" pitchFamily="34" charset="0"/>
+              <a:ea typeface="隶书" pitchFamily="49" charset="-122"/>
+              <a:cs typeface="Calibri" pitchFamily="34" charset="0"/>
+            </a:endParaRPr>
+          </a:p>
+          <a:p>
+            <a:r>
+              <a:rPr lang="zh-CN" altLang="en-US" sz="4400" dirty="0" smtClean="0">
+                <a:solidFill>
+                  <a:srgbClr val="FFFF00"/>
+                </a:solidFill>
+                <a:latin typeface="Calibri" pitchFamily="34" charset="0"/>
+                <a:ea typeface="隶书" pitchFamily="49" charset="-122"/>
+                <a:cs typeface="Calibri" pitchFamily="34" charset="0"/>
+              </a:rPr>
+              <a:t>线程加锁时间超过对内存操作时间</a:t>
+            </a:r>
+            <a:endParaRPr lang="en-US" altLang="zh-CN" sz="4400" dirty="0" smtClean="0">
+              <a:solidFill>
+                <a:srgbClr val="FFFF00"/>
+              </a:solidFill>
+              <a:latin typeface="Calibri" pitchFamily="34" charset="0"/>
+              <a:ea typeface="隶书" pitchFamily="49" charset="-122"/>
+              <a:cs typeface="Calibri" pitchFamily="34" charset="0"/>
+            </a:endParaRPr>
+          </a:p>
+          <a:p>
+            <a:r>
+              <a:rPr lang="zh-CN" altLang="en-US" sz="4400" dirty="0" smtClean="0">
+                <a:solidFill>
+                  <a:srgbClr val="FFFF00"/>
+                </a:solidFill>
+                <a:latin typeface="Calibri" pitchFamily="34" charset="0"/>
+                <a:ea typeface="隶书" pitchFamily="49" charset="-122"/>
+                <a:cs typeface="Calibri" pitchFamily="34" charset="0"/>
+              </a:rPr>
+              <a:t>多</a:t>
+            </a:r>
+            <a:r>
+              <a:rPr lang="zh-CN" altLang="en-US" sz="4400" dirty="0" smtClean="0">
+                <a:solidFill>
+                  <a:srgbClr val="FFFF00"/>
+                </a:solidFill>
+                <a:latin typeface="Calibri" pitchFamily="34" charset="0"/>
+                <a:ea typeface="隶书" pitchFamily="49" charset="-122"/>
+                <a:cs typeface="Calibri" pitchFamily="34" charset="0"/>
+              </a:rPr>
+              <a:t>线程上下文切换需要小号时间</a:t>
+            </a:r>
+            <a:endParaRPr lang="en-US" altLang="zh-CN" sz="4400" dirty="0" smtClean="0">
+              <a:solidFill>
+                <a:srgbClr val="FFFF00"/>
+              </a:solidFill>
+              <a:latin typeface="Calibri" pitchFamily="34" charset="0"/>
+              <a:ea typeface="隶书" pitchFamily="49" charset="-122"/>
+              <a:cs typeface="Calibri" pitchFamily="34" charset="0"/>
+            </a:endParaRPr>
+          </a:p>
+          <a:p>
+            <a:r>
+              <a:rPr lang="zh-CN" altLang="en-US" sz="4400" dirty="0" smtClean="0">
+                <a:solidFill>
+                  <a:srgbClr val="FFFF00"/>
+                </a:solidFill>
+                <a:latin typeface="Calibri" pitchFamily="34" charset="0"/>
+                <a:ea typeface="隶书" pitchFamily="49" charset="-122"/>
+                <a:cs typeface="Calibri" pitchFamily="34" charset="0"/>
+              </a:rPr>
+              <a:t>单</a:t>
+            </a:r>
+            <a:r>
+              <a:rPr lang="zh-CN" altLang="en-US" sz="4400" dirty="0" smtClean="0">
+                <a:solidFill>
+                  <a:srgbClr val="FFFF00"/>
+                </a:solidFill>
+                <a:latin typeface="Calibri" pitchFamily="34" charset="0"/>
+                <a:ea typeface="隶书" pitchFamily="49" charset="-122"/>
+                <a:cs typeface="Calibri" pitchFamily="34" charset="0"/>
+              </a:rPr>
+              <a:t>线程天然支持原子操作</a:t>
             </a:r>
             <a:endParaRPr lang="en-US" altLang="zh-CN" sz="4400" dirty="0" smtClean="0">
               <a:solidFill>
